--- a/Week3-Pipes-and-Iteration/Week 3-Pipes and Iteration.pptx
+++ b/Week3-Pipes-and-Iteration/Week 3-Pipes and Iteration.pptx
@@ -1,51 +1,51 @@
 
 <file path=ppt/presentation.xml><?xml version="1.0" encoding="utf-8"?>
-<p:presentation xmlns:a="http://schemas.openxmlformats.org/drawingml/2006/main" xmlns:r="http://schemas.openxmlformats.org/officeDocument/2006/relationships" xmlns:mc="http://schemas.openxmlformats.org/markup-compatibility/2006" xmlns:mv="urn:schemas-microsoft-com:mac:vml" xmlns:p="http://schemas.openxmlformats.org/presentationml/2006/main" xmlns:c="http://schemas.openxmlformats.org/drawingml/2006/chart" xmlns:dgm="http://schemas.openxmlformats.org/drawingml/2006/diagram" xmlns:o="urn:schemas-microsoft-com:office:office" xmlns:v="urn:schemas-microsoft-com:vml" xmlns:pvml="urn:schemas-microsoft-com:office:powerpoint" xmlns:com="http://schemas.openxmlformats.org/drawingml/2006/compatibility" xmlns:p14="http://schemas.microsoft.com/office/powerpoint/2010/main" xmlns:p15="http://schemas.microsoft.com/office/powerpoint/2012/main" xmlns:ahyp="http://schemas.microsoft.com/office/drawing/2018/hyperlinkcolor" autoCompressPictures="0" embedTrueTypeFonts="1" strictFirstAndLastChars="0" saveSubsetFonts="1">
+<p:presentation xmlns:a="http://schemas.openxmlformats.org/drawingml/2006/main" xmlns:r="http://schemas.openxmlformats.org/officeDocument/2006/relationships" xmlns:p="http://schemas.openxmlformats.org/presentationml/2006/main" strictFirstAndLastChars="0" embedTrueTypeFonts="1" saveSubsetFonts="1" autoCompressPictures="0">
   <p:sldMasterIdLst>
-    <p:sldMasterId id="2147483659" r:id="rId4"/>
+    <p:sldMasterId id="2147483659" r:id="rId1"/>
   </p:sldMasterIdLst>
   <p:notesMasterIdLst>
-    <p:notesMasterId r:id="rId5"/>
+    <p:notesMasterId r:id="rId21"/>
   </p:notesMasterIdLst>
   <p:sldIdLst>
-    <p:sldId id="256" r:id="rId6"/>
-    <p:sldId id="257" r:id="rId7"/>
-    <p:sldId id="258" r:id="rId8"/>
-    <p:sldId id="259" r:id="rId9"/>
-    <p:sldId id="260" r:id="rId10"/>
-    <p:sldId id="261" r:id="rId11"/>
-    <p:sldId id="262" r:id="rId12"/>
-    <p:sldId id="263" r:id="rId13"/>
-    <p:sldId id="264" r:id="rId14"/>
-    <p:sldId id="265" r:id="rId15"/>
-    <p:sldId id="266" r:id="rId16"/>
-    <p:sldId id="267" r:id="rId17"/>
-    <p:sldId id="268" r:id="rId18"/>
-    <p:sldId id="269" r:id="rId19"/>
-    <p:sldId id="270" r:id="rId20"/>
-    <p:sldId id="271" r:id="rId21"/>
-    <p:sldId id="272" r:id="rId22"/>
-    <p:sldId id="273" r:id="rId23"/>
-    <p:sldId id="274" r:id="rId24"/>
+    <p:sldId id="256" r:id="rId2"/>
+    <p:sldId id="257" r:id="rId3"/>
+    <p:sldId id="258" r:id="rId4"/>
+    <p:sldId id="259" r:id="rId5"/>
+    <p:sldId id="260" r:id="rId6"/>
+    <p:sldId id="261" r:id="rId7"/>
+    <p:sldId id="262" r:id="rId8"/>
+    <p:sldId id="263" r:id="rId9"/>
+    <p:sldId id="264" r:id="rId10"/>
+    <p:sldId id="265" r:id="rId11"/>
+    <p:sldId id="266" r:id="rId12"/>
+    <p:sldId id="267" r:id="rId13"/>
+    <p:sldId id="268" r:id="rId14"/>
+    <p:sldId id="269" r:id="rId15"/>
+    <p:sldId id="270" r:id="rId16"/>
+    <p:sldId id="271" r:id="rId17"/>
+    <p:sldId id="272" r:id="rId18"/>
+    <p:sldId id="273" r:id="rId19"/>
+    <p:sldId id="274" r:id="rId20"/>
   </p:sldIdLst>
-  <p:sldSz cy="5143500" cx="9144000"/>
+  <p:sldSz cx="9144000" cy="5143500" type="screen16x9"/>
   <p:notesSz cx="6858000" cy="9144000"/>
   <p:embeddedFontLst>
     <p:embeddedFont>
-      <p:font typeface="Roboto Slab"/>
-      <p:regular r:id="rId25"/>
-      <p:bold r:id="rId26"/>
+      <p:font typeface="Roboto" panose="02000000000000000000" pitchFamily="2" charset="0"/>
+      <p:regular r:id="rId22"/>
+      <p:bold r:id="rId23"/>
+      <p:italic r:id="rId24"/>
+      <p:boldItalic r:id="rId25"/>
     </p:embeddedFont>
     <p:embeddedFont>
-      <p:font typeface="Roboto"/>
-      <p:regular r:id="rId27"/>
-      <p:bold r:id="rId28"/>
-      <p:italic r:id="rId29"/>
-      <p:boldItalic r:id="rId30"/>
+      <p:font typeface="Roboto Slab" panose="020B0604020202020204" charset="0"/>
+      <p:regular r:id="rId26"/>
+      <p:bold r:id="rId27"/>
     </p:embeddedFont>
   </p:embeddedFontLst>
   <p:defaultTextStyle>
-    <a:defPPr lvl="0" marR="0" rtl="0" algn="l">
+    <a:defPPr marR="0" lvl="0" algn="l" rtl="0">
       <a:lnSpc>
         <a:spcPct val="100000"/>
       </a:lnSpc>
@@ -56,7 +56,7 @@
         <a:spcPts val="0"/>
       </a:spcAft>
     </a:defPPr>
-    <a:lvl1pPr lvl="0" marR="0" rtl="0" algn="l">
+    <a:lvl1pPr marR="0" lvl="0" algn="l" rtl="0">
       <a:lnSpc>
         <a:spcPct val="100000"/>
       </a:lnSpc>
@@ -70,7 +70,7 @@
         <a:srgbClr val="000000"/>
       </a:buClr>
       <a:buFont typeface="Arial"/>
-      <a:defRPr b="0" i="0" sz="1400" u="none" cap="none" strike="noStrike">
+      <a:defRPr sz="1400" b="0" i="0" u="none" strike="noStrike" cap="none">
         <a:solidFill>
           <a:srgbClr val="000000"/>
         </a:solidFill>
@@ -80,7 +80,7 @@
         <a:sym typeface="Arial"/>
       </a:defRPr>
     </a:lvl1pPr>
-    <a:lvl2pPr lvl="1" marR="0" rtl="0" algn="l">
+    <a:lvl2pPr marR="0" lvl="1" algn="l" rtl="0">
       <a:lnSpc>
         <a:spcPct val="100000"/>
       </a:lnSpc>
@@ -94,7 +94,7 @@
         <a:srgbClr val="000000"/>
       </a:buClr>
       <a:buFont typeface="Arial"/>
-      <a:defRPr b="0" i="0" sz="1400" u="none" cap="none" strike="noStrike">
+      <a:defRPr sz="1400" b="0" i="0" u="none" strike="noStrike" cap="none">
         <a:solidFill>
           <a:srgbClr val="000000"/>
         </a:solidFill>
@@ -104,7 +104,7 @@
         <a:sym typeface="Arial"/>
       </a:defRPr>
     </a:lvl2pPr>
-    <a:lvl3pPr lvl="2" marR="0" rtl="0" algn="l">
+    <a:lvl3pPr marR="0" lvl="2" algn="l" rtl="0">
       <a:lnSpc>
         <a:spcPct val="100000"/>
       </a:lnSpc>
@@ -118,7 +118,7 @@
         <a:srgbClr val="000000"/>
       </a:buClr>
       <a:buFont typeface="Arial"/>
-      <a:defRPr b="0" i="0" sz="1400" u="none" cap="none" strike="noStrike">
+      <a:defRPr sz="1400" b="0" i="0" u="none" strike="noStrike" cap="none">
         <a:solidFill>
           <a:srgbClr val="000000"/>
         </a:solidFill>
@@ -128,7 +128,7 @@
         <a:sym typeface="Arial"/>
       </a:defRPr>
     </a:lvl3pPr>
-    <a:lvl4pPr lvl="3" marR="0" rtl="0" algn="l">
+    <a:lvl4pPr marR="0" lvl="3" algn="l" rtl="0">
       <a:lnSpc>
         <a:spcPct val="100000"/>
       </a:lnSpc>
@@ -142,7 +142,7 @@
         <a:srgbClr val="000000"/>
       </a:buClr>
       <a:buFont typeface="Arial"/>
-      <a:defRPr b="0" i="0" sz="1400" u="none" cap="none" strike="noStrike">
+      <a:defRPr sz="1400" b="0" i="0" u="none" strike="noStrike" cap="none">
         <a:solidFill>
           <a:srgbClr val="000000"/>
         </a:solidFill>
@@ -152,7 +152,7 @@
         <a:sym typeface="Arial"/>
       </a:defRPr>
     </a:lvl4pPr>
-    <a:lvl5pPr lvl="4" marR="0" rtl="0" algn="l">
+    <a:lvl5pPr marR="0" lvl="4" algn="l" rtl="0">
       <a:lnSpc>
         <a:spcPct val="100000"/>
       </a:lnSpc>
@@ -166,7 +166,7 @@
         <a:srgbClr val="000000"/>
       </a:buClr>
       <a:buFont typeface="Arial"/>
-      <a:defRPr b="0" i="0" sz="1400" u="none" cap="none" strike="noStrike">
+      <a:defRPr sz="1400" b="0" i="0" u="none" strike="noStrike" cap="none">
         <a:solidFill>
           <a:srgbClr val="000000"/>
         </a:solidFill>
@@ -176,7 +176,7 @@
         <a:sym typeface="Arial"/>
       </a:defRPr>
     </a:lvl5pPr>
-    <a:lvl6pPr lvl="5" marR="0" rtl="0" algn="l">
+    <a:lvl6pPr marR="0" lvl="5" algn="l" rtl="0">
       <a:lnSpc>
         <a:spcPct val="100000"/>
       </a:lnSpc>
@@ -190,7 +190,7 @@
         <a:srgbClr val="000000"/>
       </a:buClr>
       <a:buFont typeface="Arial"/>
-      <a:defRPr b="0" i="0" sz="1400" u="none" cap="none" strike="noStrike">
+      <a:defRPr sz="1400" b="0" i="0" u="none" strike="noStrike" cap="none">
         <a:solidFill>
           <a:srgbClr val="000000"/>
         </a:solidFill>
@@ -200,7 +200,7 @@
         <a:sym typeface="Arial"/>
       </a:defRPr>
     </a:lvl6pPr>
-    <a:lvl7pPr lvl="6" marR="0" rtl="0" algn="l">
+    <a:lvl7pPr marR="0" lvl="6" algn="l" rtl="0">
       <a:lnSpc>
         <a:spcPct val="100000"/>
       </a:lnSpc>
@@ -214,7 +214,7 @@
         <a:srgbClr val="000000"/>
       </a:buClr>
       <a:buFont typeface="Arial"/>
-      <a:defRPr b="0" i="0" sz="1400" u="none" cap="none" strike="noStrike">
+      <a:defRPr sz="1400" b="0" i="0" u="none" strike="noStrike" cap="none">
         <a:solidFill>
           <a:srgbClr val="000000"/>
         </a:solidFill>
@@ -224,7 +224,7 @@
         <a:sym typeface="Arial"/>
       </a:defRPr>
     </a:lvl7pPr>
-    <a:lvl8pPr lvl="7" marR="0" rtl="0" algn="l">
+    <a:lvl8pPr marR="0" lvl="7" algn="l" rtl="0">
       <a:lnSpc>
         <a:spcPct val="100000"/>
       </a:lnSpc>
@@ -238,7 +238,7 @@
         <a:srgbClr val="000000"/>
       </a:buClr>
       <a:buFont typeface="Arial"/>
-      <a:defRPr b="0" i="0" sz="1400" u="none" cap="none" strike="noStrike">
+      <a:defRPr sz="1400" b="0" i="0" u="none" strike="noStrike" cap="none">
         <a:solidFill>
           <a:srgbClr val="000000"/>
         </a:solidFill>
@@ -248,7 +248,7 @@
         <a:sym typeface="Arial"/>
       </a:defRPr>
     </a:lvl8pPr>
-    <a:lvl9pPr lvl="8" marR="0" rtl="0" algn="l">
+    <a:lvl9pPr marR="0" lvl="8" algn="l" rtl="0">
       <a:lnSpc>
         <a:spcPct val="100000"/>
       </a:lnSpc>
@@ -262,7 +262,7 @@
         <a:srgbClr val="000000"/>
       </a:buClr>
       <a:buFont typeface="Arial"/>
-      <a:defRPr b="0" i="0" sz="1400" u="none" cap="none" strike="noStrike">
+      <a:defRPr sz="1400" b="0" i="0" u="none" strike="noStrike" cap="none">
         <a:solidFill>
           <a:srgbClr val="000000"/>
         </a:solidFill>
@@ -275,7 +275,7 @@
   </p:defaultTextStyle>
   <p:extLst>
     <p:ext uri="{EFAFB233-063F-42B5-8137-9DF3F51BA10A}">
-      <p15:sldGuideLst>
+      <p15:sldGuideLst xmlns:p15="http://schemas.microsoft.com/office/powerpoint/2012/main">
         <p15:guide id="1" orient="horz" pos="1620">
           <p15:clr>
             <a:srgbClr val="A4A3A4"/>
@@ -293,11 +293,16 @@
 </file>
 
 <file path=ppt/notesMasters/notesMaster1.xml><?xml version="1.0" encoding="utf-8"?>
-<p:notesMaster xmlns:a="http://schemas.openxmlformats.org/drawingml/2006/main" xmlns:r="http://schemas.openxmlformats.org/officeDocument/2006/relationships" xmlns:mc="http://schemas.openxmlformats.org/markup-compatibility/2006" xmlns:mv="urn:schemas-microsoft-com:mac:vml" xmlns:p="http://schemas.openxmlformats.org/presentationml/2006/main" xmlns:c="http://schemas.openxmlformats.org/drawingml/2006/chart" xmlns:dgm="http://schemas.openxmlformats.org/drawingml/2006/diagram" xmlns:o="urn:schemas-microsoft-com:office:office" xmlns:v="urn:schemas-microsoft-com:vml" xmlns:pvml="urn:schemas-microsoft-com:office:powerpoint" xmlns:com="http://schemas.openxmlformats.org/drawingml/2006/compatibility" xmlns:p14="http://schemas.microsoft.com/office/powerpoint/2010/main" xmlns:p15="http://schemas.microsoft.com/office/powerpoint/2012/main" xmlns:ahyp="http://schemas.microsoft.com/office/drawing/2018/hyperlinkcolor">
+<p:notesMaster xmlns:a="http://schemas.openxmlformats.org/drawingml/2006/main" xmlns:r="http://schemas.openxmlformats.org/officeDocument/2006/relationships" xmlns:p="http://schemas.openxmlformats.org/presentationml/2006/main">
   <p:cSld>
+    <p:bg>
+      <p:bgRef idx="1001">
+        <a:schemeClr val="bg1"/>
+      </p:bgRef>
+    </p:bg>
     <p:spTree>
       <p:nvGrpSpPr>
-        <p:cNvPr id="2" name="Shape 2"/>
+        <p:cNvPr id="1" name="Shape 2"/>
         <p:cNvGrpSpPr/>
         <p:nvPr/>
       </p:nvGrpSpPr>
@@ -312,9 +317,11 @@
       <p:sp>
         <p:nvSpPr>
           <p:cNvPr id="3" name="Google Shape;3;n"/>
-          <p:cNvSpPr/>
+          <p:cNvSpPr>
+            <a:spLocks noGrp="1" noRot="1" noChangeAspect="1"/>
+          </p:cNvSpPr>
           <p:nvPr>
-            <p:ph idx="2" type="sldImg"/>
+            <p:ph type="sldImg" idx="2"/>
           </p:nvPr>
         </p:nvSpPr>
         <p:spPr>
@@ -323,9 +330,13 @@
             <a:ext cx="6096075" cy="3429000"/>
           </a:xfrm>
           <a:custGeom>
-            <a:rect b="b" l="l" r="r" t="t"/>
+            <a:avLst/>
+            <a:gdLst/>
+            <a:ahLst/>
+            <a:cxnLst/>
+            <a:rect l="l" t="t" r="r" b="b"/>
             <a:pathLst>
-              <a:path extrusionOk="0" h="120000" w="120000">
+              <a:path w="120000" h="120000" extrusionOk="0">
                 <a:moveTo>
                   <a:pt x="0" y="0"/>
                 </a:moveTo>
@@ -343,23 +354,25 @@
             </a:pathLst>
           </a:custGeom>
           <a:noFill/>
-          <a:ln cap="flat" cmpd="sng" w="9525">
+          <a:ln w="9525" cap="flat" cmpd="sng">
             <a:solidFill>
               <a:srgbClr val="000000"/>
             </a:solidFill>
             <a:prstDash val="solid"/>
             <a:round/>
-            <a:headEnd len="sm" w="sm" type="none"/>
-            <a:tailEnd len="sm" w="sm" type="none"/>
+            <a:headEnd type="none" w="sm" len="sm"/>
+            <a:tailEnd type="none" w="sm" len="sm"/>
           </a:ln>
         </p:spPr>
       </p:sp>
       <p:sp>
         <p:nvSpPr>
           <p:cNvPr id="4" name="Google Shape;4;n"/>
-          <p:cNvSpPr txBox="1"/>
+          <p:cNvSpPr txBox="1">
+            <a:spLocks noGrp="1"/>
+          </p:cNvSpPr>
           <p:nvPr>
-            <p:ph idx="1" type="body"/>
+            <p:ph type="body" idx="1"/>
           </p:nvPr>
         </p:nvSpPr>
         <p:spPr>
@@ -376,11 +389,11 @@
           </a:ln>
         </p:spPr>
         <p:txBody>
-          <a:bodyPr anchorCtr="0" anchor="t" bIns="91425" lIns="91425" spcFirstLastPara="1" rIns="91425" wrap="square" tIns="91425">
+          <a:bodyPr spcFirstLastPara="1" wrap="square" lIns="91425" tIns="91425" rIns="91425" bIns="91425" anchor="t" anchorCtr="0">
             <a:noAutofit/>
           </a:bodyPr>
           <a:lstStyle>
-            <a:lvl1pPr indent="-298450" lvl="0" marL="457200">
+            <a:lvl1pPr marL="457200" lvl="0" indent="-298450">
               <a:spcBef>
                 <a:spcPts val="0"/>
               </a:spcBef>
@@ -391,7 +404,7 @@
               <a:buChar char="●"/>
               <a:defRPr sz="1100"/>
             </a:lvl1pPr>
-            <a:lvl2pPr indent="-298450" lvl="1" marL="914400">
+            <a:lvl2pPr marL="914400" lvl="1" indent="-298450">
               <a:spcBef>
                 <a:spcPts val="0"/>
               </a:spcBef>
@@ -402,7 +415,7 @@
               <a:buChar char="○"/>
               <a:defRPr sz="1100"/>
             </a:lvl2pPr>
-            <a:lvl3pPr indent="-298450" lvl="2" marL="1371600">
+            <a:lvl3pPr marL="1371600" lvl="2" indent="-298450">
               <a:spcBef>
                 <a:spcPts val="0"/>
               </a:spcBef>
@@ -413,7 +426,7 @@
               <a:buChar char="■"/>
               <a:defRPr sz="1100"/>
             </a:lvl3pPr>
-            <a:lvl4pPr indent="-298450" lvl="3" marL="1828800">
+            <a:lvl4pPr marL="1828800" lvl="3" indent="-298450">
               <a:spcBef>
                 <a:spcPts val="0"/>
               </a:spcBef>
@@ -424,7 +437,7 @@
               <a:buChar char="●"/>
               <a:defRPr sz="1100"/>
             </a:lvl4pPr>
-            <a:lvl5pPr indent="-298450" lvl="4" marL="2286000">
+            <a:lvl5pPr marL="2286000" lvl="4" indent="-298450">
               <a:spcBef>
                 <a:spcPts val="0"/>
               </a:spcBef>
@@ -435,7 +448,7 @@
               <a:buChar char="○"/>
               <a:defRPr sz="1100"/>
             </a:lvl5pPr>
-            <a:lvl6pPr indent="-298450" lvl="5" marL="2743200">
+            <a:lvl6pPr marL="2743200" lvl="5" indent="-298450">
               <a:spcBef>
                 <a:spcPts val="0"/>
               </a:spcBef>
@@ -446,7 +459,7 @@
               <a:buChar char="■"/>
               <a:defRPr sz="1100"/>
             </a:lvl6pPr>
-            <a:lvl7pPr indent="-298450" lvl="6" marL="3200400">
+            <a:lvl7pPr marL="3200400" lvl="6" indent="-298450">
               <a:spcBef>
                 <a:spcPts val="0"/>
               </a:spcBef>
@@ -457,7 +470,7 @@
               <a:buChar char="●"/>
               <a:defRPr sz="1100"/>
             </a:lvl7pPr>
-            <a:lvl8pPr indent="-298450" lvl="7" marL="3657600">
+            <a:lvl8pPr marL="3657600" lvl="7" indent="-298450">
               <a:spcBef>
                 <a:spcPts val="0"/>
               </a:spcBef>
@@ -468,7 +481,7 @@
               <a:buChar char="○"/>
               <a:defRPr sz="1100"/>
             </a:lvl8pPr>
-            <a:lvl9pPr indent="-298450" lvl="8" marL="4114800">
+            <a:lvl9pPr marL="4114800" lvl="8" indent="-298450">
               <a:spcBef>
                 <a:spcPts val="0"/>
               </a:spcBef>
@@ -480,14 +493,16 @@
               <a:defRPr sz="1100"/>
             </a:lvl9pPr>
           </a:lstStyle>
-          <a:p/>
+          <a:p>
+            <a:endParaRPr/>
+          </a:p>
         </p:txBody>
       </p:sp>
     </p:spTree>
   </p:cSld>
-  <p:clrMap accent1="accent1" accent2="accent2" accent3="accent3" accent4="accent4" accent5="accent5" accent6="accent6" bg1="lt1" bg2="dk2" tx1="dk1" tx2="lt2" folHlink="folHlink" hlink="hlink"/>
+  <p:clrMap bg1="lt1" tx1="dk1" bg2="dk2" tx2="lt2" accent1="accent1" accent2="accent2" accent3="accent3" accent4="accent4" accent5="accent5" accent6="accent6" hlink="hlink" folHlink="folHlink"/>
   <p:notesStyle>
-    <a:defPPr lvl="0" marR="0" rtl="0" algn="l">
+    <a:defPPr marR="0" lvl="0" algn="l" rtl="0">
       <a:lnSpc>
         <a:spcPct val="100000"/>
       </a:lnSpc>
@@ -498,7 +513,7 @@
         <a:spcPts val="0"/>
       </a:spcAft>
     </a:defPPr>
-    <a:lvl1pPr lvl="0" marR="0" rtl="0" algn="l">
+    <a:lvl1pPr marR="0" lvl="0" algn="l" rtl="0">
       <a:lnSpc>
         <a:spcPct val="100000"/>
       </a:lnSpc>
@@ -512,7 +527,7 @@
         <a:srgbClr val="000000"/>
       </a:buClr>
       <a:buFont typeface="Arial"/>
-      <a:defRPr b="0" i="0" sz="1400" u="none" cap="none" strike="noStrike">
+      <a:defRPr sz="1400" b="0" i="0" u="none" strike="noStrike" cap="none">
         <a:solidFill>
           <a:srgbClr val="000000"/>
         </a:solidFill>
@@ -522,7 +537,7 @@
         <a:sym typeface="Arial"/>
       </a:defRPr>
     </a:lvl1pPr>
-    <a:lvl2pPr lvl="1" marR="0" rtl="0" algn="l">
+    <a:lvl2pPr marR="0" lvl="1" algn="l" rtl="0">
       <a:lnSpc>
         <a:spcPct val="100000"/>
       </a:lnSpc>
@@ -536,7 +551,7 @@
         <a:srgbClr val="000000"/>
       </a:buClr>
       <a:buFont typeface="Arial"/>
-      <a:defRPr b="0" i="0" sz="1400" u="none" cap="none" strike="noStrike">
+      <a:defRPr sz="1400" b="0" i="0" u="none" strike="noStrike" cap="none">
         <a:solidFill>
           <a:srgbClr val="000000"/>
         </a:solidFill>
@@ -546,7 +561,7 @@
         <a:sym typeface="Arial"/>
       </a:defRPr>
     </a:lvl2pPr>
-    <a:lvl3pPr lvl="2" marR="0" rtl="0" algn="l">
+    <a:lvl3pPr marR="0" lvl="2" algn="l" rtl="0">
       <a:lnSpc>
         <a:spcPct val="100000"/>
       </a:lnSpc>
@@ -560,7 +575,7 @@
         <a:srgbClr val="000000"/>
       </a:buClr>
       <a:buFont typeface="Arial"/>
-      <a:defRPr b="0" i="0" sz="1400" u="none" cap="none" strike="noStrike">
+      <a:defRPr sz="1400" b="0" i="0" u="none" strike="noStrike" cap="none">
         <a:solidFill>
           <a:srgbClr val="000000"/>
         </a:solidFill>
@@ -570,7 +585,7 @@
         <a:sym typeface="Arial"/>
       </a:defRPr>
     </a:lvl3pPr>
-    <a:lvl4pPr lvl="3" marR="0" rtl="0" algn="l">
+    <a:lvl4pPr marR="0" lvl="3" algn="l" rtl="0">
       <a:lnSpc>
         <a:spcPct val="100000"/>
       </a:lnSpc>
@@ -584,7 +599,7 @@
         <a:srgbClr val="000000"/>
       </a:buClr>
       <a:buFont typeface="Arial"/>
-      <a:defRPr b="0" i="0" sz="1400" u="none" cap="none" strike="noStrike">
+      <a:defRPr sz="1400" b="0" i="0" u="none" strike="noStrike" cap="none">
         <a:solidFill>
           <a:srgbClr val="000000"/>
         </a:solidFill>
@@ -594,7 +609,7 @@
         <a:sym typeface="Arial"/>
       </a:defRPr>
     </a:lvl4pPr>
-    <a:lvl5pPr lvl="4" marR="0" rtl="0" algn="l">
+    <a:lvl5pPr marR="0" lvl="4" algn="l" rtl="0">
       <a:lnSpc>
         <a:spcPct val="100000"/>
       </a:lnSpc>
@@ -608,7 +623,7 @@
         <a:srgbClr val="000000"/>
       </a:buClr>
       <a:buFont typeface="Arial"/>
-      <a:defRPr b="0" i="0" sz="1400" u="none" cap="none" strike="noStrike">
+      <a:defRPr sz="1400" b="0" i="0" u="none" strike="noStrike" cap="none">
         <a:solidFill>
           <a:srgbClr val="000000"/>
         </a:solidFill>
@@ -618,7 +633,7 @@
         <a:sym typeface="Arial"/>
       </a:defRPr>
     </a:lvl5pPr>
-    <a:lvl6pPr lvl="5" marR="0" rtl="0" algn="l">
+    <a:lvl6pPr marR="0" lvl="5" algn="l" rtl="0">
       <a:lnSpc>
         <a:spcPct val="100000"/>
       </a:lnSpc>
@@ -632,7 +647,7 @@
         <a:srgbClr val="000000"/>
       </a:buClr>
       <a:buFont typeface="Arial"/>
-      <a:defRPr b="0" i="0" sz="1400" u="none" cap="none" strike="noStrike">
+      <a:defRPr sz="1400" b="0" i="0" u="none" strike="noStrike" cap="none">
         <a:solidFill>
           <a:srgbClr val="000000"/>
         </a:solidFill>
@@ -642,7 +657,7 @@
         <a:sym typeface="Arial"/>
       </a:defRPr>
     </a:lvl6pPr>
-    <a:lvl7pPr lvl="6" marR="0" rtl="0" algn="l">
+    <a:lvl7pPr marR="0" lvl="6" algn="l" rtl="0">
       <a:lnSpc>
         <a:spcPct val="100000"/>
       </a:lnSpc>
@@ -656,7 +671,7 @@
         <a:srgbClr val="000000"/>
       </a:buClr>
       <a:buFont typeface="Arial"/>
-      <a:defRPr b="0" i="0" sz="1400" u="none" cap="none" strike="noStrike">
+      <a:defRPr sz="1400" b="0" i="0" u="none" strike="noStrike" cap="none">
         <a:solidFill>
           <a:srgbClr val="000000"/>
         </a:solidFill>
@@ -666,7 +681,7 @@
         <a:sym typeface="Arial"/>
       </a:defRPr>
     </a:lvl7pPr>
-    <a:lvl8pPr lvl="7" marR="0" rtl="0" algn="l">
+    <a:lvl8pPr marR="0" lvl="7" algn="l" rtl="0">
       <a:lnSpc>
         <a:spcPct val="100000"/>
       </a:lnSpc>
@@ -680,7 +695,7 @@
         <a:srgbClr val="000000"/>
       </a:buClr>
       <a:buFont typeface="Arial"/>
-      <a:defRPr b="0" i="0" sz="1400" u="none" cap="none" strike="noStrike">
+      <a:defRPr sz="1400" b="0" i="0" u="none" strike="noStrike" cap="none">
         <a:solidFill>
           <a:srgbClr val="000000"/>
         </a:solidFill>
@@ -690,7 +705,7 @@
         <a:sym typeface="Arial"/>
       </a:defRPr>
     </a:lvl8pPr>
-    <a:lvl9pPr lvl="8" marR="0" rtl="0" algn="l">
+    <a:lvl9pPr marR="0" lvl="8" algn="l" rtl="0">
       <a:lnSpc>
         <a:spcPct val="100000"/>
       </a:lnSpc>
@@ -704,7 +719,7 @@
         <a:srgbClr val="000000"/>
       </a:buClr>
       <a:buFont typeface="Arial"/>
-      <a:defRPr b="0" i="0" sz="1400" u="none" cap="none" strike="noStrike">
+      <a:defRPr sz="1400" b="0" i="0" u="none" strike="noStrike" cap="none">
         <a:solidFill>
           <a:srgbClr val="000000"/>
         </a:solidFill>
@@ -719,11 +734,11 @@
 </file>
 
 <file path=ppt/notesSlides/notesSlide1.xml><?xml version="1.0" encoding="utf-8"?>
-<p:notes xmlns:a="http://schemas.openxmlformats.org/drawingml/2006/main" xmlns:r="http://schemas.openxmlformats.org/officeDocument/2006/relationships" xmlns:mc="http://schemas.openxmlformats.org/markup-compatibility/2006" xmlns:mv="urn:schemas-microsoft-com:mac:vml" xmlns:p="http://schemas.openxmlformats.org/presentationml/2006/main" xmlns:c="http://schemas.openxmlformats.org/drawingml/2006/chart" xmlns:dgm="http://schemas.openxmlformats.org/drawingml/2006/diagram" xmlns:o="urn:schemas-microsoft-com:office:office" xmlns:v="urn:schemas-microsoft-com:vml" xmlns:pvml="urn:schemas-microsoft-com:office:powerpoint" xmlns:com="http://schemas.openxmlformats.org/drawingml/2006/compatibility" xmlns:p14="http://schemas.microsoft.com/office/powerpoint/2010/main" xmlns:p15="http://schemas.microsoft.com/office/powerpoint/2012/main" xmlns:ahyp="http://schemas.microsoft.com/office/drawing/2018/hyperlinkcolor" showMasterPhAnim="0" showMasterSp="0">
+<p:notes xmlns:a="http://schemas.openxmlformats.org/drawingml/2006/main" xmlns:r="http://schemas.openxmlformats.org/officeDocument/2006/relationships" xmlns:p="http://schemas.openxmlformats.org/presentationml/2006/main" showMasterSp="0" showMasterPhAnim="0">
   <p:cSld>
     <p:spTree>
       <p:nvGrpSpPr>
-        <p:cNvPr id="59" name="Shape 59"/>
+        <p:cNvPr id="1" name="Shape 59"/>
         <p:cNvGrpSpPr/>
         <p:nvPr/>
       </p:nvGrpSpPr>
@@ -738,9 +753,11 @@
       <p:sp>
         <p:nvSpPr>
           <p:cNvPr id="60" name="Google Shape;60;p:notes"/>
-          <p:cNvSpPr/>
+          <p:cNvSpPr>
+            <a:spLocks noGrp="1" noRot="1" noChangeAspect="1"/>
+          </p:cNvSpPr>
           <p:nvPr>
-            <p:ph idx="2" type="sldImg"/>
+            <p:ph type="sldImg" idx="2"/>
           </p:nvPr>
         </p:nvSpPr>
         <p:spPr>
@@ -749,9 +766,13 @@
             <a:ext cx="6096075" cy="3429000"/>
           </a:xfrm>
           <a:custGeom>
-            <a:rect b="b" l="l" r="r" t="t"/>
+            <a:avLst/>
+            <a:gdLst/>
+            <a:ahLst/>
+            <a:cxnLst/>
+            <a:rect l="l" t="t" r="r" b="b"/>
             <a:pathLst>
-              <a:path extrusionOk="0" h="120000" w="120000">
+              <a:path w="120000" h="120000" extrusionOk="0">
                 <a:moveTo>
                   <a:pt x="0" y="0"/>
                 </a:moveTo>
@@ -773,9 +794,11 @@
       <p:sp>
         <p:nvSpPr>
           <p:cNvPr id="61" name="Google Shape;61;p:notes"/>
-          <p:cNvSpPr txBox="1"/>
+          <p:cNvSpPr txBox="1">
+            <a:spLocks noGrp="1"/>
+          </p:cNvSpPr>
           <p:nvPr>
-            <p:ph idx="1" type="body"/>
+            <p:ph type="body" idx="1"/>
           </p:nvPr>
         </p:nvSpPr>
         <p:spPr>
@@ -788,12 +811,12 @@
           </a:prstGeom>
         </p:spPr>
         <p:txBody>
-          <a:bodyPr anchorCtr="0" anchor="t" bIns="91425" lIns="91425" spcFirstLastPara="1" rIns="91425" wrap="square" tIns="91425">
+          <a:bodyPr spcFirstLastPara="1" wrap="square" lIns="91425" tIns="91425" rIns="91425" bIns="91425" anchor="t" anchorCtr="0">
             <a:noAutofit/>
           </a:bodyPr>
           <a:lstStyle/>
           <a:p>
-            <a:pPr indent="0" lvl="0" marL="0" rtl="0" algn="l">
+            <a:pPr marL="0" lvl="0" indent="0" algn="l" rtl="0">
               <a:spcBef>
                 <a:spcPts val="0"/>
               </a:spcBef>
@@ -807,40 +830,34 @@
                 <a:solidFill>
                   <a:schemeClr val="hlink"/>
                 </a:solidFill>
-                <a:hlinkClick r:id="rId2"/>
+                <a:hlinkClick r:id="rId3"/>
               </a:rPr>
               <a:t>https://r4ds.had.co.nz/iteration.html</a:t>
             </a:r>
             <a:endParaRPr/>
           </a:p>
           <a:p>
-            <a:pPr indent="0" lvl="0" marL="0" rtl="0" algn="l">
-              <a:spcBef>
-                <a:spcPts val="0"/>
-              </a:spcBef>
-              <a:spcAft>
-                <a:spcPts val="0"/>
-              </a:spcAft>
-              <a:buNone/>
-            </a:pPr>
-            <a:r>
-              <a:t/>
-            </a:r>
-            <a:endParaRPr/>
-          </a:p>
-          <a:p>
-            <a:pPr indent="0" lvl="0" marL="0" rtl="0" algn="l">
-              <a:spcBef>
-                <a:spcPts val="0"/>
-              </a:spcBef>
-              <a:spcAft>
-                <a:spcPts val="0"/>
-              </a:spcAft>
-              <a:buNone/>
-            </a:pPr>
-            <a:r>
-              <a:t/>
-            </a:r>
+            <a:pPr marL="0" lvl="0" indent="0" algn="l" rtl="0">
+              <a:spcBef>
+                <a:spcPts val="0"/>
+              </a:spcBef>
+              <a:spcAft>
+                <a:spcPts val="0"/>
+              </a:spcAft>
+              <a:buNone/>
+            </a:pPr>
+            <a:endParaRPr/>
+          </a:p>
+          <a:p>
+            <a:pPr marL="0" lvl="0" indent="0" algn="l" rtl="0">
+              <a:spcBef>
+                <a:spcPts val="0"/>
+              </a:spcBef>
+              <a:spcAft>
+                <a:spcPts val="0"/>
+              </a:spcAft>
+              <a:buNone/>
+            </a:pPr>
             <a:endParaRPr/>
           </a:p>
         </p:txBody>
@@ -854,11 +871,11 @@
 </file>
 
 <file path=ppt/notesSlides/notesSlide10.xml><?xml version="1.0" encoding="utf-8"?>
-<p:notes xmlns:a="http://schemas.openxmlformats.org/drawingml/2006/main" xmlns:r="http://schemas.openxmlformats.org/officeDocument/2006/relationships" xmlns:mc="http://schemas.openxmlformats.org/markup-compatibility/2006" xmlns:mv="urn:schemas-microsoft-com:mac:vml" xmlns:p="http://schemas.openxmlformats.org/presentationml/2006/main" xmlns:c="http://schemas.openxmlformats.org/drawingml/2006/chart" xmlns:dgm="http://schemas.openxmlformats.org/drawingml/2006/diagram" xmlns:o="urn:schemas-microsoft-com:office:office" xmlns:v="urn:schemas-microsoft-com:vml" xmlns:pvml="urn:schemas-microsoft-com:office:powerpoint" xmlns:com="http://schemas.openxmlformats.org/drawingml/2006/compatibility" xmlns:p14="http://schemas.microsoft.com/office/powerpoint/2010/main" xmlns:p15="http://schemas.microsoft.com/office/powerpoint/2012/main" xmlns:ahyp="http://schemas.microsoft.com/office/drawing/2018/hyperlinkcolor" showMasterPhAnim="0" showMasterSp="0">
+<p:notes xmlns:a="http://schemas.openxmlformats.org/drawingml/2006/main" xmlns:r="http://schemas.openxmlformats.org/officeDocument/2006/relationships" xmlns:p="http://schemas.openxmlformats.org/presentationml/2006/main" showMasterSp="0" showMasterPhAnim="0">
   <p:cSld>
     <p:spTree>
       <p:nvGrpSpPr>
-        <p:cNvPr id="114" name="Shape 114"/>
+        <p:cNvPr id="1" name="Shape 114"/>
         <p:cNvGrpSpPr/>
         <p:nvPr/>
       </p:nvGrpSpPr>
@@ -873,9 +890,11 @@
       <p:sp>
         <p:nvSpPr>
           <p:cNvPr id="115" name="Google Shape;115;gda1ec38e3c_0_94:notes"/>
-          <p:cNvSpPr/>
+          <p:cNvSpPr>
+            <a:spLocks noGrp="1" noRot="1" noChangeAspect="1"/>
+          </p:cNvSpPr>
           <p:nvPr>
-            <p:ph idx="2" type="sldImg"/>
+            <p:ph type="sldImg" idx="2"/>
           </p:nvPr>
         </p:nvSpPr>
         <p:spPr>
@@ -884,9 +903,13 @@
             <a:ext cx="6096000" cy="3429000"/>
           </a:xfrm>
           <a:custGeom>
-            <a:rect b="b" l="l" r="r" t="t"/>
+            <a:avLst/>
+            <a:gdLst/>
+            <a:ahLst/>
+            <a:cxnLst/>
+            <a:rect l="l" t="t" r="r" b="b"/>
             <a:pathLst>
-              <a:path extrusionOk="0" h="120000" w="120000">
+              <a:path w="120000" h="120000" extrusionOk="0">
                 <a:moveTo>
                   <a:pt x="0" y="0"/>
                 </a:moveTo>
@@ -908,9 +931,11 @@
       <p:sp>
         <p:nvSpPr>
           <p:cNvPr id="116" name="Google Shape;116;gda1ec38e3c_0_94:notes"/>
-          <p:cNvSpPr txBox="1"/>
+          <p:cNvSpPr txBox="1">
+            <a:spLocks noGrp="1"/>
+          </p:cNvSpPr>
           <p:nvPr>
-            <p:ph idx="1" type="body"/>
+            <p:ph type="body" idx="1"/>
           </p:nvPr>
         </p:nvSpPr>
         <p:spPr>
@@ -923,23 +948,20 @@
           </a:prstGeom>
         </p:spPr>
         <p:txBody>
-          <a:bodyPr anchorCtr="0" anchor="t" bIns="91425" lIns="91425" spcFirstLastPara="1" rIns="91425" wrap="square" tIns="91425">
+          <a:bodyPr spcFirstLastPara="1" wrap="square" lIns="91425" tIns="91425" rIns="91425" bIns="91425" anchor="t" anchorCtr="0">
             <a:noAutofit/>
           </a:bodyPr>
           <a:lstStyle/>
           <a:p>
-            <a:pPr indent="0" lvl="0" marL="0" rtl="0" algn="l">
-              <a:spcBef>
-                <a:spcPts val="0"/>
-              </a:spcBef>
-              <a:spcAft>
-                <a:spcPts val="0"/>
-              </a:spcAft>
-              <a:buNone/>
-            </a:pPr>
-            <a:r>
-              <a:t/>
-            </a:r>
+            <a:pPr marL="0" lvl="0" indent="0" algn="l" rtl="0">
+              <a:spcBef>
+                <a:spcPts val="0"/>
+              </a:spcBef>
+              <a:spcAft>
+                <a:spcPts val="0"/>
+              </a:spcAft>
+              <a:buNone/>
+            </a:pPr>
             <a:endParaRPr/>
           </a:p>
         </p:txBody>
@@ -953,11 +975,11 @@
 </file>
 
 <file path=ppt/notesSlides/notesSlide11.xml><?xml version="1.0" encoding="utf-8"?>
-<p:notes xmlns:a="http://schemas.openxmlformats.org/drawingml/2006/main" xmlns:r="http://schemas.openxmlformats.org/officeDocument/2006/relationships" xmlns:mc="http://schemas.openxmlformats.org/markup-compatibility/2006" xmlns:mv="urn:schemas-microsoft-com:mac:vml" xmlns:p="http://schemas.openxmlformats.org/presentationml/2006/main" xmlns:c="http://schemas.openxmlformats.org/drawingml/2006/chart" xmlns:dgm="http://schemas.openxmlformats.org/drawingml/2006/diagram" xmlns:o="urn:schemas-microsoft-com:office:office" xmlns:v="urn:schemas-microsoft-com:vml" xmlns:pvml="urn:schemas-microsoft-com:office:powerpoint" xmlns:com="http://schemas.openxmlformats.org/drawingml/2006/compatibility" xmlns:p14="http://schemas.microsoft.com/office/powerpoint/2010/main" xmlns:p15="http://schemas.microsoft.com/office/powerpoint/2012/main" xmlns:ahyp="http://schemas.microsoft.com/office/drawing/2018/hyperlinkcolor" showMasterPhAnim="0" showMasterSp="0">
+<p:notes xmlns:a="http://schemas.openxmlformats.org/drawingml/2006/main" xmlns:r="http://schemas.openxmlformats.org/officeDocument/2006/relationships" xmlns:p="http://schemas.openxmlformats.org/presentationml/2006/main" showMasterSp="0" showMasterPhAnim="0">
   <p:cSld>
     <p:spTree>
       <p:nvGrpSpPr>
-        <p:cNvPr id="120" name="Shape 120"/>
+        <p:cNvPr id="1" name="Shape 120"/>
         <p:cNvGrpSpPr/>
         <p:nvPr/>
       </p:nvGrpSpPr>
@@ -972,9 +994,11 @@
       <p:sp>
         <p:nvSpPr>
           <p:cNvPr id="121" name="Google Shape;121;gda1ec38e3c_0_99:notes"/>
-          <p:cNvSpPr/>
+          <p:cNvSpPr>
+            <a:spLocks noGrp="1" noRot="1" noChangeAspect="1"/>
+          </p:cNvSpPr>
           <p:nvPr>
-            <p:ph idx="2" type="sldImg"/>
+            <p:ph type="sldImg" idx="2"/>
           </p:nvPr>
         </p:nvSpPr>
         <p:spPr>
@@ -983,9 +1007,13 @@
             <a:ext cx="6096000" cy="3429000"/>
           </a:xfrm>
           <a:custGeom>
-            <a:rect b="b" l="l" r="r" t="t"/>
+            <a:avLst/>
+            <a:gdLst/>
+            <a:ahLst/>
+            <a:cxnLst/>
+            <a:rect l="l" t="t" r="r" b="b"/>
             <a:pathLst>
-              <a:path extrusionOk="0" h="120000" w="120000">
+              <a:path w="120000" h="120000" extrusionOk="0">
                 <a:moveTo>
                   <a:pt x="0" y="0"/>
                 </a:moveTo>
@@ -1007,9 +1035,11 @@
       <p:sp>
         <p:nvSpPr>
           <p:cNvPr id="122" name="Google Shape;122;gda1ec38e3c_0_99:notes"/>
-          <p:cNvSpPr txBox="1"/>
+          <p:cNvSpPr txBox="1">
+            <a:spLocks noGrp="1"/>
+          </p:cNvSpPr>
           <p:nvPr>
-            <p:ph idx="1" type="body"/>
+            <p:ph type="body" idx="1"/>
           </p:nvPr>
         </p:nvSpPr>
         <p:spPr>
@@ -1022,23 +1052,20 @@
           </a:prstGeom>
         </p:spPr>
         <p:txBody>
-          <a:bodyPr anchorCtr="0" anchor="t" bIns="91425" lIns="91425" spcFirstLastPara="1" rIns="91425" wrap="square" tIns="91425">
+          <a:bodyPr spcFirstLastPara="1" wrap="square" lIns="91425" tIns="91425" rIns="91425" bIns="91425" anchor="t" anchorCtr="0">
             <a:noAutofit/>
           </a:bodyPr>
           <a:lstStyle/>
           <a:p>
-            <a:pPr indent="0" lvl="0" marL="0" rtl="0" algn="l">
-              <a:spcBef>
-                <a:spcPts val="0"/>
-              </a:spcBef>
-              <a:spcAft>
-                <a:spcPts val="0"/>
-              </a:spcAft>
-              <a:buNone/>
-            </a:pPr>
-            <a:r>
-              <a:t/>
-            </a:r>
+            <a:pPr marL="0" lvl="0" indent="0" algn="l" rtl="0">
+              <a:spcBef>
+                <a:spcPts val="0"/>
+              </a:spcBef>
+              <a:spcAft>
+                <a:spcPts val="0"/>
+              </a:spcAft>
+              <a:buNone/>
+            </a:pPr>
             <a:endParaRPr/>
           </a:p>
         </p:txBody>
@@ -1052,11 +1079,11 @@
 </file>
 
 <file path=ppt/notesSlides/notesSlide12.xml><?xml version="1.0" encoding="utf-8"?>
-<p:notes xmlns:a="http://schemas.openxmlformats.org/drawingml/2006/main" xmlns:r="http://schemas.openxmlformats.org/officeDocument/2006/relationships" xmlns:mc="http://schemas.openxmlformats.org/markup-compatibility/2006" xmlns:mv="urn:schemas-microsoft-com:mac:vml" xmlns:p="http://schemas.openxmlformats.org/presentationml/2006/main" xmlns:c="http://schemas.openxmlformats.org/drawingml/2006/chart" xmlns:dgm="http://schemas.openxmlformats.org/drawingml/2006/diagram" xmlns:o="urn:schemas-microsoft-com:office:office" xmlns:v="urn:schemas-microsoft-com:vml" xmlns:pvml="urn:schemas-microsoft-com:office:powerpoint" xmlns:com="http://schemas.openxmlformats.org/drawingml/2006/compatibility" xmlns:p14="http://schemas.microsoft.com/office/powerpoint/2010/main" xmlns:p15="http://schemas.microsoft.com/office/powerpoint/2012/main" xmlns:ahyp="http://schemas.microsoft.com/office/drawing/2018/hyperlinkcolor" showMasterPhAnim="0" showMasterSp="0">
+<p:notes xmlns:a="http://schemas.openxmlformats.org/drawingml/2006/main" xmlns:r="http://schemas.openxmlformats.org/officeDocument/2006/relationships" xmlns:p="http://schemas.openxmlformats.org/presentationml/2006/main" showMasterSp="0" showMasterPhAnim="0">
   <p:cSld>
     <p:spTree>
       <p:nvGrpSpPr>
-        <p:cNvPr id="126" name="Shape 126"/>
+        <p:cNvPr id="1" name="Shape 126"/>
         <p:cNvGrpSpPr/>
         <p:nvPr/>
       </p:nvGrpSpPr>
@@ -1071,9 +1098,11 @@
       <p:sp>
         <p:nvSpPr>
           <p:cNvPr id="127" name="Google Shape;127;gda1ec38e3c_0_64:notes"/>
-          <p:cNvSpPr/>
+          <p:cNvSpPr>
+            <a:spLocks noGrp="1" noRot="1" noChangeAspect="1"/>
+          </p:cNvSpPr>
           <p:nvPr>
-            <p:ph idx="2" type="sldImg"/>
+            <p:ph type="sldImg" idx="2"/>
           </p:nvPr>
         </p:nvSpPr>
         <p:spPr>
@@ -1082,9 +1111,13 @@
             <a:ext cx="6096000" cy="3429000"/>
           </a:xfrm>
           <a:custGeom>
-            <a:rect b="b" l="l" r="r" t="t"/>
+            <a:avLst/>
+            <a:gdLst/>
+            <a:ahLst/>
+            <a:cxnLst/>
+            <a:rect l="l" t="t" r="r" b="b"/>
             <a:pathLst>
-              <a:path extrusionOk="0" h="120000" w="120000">
+              <a:path w="120000" h="120000" extrusionOk="0">
                 <a:moveTo>
                   <a:pt x="0" y="0"/>
                 </a:moveTo>
@@ -1106,9 +1139,11 @@
       <p:sp>
         <p:nvSpPr>
           <p:cNvPr id="128" name="Google Shape;128;gda1ec38e3c_0_64:notes"/>
-          <p:cNvSpPr txBox="1"/>
+          <p:cNvSpPr txBox="1">
+            <a:spLocks noGrp="1"/>
+          </p:cNvSpPr>
           <p:nvPr>
-            <p:ph idx="1" type="body"/>
+            <p:ph type="body" idx="1"/>
           </p:nvPr>
         </p:nvSpPr>
         <p:spPr>
@@ -1121,23 +1156,20 @@
           </a:prstGeom>
         </p:spPr>
         <p:txBody>
-          <a:bodyPr anchorCtr="0" anchor="t" bIns="91425" lIns="91425" spcFirstLastPara="1" rIns="91425" wrap="square" tIns="91425">
+          <a:bodyPr spcFirstLastPara="1" wrap="square" lIns="91425" tIns="91425" rIns="91425" bIns="91425" anchor="t" anchorCtr="0">
             <a:noAutofit/>
           </a:bodyPr>
           <a:lstStyle/>
           <a:p>
-            <a:pPr indent="0" lvl="0" marL="0" rtl="0" algn="l">
-              <a:spcBef>
-                <a:spcPts val="0"/>
-              </a:spcBef>
-              <a:spcAft>
-                <a:spcPts val="0"/>
-              </a:spcAft>
-              <a:buNone/>
-            </a:pPr>
-            <a:r>
-              <a:t/>
-            </a:r>
+            <a:pPr marL="0" lvl="0" indent="0" algn="l" rtl="0">
+              <a:spcBef>
+                <a:spcPts val="0"/>
+              </a:spcBef>
+              <a:spcAft>
+                <a:spcPts val="0"/>
+              </a:spcAft>
+              <a:buNone/>
+            </a:pPr>
             <a:endParaRPr/>
           </a:p>
         </p:txBody>
@@ -1151,11 +1183,11 @@
 </file>
 
 <file path=ppt/notesSlides/notesSlide13.xml><?xml version="1.0" encoding="utf-8"?>
-<p:notes xmlns:a="http://schemas.openxmlformats.org/drawingml/2006/main" xmlns:r="http://schemas.openxmlformats.org/officeDocument/2006/relationships" xmlns:mc="http://schemas.openxmlformats.org/markup-compatibility/2006" xmlns:mv="urn:schemas-microsoft-com:mac:vml" xmlns:p="http://schemas.openxmlformats.org/presentationml/2006/main" xmlns:c="http://schemas.openxmlformats.org/drawingml/2006/chart" xmlns:dgm="http://schemas.openxmlformats.org/drawingml/2006/diagram" xmlns:o="urn:schemas-microsoft-com:office:office" xmlns:v="urn:schemas-microsoft-com:vml" xmlns:pvml="urn:schemas-microsoft-com:office:powerpoint" xmlns:com="http://schemas.openxmlformats.org/drawingml/2006/compatibility" xmlns:p14="http://schemas.microsoft.com/office/powerpoint/2010/main" xmlns:p15="http://schemas.microsoft.com/office/powerpoint/2012/main" xmlns:ahyp="http://schemas.microsoft.com/office/drawing/2018/hyperlinkcolor" showMasterPhAnim="0" showMasterSp="0">
+<p:notes xmlns:a="http://schemas.openxmlformats.org/drawingml/2006/main" xmlns:r="http://schemas.openxmlformats.org/officeDocument/2006/relationships" xmlns:p="http://schemas.openxmlformats.org/presentationml/2006/main" showMasterSp="0" showMasterPhAnim="0">
   <p:cSld>
     <p:spTree>
       <p:nvGrpSpPr>
-        <p:cNvPr id="132" name="Shape 132"/>
+        <p:cNvPr id="1" name="Shape 132"/>
         <p:cNvGrpSpPr/>
         <p:nvPr/>
       </p:nvGrpSpPr>
@@ -1170,9 +1202,11 @@
       <p:sp>
         <p:nvSpPr>
           <p:cNvPr id="133" name="Google Shape;133;gda1ec38e3c_0_104:notes"/>
-          <p:cNvSpPr/>
+          <p:cNvSpPr>
+            <a:spLocks noGrp="1" noRot="1" noChangeAspect="1"/>
+          </p:cNvSpPr>
           <p:nvPr>
-            <p:ph idx="2" type="sldImg"/>
+            <p:ph type="sldImg" idx="2"/>
           </p:nvPr>
         </p:nvSpPr>
         <p:spPr>
@@ -1181,9 +1215,13 @@
             <a:ext cx="6096000" cy="3429000"/>
           </a:xfrm>
           <a:custGeom>
-            <a:rect b="b" l="l" r="r" t="t"/>
+            <a:avLst/>
+            <a:gdLst/>
+            <a:ahLst/>
+            <a:cxnLst/>
+            <a:rect l="l" t="t" r="r" b="b"/>
             <a:pathLst>
-              <a:path extrusionOk="0" h="120000" w="120000">
+              <a:path w="120000" h="120000" extrusionOk="0">
                 <a:moveTo>
                   <a:pt x="0" y="0"/>
                 </a:moveTo>
@@ -1205,9 +1243,11 @@
       <p:sp>
         <p:nvSpPr>
           <p:cNvPr id="134" name="Google Shape;134;gda1ec38e3c_0_104:notes"/>
-          <p:cNvSpPr txBox="1"/>
+          <p:cNvSpPr txBox="1">
+            <a:spLocks noGrp="1"/>
+          </p:cNvSpPr>
           <p:nvPr>
-            <p:ph idx="1" type="body"/>
+            <p:ph type="body" idx="1"/>
           </p:nvPr>
         </p:nvSpPr>
         <p:spPr>
@@ -1220,23 +1260,20 @@
           </a:prstGeom>
         </p:spPr>
         <p:txBody>
-          <a:bodyPr anchorCtr="0" anchor="t" bIns="91425" lIns="91425" spcFirstLastPara="1" rIns="91425" wrap="square" tIns="91425">
+          <a:bodyPr spcFirstLastPara="1" wrap="square" lIns="91425" tIns="91425" rIns="91425" bIns="91425" anchor="t" anchorCtr="0">
             <a:noAutofit/>
           </a:bodyPr>
           <a:lstStyle/>
           <a:p>
-            <a:pPr indent="0" lvl="0" marL="0" rtl="0" algn="l">
-              <a:spcBef>
-                <a:spcPts val="0"/>
-              </a:spcBef>
-              <a:spcAft>
-                <a:spcPts val="0"/>
-              </a:spcAft>
-              <a:buNone/>
-            </a:pPr>
-            <a:r>
-              <a:t/>
-            </a:r>
+            <a:pPr marL="0" lvl="0" indent="0" algn="l" rtl="0">
+              <a:spcBef>
+                <a:spcPts val="0"/>
+              </a:spcBef>
+              <a:spcAft>
+                <a:spcPts val="0"/>
+              </a:spcAft>
+              <a:buNone/>
+            </a:pPr>
             <a:endParaRPr/>
           </a:p>
         </p:txBody>
@@ -1250,11 +1287,11 @@
 </file>
 
 <file path=ppt/notesSlides/notesSlide14.xml><?xml version="1.0" encoding="utf-8"?>
-<p:notes xmlns:a="http://schemas.openxmlformats.org/drawingml/2006/main" xmlns:r="http://schemas.openxmlformats.org/officeDocument/2006/relationships" xmlns:mc="http://schemas.openxmlformats.org/markup-compatibility/2006" xmlns:mv="urn:schemas-microsoft-com:mac:vml" xmlns:p="http://schemas.openxmlformats.org/presentationml/2006/main" xmlns:c="http://schemas.openxmlformats.org/drawingml/2006/chart" xmlns:dgm="http://schemas.openxmlformats.org/drawingml/2006/diagram" xmlns:o="urn:schemas-microsoft-com:office:office" xmlns:v="urn:schemas-microsoft-com:vml" xmlns:pvml="urn:schemas-microsoft-com:office:powerpoint" xmlns:com="http://schemas.openxmlformats.org/drawingml/2006/compatibility" xmlns:p14="http://schemas.microsoft.com/office/powerpoint/2010/main" xmlns:p15="http://schemas.microsoft.com/office/powerpoint/2012/main" xmlns:ahyp="http://schemas.microsoft.com/office/drawing/2018/hyperlinkcolor" showMasterPhAnim="0" showMasterSp="0">
+<p:notes xmlns:a="http://schemas.openxmlformats.org/drawingml/2006/main" xmlns:r="http://schemas.openxmlformats.org/officeDocument/2006/relationships" xmlns:p="http://schemas.openxmlformats.org/presentationml/2006/main" showMasterSp="0" showMasterPhAnim="0">
   <p:cSld>
     <p:spTree>
       <p:nvGrpSpPr>
-        <p:cNvPr id="138" name="Shape 138"/>
+        <p:cNvPr id="1" name="Shape 138"/>
         <p:cNvGrpSpPr/>
         <p:nvPr/>
       </p:nvGrpSpPr>
@@ -1269,9 +1306,11 @@
       <p:sp>
         <p:nvSpPr>
           <p:cNvPr id="139" name="Google Shape;139;gda1ec38e3c_0_111:notes"/>
-          <p:cNvSpPr/>
+          <p:cNvSpPr>
+            <a:spLocks noGrp="1" noRot="1" noChangeAspect="1"/>
+          </p:cNvSpPr>
           <p:nvPr>
-            <p:ph idx="2" type="sldImg"/>
+            <p:ph type="sldImg" idx="2"/>
           </p:nvPr>
         </p:nvSpPr>
         <p:spPr>
@@ -1280,9 +1319,13 @@
             <a:ext cx="6096000" cy="3429000"/>
           </a:xfrm>
           <a:custGeom>
-            <a:rect b="b" l="l" r="r" t="t"/>
+            <a:avLst/>
+            <a:gdLst/>
+            <a:ahLst/>
+            <a:cxnLst/>
+            <a:rect l="l" t="t" r="r" b="b"/>
             <a:pathLst>
-              <a:path extrusionOk="0" h="120000" w="120000">
+              <a:path w="120000" h="120000" extrusionOk="0">
                 <a:moveTo>
                   <a:pt x="0" y="0"/>
                 </a:moveTo>
@@ -1304,9 +1347,11 @@
       <p:sp>
         <p:nvSpPr>
           <p:cNvPr id="140" name="Google Shape;140;gda1ec38e3c_0_111:notes"/>
-          <p:cNvSpPr txBox="1"/>
+          <p:cNvSpPr txBox="1">
+            <a:spLocks noGrp="1"/>
+          </p:cNvSpPr>
           <p:nvPr>
-            <p:ph idx="1" type="body"/>
+            <p:ph type="body" idx="1"/>
           </p:nvPr>
         </p:nvSpPr>
         <p:spPr>
@@ -1319,23 +1364,20 @@
           </a:prstGeom>
         </p:spPr>
         <p:txBody>
-          <a:bodyPr anchorCtr="0" anchor="t" bIns="91425" lIns="91425" spcFirstLastPara="1" rIns="91425" wrap="square" tIns="91425">
+          <a:bodyPr spcFirstLastPara="1" wrap="square" lIns="91425" tIns="91425" rIns="91425" bIns="91425" anchor="t" anchorCtr="0">
             <a:noAutofit/>
           </a:bodyPr>
           <a:lstStyle/>
           <a:p>
-            <a:pPr indent="0" lvl="0" marL="0" rtl="0" algn="l">
-              <a:spcBef>
-                <a:spcPts val="0"/>
-              </a:spcBef>
-              <a:spcAft>
-                <a:spcPts val="0"/>
-              </a:spcAft>
-              <a:buNone/>
-            </a:pPr>
-            <a:r>
-              <a:t/>
-            </a:r>
+            <a:pPr marL="0" lvl="0" indent="0" algn="l" rtl="0">
+              <a:spcBef>
+                <a:spcPts val="0"/>
+              </a:spcBef>
+              <a:spcAft>
+                <a:spcPts val="0"/>
+              </a:spcAft>
+              <a:buNone/>
+            </a:pPr>
             <a:endParaRPr/>
           </a:p>
         </p:txBody>
@@ -1349,11 +1391,11 @@
 </file>
 
 <file path=ppt/notesSlides/notesSlide15.xml><?xml version="1.0" encoding="utf-8"?>
-<p:notes xmlns:a="http://schemas.openxmlformats.org/drawingml/2006/main" xmlns:r="http://schemas.openxmlformats.org/officeDocument/2006/relationships" xmlns:mc="http://schemas.openxmlformats.org/markup-compatibility/2006" xmlns:mv="urn:schemas-microsoft-com:mac:vml" xmlns:p="http://schemas.openxmlformats.org/presentationml/2006/main" xmlns:c="http://schemas.openxmlformats.org/drawingml/2006/chart" xmlns:dgm="http://schemas.openxmlformats.org/drawingml/2006/diagram" xmlns:o="urn:schemas-microsoft-com:office:office" xmlns:v="urn:schemas-microsoft-com:vml" xmlns:pvml="urn:schemas-microsoft-com:office:powerpoint" xmlns:com="http://schemas.openxmlformats.org/drawingml/2006/compatibility" xmlns:p14="http://schemas.microsoft.com/office/powerpoint/2010/main" xmlns:p15="http://schemas.microsoft.com/office/powerpoint/2012/main" xmlns:ahyp="http://schemas.microsoft.com/office/drawing/2018/hyperlinkcolor" showMasterPhAnim="0" showMasterSp="0">
+<p:notes xmlns:a="http://schemas.openxmlformats.org/drawingml/2006/main" xmlns:r="http://schemas.openxmlformats.org/officeDocument/2006/relationships" xmlns:p="http://schemas.openxmlformats.org/presentationml/2006/main" showMasterSp="0" showMasterPhAnim="0">
   <p:cSld>
     <p:spTree>
       <p:nvGrpSpPr>
-        <p:cNvPr id="144" name="Shape 144"/>
+        <p:cNvPr id="1" name="Shape 144"/>
         <p:cNvGrpSpPr/>
         <p:nvPr/>
       </p:nvGrpSpPr>
@@ -1368,9 +1410,11 @@
       <p:sp>
         <p:nvSpPr>
           <p:cNvPr id="145" name="Google Shape;145;gdcaba18bcb_0_0:notes"/>
-          <p:cNvSpPr/>
+          <p:cNvSpPr>
+            <a:spLocks noGrp="1" noRot="1" noChangeAspect="1"/>
+          </p:cNvSpPr>
           <p:nvPr>
-            <p:ph idx="2" type="sldImg"/>
+            <p:ph type="sldImg" idx="2"/>
           </p:nvPr>
         </p:nvSpPr>
         <p:spPr>
@@ -1379,9 +1423,13 @@
             <a:ext cx="6096000" cy="3429000"/>
           </a:xfrm>
           <a:custGeom>
-            <a:rect b="b" l="l" r="r" t="t"/>
+            <a:avLst/>
+            <a:gdLst/>
+            <a:ahLst/>
+            <a:cxnLst/>
+            <a:rect l="l" t="t" r="r" b="b"/>
             <a:pathLst>
-              <a:path extrusionOk="0" h="120000" w="120000">
+              <a:path w="120000" h="120000" extrusionOk="0">
                 <a:moveTo>
                   <a:pt x="0" y="0"/>
                 </a:moveTo>
@@ -1403,9 +1451,11 @@
       <p:sp>
         <p:nvSpPr>
           <p:cNvPr id="146" name="Google Shape;146;gdcaba18bcb_0_0:notes"/>
-          <p:cNvSpPr txBox="1"/>
+          <p:cNvSpPr txBox="1">
+            <a:spLocks noGrp="1"/>
+          </p:cNvSpPr>
           <p:nvPr>
-            <p:ph idx="1" type="body"/>
+            <p:ph type="body" idx="1"/>
           </p:nvPr>
         </p:nvSpPr>
         <p:spPr>
@@ -1418,12 +1468,12 @@
           </a:prstGeom>
         </p:spPr>
         <p:txBody>
-          <a:bodyPr anchorCtr="0" anchor="t" bIns="91425" lIns="91425" spcFirstLastPara="1" rIns="91425" wrap="square" tIns="91425">
+          <a:bodyPr spcFirstLastPara="1" wrap="square" lIns="91425" tIns="91425" rIns="91425" bIns="91425" anchor="t" anchorCtr="0">
             <a:noAutofit/>
           </a:bodyPr>
           <a:lstStyle/>
           <a:p>
-            <a:pPr indent="0" lvl="0" marL="0" rtl="0" algn="l">
+            <a:pPr marL="0" lvl="0" indent="0" algn="l" rtl="0">
               <a:spcBef>
                 <a:spcPts val="0"/>
               </a:spcBef>
@@ -1449,11 +1499,11 @@
 </file>
 
 <file path=ppt/notesSlides/notesSlide16.xml><?xml version="1.0" encoding="utf-8"?>
-<p:notes xmlns:a="http://schemas.openxmlformats.org/drawingml/2006/main" xmlns:r="http://schemas.openxmlformats.org/officeDocument/2006/relationships" xmlns:mc="http://schemas.openxmlformats.org/markup-compatibility/2006" xmlns:mv="urn:schemas-microsoft-com:mac:vml" xmlns:p="http://schemas.openxmlformats.org/presentationml/2006/main" xmlns:c="http://schemas.openxmlformats.org/drawingml/2006/chart" xmlns:dgm="http://schemas.openxmlformats.org/drawingml/2006/diagram" xmlns:o="urn:schemas-microsoft-com:office:office" xmlns:v="urn:schemas-microsoft-com:vml" xmlns:pvml="urn:schemas-microsoft-com:office:powerpoint" xmlns:com="http://schemas.openxmlformats.org/drawingml/2006/compatibility" xmlns:p14="http://schemas.microsoft.com/office/powerpoint/2010/main" xmlns:p15="http://schemas.microsoft.com/office/powerpoint/2012/main" xmlns:ahyp="http://schemas.microsoft.com/office/drawing/2018/hyperlinkcolor" showMasterPhAnim="0" showMasterSp="0">
+<p:notes xmlns:a="http://schemas.openxmlformats.org/drawingml/2006/main" xmlns:r="http://schemas.openxmlformats.org/officeDocument/2006/relationships" xmlns:p="http://schemas.openxmlformats.org/presentationml/2006/main" showMasterSp="0" showMasterPhAnim="0">
   <p:cSld>
     <p:spTree>
       <p:nvGrpSpPr>
-        <p:cNvPr id="151" name="Shape 151"/>
+        <p:cNvPr id="1" name="Shape 151"/>
         <p:cNvGrpSpPr/>
         <p:nvPr/>
       </p:nvGrpSpPr>
@@ -1468,9 +1518,11 @@
       <p:sp>
         <p:nvSpPr>
           <p:cNvPr id="152" name="Google Shape;152;gda1ec38e3c_0_122:notes"/>
-          <p:cNvSpPr/>
+          <p:cNvSpPr>
+            <a:spLocks noGrp="1" noRot="1" noChangeAspect="1"/>
+          </p:cNvSpPr>
           <p:nvPr>
-            <p:ph idx="2" type="sldImg"/>
+            <p:ph type="sldImg" idx="2"/>
           </p:nvPr>
         </p:nvSpPr>
         <p:spPr>
@@ -1479,9 +1531,13 @@
             <a:ext cx="6096000" cy="3429000"/>
           </a:xfrm>
           <a:custGeom>
-            <a:rect b="b" l="l" r="r" t="t"/>
+            <a:avLst/>
+            <a:gdLst/>
+            <a:ahLst/>
+            <a:cxnLst/>
+            <a:rect l="l" t="t" r="r" b="b"/>
             <a:pathLst>
-              <a:path extrusionOk="0" h="120000" w="120000">
+              <a:path w="120000" h="120000" extrusionOk="0">
                 <a:moveTo>
                   <a:pt x="0" y="0"/>
                 </a:moveTo>
@@ -1503,9 +1559,11 @@
       <p:sp>
         <p:nvSpPr>
           <p:cNvPr id="153" name="Google Shape;153;gda1ec38e3c_0_122:notes"/>
-          <p:cNvSpPr txBox="1"/>
+          <p:cNvSpPr txBox="1">
+            <a:spLocks noGrp="1"/>
+          </p:cNvSpPr>
           <p:nvPr>
-            <p:ph idx="1" type="body"/>
+            <p:ph type="body" idx="1"/>
           </p:nvPr>
         </p:nvSpPr>
         <p:spPr>
@@ -1518,23 +1576,20 @@
           </a:prstGeom>
         </p:spPr>
         <p:txBody>
-          <a:bodyPr anchorCtr="0" anchor="t" bIns="91425" lIns="91425" spcFirstLastPara="1" rIns="91425" wrap="square" tIns="91425">
+          <a:bodyPr spcFirstLastPara="1" wrap="square" lIns="91425" tIns="91425" rIns="91425" bIns="91425" anchor="t" anchorCtr="0">
             <a:noAutofit/>
           </a:bodyPr>
           <a:lstStyle/>
           <a:p>
-            <a:pPr indent="0" lvl="0" marL="0" rtl="0" algn="l">
-              <a:spcBef>
-                <a:spcPts val="0"/>
-              </a:spcBef>
-              <a:spcAft>
-                <a:spcPts val="0"/>
-              </a:spcAft>
-              <a:buNone/>
-            </a:pPr>
-            <a:r>
-              <a:t/>
-            </a:r>
+            <a:pPr marL="0" lvl="0" indent="0" algn="l" rtl="0">
+              <a:spcBef>
+                <a:spcPts val="0"/>
+              </a:spcBef>
+              <a:spcAft>
+                <a:spcPts val="0"/>
+              </a:spcAft>
+              <a:buNone/>
+            </a:pPr>
             <a:endParaRPr/>
           </a:p>
         </p:txBody>
@@ -1548,11 +1603,11 @@
 </file>
 
 <file path=ppt/notesSlides/notesSlide17.xml><?xml version="1.0" encoding="utf-8"?>
-<p:notes xmlns:a="http://schemas.openxmlformats.org/drawingml/2006/main" xmlns:r="http://schemas.openxmlformats.org/officeDocument/2006/relationships" xmlns:mc="http://schemas.openxmlformats.org/markup-compatibility/2006" xmlns:mv="urn:schemas-microsoft-com:mac:vml" xmlns:p="http://schemas.openxmlformats.org/presentationml/2006/main" xmlns:c="http://schemas.openxmlformats.org/drawingml/2006/chart" xmlns:dgm="http://schemas.openxmlformats.org/drawingml/2006/diagram" xmlns:o="urn:schemas-microsoft-com:office:office" xmlns:v="urn:schemas-microsoft-com:vml" xmlns:pvml="urn:schemas-microsoft-com:office:powerpoint" xmlns:com="http://schemas.openxmlformats.org/drawingml/2006/compatibility" xmlns:p14="http://schemas.microsoft.com/office/powerpoint/2010/main" xmlns:p15="http://schemas.microsoft.com/office/powerpoint/2012/main" xmlns:ahyp="http://schemas.microsoft.com/office/drawing/2018/hyperlinkcolor" showMasterPhAnim="0" showMasterSp="0">
+<p:notes xmlns:a="http://schemas.openxmlformats.org/drawingml/2006/main" xmlns:r="http://schemas.openxmlformats.org/officeDocument/2006/relationships" xmlns:p="http://schemas.openxmlformats.org/presentationml/2006/main" showMasterSp="0" showMasterPhAnim="0">
   <p:cSld>
     <p:spTree>
       <p:nvGrpSpPr>
-        <p:cNvPr id="157" name="Shape 157"/>
+        <p:cNvPr id="1" name="Shape 157"/>
         <p:cNvGrpSpPr/>
         <p:nvPr/>
       </p:nvGrpSpPr>
@@ -1567,9 +1622,11 @@
       <p:sp>
         <p:nvSpPr>
           <p:cNvPr id="158" name="Google Shape;158;gda1ec38e3c_0_143:notes"/>
-          <p:cNvSpPr/>
+          <p:cNvSpPr>
+            <a:spLocks noGrp="1" noRot="1" noChangeAspect="1"/>
+          </p:cNvSpPr>
           <p:nvPr>
-            <p:ph idx="2" type="sldImg"/>
+            <p:ph type="sldImg" idx="2"/>
           </p:nvPr>
         </p:nvSpPr>
         <p:spPr>
@@ -1578,9 +1635,13 @@
             <a:ext cx="6096000" cy="3429000"/>
           </a:xfrm>
           <a:custGeom>
-            <a:rect b="b" l="l" r="r" t="t"/>
+            <a:avLst/>
+            <a:gdLst/>
+            <a:ahLst/>
+            <a:cxnLst/>
+            <a:rect l="l" t="t" r="r" b="b"/>
             <a:pathLst>
-              <a:path extrusionOk="0" h="120000" w="120000">
+              <a:path w="120000" h="120000" extrusionOk="0">
                 <a:moveTo>
                   <a:pt x="0" y="0"/>
                 </a:moveTo>
@@ -1602,9 +1663,11 @@
       <p:sp>
         <p:nvSpPr>
           <p:cNvPr id="159" name="Google Shape;159;gda1ec38e3c_0_143:notes"/>
-          <p:cNvSpPr txBox="1"/>
+          <p:cNvSpPr txBox="1">
+            <a:spLocks noGrp="1"/>
+          </p:cNvSpPr>
           <p:nvPr>
-            <p:ph idx="1" type="body"/>
+            <p:ph type="body" idx="1"/>
           </p:nvPr>
         </p:nvSpPr>
         <p:spPr>
@@ -1617,23 +1680,20 @@
           </a:prstGeom>
         </p:spPr>
         <p:txBody>
-          <a:bodyPr anchorCtr="0" anchor="t" bIns="91425" lIns="91425" spcFirstLastPara="1" rIns="91425" wrap="square" tIns="91425">
+          <a:bodyPr spcFirstLastPara="1" wrap="square" lIns="91425" tIns="91425" rIns="91425" bIns="91425" anchor="t" anchorCtr="0">
             <a:noAutofit/>
           </a:bodyPr>
           <a:lstStyle/>
           <a:p>
-            <a:pPr indent="0" lvl="0" marL="0" rtl="0" algn="l">
-              <a:spcBef>
-                <a:spcPts val="0"/>
-              </a:spcBef>
-              <a:spcAft>
-                <a:spcPts val="0"/>
-              </a:spcAft>
-              <a:buNone/>
-            </a:pPr>
-            <a:r>
-              <a:t/>
-            </a:r>
+            <a:pPr marL="0" lvl="0" indent="0" algn="l" rtl="0">
+              <a:spcBef>
+                <a:spcPts val="0"/>
+              </a:spcBef>
+              <a:spcAft>
+                <a:spcPts val="0"/>
+              </a:spcAft>
+              <a:buNone/>
+            </a:pPr>
             <a:endParaRPr/>
           </a:p>
         </p:txBody>
@@ -1647,11 +1707,11 @@
 </file>
 
 <file path=ppt/notesSlides/notesSlide18.xml><?xml version="1.0" encoding="utf-8"?>
-<p:notes xmlns:a="http://schemas.openxmlformats.org/drawingml/2006/main" xmlns:r="http://schemas.openxmlformats.org/officeDocument/2006/relationships" xmlns:mc="http://schemas.openxmlformats.org/markup-compatibility/2006" xmlns:mv="urn:schemas-microsoft-com:mac:vml" xmlns:p="http://schemas.openxmlformats.org/presentationml/2006/main" xmlns:c="http://schemas.openxmlformats.org/drawingml/2006/chart" xmlns:dgm="http://schemas.openxmlformats.org/drawingml/2006/diagram" xmlns:o="urn:schemas-microsoft-com:office:office" xmlns:v="urn:schemas-microsoft-com:vml" xmlns:pvml="urn:schemas-microsoft-com:office:powerpoint" xmlns:com="http://schemas.openxmlformats.org/drawingml/2006/compatibility" xmlns:p14="http://schemas.microsoft.com/office/powerpoint/2010/main" xmlns:p15="http://schemas.microsoft.com/office/powerpoint/2012/main" xmlns:ahyp="http://schemas.microsoft.com/office/drawing/2018/hyperlinkcolor" showMasterPhAnim="0" showMasterSp="0">
+<p:notes xmlns:a="http://schemas.openxmlformats.org/drawingml/2006/main" xmlns:r="http://schemas.openxmlformats.org/officeDocument/2006/relationships" xmlns:p="http://schemas.openxmlformats.org/presentationml/2006/main" showMasterSp="0" showMasterPhAnim="0">
   <p:cSld>
     <p:spTree>
       <p:nvGrpSpPr>
-        <p:cNvPr id="163" name="Shape 163"/>
+        <p:cNvPr id="1" name="Shape 163"/>
         <p:cNvGrpSpPr/>
         <p:nvPr/>
       </p:nvGrpSpPr>
@@ -1666,9 +1726,11 @@
       <p:sp>
         <p:nvSpPr>
           <p:cNvPr id="164" name="Google Shape;164;gda1ec38e3c_0_155:notes"/>
-          <p:cNvSpPr/>
+          <p:cNvSpPr>
+            <a:spLocks noGrp="1" noRot="1" noChangeAspect="1"/>
+          </p:cNvSpPr>
           <p:nvPr>
-            <p:ph idx="2" type="sldImg"/>
+            <p:ph type="sldImg" idx="2"/>
           </p:nvPr>
         </p:nvSpPr>
         <p:spPr>
@@ -1677,9 +1739,13 @@
             <a:ext cx="6096000" cy="3429000"/>
           </a:xfrm>
           <a:custGeom>
-            <a:rect b="b" l="l" r="r" t="t"/>
+            <a:avLst/>
+            <a:gdLst/>
+            <a:ahLst/>
+            <a:cxnLst/>
+            <a:rect l="l" t="t" r="r" b="b"/>
             <a:pathLst>
-              <a:path extrusionOk="0" h="120000" w="120000">
+              <a:path w="120000" h="120000" extrusionOk="0">
                 <a:moveTo>
                   <a:pt x="0" y="0"/>
                 </a:moveTo>
@@ -1701,9 +1767,11 @@
       <p:sp>
         <p:nvSpPr>
           <p:cNvPr id="165" name="Google Shape;165;gda1ec38e3c_0_155:notes"/>
-          <p:cNvSpPr txBox="1"/>
+          <p:cNvSpPr txBox="1">
+            <a:spLocks noGrp="1"/>
+          </p:cNvSpPr>
           <p:nvPr>
-            <p:ph idx="1" type="body"/>
+            <p:ph type="body" idx="1"/>
           </p:nvPr>
         </p:nvSpPr>
         <p:spPr>
@@ -1716,23 +1784,20 @@
           </a:prstGeom>
         </p:spPr>
         <p:txBody>
-          <a:bodyPr anchorCtr="0" anchor="t" bIns="91425" lIns="91425" spcFirstLastPara="1" rIns="91425" wrap="square" tIns="91425">
+          <a:bodyPr spcFirstLastPara="1" wrap="square" lIns="91425" tIns="91425" rIns="91425" bIns="91425" anchor="t" anchorCtr="0">
             <a:noAutofit/>
           </a:bodyPr>
           <a:lstStyle/>
           <a:p>
-            <a:pPr indent="0" lvl="0" marL="0" rtl="0" algn="l">
-              <a:spcBef>
-                <a:spcPts val="0"/>
-              </a:spcBef>
-              <a:spcAft>
-                <a:spcPts val="0"/>
-              </a:spcAft>
-              <a:buNone/>
-            </a:pPr>
-            <a:r>
-              <a:t/>
-            </a:r>
+            <a:pPr marL="0" lvl="0" indent="0" algn="l" rtl="0">
+              <a:spcBef>
+                <a:spcPts val="0"/>
+              </a:spcBef>
+              <a:spcAft>
+                <a:spcPts val="0"/>
+              </a:spcAft>
+              <a:buNone/>
+            </a:pPr>
             <a:endParaRPr/>
           </a:p>
         </p:txBody>
@@ -1746,11 +1811,11 @@
 </file>
 
 <file path=ppt/notesSlides/notesSlide19.xml><?xml version="1.0" encoding="utf-8"?>
-<p:notes xmlns:a="http://schemas.openxmlformats.org/drawingml/2006/main" xmlns:r="http://schemas.openxmlformats.org/officeDocument/2006/relationships" xmlns:mc="http://schemas.openxmlformats.org/markup-compatibility/2006" xmlns:mv="urn:schemas-microsoft-com:mac:vml" xmlns:p="http://schemas.openxmlformats.org/presentationml/2006/main" xmlns:c="http://schemas.openxmlformats.org/drawingml/2006/chart" xmlns:dgm="http://schemas.openxmlformats.org/drawingml/2006/diagram" xmlns:o="urn:schemas-microsoft-com:office:office" xmlns:v="urn:schemas-microsoft-com:vml" xmlns:pvml="urn:schemas-microsoft-com:office:powerpoint" xmlns:com="http://schemas.openxmlformats.org/drawingml/2006/compatibility" xmlns:p14="http://schemas.microsoft.com/office/powerpoint/2010/main" xmlns:p15="http://schemas.microsoft.com/office/powerpoint/2012/main" xmlns:ahyp="http://schemas.microsoft.com/office/drawing/2018/hyperlinkcolor" showMasterPhAnim="0" showMasterSp="0">
+<p:notes xmlns:a="http://schemas.openxmlformats.org/drawingml/2006/main" xmlns:r="http://schemas.openxmlformats.org/officeDocument/2006/relationships" xmlns:p="http://schemas.openxmlformats.org/presentationml/2006/main" showMasterSp="0" showMasterPhAnim="0">
   <p:cSld>
     <p:spTree>
       <p:nvGrpSpPr>
-        <p:cNvPr id="169" name="Shape 169"/>
+        <p:cNvPr id="1" name="Shape 169"/>
         <p:cNvGrpSpPr/>
         <p:nvPr/>
       </p:nvGrpSpPr>
@@ -1765,20 +1830,26 @@
       <p:sp>
         <p:nvSpPr>
           <p:cNvPr id="170" name="Google Shape;170;gda1ec38e3c_0_150:notes"/>
-          <p:cNvSpPr/>
+          <p:cNvSpPr>
+            <a:spLocks noGrp="1" noRot="1" noChangeAspect="1"/>
+          </p:cNvSpPr>
           <p:nvPr>
-            <p:ph idx="2" type="sldImg"/>
+            <p:ph type="sldImg" idx="2"/>
           </p:nvPr>
         </p:nvSpPr>
         <p:spPr>
           <a:xfrm>
-            <a:off x="381300" y="685800"/>
+            <a:off x="381000" y="685800"/>
             <a:ext cx="6096000" cy="3429000"/>
           </a:xfrm>
           <a:custGeom>
-            <a:rect b="b" l="l" r="r" t="t"/>
+            <a:avLst/>
+            <a:gdLst/>
+            <a:ahLst/>
+            <a:cxnLst/>
+            <a:rect l="l" t="t" r="r" b="b"/>
             <a:pathLst>
-              <a:path extrusionOk="0" h="120000" w="120000">
+              <a:path w="120000" h="120000" extrusionOk="0">
                 <a:moveTo>
                   <a:pt x="0" y="0"/>
                 </a:moveTo>
@@ -1800,9 +1871,11 @@
       <p:sp>
         <p:nvSpPr>
           <p:cNvPr id="171" name="Google Shape;171;gda1ec38e3c_0_150:notes"/>
-          <p:cNvSpPr txBox="1"/>
+          <p:cNvSpPr txBox="1">
+            <a:spLocks noGrp="1"/>
+          </p:cNvSpPr>
           <p:nvPr>
-            <p:ph idx="1" type="body"/>
+            <p:ph type="body" idx="1"/>
           </p:nvPr>
         </p:nvSpPr>
         <p:spPr>
@@ -1815,23 +1888,20 @@
           </a:prstGeom>
         </p:spPr>
         <p:txBody>
-          <a:bodyPr anchorCtr="0" anchor="t" bIns="91425" lIns="91425" spcFirstLastPara="1" rIns="91425" wrap="square" tIns="91425">
+          <a:bodyPr spcFirstLastPara="1" wrap="square" lIns="91425" tIns="91425" rIns="91425" bIns="91425" anchor="t" anchorCtr="0">
             <a:noAutofit/>
           </a:bodyPr>
           <a:lstStyle/>
           <a:p>
-            <a:pPr indent="0" lvl="0" marL="0" rtl="0" algn="l">
-              <a:spcBef>
-                <a:spcPts val="0"/>
-              </a:spcBef>
-              <a:spcAft>
-                <a:spcPts val="0"/>
-              </a:spcAft>
-              <a:buNone/>
-            </a:pPr>
-            <a:r>
-              <a:t/>
-            </a:r>
+            <a:pPr marL="0" lvl="0" indent="0" algn="l" rtl="0">
+              <a:spcBef>
+                <a:spcPts val="0"/>
+              </a:spcBef>
+              <a:spcAft>
+                <a:spcPts val="0"/>
+              </a:spcAft>
+              <a:buNone/>
+            </a:pPr>
             <a:endParaRPr/>
           </a:p>
         </p:txBody>
@@ -1845,11 +1915,11 @@
 </file>
 
 <file path=ppt/notesSlides/notesSlide2.xml><?xml version="1.0" encoding="utf-8"?>
-<p:notes xmlns:a="http://schemas.openxmlformats.org/drawingml/2006/main" xmlns:r="http://schemas.openxmlformats.org/officeDocument/2006/relationships" xmlns:mc="http://schemas.openxmlformats.org/markup-compatibility/2006" xmlns:mv="urn:schemas-microsoft-com:mac:vml" xmlns:p="http://schemas.openxmlformats.org/presentationml/2006/main" xmlns:c="http://schemas.openxmlformats.org/drawingml/2006/chart" xmlns:dgm="http://schemas.openxmlformats.org/drawingml/2006/diagram" xmlns:o="urn:schemas-microsoft-com:office:office" xmlns:v="urn:schemas-microsoft-com:vml" xmlns:pvml="urn:schemas-microsoft-com:office:powerpoint" xmlns:com="http://schemas.openxmlformats.org/drawingml/2006/compatibility" xmlns:p14="http://schemas.microsoft.com/office/powerpoint/2010/main" xmlns:p15="http://schemas.microsoft.com/office/powerpoint/2012/main" xmlns:ahyp="http://schemas.microsoft.com/office/drawing/2018/hyperlinkcolor" showMasterPhAnim="0" showMasterSp="0">
+<p:notes xmlns:a="http://schemas.openxmlformats.org/drawingml/2006/main" xmlns:r="http://schemas.openxmlformats.org/officeDocument/2006/relationships" xmlns:p="http://schemas.openxmlformats.org/presentationml/2006/main" showMasterSp="0" showMasterPhAnim="0">
   <p:cSld>
     <p:spTree>
       <p:nvGrpSpPr>
-        <p:cNvPr id="65" name="Shape 65"/>
+        <p:cNvPr id="1" name="Shape 65"/>
         <p:cNvGrpSpPr/>
         <p:nvPr/>
       </p:nvGrpSpPr>
@@ -1864,20 +1934,26 @@
       <p:sp>
         <p:nvSpPr>
           <p:cNvPr id="66" name="Google Shape;66;gc9bea2d1a2_0_0:notes"/>
-          <p:cNvSpPr/>
+          <p:cNvSpPr>
+            <a:spLocks noGrp="1" noRot="1" noChangeAspect="1"/>
+          </p:cNvSpPr>
           <p:nvPr>
-            <p:ph idx="2" type="sldImg"/>
+            <p:ph type="sldImg" idx="2"/>
           </p:nvPr>
         </p:nvSpPr>
         <p:spPr>
           <a:xfrm>
-            <a:off x="381300" y="685800"/>
+            <a:off x="381000" y="685800"/>
             <a:ext cx="6096000" cy="3429000"/>
           </a:xfrm>
           <a:custGeom>
-            <a:rect b="b" l="l" r="r" t="t"/>
+            <a:avLst/>
+            <a:gdLst/>
+            <a:ahLst/>
+            <a:cxnLst/>
+            <a:rect l="l" t="t" r="r" b="b"/>
             <a:pathLst>
-              <a:path extrusionOk="0" h="120000" w="120000">
+              <a:path w="120000" h="120000" extrusionOk="0">
                 <a:moveTo>
                   <a:pt x="0" y="0"/>
                 </a:moveTo>
@@ -1899,9 +1975,11 @@
       <p:sp>
         <p:nvSpPr>
           <p:cNvPr id="67" name="Google Shape;67;gc9bea2d1a2_0_0:notes"/>
-          <p:cNvSpPr txBox="1"/>
+          <p:cNvSpPr txBox="1">
+            <a:spLocks noGrp="1"/>
+          </p:cNvSpPr>
           <p:nvPr>
-            <p:ph idx="1" type="body"/>
+            <p:ph type="body" idx="1"/>
           </p:nvPr>
         </p:nvSpPr>
         <p:spPr>
@@ -1914,23 +1992,20 @@
           </a:prstGeom>
         </p:spPr>
         <p:txBody>
-          <a:bodyPr anchorCtr="0" anchor="t" bIns="91425" lIns="91425" spcFirstLastPara="1" rIns="91425" wrap="square" tIns="91425">
+          <a:bodyPr spcFirstLastPara="1" wrap="square" lIns="91425" tIns="91425" rIns="91425" bIns="91425" anchor="t" anchorCtr="0">
             <a:noAutofit/>
           </a:bodyPr>
           <a:lstStyle/>
           <a:p>
-            <a:pPr indent="0" lvl="0" marL="0" rtl="0" algn="l">
-              <a:spcBef>
-                <a:spcPts val="0"/>
-              </a:spcBef>
-              <a:spcAft>
-                <a:spcPts val="0"/>
-              </a:spcAft>
-              <a:buNone/>
-            </a:pPr>
-            <a:r>
-              <a:t/>
-            </a:r>
+            <a:pPr marL="0" lvl="0" indent="0" algn="l" rtl="0">
+              <a:spcBef>
+                <a:spcPts val="0"/>
+              </a:spcBef>
+              <a:spcAft>
+                <a:spcPts val="0"/>
+              </a:spcAft>
+              <a:buNone/>
+            </a:pPr>
             <a:endParaRPr/>
           </a:p>
         </p:txBody>
@@ -1944,11 +2019,11 @@
 </file>
 
 <file path=ppt/notesSlides/notesSlide3.xml><?xml version="1.0" encoding="utf-8"?>
-<p:notes xmlns:a="http://schemas.openxmlformats.org/drawingml/2006/main" xmlns:r="http://schemas.openxmlformats.org/officeDocument/2006/relationships" xmlns:mc="http://schemas.openxmlformats.org/markup-compatibility/2006" xmlns:mv="urn:schemas-microsoft-com:mac:vml" xmlns:p="http://schemas.openxmlformats.org/presentationml/2006/main" xmlns:c="http://schemas.openxmlformats.org/drawingml/2006/chart" xmlns:dgm="http://schemas.openxmlformats.org/drawingml/2006/diagram" xmlns:o="urn:schemas-microsoft-com:office:office" xmlns:v="urn:schemas-microsoft-com:vml" xmlns:pvml="urn:schemas-microsoft-com:office:powerpoint" xmlns:com="http://schemas.openxmlformats.org/drawingml/2006/compatibility" xmlns:p14="http://schemas.microsoft.com/office/powerpoint/2010/main" xmlns:p15="http://schemas.microsoft.com/office/powerpoint/2012/main" xmlns:ahyp="http://schemas.microsoft.com/office/drawing/2018/hyperlinkcolor" showMasterPhAnim="0" showMasterSp="0">
+<p:notes xmlns:a="http://schemas.openxmlformats.org/drawingml/2006/main" xmlns:r="http://schemas.openxmlformats.org/officeDocument/2006/relationships" xmlns:p="http://schemas.openxmlformats.org/presentationml/2006/main" showMasterSp="0" showMasterPhAnim="0">
   <p:cSld>
     <p:spTree>
       <p:nvGrpSpPr>
-        <p:cNvPr id="71" name="Shape 71"/>
+        <p:cNvPr id="1" name="Shape 71"/>
         <p:cNvGrpSpPr/>
         <p:nvPr/>
       </p:nvGrpSpPr>
@@ -1963,9 +2038,11 @@
       <p:sp>
         <p:nvSpPr>
           <p:cNvPr id="72" name="Google Shape;72;gda1ec38e3c_0_59:notes"/>
-          <p:cNvSpPr/>
+          <p:cNvSpPr>
+            <a:spLocks noGrp="1" noRot="1" noChangeAspect="1"/>
+          </p:cNvSpPr>
           <p:nvPr>
-            <p:ph idx="2" type="sldImg"/>
+            <p:ph type="sldImg" idx="2"/>
           </p:nvPr>
         </p:nvSpPr>
         <p:spPr>
@@ -1974,9 +2051,13 @@
             <a:ext cx="6096000" cy="3429000"/>
           </a:xfrm>
           <a:custGeom>
-            <a:rect b="b" l="l" r="r" t="t"/>
+            <a:avLst/>
+            <a:gdLst/>
+            <a:ahLst/>
+            <a:cxnLst/>
+            <a:rect l="l" t="t" r="r" b="b"/>
             <a:pathLst>
-              <a:path extrusionOk="0" h="120000" w="120000">
+              <a:path w="120000" h="120000" extrusionOk="0">
                 <a:moveTo>
                   <a:pt x="0" y="0"/>
                 </a:moveTo>
@@ -1998,9 +2079,11 @@
       <p:sp>
         <p:nvSpPr>
           <p:cNvPr id="73" name="Google Shape;73;gda1ec38e3c_0_59:notes"/>
-          <p:cNvSpPr txBox="1"/>
+          <p:cNvSpPr txBox="1">
+            <a:spLocks noGrp="1"/>
+          </p:cNvSpPr>
           <p:nvPr>
-            <p:ph idx="1" type="body"/>
+            <p:ph type="body" idx="1"/>
           </p:nvPr>
         </p:nvSpPr>
         <p:spPr>
@@ -2013,12 +2096,12 @@
           </a:prstGeom>
         </p:spPr>
         <p:txBody>
-          <a:bodyPr anchorCtr="0" anchor="t" bIns="91425" lIns="91425" spcFirstLastPara="1" rIns="91425" wrap="square" tIns="91425">
+          <a:bodyPr spcFirstLastPara="1" wrap="square" lIns="91425" tIns="91425" rIns="91425" bIns="91425" anchor="t" anchorCtr="0">
             <a:noAutofit/>
           </a:bodyPr>
           <a:lstStyle/>
           <a:p>
-            <a:pPr indent="0" lvl="0" marL="0" rtl="0" algn="l">
+            <a:pPr marL="0" lvl="0" indent="0" algn="l" rtl="0">
               <a:spcBef>
                 <a:spcPts val="0"/>
               </a:spcBef>
@@ -2044,11 +2127,11 @@
 </file>
 
 <file path=ppt/notesSlides/notesSlide4.xml><?xml version="1.0" encoding="utf-8"?>
-<p:notes xmlns:a="http://schemas.openxmlformats.org/drawingml/2006/main" xmlns:r="http://schemas.openxmlformats.org/officeDocument/2006/relationships" xmlns:mc="http://schemas.openxmlformats.org/markup-compatibility/2006" xmlns:mv="urn:schemas-microsoft-com:mac:vml" xmlns:p="http://schemas.openxmlformats.org/presentationml/2006/main" xmlns:c="http://schemas.openxmlformats.org/drawingml/2006/chart" xmlns:dgm="http://schemas.openxmlformats.org/drawingml/2006/diagram" xmlns:o="urn:schemas-microsoft-com:office:office" xmlns:v="urn:schemas-microsoft-com:vml" xmlns:pvml="urn:schemas-microsoft-com:office:powerpoint" xmlns:com="http://schemas.openxmlformats.org/drawingml/2006/compatibility" xmlns:p14="http://schemas.microsoft.com/office/powerpoint/2010/main" xmlns:p15="http://schemas.microsoft.com/office/powerpoint/2012/main" xmlns:ahyp="http://schemas.microsoft.com/office/drawing/2018/hyperlinkcolor" showMasterPhAnim="0" showMasterSp="0">
+<p:notes xmlns:a="http://schemas.openxmlformats.org/drawingml/2006/main" xmlns:r="http://schemas.openxmlformats.org/officeDocument/2006/relationships" xmlns:p="http://schemas.openxmlformats.org/presentationml/2006/main" showMasterSp="0" showMasterPhAnim="0">
   <p:cSld>
     <p:spTree>
       <p:nvGrpSpPr>
-        <p:cNvPr id="78" name="Shape 78"/>
+        <p:cNvPr id="1" name="Shape 78"/>
         <p:cNvGrpSpPr/>
         <p:nvPr/>
       </p:nvGrpSpPr>
@@ -2063,9 +2146,11 @@
       <p:sp>
         <p:nvSpPr>
           <p:cNvPr id="79" name="Google Shape;79;gdc9a1084bc_0_21:notes"/>
-          <p:cNvSpPr/>
+          <p:cNvSpPr>
+            <a:spLocks noGrp="1" noRot="1" noChangeAspect="1"/>
+          </p:cNvSpPr>
           <p:nvPr>
-            <p:ph idx="2" type="sldImg"/>
+            <p:ph type="sldImg" idx="2"/>
           </p:nvPr>
         </p:nvSpPr>
         <p:spPr>
@@ -2074,9 +2159,13 @@
             <a:ext cx="6096000" cy="3429000"/>
           </a:xfrm>
           <a:custGeom>
-            <a:rect b="b" l="l" r="r" t="t"/>
+            <a:avLst/>
+            <a:gdLst/>
+            <a:ahLst/>
+            <a:cxnLst/>
+            <a:rect l="l" t="t" r="r" b="b"/>
             <a:pathLst>
-              <a:path extrusionOk="0" h="120000" w="120000">
+              <a:path w="120000" h="120000" extrusionOk="0">
                 <a:moveTo>
                   <a:pt x="0" y="0"/>
                 </a:moveTo>
@@ -2098,9 +2187,11 @@
       <p:sp>
         <p:nvSpPr>
           <p:cNvPr id="80" name="Google Shape;80;gdc9a1084bc_0_21:notes"/>
-          <p:cNvSpPr txBox="1"/>
+          <p:cNvSpPr txBox="1">
+            <a:spLocks noGrp="1"/>
+          </p:cNvSpPr>
           <p:nvPr>
-            <p:ph idx="1" type="body"/>
+            <p:ph type="body" idx="1"/>
           </p:nvPr>
         </p:nvSpPr>
         <p:spPr>
@@ -2113,12 +2204,12 @@
           </a:prstGeom>
         </p:spPr>
         <p:txBody>
-          <a:bodyPr anchorCtr="0" anchor="t" bIns="91425" lIns="91425" spcFirstLastPara="1" rIns="91425" wrap="square" tIns="91425">
+          <a:bodyPr spcFirstLastPara="1" wrap="square" lIns="91425" tIns="91425" rIns="91425" bIns="91425" anchor="t" anchorCtr="0">
             <a:noAutofit/>
           </a:bodyPr>
           <a:lstStyle/>
           <a:p>
-            <a:pPr indent="0" lvl="0" marL="0" rtl="0" algn="l">
+            <a:pPr marL="0" lvl="0" indent="0" algn="l" rtl="0">
               <a:spcBef>
                 <a:spcPts val="0"/>
               </a:spcBef>
@@ -2134,18 +2225,15 @@
             <a:endParaRPr/>
           </a:p>
           <a:p>
-            <a:pPr indent="0" lvl="0" marL="0" rtl="0" algn="l">
-              <a:spcBef>
-                <a:spcPts val="0"/>
-              </a:spcBef>
-              <a:spcAft>
-                <a:spcPts val="0"/>
-              </a:spcAft>
-              <a:buNone/>
-            </a:pPr>
-            <a:r>
-              <a:t/>
-            </a:r>
+            <a:pPr marL="0" lvl="0" indent="0" algn="l" rtl="0">
+              <a:spcBef>
+                <a:spcPts val="0"/>
+              </a:spcBef>
+              <a:spcAft>
+                <a:spcPts val="0"/>
+              </a:spcAft>
+              <a:buNone/>
+            </a:pPr>
             <a:endParaRPr/>
           </a:p>
         </p:txBody>
@@ -2159,11 +2247,11 @@
 </file>
 
 <file path=ppt/notesSlides/notesSlide5.xml><?xml version="1.0" encoding="utf-8"?>
-<p:notes xmlns:a="http://schemas.openxmlformats.org/drawingml/2006/main" xmlns:r="http://schemas.openxmlformats.org/officeDocument/2006/relationships" xmlns:mc="http://schemas.openxmlformats.org/markup-compatibility/2006" xmlns:mv="urn:schemas-microsoft-com:mac:vml" xmlns:p="http://schemas.openxmlformats.org/presentationml/2006/main" xmlns:c="http://schemas.openxmlformats.org/drawingml/2006/chart" xmlns:dgm="http://schemas.openxmlformats.org/drawingml/2006/diagram" xmlns:o="urn:schemas-microsoft-com:office:office" xmlns:v="urn:schemas-microsoft-com:vml" xmlns:pvml="urn:schemas-microsoft-com:office:powerpoint" xmlns:com="http://schemas.openxmlformats.org/drawingml/2006/compatibility" xmlns:p14="http://schemas.microsoft.com/office/powerpoint/2010/main" xmlns:p15="http://schemas.microsoft.com/office/powerpoint/2012/main" xmlns:ahyp="http://schemas.microsoft.com/office/drawing/2018/hyperlinkcolor" showMasterPhAnim="0" showMasterSp="0">
+<p:notes xmlns:a="http://schemas.openxmlformats.org/drawingml/2006/main" xmlns:r="http://schemas.openxmlformats.org/officeDocument/2006/relationships" xmlns:p="http://schemas.openxmlformats.org/presentationml/2006/main" showMasterSp="0" showMasterPhAnim="0">
   <p:cSld>
     <p:spTree>
       <p:nvGrpSpPr>
-        <p:cNvPr id="84" name="Shape 84"/>
+        <p:cNvPr id="1" name="Shape 84"/>
         <p:cNvGrpSpPr/>
         <p:nvPr/>
       </p:nvGrpSpPr>
@@ -2178,9 +2266,11 @@
       <p:sp>
         <p:nvSpPr>
           <p:cNvPr id="85" name="Google Shape;85;gdc9a1084bc_0_0:notes"/>
-          <p:cNvSpPr/>
+          <p:cNvSpPr>
+            <a:spLocks noGrp="1" noRot="1" noChangeAspect="1"/>
+          </p:cNvSpPr>
           <p:nvPr>
-            <p:ph idx="2" type="sldImg"/>
+            <p:ph type="sldImg" idx="2"/>
           </p:nvPr>
         </p:nvSpPr>
         <p:spPr>
@@ -2189,9 +2279,13 @@
             <a:ext cx="6096000" cy="3429000"/>
           </a:xfrm>
           <a:custGeom>
-            <a:rect b="b" l="l" r="r" t="t"/>
+            <a:avLst/>
+            <a:gdLst/>
+            <a:ahLst/>
+            <a:cxnLst/>
+            <a:rect l="l" t="t" r="r" b="b"/>
             <a:pathLst>
-              <a:path extrusionOk="0" h="120000" w="120000">
+              <a:path w="120000" h="120000" extrusionOk="0">
                 <a:moveTo>
                   <a:pt x="0" y="0"/>
                 </a:moveTo>
@@ -2213,9 +2307,11 @@
       <p:sp>
         <p:nvSpPr>
           <p:cNvPr id="86" name="Google Shape;86;gdc9a1084bc_0_0:notes"/>
-          <p:cNvSpPr txBox="1"/>
+          <p:cNvSpPr txBox="1">
+            <a:spLocks noGrp="1"/>
+          </p:cNvSpPr>
           <p:nvPr>
-            <p:ph idx="1" type="body"/>
+            <p:ph type="body" idx="1"/>
           </p:nvPr>
         </p:nvSpPr>
         <p:spPr>
@@ -2228,12 +2324,12 @@
           </a:prstGeom>
         </p:spPr>
         <p:txBody>
-          <a:bodyPr anchorCtr="0" anchor="t" bIns="91425" lIns="91425" spcFirstLastPara="1" rIns="91425" wrap="square" tIns="91425">
+          <a:bodyPr spcFirstLastPara="1" wrap="square" lIns="91425" tIns="91425" rIns="91425" bIns="91425" anchor="t" anchorCtr="0">
             <a:noAutofit/>
           </a:bodyPr>
           <a:lstStyle/>
           <a:p>
-            <a:pPr indent="0" lvl="0" marL="0" rtl="0" algn="l">
+            <a:pPr marL="0" lvl="0" indent="0" algn="l" rtl="0">
               <a:spcBef>
                 <a:spcPts val="0"/>
               </a:spcBef>
@@ -2247,40 +2343,34 @@
                 <a:solidFill>
                   <a:schemeClr val="hlink"/>
                 </a:solidFill>
-                <a:hlinkClick r:id="rId2"/>
+                <a:hlinkClick r:id="rId3"/>
               </a:rPr>
               <a:t>https://magrittr.tidyverse.org/</a:t>
             </a:r>
             <a:endParaRPr/>
           </a:p>
           <a:p>
-            <a:pPr indent="0" lvl="0" marL="0" rtl="0" algn="l">
-              <a:spcBef>
-                <a:spcPts val="0"/>
-              </a:spcBef>
-              <a:spcAft>
-                <a:spcPts val="0"/>
-              </a:spcAft>
-              <a:buNone/>
-            </a:pPr>
-            <a:r>
-              <a:t/>
-            </a:r>
-            <a:endParaRPr/>
-          </a:p>
-          <a:p>
-            <a:pPr indent="0" lvl="0" marL="0" rtl="0" algn="l">
-              <a:spcBef>
-                <a:spcPts val="0"/>
-              </a:spcBef>
-              <a:spcAft>
-                <a:spcPts val="0"/>
-              </a:spcAft>
-              <a:buNone/>
-            </a:pPr>
-            <a:r>
-              <a:t/>
-            </a:r>
+            <a:pPr marL="0" lvl="0" indent="0" algn="l" rtl="0">
+              <a:spcBef>
+                <a:spcPts val="0"/>
+              </a:spcBef>
+              <a:spcAft>
+                <a:spcPts val="0"/>
+              </a:spcAft>
+              <a:buNone/>
+            </a:pPr>
+            <a:endParaRPr/>
+          </a:p>
+          <a:p>
+            <a:pPr marL="0" lvl="0" indent="0" algn="l" rtl="0">
+              <a:spcBef>
+                <a:spcPts val="0"/>
+              </a:spcBef>
+              <a:spcAft>
+                <a:spcPts val="0"/>
+              </a:spcAft>
+              <a:buNone/>
+            </a:pPr>
             <a:endParaRPr/>
           </a:p>
         </p:txBody>
@@ -2294,11 +2384,11 @@
 </file>
 
 <file path=ppt/notesSlides/notesSlide6.xml><?xml version="1.0" encoding="utf-8"?>
-<p:notes xmlns:a="http://schemas.openxmlformats.org/drawingml/2006/main" xmlns:r="http://schemas.openxmlformats.org/officeDocument/2006/relationships" xmlns:mc="http://schemas.openxmlformats.org/markup-compatibility/2006" xmlns:mv="urn:schemas-microsoft-com:mac:vml" xmlns:p="http://schemas.openxmlformats.org/presentationml/2006/main" xmlns:c="http://schemas.openxmlformats.org/drawingml/2006/chart" xmlns:dgm="http://schemas.openxmlformats.org/drawingml/2006/diagram" xmlns:o="urn:schemas-microsoft-com:office:office" xmlns:v="urn:schemas-microsoft-com:vml" xmlns:pvml="urn:schemas-microsoft-com:office:powerpoint" xmlns:com="http://schemas.openxmlformats.org/drawingml/2006/compatibility" xmlns:p14="http://schemas.microsoft.com/office/powerpoint/2010/main" xmlns:p15="http://schemas.microsoft.com/office/powerpoint/2012/main" xmlns:ahyp="http://schemas.microsoft.com/office/drawing/2018/hyperlinkcolor" showMasterPhAnim="0" showMasterSp="0">
+<p:notes xmlns:a="http://schemas.openxmlformats.org/drawingml/2006/main" xmlns:r="http://schemas.openxmlformats.org/officeDocument/2006/relationships" xmlns:p="http://schemas.openxmlformats.org/presentationml/2006/main" showMasterSp="0" showMasterPhAnim="0">
   <p:cSld>
     <p:spTree>
       <p:nvGrpSpPr>
-        <p:cNvPr id="90" name="Shape 90"/>
+        <p:cNvPr id="1" name="Shape 90"/>
         <p:cNvGrpSpPr/>
         <p:nvPr/>
       </p:nvGrpSpPr>
@@ -2313,9 +2403,11 @@
       <p:sp>
         <p:nvSpPr>
           <p:cNvPr id="91" name="Google Shape;91;gdc9a1084bc_0_11:notes"/>
-          <p:cNvSpPr/>
+          <p:cNvSpPr>
+            <a:spLocks noGrp="1" noRot="1" noChangeAspect="1"/>
+          </p:cNvSpPr>
           <p:nvPr>
-            <p:ph idx="2" type="sldImg"/>
+            <p:ph type="sldImg" idx="2"/>
           </p:nvPr>
         </p:nvSpPr>
         <p:spPr>
@@ -2324,9 +2416,13 @@
             <a:ext cx="6096000" cy="3429000"/>
           </a:xfrm>
           <a:custGeom>
-            <a:rect b="b" l="l" r="r" t="t"/>
+            <a:avLst/>
+            <a:gdLst/>
+            <a:ahLst/>
+            <a:cxnLst/>
+            <a:rect l="l" t="t" r="r" b="b"/>
             <a:pathLst>
-              <a:path extrusionOk="0" h="120000" w="120000">
+              <a:path w="120000" h="120000" extrusionOk="0">
                 <a:moveTo>
                   <a:pt x="0" y="0"/>
                 </a:moveTo>
@@ -2348,9 +2444,11 @@
       <p:sp>
         <p:nvSpPr>
           <p:cNvPr id="92" name="Google Shape;92;gdc9a1084bc_0_11:notes"/>
-          <p:cNvSpPr txBox="1"/>
+          <p:cNvSpPr txBox="1">
+            <a:spLocks noGrp="1"/>
+          </p:cNvSpPr>
           <p:nvPr>
-            <p:ph idx="1" type="body"/>
+            <p:ph type="body" idx="1"/>
           </p:nvPr>
         </p:nvSpPr>
         <p:spPr>
@@ -2363,12 +2461,12 @@
           </a:prstGeom>
         </p:spPr>
         <p:txBody>
-          <a:bodyPr anchorCtr="0" anchor="t" bIns="91425" lIns="91425" spcFirstLastPara="1" rIns="91425" wrap="square" tIns="91425">
+          <a:bodyPr spcFirstLastPara="1" wrap="square" lIns="91425" tIns="91425" rIns="91425" bIns="91425" anchor="t" anchorCtr="0">
             <a:noAutofit/>
           </a:bodyPr>
           <a:lstStyle/>
           <a:p>
-            <a:pPr indent="0" lvl="0" marL="0" rtl="0" algn="l">
+            <a:pPr marL="0" lvl="0" indent="0" algn="l" rtl="0">
               <a:lnSpc>
                 <a:spcPct val="115000"/>
               </a:lnSpc>
@@ -2395,67 +2493,7 @@
                 <a:cs typeface="Roboto"/>
                 <a:sym typeface="Roboto"/>
               </a:rPr>
-              <a:t>f &lt;- function(x){  sin(cos(x))  }, can </a:t>
-            </a:r>
-            <a:r>
-              <a:rPr lang="en-GB">
-                <a:solidFill>
-                  <a:schemeClr val="dk1"/>
-                </a:solidFill>
-                <a:latin typeface="Roboto"/>
-                <a:ea typeface="Roboto"/>
-                <a:cs typeface="Roboto"/>
-                <a:sym typeface="Roboto"/>
-              </a:rPr>
-              <a:t>sometimes</a:t>
-            </a:r>
-            <a:r>
-              <a:rPr lang="en-GB">
-                <a:solidFill>
-                  <a:schemeClr val="dk1"/>
-                </a:solidFill>
-                <a:latin typeface="Roboto"/>
-                <a:ea typeface="Roboto"/>
-                <a:cs typeface="Roboto"/>
-                <a:sym typeface="Roboto"/>
-              </a:rPr>
-              <a:t> be </a:t>
-            </a:r>
-            <a:r>
-              <a:rPr lang="en-GB">
-                <a:solidFill>
-                  <a:schemeClr val="dk1"/>
-                </a:solidFill>
-                <a:latin typeface="Roboto"/>
-                <a:ea typeface="Roboto"/>
-                <a:cs typeface="Roboto"/>
-                <a:sym typeface="Roboto"/>
-              </a:rPr>
-              <a:t>written</a:t>
-            </a:r>
-            <a:r>
-              <a:rPr lang="en-GB">
-                <a:solidFill>
-                  <a:schemeClr val="dk1"/>
-                </a:solidFill>
-                <a:latin typeface="Roboto"/>
-                <a:ea typeface="Roboto"/>
-                <a:cs typeface="Roboto"/>
-                <a:sym typeface="Roboto"/>
-              </a:rPr>
-              <a:t> as </a:t>
-            </a:r>
-            <a:r>
-              <a:rPr lang="en-GB">
-                <a:solidFill>
-                  <a:schemeClr val="dk1"/>
-                </a:solidFill>
-                <a:latin typeface="Roboto"/>
-                <a:ea typeface="Roboto"/>
-                <a:cs typeface="Roboto"/>
-                <a:sym typeface="Roboto"/>
-              </a:rPr>
-              <a:t>f &lt;- function(x) sin(cos(x)) , omitting the {}. It can be done if the whole function can be contain in the same line</a:t>
+              <a:t>f &lt;- function(x){  sin(cos(x))  }, can sometimes be written as f &lt;- function(x) sin(cos(x)) , omitting the {}. It can be done if the whole function can be contain in the same line</a:t>
             </a:r>
             <a:endParaRPr sz="100">
               <a:solidFill>
@@ -2474,11 +2512,11 @@
 </file>
 
 <file path=ppt/notesSlides/notesSlide7.xml><?xml version="1.0" encoding="utf-8"?>
-<p:notes xmlns:a="http://schemas.openxmlformats.org/drawingml/2006/main" xmlns:r="http://schemas.openxmlformats.org/officeDocument/2006/relationships" xmlns:mc="http://schemas.openxmlformats.org/markup-compatibility/2006" xmlns:mv="urn:schemas-microsoft-com:mac:vml" xmlns:p="http://schemas.openxmlformats.org/presentationml/2006/main" xmlns:c="http://schemas.openxmlformats.org/drawingml/2006/chart" xmlns:dgm="http://schemas.openxmlformats.org/drawingml/2006/diagram" xmlns:o="urn:schemas-microsoft-com:office:office" xmlns:v="urn:schemas-microsoft-com:vml" xmlns:pvml="urn:schemas-microsoft-com:office:powerpoint" xmlns:com="http://schemas.openxmlformats.org/drawingml/2006/compatibility" xmlns:p14="http://schemas.microsoft.com/office/powerpoint/2010/main" xmlns:p15="http://schemas.microsoft.com/office/powerpoint/2012/main" xmlns:ahyp="http://schemas.microsoft.com/office/drawing/2018/hyperlinkcolor" showMasterPhAnim="0" showMasterSp="0">
+<p:notes xmlns:a="http://schemas.openxmlformats.org/drawingml/2006/main" xmlns:r="http://schemas.openxmlformats.org/officeDocument/2006/relationships" xmlns:p="http://schemas.openxmlformats.org/presentationml/2006/main" showMasterSp="0" showMasterPhAnim="0">
   <p:cSld>
     <p:spTree>
       <p:nvGrpSpPr>
-        <p:cNvPr id="96" name="Shape 96"/>
+        <p:cNvPr id="1" name="Shape 96"/>
         <p:cNvGrpSpPr/>
         <p:nvPr/>
       </p:nvGrpSpPr>
@@ -2493,9 +2531,11 @@
       <p:sp>
         <p:nvSpPr>
           <p:cNvPr id="97" name="Google Shape;97;gda1ec38e3c_0_70:notes"/>
-          <p:cNvSpPr/>
+          <p:cNvSpPr>
+            <a:spLocks noGrp="1" noRot="1" noChangeAspect="1"/>
+          </p:cNvSpPr>
           <p:nvPr>
-            <p:ph idx="2" type="sldImg"/>
+            <p:ph type="sldImg" idx="2"/>
           </p:nvPr>
         </p:nvSpPr>
         <p:spPr>
@@ -2504,9 +2544,13 @@
             <a:ext cx="6096000" cy="3429000"/>
           </a:xfrm>
           <a:custGeom>
-            <a:rect b="b" l="l" r="r" t="t"/>
+            <a:avLst/>
+            <a:gdLst/>
+            <a:ahLst/>
+            <a:cxnLst/>
+            <a:rect l="l" t="t" r="r" b="b"/>
             <a:pathLst>
-              <a:path extrusionOk="0" h="120000" w="120000">
+              <a:path w="120000" h="120000" extrusionOk="0">
                 <a:moveTo>
                   <a:pt x="0" y="0"/>
                 </a:moveTo>
@@ -2528,9 +2572,11 @@
       <p:sp>
         <p:nvSpPr>
           <p:cNvPr id="98" name="Google Shape;98;gda1ec38e3c_0_70:notes"/>
-          <p:cNvSpPr txBox="1"/>
+          <p:cNvSpPr txBox="1">
+            <a:spLocks noGrp="1"/>
+          </p:cNvSpPr>
           <p:nvPr>
-            <p:ph idx="1" type="body"/>
+            <p:ph type="body" idx="1"/>
           </p:nvPr>
         </p:nvSpPr>
         <p:spPr>
@@ -2543,12 +2589,12 @@
           </a:prstGeom>
         </p:spPr>
         <p:txBody>
-          <a:bodyPr anchorCtr="0" anchor="t" bIns="91425" lIns="91425" spcFirstLastPara="1" rIns="91425" wrap="square" tIns="91425">
+          <a:bodyPr spcFirstLastPara="1" wrap="square" lIns="91425" tIns="91425" rIns="91425" bIns="91425" anchor="t" anchorCtr="0">
             <a:noAutofit/>
           </a:bodyPr>
           <a:lstStyle/>
           <a:p>
-            <a:pPr indent="0" lvl="0" marL="0" rtl="0" algn="l">
+            <a:pPr marL="0" lvl="0" indent="0" algn="l" rtl="0">
               <a:spcBef>
                 <a:spcPts val="0"/>
               </a:spcBef>
@@ -2574,11 +2620,11 @@
 </file>
 
 <file path=ppt/notesSlides/notesSlide8.xml><?xml version="1.0" encoding="utf-8"?>
-<p:notes xmlns:a="http://schemas.openxmlformats.org/drawingml/2006/main" xmlns:r="http://schemas.openxmlformats.org/officeDocument/2006/relationships" xmlns:mc="http://schemas.openxmlformats.org/markup-compatibility/2006" xmlns:mv="urn:schemas-microsoft-com:mac:vml" xmlns:p="http://schemas.openxmlformats.org/presentationml/2006/main" xmlns:c="http://schemas.openxmlformats.org/drawingml/2006/chart" xmlns:dgm="http://schemas.openxmlformats.org/drawingml/2006/diagram" xmlns:o="urn:schemas-microsoft-com:office:office" xmlns:v="urn:schemas-microsoft-com:vml" xmlns:pvml="urn:schemas-microsoft-com:office:powerpoint" xmlns:com="http://schemas.openxmlformats.org/drawingml/2006/compatibility" xmlns:p14="http://schemas.microsoft.com/office/powerpoint/2010/main" xmlns:p15="http://schemas.microsoft.com/office/powerpoint/2012/main" xmlns:ahyp="http://schemas.microsoft.com/office/drawing/2018/hyperlinkcolor" showMasterPhAnim="0" showMasterSp="0">
+<p:notes xmlns:a="http://schemas.openxmlformats.org/drawingml/2006/main" xmlns:r="http://schemas.openxmlformats.org/officeDocument/2006/relationships" xmlns:p="http://schemas.openxmlformats.org/presentationml/2006/main" showMasterSp="0" showMasterPhAnim="0">
   <p:cSld>
     <p:spTree>
       <p:nvGrpSpPr>
-        <p:cNvPr id="102" name="Shape 102"/>
+        <p:cNvPr id="1" name="Shape 102"/>
         <p:cNvGrpSpPr/>
         <p:nvPr/>
       </p:nvGrpSpPr>
@@ -2593,9 +2639,11 @@
       <p:sp>
         <p:nvSpPr>
           <p:cNvPr id="103" name="Google Shape;103;gda1ec38e3c_0_76:notes"/>
-          <p:cNvSpPr/>
+          <p:cNvSpPr>
+            <a:spLocks noGrp="1" noRot="1" noChangeAspect="1"/>
+          </p:cNvSpPr>
           <p:nvPr>
-            <p:ph idx="2" type="sldImg"/>
+            <p:ph type="sldImg" idx="2"/>
           </p:nvPr>
         </p:nvSpPr>
         <p:spPr>
@@ -2604,9 +2652,13 @@
             <a:ext cx="6096000" cy="3429000"/>
           </a:xfrm>
           <a:custGeom>
-            <a:rect b="b" l="l" r="r" t="t"/>
+            <a:avLst/>
+            <a:gdLst/>
+            <a:ahLst/>
+            <a:cxnLst/>
+            <a:rect l="l" t="t" r="r" b="b"/>
             <a:pathLst>
-              <a:path extrusionOk="0" h="120000" w="120000">
+              <a:path w="120000" h="120000" extrusionOk="0">
                 <a:moveTo>
                   <a:pt x="0" y="0"/>
                 </a:moveTo>
@@ -2628,9 +2680,11 @@
       <p:sp>
         <p:nvSpPr>
           <p:cNvPr id="104" name="Google Shape;104;gda1ec38e3c_0_76:notes"/>
-          <p:cNvSpPr txBox="1"/>
+          <p:cNvSpPr txBox="1">
+            <a:spLocks noGrp="1"/>
+          </p:cNvSpPr>
           <p:nvPr>
-            <p:ph idx="1" type="body"/>
+            <p:ph type="body" idx="1"/>
           </p:nvPr>
         </p:nvSpPr>
         <p:spPr>
@@ -2643,23 +2697,20 @@
           </a:prstGeom>
         </p:spPr>
         <p:txBody>
-          <a:bodyPr anchorCtr="0" anchor="t" bIns="91425" lIns="91425" spcFirstLastPara="1" rIns="91425" wrap="square" tIns="91425">
+          <a:bodyPr spcFirstLastPara="1" wrap="square" lIns="91425" tIns="91425" rIns="91425" bIns="91425" anchor="t" anchorCtr="0">
             <a:noAutofit/>
           </a:bodyPr>
           <a:lstStyle/>
           <a:p>
-            <a:pPr indent="0" lvl="0" marL="0" rtl="0" algn="l">
-              <a:spcBef>
-                <a:spcPts val="0"/>
-              </a:spcBef>
-              <a:spcAft>
-                <a:spcPts val="0"/>
-              </a:spcAft>
-              <a:buNone/>
-            </a:pPr>
-            <a:r>
-              <a:t/>
-            </a:r>
+            <a:pPr marL="0" lvl="0" indent="0" algn="l" rtl="0">
+              <a:spcBef>
+                <a:spcPts val="0"/>
+              </a:spcBef>
+              <a:spcAft>
+                <a:spcPts val="0"/>
+              </a:spcAft>
+              <a:buNone/>
+            </a:pPr>
             <a:endParaRPr/>
           </a:p>
         </p:txBody>
@@ -2673,11 +2724,11 @@
 </file>
 
 <file path=ppt/notesSlides/notesSlide9.xml><?xml version="1.0" encoding="utf-8"?>
-<p:notes xmlns:a="http://schemas.openxmlformats.org/drawingml/2006/main" xmlns:r="http://schemas.openxmlformats.org/officeDocument/2006/relationships" xmlns:mc="http://schemas.openxmlformats.org/markup-compatibility/2006" xmlns:mv="urn:schemas-microsoft-com:mac:vml" xmlns:p="http://schemas.openxmlformats.org/presentationml/2006/main" xmlns:c="http://schemas.openxmlformats.org/drawingml/2006/chart" xmlns:dgm="http://schemas.openxmlformats.org/drawingml/2006/diagram" xmlns:o="urn:schemas-microsoft-com:office:office" xmlns:v="urn:schemas-microsoft-com:vml" xmlns:pvml="urn:schemas-microsoft-com:office:powerpoint" xmlns:com="http://schemas.openxmlformats.org/drawingml/2006/compatibility" xmlns:p14="http://schemas.microsoft.com/office/powerpoint/2010/main" xmlns:p15="http://schemas.microsoft.com/office/powerpoint/2012/main" xmlns:ahyp="http://schemas.microsoft.com/office/drawing/2018/hyperlinkcolor" showMasterPhAnim="0" showMasterSp="0">
+<p:notes xmlns:a="http://schemas.openxmlformats.org/drawingml/2006/main" xmlns:r="http://schemas.openxmlformats.org/officeDocument/2006/relationships" xmlns:p="http://schemas.openxmlformats.org/presentationml/2006/main" showMasterSp="0" showMasterPhAnim="0">
   <p:cSld>
     <p:spTree>
       <p:nvGrpSpPr>
-        <p:cNvPr id="108" name="Shape 108"/>
+        <p:cNvPr id="1" name="Shape 108"/>
         <p:cNvGrpSpPr/>
         <p:nvPr/>
       </p:nvGrpSpPr>
@@ -2692,9 +2743,11 @@
       <p:sp>
         <p:nvSpPr>
           <p:cNvPr id="109" name="Google Shape;109;gda1ec38e3c_0_89:notes"/>
-          <p:cNvSpPr/>
+          <p:cNvSpPr>
+            <a:spLocks noGrp="1" noRot="1" noChangeAspect="1"/>
+          </p:cNvSpPr>
           <p:nvPr>
-            <p:ph idx="2" type="sldImg"/>
+            <p:ph type="sldImg" idx="2"/>
           </p:nvPr>
         </p:nvSpPr>
         <p:spPr>
@@ -2703,9 +2756,13 @@
             <a:ext cx="6096000" cy="3429000"/>
           </a:xfrm>
           <a:custGeom>
-            <a:rect b="b" l="l" r="r" t="t"/>
+            <a:avLst/>
+            <a:gdLst/>
+            <a:ahLst/>
+            <a:cxnLst/>
+            <a:rect l="l" t="t" r="r" b="b"/>
             <a:pathLst>
-              <a:path extrusionOk="0" h="120000" w="120000">
+              <a:path w="120000" h="120000" extrusionOk="0">
                 <a:moveTo>
                   <a:pt x="0" y="0"/>
                 </a:moveTo>
@@ -2727,9 +2784,11 @@
       <p:sp>
         <p:nvSpPr>
           <p:cNvPr id="110" name="Google Shape;110;gda1ec38e3c_0_89:notes"/>
-          <p:cNvSpPr txBox="1"/>
+          <p:cNvSpPr txBox="1">
+            <a:spLocks noGrp="1"/>
+          </p:cNvSpPr>
           <p:nvPr>
-            <p:ph idx="1" type="body"/>
+            <p:ph type="body" idx="1"/>
           </p:nvPr>
         </p:nvSpPr>
         <p:spPr>
@@ -2742,23 +2801,20 @@
           </a:prstGeom>
         </p:spPr>
         <p:txBody>
-          <a:bodyPr anchorCtr="0" anchor="t" bIns="91425" lIns="91425" spcFirstLastPara="1" rIns="91425" wrap="square" tIns="91425">
+          <a:bodyPr spcFirstLastPara="1" wrap="square" lIns="91425" tIns="91425" rIns="91425" bIns="91425" anchor="t" anchorCtr="0">
             <a:noAutofit/>
           </a:bodyPr>
           <a:lstStyle/>
           <a:p>
-            <a:pPr indent="0" lvl="0" marL="0" rtl="0" algn="l">
-              <a:spcBef>
-                <a:spcPts val="0"/>
-              </a:spcBef>
-              <a:spcAft>
-                <a:spcPts val="0"/>
-              </a:spcAft>
-              <a:buNone/>
-            </a:pPr>
-            <a:r>
-              <a:t/>
-            </a:r>
+            <a:pPr marL="0" lvl="0" indent="0" algn="l" rtl="0">
+              <a:spcBef>
+                <a:spcPts val="0"/>
+              </a:spcBef>
+              <a:spcAft>
+                <a:spcPts val="0"/>
+              </a:spcAft>
+              <a:buNone/>
+            </a:pPr>
             <a:endParaRPr/>
           </a:p>
         </p:txBody>
@@ -2772,11 +2828,11 @@
 </file>
 
 <file path=ppt/slideLayouts/slideLayout1.xml><?xml version="1.0" encoding="utf-8"?>
-<p:sldLayout xmlns:a="http://schemas.openxmlformats.org/drawingml/2006/main" xmlns:r="http://schemas.openxmlformats.org/officeDocument/2006/relationships" xmlns:mc="http://schemas.openxmlformats.org/markup-compatibility/2006" xmlns:mv="urn:schemas-microsoft-com:mac:vml" xmlns:p="http://schemas.openxmlformats.org/presentationml/2006/main" xmlns:c="http://schemas.openxmlformats.org/drawingml/2006/chart" xmlns:dgm="http://schemas.openxmlformats.org/drawingml/2006/diagram" xmlns:o="urn:schemas-microsoft-com:office:office" xmlns:v="urn:schemas-microsoft-com:vml" xmlns:pvml="urn:schemas-microsoft-com:office:powerpoint" xmlns:com="http://schemas.openxmlformats.org/drawingml/2006/compatibility" xmlns:p14="http://schemas.microsoft.com/office/powerpoint/2010/main" xmlns:p15="http://schemas.microsoft.com/office/powerpoint/2012/main" xmlns:ahyp="http://schemas.microsoft.com/office/drawing/2018/hyperlinkcolor" matchingName="Title slide" type="title">
+<p:sldLayout xmlns:a="http://schemas.openxmlformats.org/drawingml/2006/main" xmlns:r="http://schemas.openxmlformats.org/officeDocument/2006/relationships" xmlns:p="http://schemas.openxmlformats.org/presentationml/2006/main" matchingName="Title slide" type="title">
   <p:cSld name="TITLE">
     <p:spTree>
       <p:nvGrpSpPr>
-        <p:cNvPr id="9" name="Shape 9"/>
+        <p:cNvPr id="1" name="Shape 9"/>
         <p:cNvGrpSpPr/>
         <p:nvPr/>
       </p:nvGrpSpPr>
@@ -2800,9 +2856,13 @@
             <a:ext cx="1081625" cy="1124950"/>
           </a:xfrm>
           <a:custGeom>
-            <a:rect b="b" l="l" r="r" t="t"/>
+            <a:avLst/>
+            <a:gdLst/>
+            <a:ahLst/>
+            <a:cxnLst/>
+            <a:rect l="l" t="t" r="r" b="b"/>
             <a:pathLst>
-              <a:path extrusionOk="0" h="44998" w="43265">
+              <a:path w="43265" h="44998" extrusionOk="0">
                 <a:moveTo>
                   <a:pt x="0" y="44998"/>
                 </a:moveTo>
@@ -2816,14 +2876,14 @@
             </a:pathLst>
           </a:custGeom>
           <a:noFill/>
-          <a:ln cap="flat" cmpd="sng" w="28575">
+          <a:ln w="28575" cap="flat" cmpd="sng">
             <a:solidFill>
               <a:schemeClr val="accent5"/>
             </a:solidFill>
             <a:prstDash val="solid"/>
             <a:miter lim="8000"/>
-            <a:headEnd len="sm" w="sm" type="none"/>
-            <a:tailEnd len="sm" w="sm" type="none"/>
+            <a:headEnd type="none" w="sm" len="sm"/>
+            <a:tailEnd type="none" w="sm" len="sm"/>
           </a:ln>
         </p:spPr>
       </p:sp>
@@ -2839,9 +2899,13 @@
             <a:ext cx="1081625" cy="1124950"/>
           </a:xfrm>
           <a:custGeom>
-            <a:rect b="b" l="l" r="r" t="t"/>
+            <a:avLst/>
+            <a:gdLst/>
+            <a:ahLst/>
+            <a:cxnLst/>
+            <a:rect l="l" t="t" r="r" b="b"/>
             <a:pathLst>
-              <a:path extrusionOk="0" h="44998" w="43265">
+              <a:path w="43265" h="44998" extrusionOk="0">
                 <a:moveTo>
                   <a:pt x="0" y="44998"/>
                 </a:moveTo>
@@ -2855,14 +2919,14 @@
             </a:pathLst>
           </a:custGeom>
           <a:noFill/>
-          <a:ln cap="flat" cmpd="sng" w="28575">
+          <a:ln w="28575" cap="flat" cmpd="sng">
             <a:solidFill>
               <a:schemeClr val="accent5"/>
             </a:solidFill>
             <a:prstDash val="solid"/>
             <a:miter lim="8000"/>
-            <a:headEnd len="sm" w="sm" type="none"/>
-            <a:tailEnd len="sm" w="sm" type="none"/>
+            <a:headEnd type="none" w="sm" len="sm"/>
+            <a:tailEnd type="none" w="sm" len="sm"/>
           </a:ln>
         </p:spPr>
       </p:sp>
@@ -2881,21 +2945,23 @@
             <a:avLst/>
           </a:prstGeom>
           <a:noFill/>
-          <a:ln cap="flat" cmpd="sng" w="38100">
+          <a:ln w="38100" cap="flat" cmpd="sng">
             <a:solidFill>
               <a:schemeClr val="accent4"/>
             </a:solidFill>
             <a:prstDash val="solid"/>
             <a:round/>
-            <a:headEnd len="sm" w="sm" type="none"/>
-            <a:tailEnd len="sm" w="sm" type="none"/>
+            <a:headEnd type="none" w="sm" len="sm"/>
+            <a:tailEnd type="none" w="sm" len="sm"/>
           </a:ln>
         </p:spPr>
       </p:cxnSp>
       <p:sp>
         <p:nvSpPr>
           <p:cNvPr id="13" name="Google Shape;13;p2"/>
-          <p:cNvSpPr txBox="1"/>
+          <p:cNvSpPr txBox="1">
+            <a:spLocks noGrp="1"/>
+          </p:cNvSpPr>
           <p:nvPr>
             <p:ph type="ctrTitle"/>
           </p:nvPr>
@@ -2910,7 +2976,7 @@
           </a:prstGeom>
         </p:spPr>
         <p:txBody>
-          <a:bodyPr anchorCtr="0" anchor="b" bIns="91425" lIns="91425" spcFirstLastPara="1" rIns="91425" wrap="square" tIns="91425">
+          <a:bodyPr spcFirstLastPara="1" wrap="square" lIns="91425" tIns="91425" rIns="91425" bIns="91425" anchor="b" anchorCtr="0">
             <a:normAutofit/>
           </a:bodyPr>
           <a:lstStyle>
@@ -3014,15 +3080,19 @@
               <a:defRPr sz="4000"/>
             </a:lvl9pPr>
           </a:lstStyle>
-          <a:p/>
+          <a:p>
+            <a:endParaRPr/>
+          </a:p>
         </p:txBody>
       </p:sp>
       <p:sp>
         <p:nvSpPr>
           <p:cNvPr id="14" name="Google Shape;14;p2"/>
-          <p:cNvSpPr txBox="1"/>
+          <p:cNvSpPr txBox="1">
+            <a:spLocks noGrp="1"/>
+          </p:cNvSpPr>
           <p:nvPr>
-            <p:ph idx="1" type="subTitle"/>
+            <p:ph type="subTitle" idx="1"/>
           </p:nvPr>
         </p:nvSpPr>
         <p:spPr>
@@ -3035,7 +3105,7 @@
           </a:prstGeom>
         </p:spPr>
         <p:txBody>
-          <a:bodyPr anchorCtr="0" anchor="t" bIns="91425" lIns="91425" spcFirstLastPara="1" rIns="91425" wrap="square" tIns="91425">
+          <a:bodyPr spcFirstLastPara="1" wrap="square" lIns="91425" tIns="91425" rIns="91425" bIns="91425" anchor="t" anchorCtr="0">
             <a:normAutofit/>
           </a:bodyPr>
           <a:lstStyle>
@@ -3274,15 +3344,19 @@
               </a:defRPr>
             </a:lvl9pPr>
           </a:lstStyle>
-          <a:p/>
+          <a:p>
+            <a:endParaRPr/>
+          </a:p>
         </p:txBody>
       </p:sp>
       <p:sp>
         <p:nvSpPr>
           <p:cNvPr id="15" name="Google Shape;15;p2"/>
-          <p:cNvSpPr txBox="1"/>
+          <p:cNvSpPr txBox="1">
+            <a:spLocks noGrp="1"/>
+          </p:cNvSpPr>
           <p:nvPr>
-            <p:ph idx="12" type="sldNum"/>
+            <p:ph type="sldNum" idx="12"/>
           </p:nvPr>
         </p:nvSpPr>
         <p:spPr>
@@ -3295,7 +3369,7 @@
           </a:prstGeom>
         </p:spPr>
         <p:txBody>
-          <a:bodyPr anchorCtr="0" anchor="ctr" bIns="91425" lIns="91425" spcFirstLastPara="1" rIns="91425" wrap="square" tIns="91425">
+          <a:bodyPr spcFirstLastPara="1" wrap="square" lIns="91425" tIns="91425" rIns="91425" bIns="91425" anchor="ctr" anchorCtr="0">
             <a:normAutofit/>
           </a:bodyPr>
           <a:lstStyle>
@@ -3337,7 +3411,7 @@
             </a:lvl9pPr>
           </a:lstStyle>
           <a:p>
-            <a:pPr indent="0" lvl="0" marL="0" rtl="0" algn="r">
+            <a:pPr marL="0" lvl="0" indent="0" algn="r" rtl="0">
               <a:spcBef>
                 <a:spcPts val="0"/>
               </a:spcBef>
@@ -3363,11 +3437,11 @@
 </file>
 
 <file path=ppt/slideLayouts/slideLayout10.xml><?xml version="1.0" encoding="utf-8"?>
-<p:sldLayout xmlns:a="http://schemas.openxmlformats.org/drawingml/2006/main" xmlns:r="http://schemas.openxmlformats.org/officeDocument/2006/relationships" xmlns:mc="http://schemas.openxmlformats.org/markup-compatibility/2006" xmlns:mv="urn:schemas-microsoft-com:mac:vml" xmlns:p="http://schemas.openxmlformats.org/presentationml/2006/main" xmlns:c="http://schemas.openxmlformats.org/drawingml/2006/chart" xmlns:dgm="http://schemas.openxmlformats.org/drawingml/2006/diagram" xmlns:o="urn:schemas-microsoft-com:office:office" xmlns:v="urn:schemas-microsoft-com:vml" xmlns:pvml="urn:schemas-microsoft-com:office:powerpoint" xmlns:com="http://schemas.openxmlformats.org/drawingml/2006/compatibility" xmlns:p14="http://schemas.microsoft.com/office/powerpoint/2010/main" xmlns:p15="http://schemas.microsoft.com/office/powerpoint/2012/main" xmlns:ahyp="http://schemas.microsoft.com/office/drawing/2018/hyperlinkcolor" matchingName="Big number">
+<p:sldLayout xmlns:a="http://schemas.openxmlformats.org/drawingml/2006/main" xmlns:r="http://schemas.openxmlformats.org/officeDocument/2006/relationships" xmlns:p="http://schemas.openxmlformats.org/presentationml/2006/main" matchingName="Big number">
   <p:cSld name="BIG_NUMBER">
     <p:spTree>
       <p:nvGrpSpPr>
-        <p:cNvPr id="52" name="Shape 52"/>
+        <p:cNvPr id="1" name="Shape 52"/>
         <p:cNvGrpSpPr/>
         <p:nvPr/>
       </p:nvGrpSpPr>
@@ -3401,23 +3475,20 @@
           </a:ln>
         </p:spPr>
         <p:txBody>
-          <a:bodyPr anchorCtr="0" anchor="ctr" bIns="91425" lIns="91425" spcFirstLastPara="1" rIns="91425" wrap="square" tIns="91425">
+          <a:bodyPr spcFirstLastPara="1" wrap="square" lIns="91425" tIns="91425" rIns="91425" bIns="91425" anchor="ctr" anchorCtr="0">
             <a:noAutofit/>
           </a:bodyPr>
           <a:lstStyle/>
           <a:p>
-            <a:pPr indent="0" lvl="0" marL="0" rtl="0" algn="l">
-              <a:spcBef>
-                <a:spcPts val="0"/>
-              </a:spcBef>
-              <a:spcAft>
-                <a:spcPts val="0"/>
-              </a:spcAft>
-              <a:buNone/>
-            </a:pPr>
-            <a:r>
-              <a:t/>
-            </a:r>
+            <a:pPr marL="0" lvl="0" indent="0" algn="l" rtl="0">
+              <a:spcBef>
+                <a:spcPts val="0"/>
+              </a:spcBef>
+              <a:spcAft>
+                <a:spcPts val="0"/>
+              </a:spcAft>
+              <a:buNone/>
+            </a:pPr>
             <a:endParaRPr/>
           </a:p>
         </p:txBody>
@@ -3425,9 +3496,11 @@
       <p:sp>
         <p:nvSpPr>
           <p:cNvPr id="54" name="Google Shape;54;p11"/>
-          <p:cNvSpPr txBox="1"/>
+          <p:cNvSpPr txBox="1">
+            <a:spLocks noGrp="1"/>
+          </p:cNvSpPr>
           <p:nvPr>
-            <p:ph hasCustomPrompt="1" type="title"/>
+            <p:ph type="title" hasCustomPrompt="1"/>
           </p:nvPr>
         </p:nvSpPr>
         <p:spPr>
@@ -3440,7 +3513,7 @@
           </a:prstGeom>
         </p:spPr>
         <p:txBody>
-          <a:bodyPr anchorCtr="0" anchor="ctr" bIns="91425" lIns="91425" spcFirstLastPara="1" rIns="91425" wrap="square" tIns="91425">
+          <a:bodyPr spcFirstLastPara="1" wrap="square" lIns="91425" tIns="91425" rIns="91425" bIns="91425" anchor="ctr" anchorCtr="0">
             <a:normAutofit/>
           </a:bodyPr>
           <a:lstStyle>
@@ -3617,9 +3690,11 @@
       <p:sp>
         <p:nvSpPr>
           <p:cNvPr id="55" name="Google Shape;55;p11"/>
-          <p:cNvSpPr txBox="1"/>
+          <p:cNvSpPr txBox="1">
+            <a:spLocks noGrp="1"/>
+          </p:cNvSpPr>
           <p:nvPr>
-            <p:ph idx="1" type="body"/>
+            <p:ph type="body" idx="1"/>
           </p:nvPr>
         </p:nvSpPr>
         <p:spPr>
@@ -3632,11 +3707,11 @@
           </a:prstGeom>
         </p:spPr>
         <p:txBody>
-          <a:bodyPr anchorCtr="0" anchor="t" bIns="91425" lIns="91425" spcFirstLastPara="1" rIns="91425" wrap="square" tIns="91425">
+          <a:bodyPr spcFirstLastPara="1" wrap="square" lIns="91425" tIns="91425" rIns="91425" bIns="91425" anchor="t" anchorCtr="0">
             <a:normAutofit/>
           </a:bodyPr>
           <a:lstStyle>
-            <a:lvl1pPr indent="-342900" lvl="0" marL="457200" algn="ctr">
+            <a:lvl1pPr marL="457200" lvl="0" indent="-342900" algn="ctr">
               <a:spcBef>
                 <a:spcPts val="0"/>
               </a:spcBef>
@@ -3647,7 +3722,7 @@
               <a:buChar char="●"/>
               <a:defRPr/>
             </a:lvl1pPr>
-            <a:lvl2pPr indent="-317500" lvl="1" marL="914400" algn="ctr">
+            <a:lvl2pPr marL="914400" lvl="1" indent="-317500" algn="ctr">
               <a:spcBef>
                 <a:spcPts val="0"/>
               </a:spcBef>
@@ -3658,7 +3733,7 @@
               <a:buChar char="○"/>
               <a:defRPr/>
             </a:lvl2pPr>
-            <a:lvl3pPr indent="-317500" lvl="2" marL="1371600" algn="ctr">
+            <a:lvl3pPr marL="1371600" lvl="2" indent="-317500" algn="ctr">
               <a:spcBef>
                 <a:spcPts val="0"/>
               </a:spcBef>
@@ -3669,7 +3744,7 @@
               <a:buChar char="■"/>
               <a:defRPr/>
             </a:lvl3pPr>
-            <a:lvl4pPr indent="-317500" lvl="3" marL="1828800" algn="ctr">
+            <a:lvl4pPr marL="1828800" lvl="3" indent="-317500" algn="ctr">
               <a:spcBef>
                 <a:spcPts val="0"/>
               </a:spcBef>
@@ -3680,7 +3755,7 @@
               <a:buChar char="●"/>
               <a:defRPr/>
             </a:lvl4pPr>
-            <a:lvl5pPr indent="-317500" lvl="4" marL="2286000" algn="ctr">
+            <a:lvl5pPr marL="2286000" lvl="4" indent="-317500" algn="ctr">
               <a:spcBef>
                 <a:spcPts val="0"/>
               </a:spcBef>
@@ -3691,7 +3766,7 @@
               <a:buChar char="○"/>
               <a:defRPr/>
             </a:lvl5pPr>
-            <a:lvl6pPr indent="-317500" lvl="5" marL="2743200" algn="ctr">
+            <a:lvl6pPr marL="2743200" lvl="5" indent="-317500" algn="ctr">
               <a:spcBef>
                 <a:spcPts val="0"/>
               </a:spcBef>
@@ -3702,7 +3777,7 @@
               <a:buChar char="■"/>
               <a:defRPr/>
             </a:lvl6pPr>
-            <a:lvl7pPr indent="-317500" lvl="6" marL="3200400" algn="ctr">
+            <a:lvl7pPr marL="3200400" lvl="6" indent="-317500" algn="ctr">
               <a:spcBef>
                 <a:spcPts val="0"/>
               </a:spcBef>
@@ -3713,7 +3788,7 @@
               <a:buChar char="●"/>
               <a:defRPr/>
             </a:lvl7pPr>
-            <a:lvl8pPr indent="-317500" lvl="7" marL="3657600" algn="ctr">
+            <a:lvl8pPr marL="3657600" lvl="7" indent="-317500" algn="ctr">
               <a:spcBef>
                 <a:spcPts val="0"/>
               </a:spcBef>
@@ -3724,7 +3799,7 @@
               <a:buChar char="○"/>
               <a:defRPr/>
             </a:lvl8pPr>
-            <a:lvl9pPr indent="-317500" lvl="8" marL="4114800" algn="ctr">
+            <a:lvl9pPr marL="4114800" lvl="8" indent="-317500" algn="ctr">
               <a:spcBef>
                 <a:spcPts val="0"/>
               </a:spcBef>
@@ -3736,15 +3811,19 @@
               <a:defRPr/>
             </a:lvl9pPr>
           </a:lstStyle>
-          <a:p/>
+          <a:p>
+            <a:endParaRPr/>
+          </a:p>
         </p:txBody>
       </p:sp>
       <p:sp>
         <p:nvSpPr>
           <p:cNvPr id="56" name="Google Shape;56;p11"/>
-          <p:cNvSpPr txBox="1"/>
+          <p:cNvSpPr txBox="1">
+            <a:spLocks noGrp="1"/>
+          </p:cNvSpPr>
           <p:nvPr>
-            <p:ph idx="12" type="sldNum"/>
+            <p:ph type="sldNum" idx="12"/>
           </p:nvPr>
         </p:nvSpPr>
         <p:spPr>
@@ -3757,7 +3836,7 @@
           </a:prstGeom>
         </p:spPr>
         <p:txBody>
-          <a:bodyPr anchorCtr="0" anchor="ctr" bIns="91425" lIns="91425" spcFirstLastPara="1" rIns="91425" wrap="square" tIns="91425">
+          <a:bodyPr spcFirstLastPara="1" wrap="square" lIns="91425" tIns="91425" rIns="91425" bIns="91425" anchor="ctr" anchorCtr="0">
             <a:normAutofit/>
           </a:bodyPr>
           <a:lstStyle>
@@ -3799,7 +3878,7 @@
             </a:lvl9pPr>
           </a:lstStyle>
           <a:p>
-            <a:pPr indent="0" lvl="0" marL="0" rtl="0" algn="r">
+            <a:pPr marL="0" lvl="0" indent="0" algn="r" rtl="0">
               <a:spcBef>
                 <a:spcPts val="0"/>
               </a:spcBef>
@@ -3825,11 +3904,11 @@
 </file>
 
 <file path=ppt/slideLayouts/slideLayout11.xml><?xml version="1.0" encoding="utf-8"?>
-<p:sldLayout xmlns:a="http://schemas.openxmlformats.org/drawingml/2006/main" xmlns:r="http://schemas.openxmlformats.org/officeDocument/2006/relationships" xmlns:mc="http://schemas.openxmlformats.org/markup-compatibility/2006" xmlns:mv="urn:schemas-microsoft-com:mac:vml" xmlns:p="http://schemas.openxmlformats.org/presentationml/2006/main" xmlns:c="http://schemas.openxmlformats.org/drawingml/2006/chart" xmlns:dgm="http://schemas.openxmlformats.org/drawingml/2006/diagram" xmlns:o="urn:schemas-microsoft-com:office:office" xmlns:v="urn:schemas-microsoft-com:vml" xmlns:pvml="urn:schemas-microsoft-com:office:powerpoint" xmlns:com="http://schemas.openxmlformats.org/drawingml/2006/compatibility" xmlns:p14="http://schemas.microsoft.com/office/powerpoint/2010/main" xmlns:p15="http://schemas.microsoft.com/office/powerpoint/2012/main" xmlns:ahyp="http://schemas.microsoft.com/office/drawing/2018/hyperlinkcolor" matchingName="Blank" type="blank">
+<p:sldLayout xmlns:a="http://schemas.openxmlformats.org/drawingml/2006/main" xmlns:r="http://schemas.openxmlformats.org/officeDocument/2006/relationships" xmlns:p="http://schemas.openxmlformats.org/presentationml/2006/main" matchingName="Blank" type="blank">
   <p:cSld name="BLANK">
     <p:spTree>
       <p:nvGrpSpPr>
-        <p:cNvPr id="57" name="Shape 57"/>
+        <p:cNvPr id="1" name="Shape 57"/>
         <p:cNvGrpSpPr/>
         <p:nvPr/>
       </p:nvGrpSpPr>
@@ -3844,9 +3923,11 @@
       <p:sp>
         <p:nvSpPr>
           <p:cNvPr id="58" name="Google Shape;58;p12"/>
-          <p:cNvSpPr txBox="1"/>
+          <p:cNvSpPr txBox="1">
+            <a:spLocks noGrp="1"/>
+          </p:cNvSpPr>
           <p:nvPr>
-            <p:ph idx="12" type="sldNum"/>
+            <p:ph type="sldNum" idx="12"/>
           </p:nvPr>
         </p:nvSpPr>
         <p:spPr>
@@ -3859,7 +3940,7 @@
           </a:prstGeom>
         </p:spPr>
         <p:txBody>
-          <a:bodyPr anchorCtr="0" anchor="ctr" bIns="91425" lIns="91425" spcFirstLastPara="1" rIns="91425" wrap="square" tIns="91425">
+          <a:bodyPr spcFirstLastPara="1" wrap="square" lIns="91425" tIns="91425" rIns="91425" bIns="91425" anchor="ctr" anchorCtr="0">
             <a:normAutofit/>
           </a:bodyPr>
           <a:lstStyle>
@@ -3901,7 +3982,7 @@
             </a:lvl9pPr>
           </a:lstStyle>
           <a:p>
-            <a:pPr indent="0" lvl="0" marL="0" rtl="0" algn="r">
+            <a:pPr marL="0" lvl="0" indent="0" algn="r" rtl="0">
               <a:spcBef>
                 <a:spcPts val="0"/>
               </a:spcBef>
@@ -3927,11 +4008,11 @@
 </file>
 
 <file path=ppt/slideLayouts/slideLayout2.xml><?xml version="1.0" encoding="utf-8"?>
-<p:sldLayout xmlns:a="http://schemas.openxmlformats.org/drawingml/2006/main" xmlns:r="http://schemas.openxmlformats.org/officeDocument/2006/relationships" xmlns:mc="http://schemas.openxmlformats.org/markup-compatibility/2006" xmlns:mv="urn:schemas-microsoft-com:mac:vml" xmlns:p="http://schemas.openxmlformats.org/presentationml/2006/main" xmlns:c="http://schemas.openxmlformats.org/drawingml/2006/chart" xmlns:dgm="http://schemas.openxmlformats.org/drawingml/2006/diagram" xmlns:o="urn:schemas-microsoft-com:office:office" xmlns:v="urn:schemas-microsoft-com:vml" xmlns:pvml="urn:schemas-microsoft-com:office:powerpoint" xmlns:com="http://schemas.openxmlformats.org/drawingml/2006/compatibility" xmlns:p14="http://schemas.microsoft.com/office/powerpoint/2010/main" xmlns:p15="http://schemas.microsoft.com/office/powerpoint/2012/main" xmlns:ahyp="http://schemas.microsoft.com/office/drawing/2018/hyperlinkcolor" matchingName="Section header" type="secHead">
+<p:sldLayout xmlns:a="http://schemas.openxmlformats.org/drawingml/2006/main" xmlns:r="http://schemas.openxmlformats.org/officeDocument/2006/relationships" xmlns:p="http://schemas.openxmlformats.org/presentationml/2006/main" matchingName="Section header" type="secHead">
   <p:cSld name="SECTION_HEADER">
     <p:spTree>
       <p:nvGrpSpPr>
-        <p:cNvPr id="16" name="Shape 16"/>
+        <p:cNvPr id="1" name="Shape 16"/>
         <p:cNvGrpSpPr/>
         <p:nvPr/>
       </p:nvGrpSpPr>
@@ -3958,21 +4039,23 @@
             <a:avLst/>
           </a:prstGeom>
           <a:noFill/>
-          <a:ln cap="flat" cmpd="sng" w="38100">
+          <a:ln w="38100" cap="flat" cmpd="sng">
             <a:solidFill>
               <a:schemeClr val="accent4"/>
             </a:solidFill>
             <a:prstDash val="solid"/>
             <a:round/>
-            <a:headEnd len="sm" w="sm" type="none"/>
-            <a:tailEnd len="sm" w="sm" type="none"/>
+            <a:headEnd type="none" w="sm" len="sm"/>
+            <a:tailEnd type="none" w="sm" len="sm"/>
           </a:ln>
         </p:spPr>
       </p:cxnSp>
       <p:sp>
         <p:nvSpPr>
           <p:cNvPr id="18" name="Google Shape;18;p3"/>
-          <p:cNvSpPr txBox="1"/>
+          <p:cNvSpPr txBox="1">
+            <a:spLocks noGrp="1"/>
+          </p:cNvSpPr>
           <p:nvPr>
             <p:ph type="title"/>
           </p:nvPr>
@@ -3987,7 +4070,7 @@
           </a:prstGeom>
         </p:spPr>
         <p:txBody>
-          <a:bodyPr anchorCtr="0" anchor="b" bIns="91425" lIns="91425" spcFirstLastPara="1" rIns="91425" wrap="square" tIns="91425">
+          <a:bodyPr spcFirstLastPara="1" wrap="square" lIns="91425" tIns="91425" rIns="91425" bIns="91425" anchor="b" anchorCtr="0">
             <a:normAutofit/>
           </a:bodyPr>
           <a:lstStyle>
@@ -4091,15 +4174,19 @@
               <a:defRPr sz="4800"/>
             </a:lvl9pPr>
           </a:lstStyle>
-          <a:p/>
+          <a:p>
+            <a:endParaRPr/>
+          </a:p>
         </p:txBody>
       </p:sp>
       <p:sp>
         <p:nvSpPr>
           <p:cNvPr id="19" name="Google Shape;19;p3"/>
-          <p:cNvSpPr txBox="1"/>
+          <p:cNvSpPr txBox="1">
+            <a:spLocks noGrp="1"/>
+          </p:cNvSpPr>
           <p:nvPr>
-            <p:ph idx="12" type="sldNum"/>
+            <p:ph type="sldNum" idx="12"/>
           </p:nvPr>
         </p:nvSpPr>
         <p:spPr>
@@ -4112,7 +4199,7 @@
           </a:prstGeom>
         </p:spPr>
         <p:txBody>
-          <a:bodyPr anchorCtr="0" anchor="ctr" bIns="91425" lIns="91425" spcFirstLastPara="1" rIns="91425" wrap="square" tIns="91425">
+          <a:bodyPr spcFirstLastPara="1" wrap="square" lIns="91425" tIns="91425" rIns="91425" bIns="91425" anchor="ctr" anchorCtr="0">
             <a:normAutofit/>
           </a:bodyPr>
           <a:lstStyle>
@@ -4154,7 +4241,7 @@
             </a:lvl9pPr>
           </a:lstStyle>
           <a:p>
-            <a:pPr indent="0" lvl="0" marL="0" rtl="0" algn="r">
+            <a:pPr marL="0" lvl="0" indent="0" algn="r" rtl="0">
               <a:spcBef>
                 <a:spcPts val="0"/>
               </a:spcBef>
@@ -4180,11 +4267,11 @@
 </file>
 
 <file path=ppt/slideLayouts/slideLayout3.xml><?xml version="1.0" encoding="utf-8"?>
-<p:sldLayout xmlns:a="http://schemas.openxmlformats.org/drawingml/2006/main" xmlns:r="http://schemas.openxmlformats.org/officeDocument/2006/relationships" xmlns:mc="http://schemas.openxmlformats.org/markup-compatibility/2006" xmlns:mv="urn:schemas-microsoft-com:mac:vml" xmlns:p="http://schemas.openxmlformats.org/presentationml/2006/main" xmlns:c="http://schemas.openxmlformats.org/drawingml/2006/chart" xmlns:dgm="http://schemas.openxmlformats.org/drawingml/2006/diagram" xmlns:o="urn:schemas-microsoft-com:office:office" xmlns:v="urn:schemas-microsoft-com:vml" xmlns:pvml="urn:schemas-microsoft-com:office:powerpoint" xmlns:com="http://schemas.openxmlformats.org/drawingml/2006/compatibility" xmlns:p14="http://schemas.microsoft.com/office/powerpoint/2010/main" xmlns:p15="http://schemas.microsoft.com/office/powerpoint/2012/main" xmlns:ahyp="http://schemas.microsoft.com/office/drawing/2018/hyperlinkcolor" matchingName="Title and body" type="tx">
+<p:sldLayout xmlns:a="http://schemas.openxmlformats.org/drawingml/2006/main" xmlns:r="http://schemas.openxmlformats.org/officeDocument/2006/relationships" xmlns:p="http://schemas.openxmlformats.org/presentationml/2006/main" matchingName="Title and body" type="tx">
   <p:cSld name="TITLE_AND_BODY">
     <p:spTree>
       <p:nvGrpSpPr>
-        <p:cNvPr id="20" name="Shape 20"/>
+        <p:cNvPr id="1" name="Shape 20"/>
         <p:cNvGrpSpPr/>
         <p:nvPr/>
       </p:nvGrpSpPr>
@@ -4211,21 +4298,23 @@
             <a:avLst/>
           </a:prstGeom>
           <a:noFill/>
-          <a:ln cap="flat" cmpd="sng" w="38100">
+          <a:ln w="38100" cap="flat" cmpd="sng">
             <a:solidFill>
               <a:schemeClr val="accent4"/>
             </a:solidFill>
             <a:prstDash val="solid"/>
             <a:round/>
-            <a:headEnd len="sm" w="sm" type="none"/>
-            <a:tailEnd len="sm" w="sm" type="none"/>
+            <a:headEnd type="none" w="sm" len="sm"/>
+            <a:tailEnd type="none" w="sm" len="sm"/>
           </a:ln>
         </p:spPr>
       </p:cxnSp>
       <p:sp>
         <p:nvSpPr>
           <p:cNvPr id="22" name="Google Shape;22;p4"/>
-          <p:cNvSpPr txBox="1"/>
+          <p:cNvSpPr txBox="1">
+            <a:spLocks noGrp="1"/>
+          </p:cNvSpPr>
           <p:nvPr>
             <p:ph type="title"/>
           </p:nvPr>
@@ -4240,7 +4329,7 @@
           </a:prstGeom>
         </p:spPr>
         <p:txBody>
-          <a:bodyPr anchorCtr="0" anchor="b" bIns="91425" lIns="91425" spcFirstLastPara="1" rIns="91425" wrap="square" tIns="91425">
+          <a:bodyPr spcFirstLastPara="1" wrap="square" lIns="91425" tIns="91425" rIns="91425" bIns="91425" anchor="b" anchorCtr="0">
             <a:normAutofit/>
           </a:bodyPr>
           <a:lstStyle>
@@ -4344,15 +4433,19 @@
               <a:defRPr/>
             </a:lvl9pPr>
           </a:lstStyle>
-          <a:p/>
+          <a:p>
+            <a:endParaRPr/>
+          </a:p>
         </p:txBody>
       </p:sp>
       <p:sp>
         <p:nvSpPr>
           <p:cNvPr id="23" name="Google Shape;23;p4"/>
-          <p:cNvSpPr txBox="1"/>
+          <p:cNvSpPr txBox="1">
+            <a:spLocks noGrp="1"/>
+          </p:cNvSpPr>
           <p:nvPr>
-            <p:ph idx="1" type="body"/>
+            <p:ph type="body" idx="1"/>
           </p:nvPr>
         </p:nvSpPr>
         <p:spPr>
@@ -4365,11 +4458,11 @@
           </a:prstGeom>
         </p:spPr>
         <p:txBody>
-          <a:bodyPr anchorCtr="0" anchor="t" bIns="91425" lIns="91425" spcFirstLastPara="1" rIns="91425" wrap="square" tIns="91425">
+          <a:bodyPr spcFirstLastPara="1" wrap="square" lIns="91425" tIns="91425" rIns="91425" bIns="91425" anchor="t" anchorCtr="0">
             <a:normAutofit/>
           </a:bodyPr>
           <a:lstStyle>
-            <a:lvl1pPr indent="-342900" lvl="0" marL="457200">
+            <a:lvl1pPr marL="457200" lvl="0" indent="-342900">
               <a:spcBef>
                 <a:spcPts val="0"/>
               </a:spcBef>
@@ -4380,7 +4473,7 @@
               <a:buChar char="●"/>
               <a:defRPr/>
             </a:lvl1pPr>
-            <a:lvl2pPr indent="-317500" lvl="1" marL="914400">
+            <a:lvl2pPr marL="914400" lvl="1" indent="-317500">
               <a:spcBef>
                 <a:spcPts val="0"/>
               </a:spcBef>
@@ -4391,7 +4484,7 @@
               <a:buChar char="○"/>
               <a:defRPr/>
             </a:lvl2pPr>
-            <a:lvl3pPr indent="-317500" lvl="2" marL="1371600">
+            <a:lvl3pPr marL="1371600" lvl="2" indent="-317500">
               <a:spcBef>
                 <a:spcPts val="0"/>
               </a:spcBef>
@@ -4402,7 +4495,7 @@
               <a:buChar char="■"/>
               <a:defRPr/>
             </a:lvl3pPr>
-            <a:lvl4pPr indent="-317500" lvl="3" marL="1828800">
+            <a:lvl4pPr marL="1828800" lvl="3" indent="-317500">
               <a:spcBef>
                 <a:spcPts val="0"/>
               </a:spcBef>
@@ -4413,7 +4506,7 @@
               <a:buChar char="●"/>
               <a:defRPr/>
             </a:lvl4pPr>
-            <a:lvl5pPr indent="-317500" lvl="4" marL="2286000">
+            <a:lvl5pPr marL="2286000" lvl="4" indent="-317500">
               <a:spcBef>
                 <a:spcPts val="0"/>
               </a:spcBef>
@@ -4424,7 +4517,7 @@
               <a:buChar char="○"/>
               <a:defRPr/>
             </a:lvl5pPr>
-            <a:lvl6pPr indent="-317500" lvl="5" marL="2743200">
+            <a:lvl6pPr marL="2743200" lvl="5" indent="-317500">
               <a:spcBef>
                 <a:spcPts val="0"/>
               </a:spcBef>
@@ -4435,7 +4528,7 @@
               <a:buChar char="■"/>
               <a:defRPr/>
             </a:lvl6pPr>
-            <a:lvl7pPr indent="-317500" lvl="6" marL="3200400">
+            <a:lvl7pPr marL="3200400" lvl="6" indent="-317500">
               <a:spcBef>
                 <a:spcPts val="0"/>
               </a:spcBef>
@@ -4446,7 +4539,7 @@
               <a:buChar char="●"/>
               <a:defRPr/>
             </a:lvl7pPr>
-            <a:lvl8pPr indent="-317500" lvl="7" marL="3657600">
+            <a:lvl8pPr marL="3657600" lvl="7" indent="-317500">
               <a:spcBef>
                 <a:spcPts val="0"/>
               </a:spcBef>
@@ -4457,7 +4550,7 @@
               <a:buChar char="○"/>
               <a:defRPr/>
             </a:lvl8pPr>
-            <a:lvl9pPr indent="-317500" lvl="8" marL="4114800">
+            <a:lvl9pPr marL="4114800" lvl="8" indent="-317500">
               <a:spcBef>
                 <a:spcPts val="0"/>
               </a:spcBef>
@@ -4469,15 +4562,19 @@
               <a:defRPr/>
             </a:lvl9pPr>
           </a:lstStyle>
-          <a:p/>
+          <a:p>
+            <a:endParaRPr/>
+          </a:p>
         </p:txBody>
       </p:sp>
       <p:sp>
         <p:nvSpPr>
           <p:cNvPr id="24" name="Google Shape;24;p4"/>
-          <p:cNvSpPr txBox="1"/>
+          <p:cNvSpPr txBox="1">
+            <a:spLocks noGrp="1"/>
+          </p:cNvSpPr>
           <p:nvPr>
-            <p:ph idx="12" type="sldNum"/>
+            <p:ph type="sldNum" idx="12"/>
           </p:nvPr>
         </p:nvSpPr>
         <p:spPr>
@@ -4490,7 +4587,7 @@
           </a:prstGeom>
         </p:spPr>
         <p:txBody>
-          <a:bodyPr anchorCtr="0" anchor="ctr" bIns="91425" lIns="91425" spcFirstLastPara="1" rIns="91425" wrap="square" tIns="91425">
+          <a:bodyPr spcFirstLastPara="1" wrap="square" lIns="91425" tIns="91425" rIns="91425" bIns="91425" anchor="ctr" anchorCtr="0">
             <a:normAutofit/>
           </a:bodyPr>
           <a:lstStyle>
@@ -4532,7 +4629,7 @@
             </a:lvl9pPr>
           </a:lstStyle>
           <a:p>
-            <a:pPr indent="0" lvl="0" marL="0" rtl="0" algn="r">
+            <a:pPr marL="0" lvl="0" indent="0" algn="r" rtl="0">
               <a:spcBef>
                 <a:spcPts val="0"/>
               </a:spcBef>
@@ -4558,11 +4655,11 @@
 </file>
 
 <file path=ppt/slideLayouts/slideLayout4.xml><?xml version="1.0" encoding="utf-8"?>
-<p:sldLayout xmlns:a="http://schemas.openxmlformats.org/drawingml/2006/main" xmlns:r="http://schemas.openxmlformats.org/officeDocument/2006/relationships" xmlns:mc="http://schemas.openxmlformats.org/markup-compatibility/2006" xmlns:mv="urn:schemas-microsoft-com:mac:vml" xmlns:p="http://schemas.openxmlformats.org/presentationml/2006/main" xmlns:c="http://schemas.openxmlformats.org/drawingml/2006/chart" xmlns:dgm="http://schemas.openxmlformats.org/drawingml/2006/diagram" xmlns:o="urn:schemas-microsoft-com:office:office" xmlns:v="urn:schemas-microsoft-com:vml" xmlns:pvml="urn:schemas-microsoft-com:office:powerpoint" xmlns:com="http://schemas.openxmlformats.org/drawingml/2006/compatibility" xmlns:p14="http://schemas.microsoft.com/office/powerpoint/2010/main" xmlns:p15="http://schemas.microsoft.com/office/powerpoint/2012/main" xmlns:ahyp="http://schemas.microsoft.com/office/drawing/2018/hyperlinkcolor" matchingName="Title and two columns" type="twoColTx">
+<p:sldLayout xmlns:a="http://schemas.openxmlformats.org/drawingml/2006/main" xmlns:r="http://schemas.openxmlformats.org/officeDocument/2006/relationships" xmlns:p="http://schemas.openxmlformats.org/presentationml/2006/main" matchingName="Title and two columns" type="twoColTx">
   <p:cSld name="TITLE_AND_TWO_COLUMNS">
     <p:spTree>
       <p:nvGrpSpPr>
-        <p:cNvPr id="25" name="Shape 25"/>
+        <p:cNvPr id="1" name="Shape 25"/>
         <p:cNvGrpSpPr/>
         <p:nvPr/>
       </p:nvGrpSpPr>
@@ -4589,21 +4686,23 @@
             <a:avLst/>
           </a:prstGeom>
           <a:noFill/>
-          <a:ln cap="flat" cmpd="sng" w="38100">
+          <a:ln w="38100" cap="flat" cmpd="sng">
             <a:solidFill>
               <a:schemeClr val="accent4"/>
             </a:solidFill>
             <a:prstDash val="solid"/>
             <a:round/>
-            <a:headEnd len="sm" w="sm" type="none"/>
-            <a:tailEnd len="sm" w="sm" type="none"/>
+            <a:headEnd type="none" w="sm" len="sm"/>
+            <a:tailEnd type="none" w="sm" len="sm"/>
           </a:ln>
         </p:spPr>
       </p:cxnSp>
       <p:sp>
         <p:nvSpPr>
           <p:cNvPr id="27" name="Google Shape;27;p5"/>
-          <p:cNvSpPr txBox="1"/>
+          <p:cNvSpPr txBox="1">
+            <a:spLocks noGrp="1"/>
+          </p:cNvSpPr>
           <p:nvPr>
             <p:ph type="title"/>
           </p:nvPr>
@@ -4618,7 +4717,7 @@
           </a:prstGeom>
         </p:spPr>
         <p:txBody>
-          <a:bodyPr anchorCtr="0" anchor="b" bIns="91425" lIns="91425" spcFirstLastPara="1" rIns="91425" wrap="square" tIns="91425">
+          <a:bodyPr spcFirstLastPara="1" wrap="square" lIns="91425" tIns="91425" rIns="91425" bIns="91425" anchor="b" anchorCtr="0">
             <a:normAutofit/>
           </a:bodyPr>
           <a:lstStyle>
@@ -4722,15 +4821,19 @@
               <a:defRPr/>
             </a:lvl9pPr>
           </a:lstStyle>
-          <a:p/>
+          <a:p>
+            <a:endParaRPr/>
+          </a:p>
         </p:txBody>
       </p:sp>
       <p:sp>
         <p:nvSpPr>
           <p:cNvPr id="28" name="Google Shape;28;p5"/>
-          <p:cNvSpPr txBox="1"/>
+          <p:cNvSpPr txBox="1">
+            <a:spLocks noGrp="1"/>
+          </p:cNvSpPr>
           <p:nvPr>
-            <p:ph idx="1" type="body"/>
+            <p:ph type="body" idx="1"/>
           </p:nvPr>
         </p:nvSpPr>
         <p:spPr>
@@ -4743,11 +4846,11 @@
           </a:prstGeom>
         </p:spPr>
         <p:txBody>
-          <a:bodyPr anchorCtr="0" anchor="t" bIns="91425" lIns="91425" spcFirstLastPara="1" rIns="91425" wrap="square" tIns="91425">
+          <a:bodyPr spcFirstLastPara="1" wrap="square" lIns="91425" tIns="91425" rIns="91425" bIns="91425" anchor="t" anchorCtr="0">
             <a:normAutofit/>
           </a:bodyPr>
           <a:lstStyle>
-            <a:lvl1pPr indent="-317500" lvl="0" marL="457200">
+            <a:lvl1pPr marL="457200" lvl="0" indent="-317500">
               <a:spcBef>
                 <a:spcPts val="0"/>
               </a:spcBef>
@@ -4758,7 +4861,7 @@
               <a:buChar char="●"/>
               <a:defRPr sz="1400"/>
             </a:lvl1pPr>
-            <a:lvl2pPr indent="-304800" lvl="1" marL="914400">
+            <a:lvl2pPr marL="914400" lvl="1" indent="-304800">
               <a:spcBef>
                 <a:spcPts val="0"/>
               </a:spcBef>
@@ -4769,7 +4872,7 @@
               <a:buChar char="○"/>
               <a:defRPr sz="1200"/>
             </a:lvl2pPr>
-            <a:lvl3pPr indent="-304800" lvl="2" marL="1371600">
+            <a:lvl3pPr marL="1371600" lvl="2" indent="-304800">
               <a:spcBef>
                 <a:spcPts val="0"/>
               </a:spcBef>
@@ -4780,7 +4883,7 @@
               <a:buChar char="■"/>
               <a:defRPr sz="1200"/>
             </a:lvl3pPr>
-            <a:lvl4pPr indent="-304800" lvl="3" marL="1828800">
+            <a:lvl4pPr marL="1828800" lvl="3" indent="-304800">
               <a:spcBef>
                 <a:spcPts val="0"/>
               </a:spcBef>
@@ -4791,7 +4894,7 @@
               <a:buChar char="●"/>
               <a:defRPr sz="1200"/>
             </a:lvl4pPr>
-            <a:lvl5pPr indent="-304800" lvl="4" marL="2286000">
+            <a:lvl5pPr marL="2286000" lvl="4" indent="-304800">
               <a:spcBef>
                 <a:spcPts val="0"/>
               </a:spcBef>
@@ -4802,7 +4905,7 @@
               <a:buChar char="○"/>
               <a:defRPr sz="1200"/>
             </a:lvl5pPr>
-            <a:lvl6pPr indent="-304800" lvl="5" marL="2743200">
+            <a:lvl6pPr marL="2743200" lvl="5" indent="-304800">
               <a:spcBef>
                 <a:spcPts val="0"/>
               </a:spcBef>
@@ -4813,7 +4916,7 @@
               <a:buChar char="■"/>
               <a:defRPr sz="1200"/>
             </a:lvl6pPr>
-            <a:lvl7pPr indent="-304800" lvl="6" marL="3200400">
+            <a:lvl7pPr marL="3200400" lvl="6" indent="-304800">
               <a:spcBef>
                 <a:spcPts val="0"/>
               </a:spcBef>
@@ -4824,7 +4927,7 @@
               <a:buChar char="●"/>
               <a:defRPr sz="1200"/>
             </a:lvl7pPr>
-            <a:lvl8pPr indent="-304800" lvl="7" marL="3657600">
+            <a:lvl8pPr marL="3657600" lvl="7" indent="-304800">
               <a:spcBef>
                 <a:spcPts val="0"/>
               </a:spcBef>
@@ -4835,7 +4938,7 @@
               <a:buChar char="○"/>
               <a:defRPr sz="1200"/>
             </a:lvl8pPr>
-            <a:lvl9pPr indent="-304800" lvl="8" marL="4114800">
+            <a:lvl9pPr marL="4114800" lvl="8" indent="-304800">
               <a:spcBef>
                 <a:spcPts val="0"/>
               </a:spcBef>
@@ -4847,15 +4950,19 @@
               <a:defRPr sz="1200"/>
             </a:lvl9pPr>
           </a:lstStyle>
-          <a:p/>
+          <a:p>
+            <a:endParaRPr/>
+          </a:p>
         </p:txBody>
       </p:sp>
       <p:sp>
         <p:nvSpPr>
           <p:cNvPr id="29" name="Google Shape;29;p5"/>
-          <p:cNvSpPr txBox="1"/>
+          <p:cNvSpPr txBox="1">
+            <a:spLocks noGrp="1"/>
+          </p:cNvSpPr>
           <p:nvPr>
-            <p:ph idx="2" type="body"/>
+            <p:ph type="body" idx="2"/>
           </p:nvPr>
         </p:nvSpPr>
         <p:spPr>
@@ -4868,11 +4975,11 @@
           </a:prstGeom>
         </p:spPr>
         <p:txBody>
-          <a:bodyPr anchorCtr="0" anchor="t" bIns="91425" lIns="91425" spcFirstLastPara="1" rIns="91425" wrap="square" tIns="91425">
+          <a:bodyPr spcFirstLastPara="1" wrap="square" lIns="91425" tIns="91425" rIns="91425" bIns="91425" anchor="t" anchorCtr="0">
             <a:normAutofit/>
           </a:bodyPr>
           <a:lstStyle>
-            <a:lvl1pPr indent="-317500" lvl="0" marL="457200">
+            <a:lvl1pPr marL="457200" lvl="0" indent="-317500">
               <a:spcBef>
                 <a:spcPts val="0"/>
               </a:spcBef>
@@ -4883,7 +4990,7 @@
               <a:buChar char="●"/>
               <a:defRPr sz="1400"/>
             </a:lvl1pPr>
-            <a:lvl2pPr indent="-304800" lvl="1" marL="914400">
+            <a:lvl2pPr marL="914400" lvl="1" indent="-304800">
               <a:spcBef>
                 <a:spcPts val="0"/>
               </a:spcBef>
@@ -4894,7 +5001,7 @@
               <a:buChar char="○"/>
               <a:defRPr sz="1200"/>
             </a:lvl2pPr>
-            <a:lvl3pPr indent="-304800" lvl="2" marL="1371600">
+            <a:lvl3pPr marL="1371600" lvl="2" indent="-304800">
               <a:spcBef>
                 <a:spcPts val="0"/>
               </a:spcBef>
@@ -4905,7 +5012,7 @@
               <a:buChar char="■"/>
               <a:defRPr sz="1200"/>
             </a:lvl3pPr>
-            <a:lvl4pPr indent="-304800" lvl="3" marL="1828800">
+            <a:lvl4pPr marL="1828800" lvl="3" indent="-304800">
               <a:spcBef>
                 <a:spcPts val="0"/>
               </a:spcBef>
@@ -4916,7 +5023,7 @@
               <a:buChar char="●"/>
               <a:defRPr sz="1200"/>
             </a:lvl4pPr>
-            <a:lvl5pPr indent="-304800" lvl="4" marL="2286000">
+            <a:lvl5pPr marL="2286000" lvl="4" indent="-304800">
               <a:spcBef>
                 <a:spcPts val="0"/>
               </a:spcBef>
@@ -4927,7 +5034,7 @@
               <a:buChar char="○"/>
               <a:defRPr sz="1200"/>
             </a:lvl5pPr>
-            <a:lvl6pPr indent="-304800" lvl="5" marL="2743200">
+            <a:lvl6pPr marL="2743200" lvl="5" indent="-304800">
               <a:spcBef>
                 <a:spcPts val="0"/>
               </a:spcBef>
@@ -4938,7 +5045,7 @@
               <a:buChar char="■"/>
               <a:defRPr sz="1200"/>
             </a:lvl6pPr>
-            <a:lvl7pPr indent="-304800" lvl="6" marL="3200400">
+            <a:lvl7pPr marL="3200400" lvl="6" indent="-304800">
               <a:spcBef>
                 <a:spcPts val="0"/>
               </a:spcBef>
@@ -4949,7 +5056,7 @@
               <a:buChar char="●"/>
               <a:defRPr sz="1200"/>
             </a:lvl7pPr>
-            <a:lvl8pPr indent="-304800" lvl="7" marL="3657600">
+            <a:lvl8pPr marL="3657600" lvl="7" indent="-304800">
               <a:spcBef>
                 <a:spcPts val="0"/>
               </a:spcBef>
@@ -4960,7 +5067,7 @@
               <a:buChar char="○"/>
               <a:defRPr sz="1200"/>
             </a:lvl8pPr>
-            <a:lvl9pPr indent="-304800" lvl="8" marL="4114800">
+            <a:lvl9pPr marL="4114800" lvl="8" indent="-304800">
               <a:spcBef>
                 <a:spcPts val="0"/>
               </a:spcBef>
@@ -4972,15 +5079,19 @@
               <a:defRPr sz="1200"/>
             </a:lvl9pPr>
           </a:lstStyle>
-          <a:p/>
+          <a:p>
+            <a:endParaRPr/>
+          </a:p>
         </p:txBody>
       </p:sp>
       <p:sp>
         <p:nvSpPr>
           <p:cNvPr id="30" name="Google Shape;30;p5"/>
-          <p:cNvSpPr txBox="1"/>
+          <p:cNvSpPr txBox="1">
+            <a:spLocks noGrp="1"/>
+          </p:cNvSpPr>
           <p:nvPr>
-            <p:ph idx="12" type="sldNum"/>
+            <p:ph type="sldNum" idx="12"/>
           </p:nvPr>
         </p:nvSpPr>
         <p:spPr>
@@ -4993,7 +5104,7 @@
           </a:prstGeom>
         </p:spPr>
         <p:txBody>
-          <a:bodyPr anchorCtr="0" anchor="ctr" bIns="91425" lIns="91425" spcFirstLastPara="1" rIns="91425" wrap="square" tIns="91425">
+          <a:bodyPr spcFirstLastPara="1" wrap="square" lIns="91425" tIns="91425" rIns="91425" bIns="91425" anchor="ctr" anchorCtr="0">
             <a:normAutofit/>
           </a:bodyPr>
           <a:lstStyle>
@@ -5035,7 +5146,7 @@
             </a:lvl9pPr>
           </a:lstStyle>
           <a:p>
-            <a:pPr indent="0" lvl="0" marL="0" rtl="0" algn="r">
+            <a:pPr marL="0" lvl="0" indent="0" algn="r" rtl="0">
               <a:spcBef>
                 <a:spcPts val="0"/>
               </a:spcBef>
@@ -5061,11 +5172,11 @@
 </file>
 
 <file path=ppt/slideLayouts/slideLayout5.xml><?xml version="1.0" encoding="utf-8"?>
-<p:sldLayout xmlns:a="http://schemas.openxmlformats.org/drawingml/2006/main" xmlns:r="http://schemas.openxmlformats.org/officeDocument/2006/relationships" xmlns:mc="http://schemas.openxmlformats.org/markup-compatibility/2006" xmlns:mv="urn:schemas-microsoft-com:mac:vml" xmlns:p="http://schemas.openxmlformats.org/presentationml/2006/main" xmlns:c="http://schemas.openxmlformats.org/drawingml/2006/chart" xmlns:dgm="http://schemas.openxmlformats.org/drawingml/2006/diagram" xmlns:o="urn:schemas-microsoft-com:office:office" xmlns:v="urn:schemas-microsoft-com:vml" xmlns:pvml="urn:schemas-microsoft-com:office:powerpoint" xmlns:com="http://schemas.openxmlformats.org/drawingml/2006/compatibility" xmlns:p14="http://schemas.microsoft.com/office/powerpoint/2010/main" xmlns:p15="http://schemas.microsoft.com/office/powerpoint/2012/main" xmlns:ahyp="http://schemas.microsoft.com/office/drawing/2018/hyperlinkcolor" matchingName="Title only" type="titleOnly">
+<p:sldLayout xmlns:a="http://schemas.openxmlformats.org/drawingml/2006/main" xmlns:r="http://schemas.openxmlformats.org/officeDocument/2006/relationships" xmlns:p="http://schemas.openxmlformats.org/presentationml/2006/main" matchingName="Title only" type="titleOnly">
   <p:cSld name="TITLE_ONLY">
     <p:spTree>
       <p:nvGrpSpPr>
-        <p:cNvPr id="31" name="Shape 31"/>
+        <p:cNvPr id="1" name="Shape 31"/>
         <p:cNvGrpSpPr/>
         <p:nvPr/>
       </p:nvGrpSpPr>
@@ -5080,7 +5191,9 @@
       <p:sp>
         <p:nvSpPr>
           <p:cNvPr id="32" name="Google Shape;32;p6"/>
-          <p:cNvSpPr txBox="1"/>
+          <p:cNvSpPr txBox="1">
+            <a:spLocks noGrp="1"/>
+          </p:cNvSpPr>
           <p:nvPr>
             <p:ph type="title"/>
           </p:nvPr>
@@ -5095,7 +5208,7 @@
           </a:prstGeom>
         </p:spPr>
         <p:txBody>
-          <a:bodyPr anchorCtr="0" anchor="b" bIns="91425" lIns="91425" spcFirstLastPara="1" rIns="91425" wrap="square" tIns="91425">
+          <a:bodyPr spcFirstLastPara="1" wrap="square" lIns="91425" tIns="91425" rIns="91425" bIns="91425" anchor="b" anchorCtr="0">
             <a:normAutofit/>
           </a:bodyPr>
           <a:lstStyle>
@@ -5199,15 +5312,19 @@
               <a:defRPr/>
             </a:lvl9pPr>
           </a:lstStyle>
-          <a:p/>
+          <a:p>
+            <a:endParaRPr/>
+          </a:p>
         </p:txBody>
       </p:sp>
       <p:sp>
         <p:nvSpPr>
           <p:cNvPr id="33" name="Google Shape;33;p6"/>
-          <p:cNvSpPr txBox="1"/>
+          <p:cNvSpPr txBox="1">
+            <a:spLocks noGrp="1"/>
+          </p:cNvSpPr>
           <p:nvPr>
-            <p:ph idx="12" type="sldNum"/>
+            <p:ph type="sldNum" idx="12"/>
           </p:nvPr>
         </p:nvSpPr>
         <p:spPr>
@@ -5220,7 +5337,7 @@
           </a:prstGeom>
         </p:spPr>
         <p:txBody>
-          <a:bodyPr anchorCtr="0" anchor="ctr" bIns="91425" lIns="91425" spcFirstLastPara="1" rIns="91425" wrap="square" tIns="91425">
+          <a:bodyPr spcFirstLastPara="1" wrap="square" lIns="91425" tIns="91425" rIns="91425" bIns="91425" anchor="ctr" anchorCtr="0">
             <a:normAutofit/>
           </a:bodyPr>
           <a:lstStyle>
@@ -5262,7 +5379,7 @@
             </a:lvl9pPr>
           </a:lstStyle>
           <a:p>
-            <a:pPr indent="0" lvl="0" marL="0" rtl="0" algn="r">
+            <a:pPr marL="0" lvl="0" indent="0" algn="r" rtl="0">
               <a:spcBef>
                 <a:spcPts val="0"/>
               </a:spcBef>
@@ -5288,11 +5405,11 @@
 </file>
 
 <file path=ppt/slideLayouts/slideLayout6.xml><?xml version="1.0" encoding="utf-8"?>
-<p:sldLayout xmlns:a="http://schemas.openxmlformats.org/drawingml/2006/main" xmlns:r="http://schemas.openxmlformats.org/officeDocument/2006/relationships" xmlns:mc="http://schemas.openxmlformats.org/markup-compatibility/2006" xmlns:mv="urn:schemas-microsoft-com:mac:vml" xmlns:p="http://schemas.openxmlformats.org/presentationml/2006/main" xmlns:c="http://schemas.openxmlformats.org/drawingml/2006/chart" xmlns:dgm="http://schemas.openxmlformats.org/drawingml/2006/diagram" xmlns:o="urn:schemas-microsoft-com:office:office" xmlns:v="urn:schemas-microsoft-com:vml" xmlns:pvml="urn:schemas-microsoft-com:office:powerpoint" xmlns:com="http://schemas.openxmlformats.org/drawingml/2006/compatibility" xmlns:p14="http://schemas.microsoft.com/office/powerpoint/2010/main" xmlns:p15="http://schemas.microsoft.com/office/powerpoint/2012/main" xmlns:ahyp="http://schemas.microsoft.com/office/drawing/2018/hyperlinkcolor" matchingName="One column text">
+<p:sldLayout xmlns:a="http://schemas.openxmlformats.org/drawingml/2006/main" xmlns:r="http://schemas.openxmlformats.org/officeDocument/2006/relationships" xmlns:p="http://schemas.openxmlformats.org/presentationml/2006/main" matchingName="One column text">
   <p:cSld name="ONE_COLUMN_TEXT">
     <p:spTree>
       <p:nvGrpSpPr>
-        <p:cNvPr id="34" name="Shape 34"/>
+        <p:cNvPr id="1" name="Shape 34"/>
         <p:cNvGrpSpPr/>
         <p:nvPr/>
       </p:nvGrpSpPr>
@@ -5319,21 +5436,23 @@
             <a:avLst/>
           </a:prstGeom>
           <a:noFill/>
-          <a:ln cap="flat" cmpd="sng" w="38100">
+          <a:ln w="38100" cap="flat" cmpd="sng">
             <a:solidFill>
               <a:schemeClr val="accent4"/>
             </a:solidFill>
             <a:prstDash val="solid"/>
             <a:round/>
-            <a:headEnd len="sm" w="sm" type="none"/>
-            <a:tailEnd len="sm" w="sm" type="none"/>
+            <a:headEnd type="none" w="sm" len="sm"/>
+            <a:tailEnd type="none" w="sm" len="sm"/>
           </a:ln>
         </p:spPr>
       </p:cxnSp>
       <p:sp>
         <p:nvSpPr>
           <p:cNvPr id="36" name="Google Shape;36;p7"/>
-          <p:cNvSpPr txBox="1"/>
+          <p:cNvSpPr txBox="1">
+            <a:spLocks noGrp="1"/>
+          </p:cNvSpPr>
           <p:nvPr>
             <p:ph type="title"/>
           </p:nvPr>
@@ -5348,7 +5467,7 @@
           </a:prstGeom>
         </p:spPr>
         <p:txBody>
-          <a:bodyPr anchorCtr="0" anchor="b" bIns="91425" lIns="91425" spcFirstLastPara="1" rIns="91425" wrap="square" tIns="91425">
+          <a:bodyPr spcFirstLastPara="1" wrap="square" lIns="91425" tIns="91425" rIns="91425" bIns="91425" anchor="b" anchorCtr="0">
             <a:normAutofit/>
           </a:bodyPr>
           <a:lstStyle>
@@ -5452,15 +5571,19 @@
               <a:defRPr sz="2400"/>
             </a:lvl9pPr>
           </a:lstStyle>
-          <a:p/>
+          <a:p>
+            <a:endParaRPr/>
+          </a:p>
         </p:txBody>
       </p:sp>
       <p:sp>
         <p:nvSpPr>
           <p:cNvPr id="37" name="Google Shape;37;p7"/>
-          <p:cNvSpPr txBox="1"/>
+          <p:cNvSpPr txBox="1">
+            <a:spLocks noGrp="1"/>
+          </p:cNvSpPr>
           <p:nvPr>
-            <p:ph idx="1" type="body"/>
+            <p:ph type="body" idx="1"/>
           </p:nvPr>
         </p:nvSpPr>
         <p:spPr>
@@ -5473,11 +5596,11 @@
           </a:prstGeom>
         </p:spPr>
         <p:txBody>
-          <a:bodyPr anchorCtr="0" anchor="t" bIns="91425" lIns="91425" spcFirstLastPara="1" rIns="91425" wrap="square" tIns="91425">
+          <a:bodyPr spcFirstLastPara="1" wrap="square" lIns="91425" tIns="91425" rIns="91425" bIns="91425" anchor="t" anchorCtr="0">
             <a:normAutofit/>
           </a:bodyPr>
           <a:lstStyle>
-            <a:lvl1pPr indent="-304800" lvl="0" marL="457200">
+            <a:lvl1pPr marL="457200" lvl="0" indent="-304800">
               <a:spcBef>
                 <a:spcPts val="0"/>
               </a:spcBef>
@@ -5488,7 +5611,7 @@
               <a:buChar char="●"/>
               <a:defRPr sz="1200"/>
             </a:lvl1pPr>
-            <a:lvl2pPr indent="-304800" lvl="1" marL="914400">
+            <a:lvl2pPr marL="914400" lvl="1" indent="-304800">
               <a:spcBef>
                 <a:spcPts val="0"/>
               </a:spcBef>
@@ -5499,7 +5622,7 @@
               <a:buChar char="○"/>
               <a:defRPr sz="1200"/>
             </a:lvl2pPr>
-            <a:lvl3pPr indent="-304800" lvl="2" marL="1371600">
+            <a:lvl3pPr marL="1371600" lvl="2" indent="-304800">
               <a:spcBef>
                 <a:spcPts val="0"/>
               </a:spcBef>
@@ -5510,7 +5633,7 @@
               <a:buChar char="■"/>
               <a:defRPr sz="1200"/>
             </a:lvl3pPr>
-            <a:lvl4pPr indent="-304800" lvl="3" marL="1828800">
+            <a:lvl4pPr marL="1828800" lvl="3" indent="-304800">
               <a:spcBef>
                 <a:spcPts val="0"/>
               </a:spcBef>
@@ -5521,7 +5644,7 @@
               <a:buChar char="●"/>
               <a:defRPr sz="1200"/>
             </a:lvl4pPr>
-            <a:lvl5pPr indent="-304800" lvl="4" marL="2286000">
+            <a:lvl5pPr marL="2286000" lvl="4" indent="-304800">
               <a:spcBef>
                 <a:spcPts val="0"/>
               </a:spcBef>
@@ -5532,7 +5655,7 @@
               <a:buChar char="○"/>
               <a:defRPr sz="1200"/>
             </a:lvl5pPr>
-            <a:lvl6pPr indent="-304800" lvl="5" marL="2743200">
+            <a:lvl6pPr marL="2743200" lvl="5" indent="-304800">
               <a:spcBef>
                 <a:spcPts val="0"/>
               </a:spcBef>
@@ -5543,7 +5666,7 @@
               <a:buChar char="■"/>
               <a:defRPr sz="1200"/>
             </a:lvl6pPr>
-            <a:lvl7pPr indent="-304800" lvl="6" marL="3200400">
+            <a:lvl7pPr marL="3200400" lvl="6" indent="-304800">
               <a:spcBef>
                 <a:spcPts val="0"/>
               </a:spcBef>
@@ -5554,7 +5677,7 @@
               <a:buChar char="●"/>
               <a:defRPr sz="1200"/>
             </a:lvl7pPr>
-            <a:lvl8pPr indent="-304800" lvl="7" marL="3657600">
+            <a:lvl8pPr marL="3657600" lvl="7" indent="-304800">
               <a:spcBef>
                 <a:spcPts val="0"/>
               </a:spcBef>
@@ -5565,7 +5688,7 @@
               <a:buChar char="○"/>
               <a:defRPr sz="1200"/>
             </a:lvl8pPr>
-            <a:lvl9pPr indent="-304800" lvl="8" marL="4114800">
+            <a:lvl9pPr marL="4114800" lvl="8" indent="-304800">
               <a:spcBef>
                 <a:spcPts val="0"/>
               </a:spcBef>
@@ -5577,15 +5700,19 @@
               <a:defRPr sz="1200"/>
             </a:lvl9pPr>
           </a:lstStyle>
-          <a:p/>
+          <a:p>
+            <a:endParaRPr/>
+          </a:p>
         </p:txBody>
       </p:sp>
       <p:sp>
         <p:nvSpPr>
           <p:cNvPr id="38" name="Google Shape;38;p7"/>
-          <p:cNvSpPr txBox="1"/>
+          <p:cNvSpPr txBox="1">
+            <a:spLocks noGrp="1"/>
+          </p:cNvSpPr>
           <p:nvPr>
-            <p:ph idx="12" type="sldNum"/>
+            <p:ph type="sldNum" idx="12"/>
           </p:nvPr>
         </p:nvSpPr>
         <p:spPr>
@@ -5598,7 +5725,7 @@
           </a:prstGeom>
         </p:spPr>
         <p:txBody>
-          <a:bodyPr anchorCtr="0" anchor="ctr" bIns="91425" lIns="91425" spcFirstLastPara="1" rIns="91425" wrap="square" tIns="91425">
+          <a:bodyPr spcFirstLastPara="1" wrap="square" lIns="91425" tIns="91425" rIns="91425" bIns="91425" anchor="ctr" anchorCtr="0">
             <a:normAutofit/>
           </a:bodyPr>
           <a:lstStyle>
@@ -5640,7 +5767,7 @@
             </a:lvl9pPr>
           </a:lstStyle>
           <a:p>
-            <a:pPr indent="0" lvl="0" marL="0" rtl="0" algn="r">
+            <a:pPr marL="0" lvl="0" indent="0" algn="r" rtl="0">
               <a:spcBef>
                 <a:spcPts val="0"/>
               </a:spcBef>
@@ -5666,11 +5793,11 @@
 </file>
 
 <file path=ppt/slideLayouts/slideLayout7.xml><?xml version="1.0" encoding="utf-8"?>
-<p:sldLayout xmlns:a="http://schemas.openxmlformats.org/drawingml/2006/main" xmlns:r="http://schemas.openxmlformats.org/officeDocument/2006/relationships" xmlns:mc="http://schemas.openxmlformats.org/markup-compatibility/2006" xmlns:mv="urn:schemas-microsoft-com:mac:vml" xmlns:p="http://schemas.openxmlformats.org/presentationml/2006/main" xmlns:c="http://schemas.openxmlformats.org/drawingml/2006/chart" xmlns:dgm="http://schemas.openxmlformats.org/drawingml/2006/diagram" xmlns:o="urn:schemas-microsoft-com:office:office" xmlns:v="urn:schemas-microsoft-com:vml" xmlns:pvml="urn:schemas-microsoft-com:office:powerpoint" xmlns:com="http://schemas.openxmlformats.org/drawingml/2006/compatibility" xmlns:p14="http://schemas.microsoft.com/office/powerpoint/2010/main" xmlns:p15="http://schemas.microsoft.com/office/powerpoint/2012/main" xmlns:ahyp="http://schemas.microsoft.com/office/drawing/2018/hyperlinkcolor" matchingName="Main point">
+<p:sldLayout xmlns:a="http://schemas.openxmlformats.org/drawingml/2006/main" xmlns:r="http://schemas.openxmlformats.org/officeDocument/2006/relationships" xmlns:p="http://schemas.openxmlformats.org/presentationml/2006/main" matchingName="Main point">
   <p:cSld name="MAIN_POINT">
     <p:spTree>
       <p:nvGrpSpPr>
-        <p:cNvPr id="39" name="Shape 39"/>
+        <p:cNvPr id="1" name="Shape 39"/>
         <p:cNvGrpSpPr/>
         <p:nvPr/>
       </p:nvGrpSpPr>
@@ -5685,7 +5812,9 @@
       <p:sp>
         <p:nvSpPr>
           <p:cNvPr id="40" name="Google Shape;40;p8"/>
-          <p:cNvSpPr txBox="1"/>
+          <p:cNvSpPr txBox="1">
+            <a:spLocks noGrp="1"/>
+          </p:cNvSpPr>
           <p:nvPr>
             <p:ph type="title"/>
           </p:nvPr>
@@ -5700,7 +5829,7 @@
           </a:prstGeom>
         </p:spPr>
         <p:txBody>
-          <a:bodyPr anchorCtr="0" anchor="ctr" bIns="91425" lIns="91425" spcFirstLastPara="1" rIns="91425" wrap="square" tIns="91425">
+          <a:bodyPr spcFirstLastPara="1" wrap="square" lIns="91425" tIns="91425" rIns="91425" bIns="91425" anchor="ctr" anchorCtr="0">
             <a:normAutofit/>
           </a:bodyPr>
           <a:lstStyle>
@@ -5804,15 +5933,19 @@
               <a:defRPr sz="4800"/>
             </a:lvl9pPr>
           </a:lstStyle>
-          <a:p/>
+          <a:p>
+            <a:endParaRPr/>
+          </a:p>
         </p:txBody>
       </p:sp>
       <p:sp>
         <p:nvSpPr>
           <p:cNvPr id="41" name="Google Shape;41;p8"/>
-          <p:cNvSpPr txBox="1"/>
+          <p:cNvSpPr txBox="1">
+            <a:spLocks noGrp="1"/>
+          </p:cNvSpPr>
           <p:nvPr>
-            <p:ph idx="12" type="sldNum"/>
+            <p:ph type="sldNum" idx="12"/>
           </p:nvPr>
         </p:nvSpPr>
         <p:spPr>
@@ -5825,7 +5958,7 @@
           </a:prstGeom>
         </p:spPr>
         <p:txBody>
-          <a:bodyPr anchorCtr="0" anchor="ctr" bIns="91425" lIns="91425" spcFirstLastPara="1" rIns="91425" wrap="square" tIns="91425">
+          <a:bodyPr spcFirstLastPara="1" wrap="square" lIns="91425" tIns="91425" rIns="91425" bIns="91425" anchor="ctr" anchorCtr="0">
             <a:normAutofit/>
           </a:bodyPr>
           <a:lstStyle>
@@ -5867,7 +6000,7 @@
             </a:lvl9pPr>
           </a:lstStyle>
           <a:p>
-            <a:pPr indent="0" lvl="0" marL="0" rtl="0" algn="r">
+            <a:pPr marL="0" lvl="0" indent="0" algn="r" rtl="0">
               <a:spcBef>
                 <a:spcPts val="0"/>
               </a:spcBef>
@@ -5893,11 +6026,11 @@
 </file>
 
 <file path=ppt/slideLayouts/slideLayout8.xml><?xml version="1.0" encoding="utf-8"?>
-<p:sldLayout xmlns:a="http://schemas.openxmlformats.org/drawingml/2006/main" xmlns:r="http://schemas.openxmlformats.org/officeDocument/2006/relationships" xmlns:mc="http://schemas.openxmlformats.org/markup-compatibility/2006" xmlns:mv="urn:schemas-microsoft-com:mac:vml" xmlns:p="http://schemas.openxmlformats.org/presentationml/2006/main" xmlns:c="http://schemas.openxmlformats.org/drawingml/2006/chart" xmlns:dgm="http://schemas.openxmlformats.org/drawingml/2006/diagram" xmlns:o="urn:schemas-microsoft-com:office:office" xmlns:v="urn:schemas-microsoft-com:vml" xmlns:pvml="urn:schemas-microsoft-com:office:powerpoint" xmlns:com="http://schemas.openxmlformats.org/drawingml/2006/compatibility" xmlns:p14="http://schemas.microsoft.com/office/powerpoint/2010/main" xmlns:p15="http://schemas.microsoft.com/office/powerpoint/2012/main" xmlns:ahyp="http://schemas.microsoft.com/office/drawing/2018/hyperlinkcolor" matchingName="Section title and description">
+<p:sldLayout xmlns:a="http://schemas.openxmlformats.org/drawingml/2006/main" xmlns:r="http://schemas.openxmlformats.org/officeDocument/2006/relationships" xmlns:p="http://schemas.openxmlformats.org/presentationml/2006/main" matchingName="Section title and description">
   <p:cSld name="SECTION_TITLE_AND_DESCRIPTION">
     <p:spTree>
       <p:nvGrpSpPr>
-        <p:cNvPr id="42" name="Shape 42"/>
+        <p:cNvPr id="1" name="Shape 42"/>
         <p:cNvGrpSpPr/>
         <p:nvPr/>
       </p:nvGrpSpPr>
@@ -5931,23 +6064,20 @@
           </a:ln>
         </p:spPr>
         <p:txBody>
-          <a:bodyPr anchorCtr="0" anchor="ctr" bIns="91425" lIns="91425" spcFirstLastPara="1" rIns="91425" wrap="square" tIns="91425">
+          <a:bodyPr spcFirstLastPara="1" wrap="square" lIns="91425" tIns="91425" rIns="91425" bIns="91425" anchor="ctr" anchorCtr="0">
             <a:noAutofit/>
           </a:bodyPr>
           <a:lstStyle/>
           <a:p>
-            <a:pPr indent="0" lvl="0" marL="0" rtl="0" algn="l">
-              <a:spcBef>
-                <a:spcPts val="0"/>
-              </a:spcBef>
-              <a:spcAft>
-                <a:spcPts val="0"/>
-              </a:spcAft>
-              <a:buNone/>
-            </a:pPr>
-            <a:r>
-              <a:t/>
-            </a:r>
+            <a:pPr marL="0" lvl="0" indent="0" algn="l" rtl="0">
+              <a:spcBef>
+                <a:spcPts val="0"/>
+              </a:spcBef>
+              <a:spcAft>
+                <a:spcPts val="0"/>
+              </a:spcAft>
+              <a:buNone/>
+            </a:pPr>
             <a:endParaRPr/>
           </a:p>
         </p:txBody>
@@ -5967,21 +6097,23 @@
             <a:avLst/>
           </a:prstGeom>
           <a:noFill/>
-          <a:ln cap="flat" cmpd="sng" w="38100">
+          <a:ln w="38100" cap="flat" cmpd="sng">
             <a:solidFill>
               <a:schemeClr val="accent5"/>
             </a:solidFill>
             <a:prstDash val="solid"/>
             <a:round/>
-            <a:headEnd len="sm" w="sm" type="none"/>
-            <a:tailEnd len="sm" w="sm" type="none"/>
+            <a:headEnd type="none" w="sm" len="sm"/>
+            <a:tailEnd type="none" w="sm" len="sm"/>
           </a:ln>
         </p:spPr>
       </p:cxnSp>
       <p:sp>
         <p:nvSpPr>
           <p:cNvPr id="45" name="Google Shape;45;p9"/>
-          <p:cNvSpPr txBox="1"/>
+          <p:cNvSpPr txBox="1">
+            <a:spLocks noGrp="1"/>
+          </p:cNvSpPr>
           <p:nvPr>
             <p:ph type="title"/>
           </p:nvPr>
@@ -5996,7 +6128,7 @@
           </a:prstGeom>
         </p:spPr>
         <p:txBody>
-          <a:bodyPr anchorCtr="0" anchor="b" bIns="91425" lIns="91425" spcFirstLastPara="1" rIns="91425" wrap="square" tIns="91425">
+          <a:bodyPr spcFirstLastPara="1" wrap="square" lIns="91425" tIns="91425" rIns="91425" bIns="91425" anchor="b" anchorCtr="0">
             <a:normAutofit/>
           </a:bodyPr>
           <a:lstStyle>
@@ -6100,15 +6232,19 @@
               <a:defRPr sz="3800"/>
             </a:lvl9pPr>
           </a:lstStyle>
-          <a:p/>
+          <a:p>
+            <a:endParaRPr/>
+          </a:p>
         </p:txBody>
       </p:sp>
       <p:sp>
         <p:nvSpPr>
           <p:cNvPr id="46" name="Google Shape;46;p9"/>
-          <p:cNvSpPr txBox="1"/>
+          <p:cNvSpPr txBox="1">
+            <a:spLocks noGrp="1"/>
+          </p:cNvSpPr>
           <p:nvPr>
-            <p:ph idx="1" type="subTitle"/>
+            <p:ph type="subTitle" idx="1"/>
           </p:nvPr>
         </p:nvSpPr>
         <p:spPr>
@@ -6121,7 +6257,7 @@
           </a:prstGeom>
         </p:spPr>
         <p:txBody>
-          <a:bodyPr anchorCtr="0" anchor="t" bIns="91425" lIns="91425" spcFirstLastPara="1" rIns="91425" wrap="square" tIns="91425">
+          <a:bodyPr spcFirstLastPara="1" wrap="square" lIns="91425" tIns="91425" rIns="91425" bIns="91425" anchor="t" anchorCtr="0">
             <a:normAutofit/>
           </a:bodyPr>
           <a:lstStyle>
@@ -6315,15 +6451,19 @@
               </a:defRPr>
             </a:lvl9pPr>
           </a:lstStyle>
-          <a:p/>
+          <a:p>
+            <a:endParaRPr/>
+          </a:p>
         </p:txBody>
       </p:sp>
       <p:sp>
         <p:nvSpPr>
           <p:cNvPr id="47" name="Google Shape;47;p9"/>
-          <p:cNvSpPr txBox="1"/>
+          <p:cNvSpPr txBox="1">
+            <a:spLocks noGrp="1"/>
+          </p:cNvSpPr>
           <p:nvPr>
-            <p:ph idx="2" type="body"/>
+            <p:ph type="body" idx="2"/>
           </p:nvPr>
         </p:nvSpPr>
         <p:spPr>
@@ -6336,11 +6476,11 @@
           </a:prstGeom>
         </p:spPr>
         <p:txBody>
-          <a:bodyPr anchorCtr="0" anchor="ctr" bIns="91425" lIns="91425" spcFirstLastPara="1" rIns="91425" wrap="square" tIns="91425">
+          <a:bodyPr spcFirstLastPara="1" wrap="square" lIns="91425" tIns="91425" rIns="91425" bIns="91425" anchor="ctr" anchorCtr="0">
             <a:normAutofit/>
           </a:bodyPr>
           <a:lstStyle>
-            <a:lvl1pPr indent="-342900" lvl="0" marL="457200">
+            <a:lvl1pPr marL="457200" lvl="0" indent="-342900">
               <a:spcBef>
                 <a:spcPts val="0"/>
               </a:spcBef>
@@ -6351,7 +6491,7 @@
               <a:buChar char="●"/>
               <a:defRPr/>
             </a:lvl1pPr>
-            <a:lvl2pPr indent="-317500" lvl="1" marL="914400">
+            <a:lvl2pPr marL="914400" lvl="1" indent="-317500">
               <a:spcBef>
                 <a:spcPts val="0"/>
               </a:spcBef>
@@ -6362,7 +6502,7 @@
               <a:buChar char="○"/>
               <a:defRPr/>
             </a:lvl2pPr>
-            <a:lvl3pPr indent="-317500" lvl="2" marL="1371600">
+            <a:lvl3pPr marL="1371600" lvl="2" indent="-317500">
               <a:spcBef>
                 <a:spcPts val="0"/>
               </a:spcBef>
@@ -6373,7 +6513,7 @@
               <a:buChar char="■"/>
               <a:defRPr/>
             </a:lvl3pPr>
-            <a:lvl4pPr indent="-317500" lvl="3" marL="1828800">
+            <a:lvl4pPr marL="1828800" lvl="3" indent="-317500">
               <a:spcBef>
                 <a:spcPts val="0"/>
               </a:spcBef>
@@ -6384,7 +6524,7 @@
               <a:buChar char="●"/>
               <a:defRPr/>
             </a:lvl4pPr>
-            <a:lvl5pPr indent="-317500" lvl="4" marL="2286000">
+            <a:lvl5pPr marL="2286000" lvl="4" indent="-317500">
               <a:spcBef>
                 <a:spcPts val="0"/>
               </a:spcBef>
@@ -6395,7 +6535,7 @@
               <a:buChar char="○"/>
               <a:defRPr/>
             </a:lvl5pPr>
-            <a:lvl6pPr indent="-317500" lvl="5" marL="2743200">
+            <a:lvl6pPr marL="2743200" lvl="5" indent="-317500">
               <a:spcBef>
                 <a:spcPts val="0"/>
               </a:spcBef>
@@ -6406,7 +6546,7 @@
               <a:buChar char="■"/>
               <a:defRPr/>
             </a:lvl6pPr>
-            <a:lvl7pPr indent="-317500" lvl="6" marL="3200400">
+            <a:lvl7pPr marL="3200400" lvl="6" indent="-317500">
               <a:spcBef>
                 <a:spcPts val="0"/>
               </a:spcBef>
@@ -6417,7 +6557,7 @@
               <a:buChar char="●"/>
               <a:defRPr/>
             </a:lvl7pPr>
-            <a:lvl8pPr indent="-317500" lvl="7" marL="3657600">
+            <a:lvl8pPr marL="3657600" lvl="7" indent="-317500">
               <a:spcBef>
                 <a:spcPts val="0"/>
               </a:spcBef>
@@ -6428,7 +6568,7 @@
               <a:buChar char="○"/>
               <a:defRPr/>
             </a:lvl8pPr>
-            <a:lvl9pPr indent="-317500" lvl="8" marL="4114800">
+            <a:lvl9pPr marL="4114800" lvl="8" indent="-317500">
               <a:spcBef>
                 <a:spcPts val="0"/>
               </a:spcBef>
@@ -6440,15 +6580,19 @@
               <a:defRPr/>
             </a:lvl9pPr>
           </a:lstStyle>
-          <a:p/>
+          <a:p>
+            <a:endParaRPr/>
+          </a:p>
         </p:txBody>
       </p:sp>
       <p:sp>
         <p:nvSpPr>
           <p:cNvPr id="48" name="Google Shape;48;p9"/>
-          <p:cNvSpPr txBox="1"/>
+          <p:cNvSpPr txBox="1">
+            <a:spLocks noGrp="1"/>
+          </p:cNvSpPr>
           <p:nvPr>
-            <p:ph idx="12" type="sldNum"/>
+            <p:ph type="sldNum" idx="12"/>
           </p:nvPr>
         </p:nvSpPr>
         <p:spPr>
@@ -6461,7 +6605,7 @@
           </a:prstGeom>
         </p:spPr>
         <p:txBody>
-          <a:bodyPr anchorCtr="0" anchor="ctr" bIns="91425" lIns="91425" spcFirstLastPara="1" rIns="91425" wrap="square" tIns="91425">
+          <a:bodyPr spcFirstLastPara="1" wrap="square" lIns="91425" tIns="91425" rIns="91425" bIns="91425" anchor="ctr" anchorCtr="0">
             <a:normAutofit/>
           </a:bodyPr>
           <a:lstStyle>
@@ -6503,7 +6647,7 @@
             </a:lvl9pPr>
           </a:lstStyle>
           <a:p>
-            <a:pPr indent="0" lvl="0" marL="0" rtl="0" algn="r">
+            <a:pPr marL="0" lvl="0" indent="0" algn="r" rtl="0">
               <a:spcBef>
                 <a:spcPts val="0"/>
               </a:spcBef>
@@ -6529,11 +6673,11 @@
 </file>
 
 <file path=ppt/slideLayouts/slideLayout9.xml><?xml version="1.0" encoding="utf-8"?>
-<p:sldLayout xmlns:a="http://schemas.openxmlformats.org/drawingml/2006/main" xmlns:r="http://schemas.openxmlformats.org/officeDocument/2006/relationships" xmlns:mc="http://schemas.openxmlformats.org/markup-compatibility/2006" xmlns:mv="urn:schemas-microsoft-com:mac:vml" xmlns:p="http://schemas.openxmlformats.org/presentationml/2006/main" xmlns:c="http://schemas.openxmlformats.org/drawingml/2006/chart" xmlns:dgm="http://schemas.openxmlformats.org/drawingml/2006/diagram" xmlns:o="urn:schemas-microsoft-com:office:office" xmlns:v="urn:schemas-microsoft-com:vml" xmlns:pvml="urn:schemas-microsoft-com:office:powerpoint" xmlns:com="http://schemas.openxmlformats.org/drawingml/2006/compatibility" xmlns:p14="http://schemas.microsoft.com/office/powerpoint/2010/main" xmlns:p15="http://schemas.microsoft.com/office/powerpoint/2012/main" xmlns:ahyp="http://schemas.microsoft.com/office/drawing/2018/hyperlinkcolor" matchingName="Caption">
+<p:sldLayout xmlns:a="http://schemas.openxmlformats.org/drawingml/2006/main" xmlns:r="http://schemas.openxmlformats.org/officeDocument/2006/relationships" xmlns:p="http://schemas.openxmlformats.org/presentationml/2006/main" matchingName="Caption">
   <p:cSld name="CAPTION_ONLY">
     <p:spTree>
       <p:nvGrpSpPr>
-        <p:cNvPr id="49" name="Shape 49"/>
+        <p:cNvPr id="1" name="Shape 49"/>
         <p:cNvGrpSpPr/>
         <p:nvPr/>
       </p:nvGrpSpPr>
@@ -6548,9 +6692,11 @@
       <p:sp>
         <p:nvSpPr>
           <p:cNvPr id="50" name="Google Shape;50;p10"/>
-          <p:cNvSpPr txBox="1"/>
+          <p:cNvSpPr txBox="1">
+            <a:spLocks noGrp="1"/>
+          </p:cNvSpPr>
           <p:nvPr>
-            <p:ph idx="1" type="body"/>
+            <p:ph type="body" idx="1"/>
           </p:nvPr>
         </p:nvSpPr>
         <p:spPr>
@@ -6563,11 +6709,11 @@
           </a:prstGeom>
         </p:spPr>
         <p:txBody>
-          <a:bodyPr anchorCtr="0" anchor="ctr" bIns="91425" lIns="91425" spcFirstLastPara="1" rIns="91425" wrap="square" tIns="91425">
+          <a:bodyPr spcFirstLastPara="1" wrap="square" lIns="91425" tIns="91425" rIns="91425" bIns="91425" anchor="ctr" anchorCtr="0">
             <a:normAutofit/>
           </a:bodyPr>
           <a:lstStyle>
-            <a:lvl1pPr indent="-228600" lvl="0" marL="457200">
+            <a:lvl1pPr marL="457200" lvl="0" indent="-228600">
               <a:lnSpc>
                 <a:spcPct val="100000"/>
               </a:lnSpc>
@@ -6588,15 +6734,19 @@
               </a:defRPr>
             </a:lvl1pPr>
           </a:lstStyle>
-          <a:p/>
+          <a:p>
+            <a:endParaRPr/>
+          </a:p>
         </p:txBody>
       </p:sp>
       <p:sp>
         <p:nvSpPr>
           <p:cNvPr id="51" name="Google Shape;51;p10"/>
-          <p:cNvSpPr txBox="1"/>
+          <p:cNvSpPr txBox="1">
+            <a:spLocks noGrp="1"/>
+          </p:cNvSpPr>
           <p:nvPr>
-            <p:ph idx="12" type="sldNum"/>
+            <p:ph type="sldNum" idx="12"/>
           </p:nvPr>
         </p:nvSpPr>
         <p:spPr>
@@ -6609,7 +6759,7 @@
           </a:prstGeom>
         </p:spPr>
         <p:txBody>
-          <a:bodyPr anchorCtr="0" anchor="ctr" bIns="91425" lIns="91425" spcFirstLastPara="1" rIns="91425" wrap="square" tIns="91425">
+          <a:bodyPr spcFirstLastPara="1" wrap="square" lIns="91425" tIns="91425" rIns="91425" bIns="91425" anchor="ctr" anchorCtr="0">
             <a:normAutofit/>
           </a:bodyPr>
           <a:lstStyle>
@@ -6651,7 +6801,7 @@
             </a:lvl9pPr>
           </a:lstStyle>
           <a:p>
-            <a:pPr indent="0" lvl="0" marL="0" rtl="0" algn="r">
+            <a:pPr marL="0" lvl="0" indent="0" algn="r" rtl="0">
               <a:spcBef>
                 <a:spcPts val="0"/>
               </a:spcBef>
@@ -6677,18 +6827,19 @@
 </file>
 
 <file path=ppt/slideMasters/slideMaster1.xml><?xml version="1.0" encoding="utf-8"?>
-<p:sldMaster xmlns:a="http://schemas.openxmlformats.org/drawingml/2006/main" xmlns:r="http://schemas.openxmlformats.org/officeDocument/2006/relationships" xmlns:mc="http://schemas.openxmlformats.org/markup-compatibility/2006" xmlns:mv="urn:schemas-microsoft-com:mac:vml" xmlns:p="http://schemas.openxmlformats.org/presentationml/2006/main" xmlns:c="http://schemas.openxmlformats.org/drawingml/2006/chart" xmlns:dgm="http://schemas.openxmlformats.org/drawingml/2006/diagram" xmlns:o="urn:schemas-microsoft-com:office:office" xmlns:v="urn:schemas-microsoft-com:vml" xmlns:pvml="urn:schemas-microsoft-com:office:powerpoint" xmlns:com="http://schemas.openxmlformats.org/drawingml/2006/compatibility" xmlns:p14="http://schemas.microsoft.com/office/powerpoint/2010/main" xmlns:p15="http://schemas.microsoft.com/office/powerpoint/2012/main" xmlns:ahyp="http://schemas.microsoft.com/office/drawing/2018/hyperlinkcolor">
+<p:sldMaster xmlns:a="http://schemas.openxmlformats.org/drawingml/2006/main" xmlns:r="http://schemas.openxmlformats.org/officeDocument/2006/relationships" xmlns:p="http://schemas.openxmlformats.org/presentationml/2006/main">
   <p:cSld name="marina">
     <p:bg>
       <p:bgPr>
         <a:solidFill>
           <a:schemeClr val="lt1"/>
         </a:solidFill>
+        <a:effectLst/>
       </p:bgPr>
     </p:bg>
     <p:spTree>
       <p:nvGrpSpPr>
-        <p:cNvPr id="5" name="Shape 5"/>
+        <p:cNvPr id="1" name="Shape 5"/>
         <p:cNvGrpSpPr/>
         <p:nvPr/>
       </p:nvGrpSpPr>
@@ -6703,7 +6854,9 @@
       <p:sp>
         <p:nvSpPr>
           <p:cNvPr id="6" name="Google Shape;6;p1"/>
-          <p:cNvSpPr txBox="1"/>
+          <p:cNvSpPr txBox="1">
+            <a:spLocks noGrp="1"/>
+          </p:cNvSpPr>
           <p:nvPr>
             <p:ph type="title"/>
           </p:nvPr>
@@ -6722,7 +6875,7 @@
           </a:ln>
         </p:spPr>
         <p:txBody>
-          <a:bodyPr anchorCtr="0" anchor="b" bIns="91425" lIns="91425" spcFirstLastPara="1" rIns="91425" wrap="square" tIns="91425">
+          <a:bodyPr spcFirstLastPara="1" wrap="square" lIns="91425" tIns="91425" rIns="91425" bIns="91425" anchor="b" anchorCtr="0">
             <a:normAutofit/>
           </a:bodyPr>
           <a:lstStyle>
@@ -6934,15 +7087,19 @@
               </a:defRPr>
             </a:lvl9pPr>
           </a:lstStyle>
-          <a:p/>
+          <a:p>
+            <a:endParaRPr/>
+          </a:p>
         </p:txBody>
       </p:sp>
       <p:sp>
         <p:nvSpPr>
           <p:cNvPr id="7" name="Google Shape;7;p1"/>
-          <p:cNvSpPr txBox="1"/>
+          <p:cNvSpPr txBox="1">
+            <a:spLocks noGrp="1"/>
+          </p:cNvSpPr>
           <p:nvPr>
-            <p:ph idx="1" type="body"/>
+            <p:ph type="body" idx="1"/>
           </p:nvPr>
         </p:nvSpPr>
         <p:spPr>
@@ -6959,11 +7116,11 @@
           </a:ln>
         </p:spPr>
         <p:txBody>
-          <a:bodyPr anchorCtr="0" anchor="t" bIns="91425" lIns="91425" spcFirstLastPara="1" rIns="91425" wrap="square" tIns="91425">
+          <a:bodyPr spcFirstLastPara="1" wrap="square" lIns="91425" tIns="91425" rIns="91425" bIns="91425" anchor="t" anchorCtr="0">
             <a:normAutofit/>
           </a:bodyPr>
           <a:lstStyle>
-            <a:lvl1pPr indent="-342900" lvl="0" marL="457200">
+            <a:lvl1pPr marL="457200" lvl="0" indent="-342900">
               <a:lnSpc>
                 <a:spcPct val="115000"/>
               </a:lnSpc>
@@ -6989,7 +7146,7 @@
                 <a:sym typeface="Roboto"/>
               </a:defRPr>
             </a:lvl1pPr>
-            <a:lvl2pPr indent="-317500" lvl="1" marL="914400">
+            <a:lvl2pPr marL="914400" lvl="1" indent="-317500">
               <a:lnSpc>
                 <a:spcPct val="115000"/>
               </a:lnSpc>
@@ -7015,7 +7172,7 @@
                 <a:sym typeface="Roboto"/>
               </a:defRPr>
             </a:lvl2pPr>
-            <a:lvl3pPr indent="-317500" lvl="2" marL="1371600">
+            <a:lvl3pPr marL="1371600" lvl="2" indent="-317500">
               <a:lnSpc>
                 <a:spcPct val="115000"/>
               </a:lnSpc>
@@ -7041,7 +7198,7 @@
                 <a:sym typeface="Roboto"/>
               </a:defRPr>
             </a:lvl3pPr>
-            <a:lvl4pPr indent="-317500" lvl="3" marL="1828800">
+            <a:lvl4pPr marL="1828800" lvl="3" indent="-317500">
               <a:lnSpc>
                 <a:spcPct val="115000"/>
               </a:lnSpc>
@@ -7067,7 +7224,7 @@
                 <a:sym typeface="Roboto"/>
               </a:defRPr>
             </a:lvl4pPr>
-            <a:lvl5pPr indent="-317500" lvl="4" marL="2286000">
+            <a:lvl5pPr marL="2286000" lvl="4" indent="-317500">
               <a:lnSpc>
                 <a:spcPct val="115000"/>
               </a:lnSpc>
@@ -7093,7 +7250,7 @@
                 <a:sym typeface="Roboto"/>
               </a:defRPr>
             </a:lvl5pPr>
-            <a:lvl6pPr indent="-317500" lvl="5" marL="2743200">
+            <a:lvl6pPr marL="2743200" lvl="5" indent="-317500">
               <a:lnSpc>
                 <a:spcPct val="115000"/>
               </a:lnSpc>
@@ -7119,7 +7276,7 @@
                 <a:sym typeface="Roboto"/>
               </a:defRPr>
             </a:lvl6pPr>
-            <a:lvl7pPr indent="-317500" lvl="6" marL="3200400">
+            <a:lvl7pPr marL="3200400" lvl="6" indent="-317500">
               <a:lnSpc>
                 <a:spcPct val="115000"/>
               </a:lnSpc>
@@ -7145,7 +7302,7 @@
                 <a:sym typeface="Roboto"/>
               </a:defRPr>
             </a:lvl7pPr>
-            <a:lvl8pPr indent="-317500" lvl="7" marL="3657600">
+            <a:lvl8pPr marL="3657600" lvl="7" indent="-317500">
               <a:lnSpc>
                 <a:spcPct val="115000"/>
               </a:lnSpc>
@@ -7171,7 +7328,7 @@
                 <a:sym typeface="Roboto"/>
               </a:defRPr>
             </a:lvl8pPr>
-            <a:lvl9pPr indent="-317500" lvl="8" marL="4114800">
+            <a:lvl9pPr marL="4114800" lvl="8" indent="-317500">
               <a:lnSpc>
                 <a:spcPct val="115000"/>
               </a:lnSpc>
@@ -7198,15 +7355,19 @@
               </a:defRPr>
             </a:lvl9pPr>
           </a:lstStyle>
-          <a:p/>
+          <a:p>
+            <a:endParaRPr/>
+          </a:p>
         </p:txBody>
       </p:sp>
       <p:sp>
         <p:nvSpPr>
           <p:cNvPr id="8" name="Google Shape;8;p1"/>
-          <p:cNvSpPr txBox="1"/>
+          <p:cNvSpPr txBox="1">
+            <a:spLocks noGrp="1"/>
+          </p:cNvSpPr>
           <p:nvPr>
-            <p:ph idx="12" type="sldNum"/>
+            <p:ph type="sldNum" idx="12"/>
           </p:nvPr>
         </p:nvSpPr>
         <p:spPr>
@@ -7223,7 +7384,7 @@
           </a:ln>
         </p:spPr>
         <p:txBody>
-          <a:bodyPr anchorCtr="0" anchor="ctr" bIns="91425" lIns="91425" spcFirstLastPara="1" rIns="91425" wrap="square" tIns="91425">
+          <a:bodyPr spcFirstLastPara="1" wrap="square" lIns="91425" tIns="91425" rIns="91425" bIns="91425" anchor="ctr" anchorCtr="0">
             <a:normAutofit/>
           </a:bodyPr>
           <a:lstStyle>
@@ -7337,7 +7498,7 @@
             </a:lvl9pPr>
           </a:lstStyle>
           <a:p>
-            <a:pPr indent="0" lvl="0" marL="0" rtl="0" algn="r">
+            <a:pPr marL="0" lvl="0" indent="0" algn="r" rtl="0">
               <a:spcBef>
                 <a:spcPts val="0"/>
               </a:spcBef>
@@ -7356,7 +7517,7 @@
       </p:sp>
     </p:spTree>
   </p:cSld>
-  <p:clrMap accent1="accent1" accent2="accent2" accent3="accent3" accent4="accent4" accent5="accent5" accent6="accent6" bg1="lt1" bg2="dk2" tx1="dk1" tx2="lt2" folHlink="folHlink" hlink="hlink"/>
+  <p:clrMap bg1="lt1" tx1="dk1" bg2="dk2" tx2="lt2" accent1="accent1" accent2="accent2" accent3="accent3" accent4="accent4" accent5="accent5" accent6="accent6" hlink="hlink" folHlink="folHlink"/>
   <p:sldLayoutIdLst>
     <p:sldLayoutId id="2147483648" r:id="rId1"/>
     <p:sldLayoutId id="2147483649" r:id="rId2"/>
@@ -7370,10 +7531,10 @@
     <p:sldLayoutId id="2147483657" r:id="rId10"/>
     <p:sldLayoutId id="2147483658" r:id="rId11"/>
   </p:sldLayoutIdLst>
-  <p:hf dt="0" ftr="0" hdr="0" sldNum="0"/>
+  <p:hf sldNum="0" hdr="0" ftr="0" dt="0"/>
   <p:txStyles>
     <p:titleStyle>
-      <a:defPPr lvl="0" marR="0" rtl="0" algn="l">
+      <a:defPPr marR="0" lvl="0" algn="l" rtl="0">
         <a:lnSpc>
           <a:spcPct val="100000"/>
         </a:lnSpc>
@@ -7384,7 +7545,7 @@
           <a:spcPts val="0"/>
         </a:spcAft>
       </a:defPPr>
-      <a:lvl1pPr lvl="0" marR="0" rtl="0" algn="l">
+      <a:lvl1pPr marR="0" lvl="0" algn="l" rtl="0">
         <a:lnSpc>
           <a:spcPct val="100000"/>
         </a:lnSpc>
@@ -7398,7 +7559,7 @@
           <a:srgbClr val="000000"/>
         </a:buClr>
         <a:buFont typeface="Arial"/>
-        <a:defRPr b="0" i="0" sz="1400" u="none" cap="none" strike="noStrike">
+        <a:defRPr sz="1400" b="0" i="0" u="none" strike="noStrike" cap="none">
           <a:solidFill>
             <a:srgbClr val="000000"/>
           </a:solidFill>
@@ -7408,7 +7569,7 @@
           <a:sym typeface="Arial"/>
         </a:defRPr>
       </a:lvl1pPr>
-      <a:lvl2pPr lvl="1" marR="0" rtl="0" algn="l">
+      <a:lvl2pPr marR="0" lvl="1" algn="l" rtl="0">
         <a:lnSpc>
           <a:spcPct val="100000"/>
         </a:lnSpc>
@@ -7422,7 +7583,7 @@
           <a:srgbClr val="000000"/>
         </a:buClr>
         <a:buFont typeface="Arial"/>
-        <a:defRPr b="0" i="0" sz="1400" u="none" cap="none" strike="noStrike">
+        <a:defRPr sz="1400" b="0" i="0" u="none" strike="noStrike" cap="none">
           <a:solidFill>
             <a:srgbClr val="000000"/>
           </a:solidFill>
@@ -7432,7 +7593,7 @@
           <a:sym typeface="Arial"/>
         </a:defRPr>
       </a:lvl2pPr>
-      <a:lvl3pPr lvl="2" marR="0" rtl="0" algn="l">
+      <a:lvl3pPr marR="0" lvl="2" algn="l" rtl="0">
         <a:lnSpc>
           <a:spcPct val="100000"/>
         </a:lnSpc>
@@ -7446,7 +7607,7 @@
           <a:srgbClr val="000000"/>
         </a:buClr>
         <a:buFont typeface="Arial"/>
-        <a:defRPr b="0" i="0" sz="1400" u="none" cap="none" strike="noStrike">
+        <a:defRPr sz="1400" b="0" i="0" u="none" strike="noStrike" cap="none">
           <a:solidFill>
             <a:srgbClr val="000000"/>
           </a:solidFill>
@@ -7456,7 +7617,7 @@
           <a:sym typeface="Arial"/>
         </a:defRPr>
       </a:lvl3pPr>
-      <a:lvl4pPr lvl="3" marR="0" rtl="0" algn="l">
+      <a:lvl4pPr marR="0" lvl="3" algn="l" rtl="0">
         <a:lnSpc>
           <a:spcPct val="100000"/>
         </a:lnSpc>
@@ -7470,7 +7631,7 @@
           <a:srgbClr val="000000"/>
         </a:buClr>
         <a:buFont typeface="Arial"/>
-        <a:defRPr b="0" i="0" sz="1400" u="none" cap="none" strike="noStrike">
+        <a:defRPr sz="1400" b="0" i="0" u="none" strike="noStrike" cap="none">
           <a:solidFill>
             <a:srgbClr val="000000"/>
           </a:solidFill>
@@ -7480,7 +7641,7 @@
           <a:sym typeface="Arial"/>
         </a:defRPr>
       </a:lvl4pPr>
-      <a:lvl5pPr lvl="4" marR="0" rtl="0" algn="l">
+      <a:lvl5pPr marR="0" lvl="4" algn="l" rtl="0">
         <a:lnSpc>
           <a:spcPct val="100000"/>
         </a:lnSpc>
@@ -7494,7 +7655,7 @@
           <a:srgbClr val="000000"/>
         </a:buClr>
         <a:buFont typeface="Arial"/>
-        <a:defRPr b="0" i="0" sz="1400" u="none" cap="none" strike="noStrike">
+        <a:defRPr sz="1400" b="0" i="0" u="none" strike="noStrike" cap="none">
           <a:solidFill>
             <a:srgbClr val="000000"/>
           </a:solidFill>
@@ -7504,7 +7665,7 @@
           <a:sym typeface="Arial"/>
         </a:defRPr>
       </a:lvl5pPr>
-      <a:lvl6pPr lvl="5" marR="0" rtl="0" algn="l">
+      <a:lvl6pPr marR="0" lvl="5" algn="l" rtl="0">
         <a:lnSpc>
           <a:spcPct val="100000"/>
         </a:lnSpc>
@@ -7518,7 +7679,7 @@
           <a:srgbClr val="000000"/>
         </a:buClr>
         <a:buFont typeface="Arial"/>
-        <a:defRPr b="0" i="0" sz="1400" u="none" cap="none" strike="noStrike">
+        <a:defRPr sz="1400" b="0" i="0" u="none" strike="noStrike" cap="none">
           <a:solidFill>
             <a:srgbClr val="000000"/>
           </a:solidFill>
@@ -7528,7 +7689,7 @@
           <a:sym typeface="Arial"/>
         </a:defRPr>
       </a:lvl6pPr>
-      <a:lvl7pPr lvl="6" marR="0" rtl="0" algn="l">
+      <a:lvl7pPr marR="0" lvl="6" algn="l" rtl="0">
         <a:lnSpc>
           <a:spcPct val="100000"/>
         </a:lnSpc>
@@ -7542,7 +7703,7 @@
           <a:srgbClr val="000000"/>
         </a:buClr>
         <a:buFont typeface="Arial"/>
-        <a:defRPr b="0" i="0" sz="1400" u="none" cap="none" strike="noStrike">
+        <a:defRPr sz="1400" b="0" i="0" u="none" strike="noStrike" cap="none">
           <a:solidFill>
             <a:srgbClr val="000000"/>
           </a:solidFill>
@@ -7552,7 +7713,7 @@
           <a:sym typeface="Arial"/>
         </a:defRPr>
       </a:lvl7pPr>
-      <a:lvl8pPr lvl="7" marR="0" rtl="0" algn="l">
+      <a:lvl8pPr marR="0" lvl="7" algn="l" rtl="0">
         <a:lnSpc>
           <a:spcPct val="100000"/>
         </a:lnSpc>
@@ -7566,7 +7727,7 @@
           <a:srgbClr val="000000"/>
         </a:buClr>
         <a:buFont typeface="Arial"/>
-        <a:defRPr b="0" i="0" sz="1400" u="none" cap="none" strike="noStrike">
+        <a:defRPr sz="1400" b="0" i="0" u="none" strike="noStrike" cap="none">
           <a:solidFill>
             <a:srgbClr val="000000"/>
           </a:solidFill>
@@ -7576,7 +7737,7 @@
           <a:sym typeface="Arial"/>
         </a:defRPr>
       </a:lvl8pPr>
-      <a:lvl9pPr lvl="8" marR="0" rtl="0" algn="l">
+      <a:lvl9pPr marR="0" lvl="8" algn="l" rtl="0">
         <a:lnSpc>
           <a:spcPct val="100000"/>
         </a:lnSpc>
@@ -7590,7 +7751,7 @@
           <a:srgbClr val="000000"/>
         </a:buClr>
         <a:buFont typeface="Arial"/>
-        <a:defRPr b="0" i="0" sz="1400" u="none" cap="none" strike="noStrike">
+        <a:defRPr sz="1400" b="0" i="0" u="none" strike="noStrike" cap="none">
           <a:solidFill>
             <a:srgbClr val="000000"/>
           </a:solidFill>
@@ -7602,7 +7763,7 @@
       </a:lvl9pPr>
     </p:titleStyle>
     <p:bodyStyle>
-      <a:defPPr lvl="0" marR="0" rtl="0" algn="l">
+      <a:defPPr marR="0" lvl="0" algn="l" rtl="0">
         <a:lnSpc>
           <a:spcPct val="100000"/>
         </a:lnSpc>
@@ -7613,7 +7774,7 @@
           <a:spcPts val="0"/>
         </a:spcAft>
       </a:defPPr>
-      <a:lvl1pPr lvl="0" marR="0" rtl="0" algn="l">
+      <a:lvl1pPr marR="0" lvl="0" algn="l" rtl="0">
         <a:lnSpc>
           <a:spcPct val="100000"/>
         </a:lnSpc>
@@ -7627,7 +7788,7 @@
           <a:srgbClr val="000000"/>
         </a:buClr>
         <a:buFont typeface="Arial"/>
-        <a:defRPr b="0" i="0" sz="1400" u="none" cap="none" strike="noStrike">
+        <a:defRPr sz="1400" b="0" i="0" u="none" strike="noStrike" cap="none">
           <a:solidFill>
             <a:srgbClr val="000000"/>
           </a:solidFill>
@@ -7637,7 +7798,7 @@
           <a:sym typeface="Arial"/>
         </a:defRPr>
       </a:lvl1pPr>
-      <a:lvl2pPr lvl="1" marR="0" rtl="0" algn="l">
+      <a:lvl2pPr marR="0" lvl="1" algn="l" rtl="0">
         <a:lnSpc>
           <a:spcPct val="100000"/>
         </a:lnSpc>
@@ -7651,7 +7812,7 @@
           <a:srgbClr val="000000"/>
         </a:buClr>
         <a:buFont typeface="Arial"/>
-        <a:defRPr b="0" i="0" sz="1400" u="none" cap="none" strike="noStrike">
+        <a:defRPr sz="1400" b="0" i="0" u="none" strike="noStrike" cap="none">
           <a:solidFill>
             <a:srgbClr val="000000"/>
           </a:solidFill>
@@ -7661,7 +7822,7 @@
           <a:sym typeface="Arial"/>
         </a:defRPr>
       </a:lvl2pPr>
-      <a:lvl3pPr lvl="2" marR="0" rtl="0" algn="l">
+      <a:lvl3pPr marR="0" lvl="2" algn="l" rtl="0">
         <a:lnSpc>
           <a:spcPct val="100000"/>
         </a:lnSpc>
@@ -7675,7 +7836,7 @@
           <a:srgbClr val="000000"/>
         </a:buClr>
         <a:buFont typeface="Arial"/>
-        <a:defRPr b="0" i="0" sz="1400" u="none" cap="none" strike="noStrike">
+        <a:defRPr sz="1400" b="0" i="0" u="none" strike="noStrike" cap="none">
           <a:solidFill>
             <a:srgbClr val="000000"/>
           </a:solidFill>
@@ -7685,7 +7846,7 @@
           <a:sym typeface="Arial"/>
         </a:defRPr>
       </a:lvl3pPr>
-      <a:lvl4pPr lvl="3" marR="0" rtl="0" algn="l">
+      <a:lvl4pPr marR="0" lvl="3" algn="l" rtl="0">
         <a:lnSpc>
           <a:spcPct val="100000"/>
         </a:lnSpc>
@@ -7699,7 +7860,7 @@
           <a:srgbClr val="000000"/>
         </a:buClr>
         <a:buFont typeface="Arial"/>
-        <a:defRPr b="0" i="0" sz="1400" u="none" cap="none" strike="noStrike">
+        <a:defRPr sz="1400" b="0" i="0" u="none" strike="noStrike" cap="none">
           <a:solidFill>
             <a:srgbClr val="000000"/>
           </a:solidFill>
@@ -7709,7 +7870,7 @@
           <a:sym typeface="Arial"/>
         </a:defRPr>
       </a:lvl4pPr>
-      <a:lvl5pPr lvl="4" marR="0" rtl="0" algn="l">
+      <a:lvl5pPr marR="0" lvl="4" algn="l" rtl="0">
         <a:lnSpc>
           <a:spcPct val="100000"/>
         </a:lnSpc>
@@ -7723,7 +7884,7 @@
           <a:srgbClr val="000000"/>
         </a:buClr>
         <a:buFont typeface="Arial"/>
-        <a:defRPr b="0" i="0" sz="1400" u="none" cap="none" strike="noStrike">
+        <a:defRPr sz="1400" b="0" i="0" u="none" strike="noStrike" cap="none">
           <a:solidFill>
             <a:srgbClr val="000000"/>
           </a:solidFill>
@@ -7733,7 +7894,7 @@
           <a:sym typeface="Arial"/>
         </a:defRPr>
       </a:lvl5pPr>
-      <a:lvl6pPr lvl="5" marR="0" rtl="0" algn="l">
+      <a:lvl6pPr marR="0" lvl="5" algn="l" rtl="0">
         <a:lnSpc>
           <a:spcPct val="100000"/>
         </a:lnSpc>
@@ -7747,7 +7908,7 @@
           <a:srgbClr val="000000"/>
         </a:buClr>
         <a:buFont typeface="Arial"/>
-        <a:defRPr b="0" i="0" sz="1400" u="none" cap="none" strike="noStrike">
+        <a:defRPr sz="1400" b="0" i="0" u="none" strike="noStrike" cap="none">
           <a:solidFill>
             <a:srgbClr val="000000"/>
           </a:solidFill>
@@ -7757,7 +7918,7 @@
           <a:sym typeface="Arial"/>
         </a:defRPr>
       </a:lvl6pPr>
-      <a:lvl7pPr lvl="6" marR="0" rtl="0" algn="l">
+      <a:lvl7pPr marR="0" lvl="6" algn="l" rtl="0">
         <a:lnSpc>
           <a:spcPct val="100000"/>
         </a:lnSpc>
@@ -7771,7 +7932,7 @@
           <a:srgbClr val="000000"/>
         </a:buClr>
         <a:buFont typeface="Arial"/>
-        <a:defRPr b="0" i="0" sz="1400" u="none" cap="none" strike="noStrike">
+        <a:defRPr sz="1400" b="0" i="0" u="none" strike="noStrike" cap="none">
           <a:solidFill>
             <a:srgbClr val="000000"/>
           </a:solidFill>
@@ -7781,7 +7942,7 @@
           <a:sym typeface="Arial"/>
         </a:defRPr>
       </a:lvl7pPr>
-      <a:lvl8pPr lvl="7" marR="0" rtl="0" algn="l">
+      <a:lvl8pPr marR="0" lvl="7" algn="l" rtl="0">
         <a:lnSpc>
           <a:spcPct val="100000"/>
         </a:lnSpc>
@@ -7795,7 +7956,7 @@
           <a:srgbClr val="000000"/>
         </a:buClr>
         <a:buFont typeface="Arial"/>
-        <a:defRPr b="0" i="0" sz="1400" u="none" cap="none" strike="noStrike">
+        <a:defRPr sz="1400" b="0" i="0" u="none" strike="noStrike" cap="none">
           <a:solidFill>
             <a:srgbClr val="000000"/>
           </a:solidFill>
@@ -7805,7 +7966,7 @@
           <a:sym typeface="Arial"/>
         </a:defRPr>
       </a:lvl8pPr>
-      <a:lvl9pPr lvl="8" marR="0" rtl="0" algn="l">
+      <a:lvl9pPr marR="0" lvl="8" algn="l" rtl="0">
         <a:lnSpc>
           <a:spcPct val="100000"/>
         </a:lnSpc>
@@ -7819,7 +7980,7 @@
           <a:srgbClr val="000000"/>
         </a:buClr>
         <a:buFont typeface="Arial"/>
-        <a:defRPr b="0" i="0" sz="1400" u="none" cap="none" strike="noStrike">
+        <a:defRPr sz="1400" b="0" i="0" u="none" strike="noStrike" cap="none">
           <a:solidFill>
             <a:srgbClr val="000000"/>
           </a:solidFill>
@@ -7831,7 +7992,7 @@
       </a:lvl9pPr>
     </p:bodyStyle>
     <p:otherStyle>
-      <a:defPPr lvl="0" marR="0" rtl="0" algn="l">
+      <a:defPPr marR="0" lvl="0" algn="l" rtl="0">
         <a:lnSpc>
           <a:spcPct val="100000"/>
         </a:lnSpc>
@@ -7842,7 +8003,7 @@
           <a:spcPts val="0"/>
         </a:spcAft>
       </a:defPPr>
-      <a:lvl1pPr lvl="0" marR="0" rtl="0" algn="l">
+      <a:lvl1pPr marR="0" lvl="0" algn="l" rtl="0">
         <a:lnSpc>
           <a:spcPct val="100000"/>
         </a:lnSpc>
@@ -7856,7 +8017,7 @@
           <a:srgbClr val="000000"/>
         </a:buClr>
         <a:buFont typeface="Arial"/>
-        <a:defRPr b="0" i="0" sz="1400" u="none" cap="none" strike="noStrike">
+        <a:defRPr sz="1400" b="0" i="0" u="none" strike="noStrike" cap="none">
           <a:solidFill>
             <a:srgbClr val="000000"/>
           </a:solidFill>
@@ -7866,7 +8027,7 @@
           <a:sym typeface="Arial"/>
         </a:defRPr>
       </a:lvl1pPr>
-      <a:lvl2pPr lvl="1" marR="0" rtl="0" algn="l">
+      <a:lvl2pPr marR="0" lvl="1" algn="l" rtl="0">
         <a:lnSpc>
           <a:spcPct val="100000"/>
         </a:lnSpc>
@@ -7880,7 +8041,7 @@
           <a:srgbClr val="000000"/>
         </a:buClr>
         <a:buFont typeface="Arial"/>
-        <a:defRPr b="0" i="0" sz="1400" u="none" cap="none" strike="noStrike">
+        <a:defRPr sz="1400" b="0" i="0" u="none" strike="noStrike" cap="none">
           <a:solidFill>
             <a:srgbClr val="000000"/>
           </a:solidFill>
@@ -7890,7 +8051,7 @@
           <a:sym typeface="Arial"/>
         </a:defRPr>
       </a:lvl2pPr>
-      <a:lvl3pPr lvl="2" marR="0" rtl="0" algn="l">
+      <a:lvl3pPr marR="0" lvl="2" algn="l" rtl="0">
         <a:lnSpc>
           <a:spcPct val="100000"/>
         </a:lnSpc>
@@ -7904,7 +8065,7 @@
           <a:srgbClr val="000000"/>
         </a:buClr>
         <a:buFont typeface="Arial"/>
-        <a:defRPr b="0" i="0" sz="1400" u="none" cap="none" strike="noStrike">
+        <a:defRPr sz="1400" b="0" i="0" u="none" strike="noStrike" cap="none">
           <a:solidFill>
             <a:srgbClr val="000000"/>
           </a:solidFill>
@@ -7914,7 +8075,7 @@
           <a:sym typeface="Arial"/>
         </a:defRPr>
       </a:lvl3pPr>
-      <a:lvl4pPr lvl="3" marR="0" rtl="0" algn="l">
+      <a:lvl4pPr marR="0" lvl="3" algn="l" rtl="0">
         <a:lnSpc>
           <a:spcPct val="100000"/>
         </a:lnSpc>
@@ -7928,7 +8089,7 @@
           <a:srgbClr val="000000"/>
         </a:buClr>
         <a:buFont typeface="Arial"/>
-        <a:defRPr b="0" i="0" sz="1400" u="none" cap="none" strike="noStrike">
+        <a:defRPr sz="1400" b="0" i="0" u="none" strike="noStrike" cap="none">
           <a:solidFill>
             <a:srgbClr val="000000"/>
           </a:solidFill>
@@ -7938,7 +8099,7 @@
           <a:sym typeface="Arial"/>
         </a:defRPr>
       </a:lvl4pPr>
-      <a:lvl5pPr lvl="4" marR="0" rtl="0" algn="l">
+      <a:lvl5pPr marR="0" lvl="4" algn="l" rtl="0">
         <a:lnSpc>
           <a:spcPct val="100000"/>
         </a:lnSpc>
@@ -7952,7 +8113,7 @@
           <a:srgbClr val="000000"/>
         </a:buClr>
         <a:buFont typeface="Arial"/>
-        <a:defRPr b="0" i="0" sz="1400" u="none" cap="none" strike="noStrike">
+        <a:defRPr sz="1400" b="0" i="0" u="none" strike="noStrike" cap="none">
           <a:solidFill>
             <a:srgbClr val="000000"/>
           </a:solidFill>
@@ -7962,7 +8123,7 @@
           <a:sym typeface="Arial"/>
         </a:defRPr>
       </a:lvl5pPr>
-      <a:lvl6pPr lvl="5" marR="0" rtl="0" algn="l">
+      <a:lvl6pPr marR="0" lvl="5" algn="l" rtl="0">
         <a:lnSpc>
           <a:spcPct val="100000"/>
         </a:lnSpc>
@@ -7976,7 +8137,7 @@
           <a:srgbClr val="000000"/>
         </a:buClr>
         <a:buFont typeface="Arial"/>
-        <a:defRPr b="0" i="0" sz="1400" u="none" cap="none" strike="noStrike">
+        <a:defRPr sz="1400" b="0" i="0" u="none" strike="noStrike" cap="none">
           <a:solidFill>
             <a:srgbClr val="000000"/>
           </a:solidFill>
@@ -7986,7 +8147,7 @@
           <a:sym typeface="Arial"/>
         </a:defRPr>
       </a:lvl6pPr>
-      <a:lvl7pPr lvl="6" marR="0" rtl="0" algn="l">
+      <a:lvl7pPr marR="0" lvl="6" algn="l" rtl="0">
         <a:lnSpc>
           <a:spcPct val="100000"/>
         </a:lnSpc>
@@ -8000,7 +8161,7 @@
           <a:srgbClr val="000000"/>
         </a:buClr>
         <a:buFont typeface="Arial"/>
-        <a:defRPr b="0" i="0" sz="1400" u="none" cap="none" strike="noStrike">
+        <a:defRPr sz="1400" b="0" i="0" u="none" strike="noStrike" cap="none">
           <a:solidFill>
             <a:srgbClr val="000000"/>
           </a:solidFill>
@@ -8010,7 +8171,7 @@
           <a:sym typeface="Arial"/>
         </a:defRPr>
       </a:lvl7pPr>
-      <a:lvl8pPr lvl="7" marR="0" rtl="0" algn="l">
+      <a:lvl8pPr marR="0" lvl="7" algn="l" rtl="0">
         <a:lnSpc>
           <a:spcPct val="100000"/>
         </a:lnSpc>
@@ -8024,7 +8185,7 @@
           <a:srgbClr val="000000"/>
         </a:buClr>
         <a:buFont typeface="Arial"/>
-        <a:defRPr b="0" i="0" sz="1400" u="none" cap="none" strike="noStrike">
+        <a:defRPr sz="1400" b="0" i="0" u="none" strike="noStrike" cap="none">
           <a:solidFill>
             <a:srgbClr val="000000"/>
           </a:solidFill>
@@ -8034,7 +8195,7 @@
           <a:sym typeface="Arial"/>
         </a:defRPr>
       </a:lvl8pPr>
-      <a:lvl9pPr lvl="8" marR="0" rtl="0" algn="l">
+      <a:lvl9pPr marR="0" lvl="8" algn="l" rtl="0">
         <a:lnSpc>
           <a:spcPct val="100000"/>
         </a:lnSpc>
@@ -8048,7 +8209,7 @@
           <a:srgbClr val="000000"/>
         </a:buClr>
         <a:buFont typeface="Arial"/>
-        <a:defRPr b="0" i="0" sz="1400" u="none" cap="none" strike="noStrike">
+        <a:defRPr sz="1400" b="0" i="0" u="none" strike="noStrike" cap="none">
           <a:solidFill>
             <a:srgbClr val="000000"/>
           </a:solidFill>
@@ -8064,18 +8225,19 @@
 </file>
 
 <file path=ppt/slides/slide1.xml><?xml version="1.0" encoding="utf-8"?>
-<p:sld xmlns:a="http://schemas.openxmlformats.org/drawingml/2006/main" xmlns:r="http://schemas.openxmlformats.org/officeDocument/2006/relationships" xmlns:mc="http://schemas.openxmlformats.org/markup-compatibility/2006" xmlns:mv="urn:schemas-microsoft-com:mac:vml" xmlns:p="http://schemas.openxmlformats.org/presentationml/2006/main" xmlns:c="http://schemas.openxmlformats.org/drawingml/2006/chart" xmlns:dgm="http://schemas.openxmlformats.org/drawingml/2006/diagram" xmlns:o="urn:schemas-microsoft-com:office:office" xmlns:v="urn:schemas-microsoft-com:vml" xmlns:pvml="urn:schemas-microsoft-com:office:powerpoint" xmlns:com="http://schemas.openxmlformats.org/drawingml/2006/compatibility" xmlns:p14="http://schemas.microsoft.com/office/powerpoint/2010/main" xmlns:p15="http://schemas.microsoft.com/office/powerpoint/2012/main" xmlns:ahyp="http://schemas.microsoft.com/office/drawing/2018/hyperlinkcolor">
+<p:sld xmlns:a="http://schemas.openxmlformats.org/drawingml/2006/main" xmlns:r="http://schemas.openxmlformats.org/officeDocument/2006/relationships" xmlns:p="http://schemas.openxmlformats.org/presentationml/2006/main">
   <p:cSld>
     <p:bg>
       <p:bgPr>
         <a:solidFill>
           <a:schemeClr val="dk2"/>
         </a:solidFill>
+        <a:effectLst/>
       </p:bgPr>
     </p:bg>
     <p:spTree>
       <p:nvGrpSpPr>
-        <p:cNvPr id="62" name="Shape 62"/>
+        <p:cNvPr id="1" name="Shape 62"/>
         <p:cNvGrpSpPr/>
         <p:nvPr/>
       </p:nvGrpSpPr>
@@ -8090,7 +8252,9 @@
       <p:sp>
         <p:nvSpPr>
           <p:cNvPr id="63" name="Google Shape;63;p13"/>
-          <p:cNvSpPr txBox="1"/>
+          <p:cNvSpPr txBox="1">
+            <a:spLocks noGrp="1"/>
+          </p:cNvSpPr>
           <p:nvPr>
             <p:ph type="ctrTitle"/>
           </p:nvPr>
@@ -8105,12 +8269,12 @@
           </a:prstGeom>
         </p:spPr>
         <p:txBody>
-          <a:bodyPr anchorCtr="0" anchor="b" bIns="91425" lIns="91425" spcFirstLastPara="1" rIns="91425" wrap="square" tIns="91425">
+          <a:bodyPr spcFirstLastPara="1" wrap="square" lIns="91425" tIns="91425" rIns="91425" bIns="91425" anchor="b" anchorCtr="0">
             <a:normAutofit/>
           </a:bodyPr>
           <a:lstStyle/>
           <a:p>
-            <a:pPr indent="0" lvl="0" marL="0" rtl="0" algn="ctr">
+            <a:pPr marL="0" lvl="0" indent="0" algn="ctr" rtl="0">
               <a:spcBef>
                 <a:spcPts val="0"/>
               </a:spcBef>
@@ -8130,9 +8294,11 @@
       <p:sp>
         <p:nvSpPr>
           <p:cNvPr id="64" name="Google Shape;64;p13"/>
-          <p:cNvSpPr txBox="1"/>
+          <p:cNvSpPr txBox="1">
+            <a:spLocks noGrp="1"/>
+          </p:cNvSpPr>
           <p:nvPr>
-            <p:ph idx="1" type="subTitle"/>
+            <p:ph type="subTitle" idx="1"/>
           </p:nvPr>
         </p:nvSpPr>
         <p:spPr>
@@ -8145,23 +8311,20 @@
           </a:prstGeom>
         </p:spPr>
         <p:txBody>
-          <a:bodyPr anchorCtr="0" anchor="t" bIns="91425" lIns="91425" spcFirstLastPara="1" rIns="91425" wrap="square" tIns="91425">
+          <a:bodyPr spcFirstLastPara="1" wrap="square" lIns="91425" tIns="91425" rIns="91425" bIns="91425" anchor="t" anchorCtr="0">
             <a:normAutofit/>
           </a:bodyPr>
           <a:lstStyle/>
           <a:p>
-            <a:pPr indent="0" lvl="0" marL="0" rtl="0" algn="ctr">
-              <a:spcBef>
-                <a:spcPts val="0"/>
-              </a:spcBef>
-              <a:spcAft>
-                <a:spcPts val="0"/>
-              </a:spcAft>
-              <a:buNone/>
-            </a:pPr>
-            <a:r>
-              <a:t/>
-            </a:r>
+            <a:pPr marL="0" lvl="0" indent="0" algn="ctr" rtl="0">
+              <a:spcBef>
+                <a:spcPts val="0"/>
+              </a:spcBef>
+              <a:spcAft>
+                <a:spcPts val="0"/>
+              </a:spcAft>
+              <a:buNone/>
+            </a:pPr>
             <a:endParaRPr/>
           </a:p>
         </p:txBody>
@@ -8175,18 +8338,19 @@
 </file>
 
 <file path=ppt/slides/slide10.xml><?xml version="1.0" encoding="utf-8"?>
-<p:sld xmlns:a="http://schemas.openxmlformats.org/drawingml/2006/main" xmlns:r="http://schemas.openxmlformats.org/officeDocument/2006/relationships" xmlns:mc="http://schemas.openxmlformats.org/markup-compatibility/2006" xmlns:mv="urn:schemas-microsoft-com:mac:vml" xmlns:p="http://schemas.openxmlformats.org/presentationml/2006/main" xmlns:c="http://schemas.openxmlformats.org/drawingml/2006/chart" xmlns:dgm="http://schemas.openxmlformats.org/drawingml/2006/diagram" xmlns:o="urn:schemas-microsoft-com:office:office" xmlns:v="urn:schemas-microsoft-com:vml" xmlns:pvml="urn:schemas-microsoft-com:office:powerpoint" xmlns:com="http://schemas.openxmlformats.org/drawingml/2006/compatibility" xmlns:p14="http://schemas.microsoft.com/office/powerpoint/2010/main" xmlns:p15="http://schemas.microsoft.com/office/powerpoint/2012/main" xmlns:ahyp="http://schemas.microsoft.com/office/drawing/2018/hyperlinkcolor">
+<p:sld xmlns:a="http://schemas.openxmlformats.org/drawingml/2006/main" xmlns:r="http://schemas.openxmlformats.org/officeDocument/2006/relationships" xmlns:p="http://schemas.openxmlformats.org/presentationml/2006/main">
   <p:cSld>
     <p:bg>
       <p:bgPr>
         <a:solidFill>
           <a:schemeClr val="dk2"/>
         </a:solidFill>
+        <a:effectLst/>
       </p:bgPr>
     </p:bg>
     <p:spTree>
       <p:nvGrpSpPr>
-        <p:cNvPr id="117" name="Shape 117"/>
+        <p:cNvPr id="1" name="Shape 117"/>
         <p:cNvGrpSpPr/>
         <p:nvPr/>
       </p:nvGrpSpPr>
@@ -8201,7 +8365,9 @@
       <p:sp>
         <p:nvSpPr>
           <p:cNvPr id="118" name="Google Shape;118;p22"/>
-          <p:cNvSpPr txBox="1"/>
+          <p:cNvSpPr txBox="1">
+            <a:spLocks noGrp="1"/>
+          </p:cNvSpPr>
           <p:nvPr>
             <p:ph type="title"/>
           </p:nvPr>
@@ -8216,12 +8382,12 @@
           </a:prstGeom>
         </p:spPr>
         <p:txBody>
-          <a:bodyPr anchorCtr="0" anchor="b" bIns="91425" lIns="91425" spcFirstLastPara="1" rIns="91425" wrap="square" tIns="91425">
+          <a:bodyPr spcFirstLastPara="1" wrap="square" lIns="91425" tIns="91425" rIns="91425" bIns="91425" anchor="b" anchorCtr="0">
             <a:normAutofit/>
           </a:bodyPr>
           <a:lstStyle/>
           <a:p>
-            <a:pPr indent="0" lvl="0" marL="0" rtl="0" algn="l">
+            <a:pPr marL="0" lvl="0" indent="0" algn="l" rtl="0">
               <a:spcBef>
                 <a:spcPts val="0"/>
               </a:spcBef>
@@ -8241,9 +8407,11 @@
       <p:sp>
         <p:nvSpPr>
           <p:cNvPr id="119" name="Google Shape;119;p22"/>
-          <p:cNvSpPr txBox="1"/>
+          <p:cNvSpPr txBox="1">
+            <a:spLocks noGrp="1"/>
+          </p:cNvSpPr>
           <p:nvPr>
-            <p:ph idx="1" type="body"/>
+            <p:ph type="body" idx="1"/>
           </p:nvPr>
         </p:nvSpPr>
         <p:spPr>
@@ -8256,12 +8424,12 @@
           </a:prstGeom>
         </p:spPr>
         <p:txBody>
-          <a:bodyPr anchorCtr="0" anchor="t" bIns="91425" lIns="91425" spcFirstLastPara="1" rIns="91425" wrap="square" tIns="91425">
+          <a:bodyPr spcFirstLastPara="1" wrap="square" lIns="91425" tIns="91425" rIns="91425" bIns="91425" anchor="t" anchorCtr="0">
             <a:normAutofit fontScale="85000" lnSpcReduction="20000"/>
           </a:bodyPr>
           <a:lstStyle/>
           <a:p>
-            <a:pPr indent="0" lvl="0" marL="0" rtl="0" algn="l">
+            <a:pPr marL="0" lvl="0" indent="0" algn="l" rtl="0">
               <a:spcBef>
                 <a:spcPts val="0"/>
               </a:spcBef>
@@ -8277,7 +8445,7 @@
             <a:endParaRPr/>
           </a:p>
           <a:p>
-            <a:pPr indent="0" lvl="0" marL="0" rtl="0" algn="l">
+            <a:pPr marL="0" lvl="0" indent="0" algn="l" rtl="0">
               <a:spcBef>
                 <a:spcPts val="1200"/>
               </a:spcBef>
@@ -8293,7 +8461,7 @@
             <a:endParaRPr/>
           </a:p>
           <a:p>
-            <a:pPr indent="0" lvl="0" marL="0" rtl="0" algn="l">
+            <a:pPr marL="0" lvl="0" indent="0" algn="l" rtl="0">
               <a:spcBef>
                 <a:spcPts val="1200"/>
               </a:spcBef>
@@ -8302,13 +8470,10 @@
               </a:spcAft>
               <a:buNone/>
             </a:pPr>
-            <a:r>
-              <a:t/>
-            </a:r>
-            <a:endParaRPr/>
-          </a:p>
-          <a:p>
-            <a:pPr indent="0" lvl="0" marL="0" rtl="0" algn="l">
+            <a:endParaRPr/>
+          </a:p>
+          <a:p>
+            <a:pPr marL="0" lvl="0" indent="0" algn="l" rtl="0">
               <a:spcBef>
                 <a:spcPts val="1200"/>
               </a:spcBef>
@@ -8324,7 +8489,7 @@
             <a:endParaRPr/>
           </a:p>
           <a:p>
-            <a:pPr indent="0" lvl="0" marL="0" rtl="0" algn="l">
+            <a:pPr marL="0" lvl="0" indent="0" algn="l" rtl="0">
               <a:spcBef>
                 <a:spcPts val="1200"/>
               </a:spcBef>
@@ -8340,7 +8505,7 @@
             <a:endParaRPr/>
           </a:p>
           <a:p>
-            <a:pPr indent="457200" lvl="0" marL="457200" rtl="0" algn="l">
+            <a:pPr marL="457200" lvl="0" indent="457200" algn="l" rtl="0">
               <a:spcBef>
                 <a:spcPts val="1200"/>
               </a:spcBef>
@@ -8356,7 +8521,7 @@
             <a:endParaRPr/>
           </a:p>
           <a:p>
-            <a:pPr indent="0" lvl="0" marL="0" rtl="0" algn="l">
+            <a:pPr marL="0" lvl="0" indent="0" algn="l" rtl="0">
               <a:spcBef>
                 <a:spcPts val="1200"/>
               </a:spcBef>
@@ -8372,7 +8537,7 @@
             <a:endParaRPr/>
           </a:p>
           <a:p>
-            <a:pPr indent="0" lvl="0" marL="0" rtl="0" algn="l">
+            <a:pPr marL="0" lvl="0" indent="0" algn="l" rtl="0">
               <a:spcBef>
                 <a:spcPts val="1200"/>
               </a:spcBef>
@@ -8398,11 +8563,11 @@
 </file>
 
 <file path=ppt/slides/slide11.xml><?xml version="1.0" encoding="utf-8"?>
-<p:sld xmlns:a="http://schemas.openxmlformats.org/drawingml/2006/main" xmlns:r="http://schemas.openxmlformats.org/officeDocument/2006/relationships" xmlns:mc="http://schemas.openxmlformats.org/markup-compatibility/2006" xmlns:mv="urn:schemas-microsoft-com:mac:vml" xmlns:p="http://schemas.openxmlformats.org/presentationml/2006/main" xmlns:c="http://schemas.openxmlformats.org/drawingml/2006/chart" xmlns:dgm="http://schemas.openxmlformats.org/drawingml/2006/diagram" xmlns:o="urn:schemas-microsoft-com:office:office" xmlns:v="urn:schemas-microsoft-com:vml" xmlns:pvml="urn:schemas-microsoft-com:office:powerpoint" xmlns:com="http://schemas.openxmlformats.org/drawingml/2006/compatibility" xmlns:p14="http://schemas.microsoft.com/office/powerpoint/2010/main" xmlns:p15="http://schemas.microsoft.com/office/powerpoint/2012/main" xmlns:ahyp="http://schemas.microsoft.com/office/drawing/2018/hyperlinkcolor">
+<p:sld xmlns:a="http://schemas.openxmlformats.org/drawingml/2006/main" xmlns:r="http://schemas.openxmlformats.org/officeDocument/2006/relationships" xmlns:p="http://schemas.openxmlformats.org/presentationml/2006/main">
   <p:cSld>
     <p:spTree>
       <p:nvGrpSpPr>
-        <p:cNvPr id="123" name="Shape 123"/>
+        <p:cNvPr id="1" name="Shape 123"/>
         <p:cNvGrpSpPr/>
         <p:nvPr/>
       </p:nvGrpSpPr>
@@ -8417,7 +8582,9 @@
       <p:sp>
         <p:nvSpPr>
           <p:cNvPr id="124" name="Google Shape;124;p23"/>
-          <p:cNvSpPr txBox="1"/>
+          <p:cNvSpPr txBox="1">
+            <a:spLocks noGrp="1"/>
+          </p:cNvSpPr>
           <p:nvPr>
             <p:ph type="title"/>
           </p:nvPr>
@@ -8432,12 +8599,12 @@
           </a:prstGeom>
         </p:spPr>
         <p:txBody>
-          <a:bodyPr anchorCtr="0" anchor="b" bIns="91425" lIns="91425" spcFirstLastPara="1" rIns="91425" wrap="square" tIns="91425">
+          <a:bodyPr spcFirstLastPara="1" wrap="square" lIns="91425" tIns="91425" rIns="91425" bIns="91425" anchor="b" anchorCtr="0">
             <a:normAutofit/>
           </a:bodyPr>
           <a:lstStyle/>
           <a:p>
-            <a:pPr indent="0" lvl="0" marL="0" rtl="0" algn="l">
+            <a:pPr marL="0" lvl="0" indent="0" algn="l" rtl="0">
               <a:spcBef>
                 <a:spcPts val="0"/>
               </a:spcBef>
@@ -8457,9 +8624,11 @@
       <p:sp>
         <p:nvSpPr>
           <p:cNvPr id="125" name="Google Shape;125;p23"/>
-          <p:cNvSpPr txBox="1"/>
+          <p:cNvSpPr txBox="1">
+            <a:spLocks noGrp="1"/>
+          </p:cNvSpPr>
           <p:nvPr>
-            <p:ph idx="1" type="body"/>
+            <p:ph type="body" idx="1"/>
           </p:nvPr>
         </p:nvSpPr>
         <p:spPr>
@@ -8472,12 +8641,12 @@
           </a:prstGeom>
         </p:spPr>
         <p:txBody>
-          <a:bodyPr anchorCtr="0" anchor="t" bIns="91425" lIns="91425" spcFirstLastPara="1" rIns="91425" wrap="square" tIns="91425">
+          <a:bodyPr spcFirstLastPara="1" wrap="square" lIns="91425" tIns="91425" rIns="91425" bIns="91425" anchor="t" anchorCtr="0">
             <a:normAutofit fontScale="85000" lnSpcReduction="20000"/>
           </a:bodyPr>
           <a:lstStyle/>
           <a:p>
-            <a:pPr indent="0" lvl="0" marL="0" rtl="0" algn="l">
+            <a:pPr marL="0" lvl="0" indent="0" algn="l" rtl="0">
               <a:spcBef>
                 <a:spcPts val="0"/>
               </a:spcBef>
@@ -8493,7 +8662,7 @@
             <a:endParaRPr/>
           </a:p>
           <a:p>
-            <a:pPr indent="0" lvl="0" marL="0" rtl="0" algn="l">
+            <a:pPr marL="0" lvl="0" indent="0" algn="l" rtl="0">
               <a:spcBef>
                 <a:spcPts val="1200"/>
               </a:spcBef>
@@ -8509,7 +8678,7 @@
             <a:endParaRPr/>
           </a:p>
           <a:p>
-            <a:pPr indent="0" lvl="0" marL="0" rtl="0" algn="l">
+            <a:pPr marL="0" lvl="0" indent="0" algn="l" rtl="0">
               <a:spcBef>
                 <a:spcPts val="1200"/>
               </a:spcBef>
@@ -8518,13 +8687,10 @@
               </a:spcAft>
               <a:buNone/>
             </a:pPr>
-            <a:r>
-              <a:t/>
-            </a:r>
-            <a:endParaRPr/>
-          </a:p>
-          <a:p>
-            <a:pPr indent="0" lvl="0" marL="0" rtl="0" algn="l">
+            <a:endParaRPr/>
+          </a:p>
+          <a:p>
+            <a:pPr marL="0" lvl="0" indent="0" algn="l" rtl="0">
               <a:spcBef>
                 <a:spcPts val="1200"/>
               </a:spcBef>
@@ -8540,7 +8706,7 @@
             <a:endParaRPr/>
           </a:p>
           <a:p>
-            <a:pPr indent="0" lvl="0" marL="0" rtl="0" algn="l">
+            <a:pPr marL="0" lvl="0" indent="0" algn="l" rtl="0">
               <a:spcBef>
                 <a:spcPts val="1200"/>
               </a:spcBef>
@@ -8556,7 +8722,7 @@
             <a:endParaRPr/>
           </a:p>
           <a:p>
-            <a:pPr indent="0" lvl="0" marL="0" rtl="0" algn="l">
+            <a:pPr marL="0" lvl="0" indent="0" algn="l" rtl="0">
               <a:spcBef>
                 <a:spcPts val="1200"/>
               </a:spcBef>
@@ -8565,13 +8731,10 @@
               </a:spcAft>
               <a:buNone/>
             </a:pPr>
-            <a:r>
-              <a:t/>
-            </a:r>
-            <a:endParaRPr/>
-          </a:p>
-          <a:p>
-            <a:pPr indent="0" lvl="0" marL="0" rtl="0" algn="l">
+            <a:endParaRPr/>
+          </a:p>
+          <a:p>
+            <a:pPr marL="0" lvl="0" indent="0" algn="l" rtl="0">
               <a:spcBef>
                 <a:spcPts val="1200"/>
               </a:spcBef>
@@ -8587,7 +8750,7 @@
             <a:endParaRPr/>
           </a:p>
           <a:p>
-            <a:pPr indent="0" lvl="0" marL="0" rtl="0" algn="l">
+            <a:pPr marL="0" lvl="0" indent="0" algn="l" rtl="0">
               <a:spcBef>
                 <a:spcPts val="1200"/>
               </a:spcBef>
@@ -8613,18 +8776,19 @@
 </file>
 
 <file path=ppt/slides/slide12.xml><?xml version="1.0" encoding="utf-8"?>
-<p:sld xmlns:a="http://schemas.openxmlformats.org/drawingml/2006/main" xmlns:r="http://schemas.openxmlformats.org/officeDocument/2006/relationships" xmlns:mc="http://schemas.openxmlformats.org/markup-compatibility/2006" xmlns:mv="urn:schemas-microsoft-com:mac:vml" xmlns:p="http://schemas.openxmlformats.org/presentationml/2006/main" xmlns:c="http://schemas.openxmlformats.org/drawingml/2006/chart" xmlns:dgm="http://schemas.openxmlformats.org/drawingml/2006/diagram" xmlns:o="urn:schemas-microsoft-com:office:office" xmlns:v="urn:schemas-microsoft-com:vml" xmlns:pvml="urn:schemas-microsoft-com:office:powerpoint" xmlns:com="http://schemas.openxmlformats.org/drawingml/2006/compatibility" xmlns:p14="http://schemas.microsoft.com/office/powerpoint/2010/main" xmlns:p15="http://schemas.microsoft.com/office/powerpoint/2012/main" xmlns:ahyp="http://schemas.microsoft.com/office/drawing/2018/hyperlinkcolor">
+<p:sld xmlns:a="http://schemas.openxmlformats.org/drawingml/2006/main" xmlns:r="http://schemas.openxmlformats.org/officeDocument/2006/relationships" xmlns:p="http://schemas.openxmlformats.org/presentationml/2006/main">
   <p:cSld>
     <p:bg>
       <p:bgPr>
         <a:solidFill>
           <a:schemeClr val="dk2"/>
         </a:solidFill>
+        <a:effectLst/>
       </p:bgPr>
     </p:bg>
     <p:spTree>
       <p:nvGrpSpPr>
-        <p:cNvPr id="129" name="Shape 129"/>
+        <p:cNvPr id="1" name="Shape 129"/>
         <p:cNvGrpSpPr/>
         <p:nvPr/>
       </p:nvGrpSpPr>
@@ -8639,7 +8803,9 @@
       <p:sp>
         <p:nvSpPr>
           <p:cNvPr id="130" name="Google Shape;130;p24"/>
-          <p:cNvSpPr txBox="1"/>
+          <p:cNvSpPr txBox="1">
+            <a:spLocks noGrp="1"/>
+          </p:cNvSpPr>
           <p:nvPr>
             <p:ph type="title"/>
           </p:nvPr>
@@ -8654,12 +8820,12 @@
           </a:prstGeom>
         </p:spPr>
         <p:txBody>
-          <a:bodyPr anchorCtr="0" anchor="b" bIns="91425" lIns="91425" spcFirstLastPara="1" rIns="91425" wrap="square" tIns="91425">
+          <a:bodyPr spcFirstLastPara="1" wrap="square" lIns="91425" tIns="91425" rIns="91425" bIns="91425" anchor="b" anchorCtr="0">
             <a:normAutofit/>
           </a:bodyPr>
           <a:lstStyle/>
           <a:p>
-            <a:pPr indent="0" lvl="0" marL="0" rtl="0" algn="l">
+            <a:pPr marL="0" lvl="0" indent="0" algn="l" rtl="0">
               <a:spcBef>
                 <a:spcPts val="0"/>
               </a:spcBef>
@@ -8679,9 +8845,11 @@
       <p:sp>
         <p:nvSpPr>
           <p:cNvPr id="131" name="Google Shape;131;p24"/>
-          <p:cNvSpPr txBox="1"/>
+          <p:cNvSpPr txBox="1">
+            <a:spLocks noGrp="1"/>
+          </p:cNvSpPr>
           <p:nvPr>
-            <p:ph idx="1" type="body"/>
+            <p:ph type="body" idx="1"/>
           </p:nvPr>
         </p:nvSpPr>
         <p:spPr>
@@ -8694,12 +8862,12 @@
           </a:prstGeom>
         </p:spPr>
         <p:txBody>
-          <a:bodyPr anchorCtr="0" anchor="t" bIns="91425" lIns="91425" spcFirstLastPara="1" rIns="91425" wrap="square" tIns="91425">
+          <a:bodyPr spcFirstLastPara="1" wrap="square" lIns="91425" tIns="91425" rIns="91425" bIns="91425" anchor="t" anchorCtr="0">
             <a:normAutofit/>
           </a:bodyPr>
           <a:lstStyle/>
           <a:p>
-            <a:pPr indent="0" lvl="0" marL="0" rtl="0" algn="l">
+            <a:pPr marL="0" lvl="0" indent="0" algn="l" rtl="0">
               <a:spcBef>
                 <a:spcPts val="0"/>
               </a:spcBef>
@@ -8710,14 +8878,10 @@
             </a:pPr>
             <a:r>
               <a:rPr lang="en-GB"/>
-              <a:t>T</a:t>
+              <a:t>Tool for reducing duplication is </a:t>
             </a:r>
             <a:r>
-              <a:rPr lang="en-GB"/>
-              <a:t>ool for reducing duplication is </a:t>
-            </a:r>
-            <a:r>
-              <a:rPr b="1" lang="en-GB"/>
+              <a:rPr lang="en-GB" b="1"/>
               <a:t>iteration,</a:t>
             </a:r>
             <a:r>
@@ -8737,11 +8901,11 @@
 </file>
 
 <file path=ppt/slides/slide13.xml><?xml version="1.0" encoding="utf-8"?>
-<p:sld xmlns:a="http://schemas.openxmlformats.org/drawingml/2006/main" xmlns:r="http://schemas.openxmlformats.org/officeDocument/2006/relationships" xmlns:mc="http://schemas.openxmlformats.org/markup-compatibility/2006" xmlns:mv="urn:schemas-microsoft-com:mac:vml" xmlns:p="http://schemas.openxmlformats.org/presentationml/2006/main" xmlns:c="http://schemas.openxmlformats.org/drawingml/2006/chart" xmlns:dgm="http://schemas.openxmlformats.org/drawingml/2006/diagram" xmlns:o="urn:schemas-microsoft-com:office:office" xmlns:v="urn:schemas-microsoft-com:vml" xmlns:pvml="urn:schemas-microsoft-com:office:powerpoint" xmlns:com="http://schemas.openxmlformats.org/drawingml/2006/compatibility" xmlns:p14="http://schemas.microsoft.com/office/powerpoint/2010/main" xmlns:p15="http://schemas.microsoft.com/office/powerpoint/2012/main" xmlns:ahyp="http://schemas.microsoft.com/office/drawing/2018/hyperlinkcolor">
+<p:sld xmlns:a="http://schemas.openxmlformats.org/drawingml/2006/main" xmlns:r="http://schemas.openxmlformats.org/officeDocument/2006/relationships" xmlns:p="http://schemas.openxmlformats.org/presentationml/2006/main">
   <p:cSld>
     <p:spTree>
       <p:nvGrpSpPr>
-        <p:cNvPr id="135" name="Shape 135"/>
+        <p:cNvPr id="1" name="Shape 135"/>
         <p:cNvGrpSpPr/>
         <p:nvPr/>
       </p:nvGrpSpPr>
@@ -8756,7 +8920,9 @@
       <p:sp>
         <p:nvSpPr>
           <p:cNvPr id="136" name="Google Shape;136;p25"/>
-          <p:cNvSpPr txBox="1"/>
+          <p:cNvSpPr txBox="1">
+            <a:spLocks noGrp="1"/>
+          </p:cNvSpPr>
           <p:nvPr>
             <p:ph type="title"/>
           </p:nvPr>
@@ -8771,12 +8937,12 @@
           </a:prstGeom>
         </p:spPr>
         <p:txBody>
-          <a:bodyPr anchorCtr="0" anchor="b" bIns="91425" lIns="91425" spcFirstLastPara="1" rIns="91425" wrap="square" tIns="91425">
+          <a:bodyPr spcFirstLastPara="1" wrap="square" lIns="91425" tIns="91425" rIns="91425" bIns="91425" anchor="b" anchorCtr="0">
             <a:normAutofit/>
           </a:bodyPr>
           <a:lstStyle/>
           <a:p>
-            <a:pPr indent="0" lvl="0" marL="0" rtl="0" algn="l">
+            <a:pPr marL="0" lvl="0" indent="0" algn="l" rtl="0">
               <a:spcBef>
                 <a:spcPts val="0"/>
               </a:spcBef>
@@ -8796,9 +8962,11 @@
       <p:sp>
         <p:nvSpPr>
           <p:cNvPr id="137" name="Google Shape;137;p25"/>
-          <p:cNvSpPr txBox="1"/>
+          <p:cNvSpPr txBox="1">
+            <a:spLocks noGrp="1"/>
+          </p:cNvSpPr>
           <p:nvPr>
-            <p:ph idx="1" type="body"/>
+            <p:ph type="body" idx="1"/>
           </p:nvPr>
         </p:nvSpPr>
         <p:spPr>
@@ -8811,12 +8979,12 @@
           </a:prstGeom>
         </p:spPr>
         <p:txBody>
-          <a:bodyPr anchorCtr="0" anchor="t" bIns="91425" lIns="91425" spcFirstLastPara="1" rIns="91425" wrap="square" tIns="91425">
+          <a:bodyPr spcFirstLastPara="1" wrap="square" lIns="91425" tIns="91425" rIns="91425" bIns="91425" anchor="t" anchorCtr="0">
             <a:normAutofit/>
           </a:bodyPr>
           <a:lstStyle/>
           <a:p>
-            <a:pPr indent="-355600" lvl="0" marL="457200" rtl="0" algn="l">
+            <a:pPr marL="457200" lvl="0" indent="-355600" algn="l" rtl="0">
               <a:spcBef>
                 <a:spcPts val="0"/>
               </a:spcBef>
@@ -8831,7 +8999,7 @@
               <a:t>It’s easier to </a:t>
             </a:r>
             <a:r>
-              <a:rPr b="1" lang="en-GB" sz="2000" u="sng"/>
+              <a:rPr lang="en-GB" sz="2000" b="1" u="sng"/>
               <a:t>see the intent</a:t>
             </a:r>
             <a:r>
@@ -8841,7 +9009,7 @@
             <a:endParaRPr sz="2000"/>
           </a:p>
           <a:p>
-            <a:pPr indent="-355600" lvl="0" marL="457200" rtl="0" algn="l">
+            <a:pPr marL="457200" lvl="0" indent="-355600" algn="l" rtl="0">
               <a:spcBef>
                 <a:spcPts val="0"/>
               </a:spcBef>
@@ -8866,7 +9034,7 @@
             <a:endParaRPr sz="2000"/>
           </a:p>
           <a:p>
-            <a:pPr indent="-355600" lvl="0" marL="457200" rtl="0" algn="l">
+            <a:pPr marL="457200" lvl="0" indent="-355600" algn="l" rtl="0">
               <a:spcBef>
                 <a:spcPts val="0"/>
               </a:spcBef>
@@ -8881,7 +9049,7 @@
               <a:t>You’re likely to have</a:t>
             </a:r>
             <a:r>
-              <a:rPr b="1" lang="en-GB" sz="2000" u="sng"/>
+              <a:rPr lang="en-GB" sz="2000" b="1" u="sng"/>
               <a:t> fewer bugs </a:t>
             </a:r>
             <a:r>
@@ -8901,11 +9069,11 @@
 </file>
 
 <file path=ppt/slides/slide14.xml><?xml version="1.0" encoding="utf-8"?>
-<p:sld xmlns:a="http://schemas.openxmlformats.org/drawingml/2006/main" xmlns:r="http://schemas.openxmlformats.org/officeDocument/2006/relationships" xmlns:mc="http://schemas.openxmlformats.org/markup-compatibility/2006" xmlns:mv="urn:schemas-microsoft-com:mac:vml" xmlns:p="http://schemas.openxmlformats.org/presentationml/2006/main" xmlns:c="http://schemas.openxmlformats.org/drawingml/2006/chart" xmlns:dgm="http://schemas.openxmlformats.org/drawingml/2006/diagram" xmlns:o="urn:schemas-microsoft-com:office:office" xmlns:v="urn:schemas-microsoft-com:vml" xmlns:pvml="urn:schemas-microsoft-com:office:powerpoint" xmlns:com="http://schemas.openxmlformats.org/drawingml/2006/compatibility" xmlns:p14="http://schemas.microsoft.com/office/powerpoint/2010/main" xmlns:p15="http://schemas.microsoft.com/office/powerpoint/2012/main" xmlns:ahyp="http://schemas.microsoft.com/office/drawing/2018/hyperlinkcolor">
+<p:sld xmlns:a="http://schemas.openxmlformats.org/drawingml/2006/main" xmlns:r="http://schemas.openxmlformats.org/officeDocument/2006/relationships" xmlns:p="http://schemas.openxmlformats.org/presentationml/2006/main">
   <p:cSld>
     <p:spTree>
       <p:nvGrpSpPr>
-        <p:cNvPr id="141" name="Shape 141"/>
+        <p:cNvPr id="1" name="Shape 141"/>
         <p:cNvGrpSpPr/>
         <p:nvPr/>
       </p:nvGrpSpPr>
@@ -8920,7 +9088,9 @@
       <p:sp>
         <p:nvSpPr>
           <p:cNvPr id="142" name="Google Shape;142;p26"/>
-          <p:cNvSpPr txBox="1"/>
+          <p:cNvSpPr txBox="1">
+            <a:spLocks noGrp="1"/>
+          </p:cNvSpPr>
           <p:nvPr>
             <p:ph type="title"/>
           </p:nvPr>
@@ -8935,12 +9105,12 @@
           </a:prstGeom>
         </p:spPr>
         <p:txBody>
-          <a:bodyPr anchorCtr="0" anchor="b" bIns="91425" lIns="91425" spcFirstLastPara="1" rIns="91425" wrap="square" tIns="91425">
+          <a:bodyPr spcFirstLastPara="1" wrap="square" lIns="91425" tIns="91425" rIns="91425" bIns="91425" anchor="b" anchorCtr="0">
             <a:normAutofit/>
           </a:bodyPr>
           <a:lstStyle/>
           <a:p>
-            <a:pPr indent="0" lvl="0" marL="0" rtl="0" algn="l">
+            <a:pPr marL="0" lvl="0" indent="0" algn="l" rtl="0">
               <a:spcBef>
                 <a:spcPts val="0"/>
               </a:spcBef>
@@ -8960,9 +9130,11 @@
       <p:sp>
         <p:nvSpPr>
           <p:cNvPr id="143" name="Google Shape;143;p26"/>
-          <p:cNvSpPr txBox="1"/>
+          <p:cNvSpPr txBox="1">
+            <a:spLocks noGrp="1"/>
+          </p:cNvSpPr>
           <p:nvPr>
-            <p:ph idx="1" type="body"/>
+            <p:ph type="body" idx="1"/>
           </p:nvPr>
         </p:nvSpPr>
         <p:spPr>
@@ -8975,12 +9147,12 @@
           </a:prstGeom>
         </p:spPr>
         <p:txBody>
-          <a:bodyPr anchorCtr="0" anchor="t" bIns="91425" lIns="91425" spcFirstLastPara="1" rIns="91425" wrap="square" tIns="91425">
+          <a:bodyPr spcFirstLastPara="1" wrap="square" lIns="91425" tIns="91425" rIns="91425" bIns="91425" anchor="t" anchorCtr="0">
             <a:normAutofit/>
           </a:bodyPr>
           <a:lstStyle/>
           <a:p>
-            <a:pPr indent="0" lvl="0" marL="0" rtl="0" algn="l">
+            <a:pPr marL="0" lvl="0" indent="0" algn="l" rtl="0">
               <a:spcBef>
                 <a:spcPts val="0"/>
               </a:spcBef>
@@ -8996,7 +9168,7 @@
             <a:endParaRPr sz="2600"/>
           </a:p>
           <a:p>
-            <a:pPr indent="457200" lvl="0" marL="1828800" rtl="0" algn="l">
+            <a:pPr marL="1828800" lvl="0" indent="457200" algn="l" rtl="0">
               <a:spcBef>
                 <a:spcPts val="1200"/>
               </a:spcBef>
@@ -9012,7 +9184,7 @@
             <a:endParaRPr sz="2600"/>
           </a:p>
           <a:p>
-            <a:pPr indent="0" lvl="0" marL="1828800" rtl="0" algn="l">
+            <a:pPr marL="1828800" lvl="0" indent="0" algn="l" rtl="0">
               <a:spcBef>
                 <a:spcPts val="1200"/>
               </a:spcBef>
@@ -9028,7 +9200,7 @@
             <a:endParaRPr sz="2600"/>
           </a:p>
           <a:p>
-            <a:pPr indent="457200" lvl="0" marL="457200" rtl="0" algn="l">
+            <a:pPr marL="457200" lvl="0" indent="457200" algn="l" rtl="0">
               <a:spcBef>
                 <a:spcPts val="1200"/>
               </a:spcBef>
@@ -9037,9 +9209,6 @@
               </a:spcAft>
               <a:buNone/>
             </a:pPr>
-            <a:r>
-              <a:t/>
-            </a:r>
             <a:endParaRPr sz="2600"/>
           </a:p>
         </p:txBody>
@@ -9053,11 +9222,11 @@
 </file>
 
 <file path=ppt/slides/slide15.xml><?xml version="1.0" encoding="utf-8"?>
-<p:sld xmlns:a="http://schemas.openxmlformats.org/drawingml/2006/main" xmlns:r="http://schemas.openxmlformats.org/officeDocument/2006/relationships" xmlns:mc="http://schemas.openxmlformats.org/markup-compatibility/2006" xmlns:mv="urn:schemas-microsoft-com:mac:vml" xmlns:p="http://schemas.openxmlformats.org/presentationml/2006/main" xmlns:c="http://schemas.openxmlformats.org/drawingml/2006/chart" xmlns:dgm="http://schemas.openxmlformats.org/drawingml/2006/diagram" xmlns:o="urn:schemas-microsoft-com:office:office" xmlns:v="urn:schemas-microsoft-com:vml" xmlns:pvml="urn:schemas-microsoft-com:office:powerpoint" xmlns:com="http://schemas.openxmlformats.org/drawingml/2006/compatibility" xmlns:p14="http://schemas.microsoft.com/office/powerpoint/2010/main" xmlns:p15="http://schemas.microsoft.com/office/powerpoint/2012/main" xmlns:ahyp="http://schemas.microsoft.com/office/drawing/2018/hyperlinkcolor">
+<p:sld xmlns:a="http://schemas.openxmlformats.org/drawingml/2006/main" xmlns:r="http://schemas.openxmlformats.org/officeDocument/2006/relationships" xmlns:p="http://schemas.openxmlformats.org/presentationml/2006/main">
   <p:cSld>
     <p:spTree>
       <p:nvGrpSpPr>
-        <p:cNvPr id="147" name="Shape 147"/>
+        <p:cNvPr id="1" name="Shape 147"/>
         <p:cNvGrpSpPr/>
         <p:nvPr/>
       </p:nvGrpSpPr>
@@ -9072,7 +9241,9 @@
       <p:sp>
         <p:nvSpPr>
           <p:cNvPr id="148" name="Google Shape;148;p27"/>
-          <p:cNvSpPr txBox="1"/>
+          <p:cNvSpPr txBox="1">
+            <a:spLocks noGrp="1"/>
+          </p:cNvSpPr>
           <p:nvPr>
             <p:ph type="title"/>
           </p:nvPr>
@@ -9087,23 +9258,20 @@
           </a:prstGeom>
         </p:spPr>
         <p:txBody>
-          <a:bodyPr anchorCtr="0" anchor="b" bIns="91425" lIns="91425" spcFirstLastPara="1" rIns="91425" wrap="square" tIns="91425">
+          <a:bodyPr spcFirstLastPara="1" wrap="square" lIns="91425" tIns="91425" rIns="91425" bIns="91425" anchor="b" anchorCtr="0">
             <a:normAutofit/>
           </a:bodyPr>
           <a:lstStyle/>
           <a:p>
-            <a:pPr indent="0" lvl="0" marL="0" rtl="0" algn="l">
-              <a:spcBef>
-                <a:spcPts val="0"/>
-              </a:spcBef>
-              <a:spcAft>
-                <a:spcPts val="0"/>
-              </a:spcAft>
-              <a:buNone/>
-            </a:pPr>
-            <a:r>
-              <a:t/>
-            </a:r>
+            <a:pPr marL="0" lvl="0" indent="0" algn="l" rtl="0">
+              <a:spcBef>
+                <a:spcPts val="0"/>
+              </a:spcBef>
+              <a:spcAft>
+                <a:spcPts val="0"/>
+              </a:spcAft>
+              <a:buNone/>
+            </a:pPr>
             <a:endParaRPr/>
           </a:p>
         </p:txBody>
@@ -9111,9 +9279,11 @@
       <p:sp>
         <p:nvSpPr>
           <p:cNvPr id="149" name="Google Shape;149;p27"/>
-          <p:cNvSpPr txBox="1"/>
+          <p:cNvSpPr txBox="1">
+            <a:spLocks noGrp="1"/>
+          </p:cNvSpPr>
           <p:nvPr>
-            <p:ph idx="1" type="body"/>
+            <p:ph type="body" idx="1"/>
           </p:nvPr>
         </p:nvSpPr>
         <p:spPr>
@@ -9126,12 +9296,12 @@
           </a:prstGeom>
         </p:spPr>
         <p:txBody>
-          <a:bodyPr anchorCtr="0" anchor="t" bIns="91425" lIns="91425" spcFirstLastPara="1" rIns="91425" wrap="square" tIns="91425">
+          <a:bodyPr spcFirstLastPara="1" wrap="square" lIns="91425" tIns="91425" rIns="91425" bIns="91425" anchor="t" anchorCtr="0">
             <a:normAutofit/>
           </a:bodyPr>
           <a:lstStyle/>
           <a:p>
-            <a:pPr indent="0" lvl="0" marL="0" rtl="0" algn="l">
+            <a:pPr marL="0" lvl="0" indent="0" algn="l" rtl="0">
               <a:spcBef>
                 <a:spcPts val="0"/>
               </a:spcBef>
@@ -9140,9 +9310,6 @@
               </a:spcAft>
               <a:buNone/>
             </a:pPr>
-            <a:r>
-              <a:t/>
-            </a:r>
             <a:endParaRPr/>
           </a:p>
         </p:txBody>
@@ -9184,11 +9351,11 @@
 </file>
 
 <file path=ppt/slides/slide16.xml><?xml version="1.0" encoding="utf-8"?>
-<p:sld xmlns:a="http://schemas.openxmlformats.org/drawingml/2006/main" xmlns:r="http://schemas.openxmlformats.org/officeDocument/2006/relationships" xmlns:mc="http://schemas.openxmlformats.org/markup-compatibility/2006" xmlns:mv="urn:schemas-microsoft-com:mac:vml" xmlns:p="http://schemas.openxmlformats.org/presentationml/2006/main" xmlns:c="http://schemas.openxmlformats.org/drawingml/2006/chart" xmlns:dgm="http://schemas.openxmlformats.org/drawingml/2006/diagram" xmlns:o="urn:schemas-microsoft-com:office:office" xmlns:v="urn:schemas-microsoft-com:vml" xmlns:pvml="urn:schemas-microsoft-com:office:powerpoint" xmlns:com="http://schemas.openxmlformats.org/drawingml/2006/compatibility" xmlns:p14="http://schemas.microsoft.com/office/powerpoint/2010/main" xmlns:p15="http://schemas.microsoft.com/office/powerpoint/2012/main" xmlns:ahyp="http://schemas.microsoft.com/office/drawing/2018/hyperlinkcolor">
+<p:sld xmlns:a="http://schemas.openxmlformats.org/drawingml/2006/main" xmlns:r="http://schemas.openxmlformats.org/officeDocument/2006/relationships" xmlns:p="http://schemas.openxmlformats.org/presentationml/2006/main">
   <p:cSld>
     <p:spTree>
       <p:nvGrpSpPr>
-        <p:cNvPr id="154" name="Shape 154"/>
+        <p:cNvPr id="1" name="Shape 154"/>
         <p:cNvGrpSpPr/>
         <p:nvPr/>
       </p:nvGrpSpPr>
@@ -9203,7 +9370,9 @@
       <p:sp>
         <p:nvSpPr>
           <p:cNvPr id="155" name="Google Shape;155;p28"/>
-          <p:cNvSpPr txBox="1"/>
+          <p:cNvSpPr txBox="1">
+            <a:spLocks noGrp="1"/>
+          </p:cNvSpPr>
           <p:nvPr>
             <p:ph type="title"/>
           </p:nvPr>
@@ -9218,12 +9387,12 @@
           </a:prstGeom>
         </p:spPr>
         <p:txBody>
-          <a:bodyPr anchorCtr="0" anchor="b" bIns="91425" lIns="91425" spcFirstLastPara="1" rIns="91425" wrap="square" tIns="91425">
+          <a:bodyPr spcFirstLastPara="1" wrap="square" lIns="91425" tIns="91425" rIns="91425" bIns="91425" anchor="b" anchorCtr="0">
             <a:normAutofit/>
           </a:bodyPr>
           <a:lstStyle/>
           <a:p>
-            <a:pPr indent="0" lvl="0" marL="0" rtl="0" algn="l">
+            <a:pPr marL="0" lvl="0" indent="0" algn="l" rtl="0">
               <a:spcBef>
                 <a:spcPts val="0"/>
               </a:spcBef>
@@ -9243,9 +9412,11 @@
       <p:sp>
         <p:nvSpPr>
           <p:cNvPr id="156" name="Google Shape;156;p28"/>
-          <p:cNvSpPr txBox="1"/>
+          <p:cNvSpPr txBox="1">
+            <a:spLocks noGrp="1"/>
+          </p:cNvSpPr>
           <p:nvPr>
-            <p:ph idx="1" type="body"/>
+            <p:ph type="body" idx="1"/>
           </p:nvPr>
         </p:nvSpPr>
         <p:spPr>
@@ -9258,12 +9429,12 @@
           </a:prstGeom>
         </p:spPr>
         <p:txBody>
-          <a:bodyPr anchorCtr="0" anchor="t" bIns="91425" lIns="91425" spcFirstLastPara="1" rIns="91425" wrap="square" tIns="91425">
+          <a:bodyPr spcFirstLastPara="1" wrap="square" lIns="91425" tIns="91425" rIns="91425" bIns="91425" anchor="t" anchorCtr="0">
             <a:normAutofit fontScale="92500" lnSpcReduction="20000"/>
           </a:bodyPr>
           <a:lstStyle/>
           <a:p>
-            <a:pPr indent="0" lvl="0" marL="0" rtl="0" algn="l">
+            <a:pPr marL="0" lvl="0" indent="0" algn="l" rtl="0">
               <a:spcBef>
                 <a:spcPts val="0"/>
               </a:spcBef>
@@ -9274,16 +9445,12 @@
             </a:pPr>
             <a:r>
               <a:rPr lang="en-GB"/>
-              <a:t>&gt;</a:t>
+              <a:t>&gt;df &lt;- data.frame(x = 1:4, y = 5:8, z = 10:13)</a:t>
             </a:r>
-            <a:r>
-              <a:rPr lang="en-GB"/>
-              <a:t>df &lt;- data.frame(x = 1:4, y = 5:8, z = 10:13)</a:t>
-            </a:r>
-            <a:endParaRPr/>
-          </a:p>
-          <a:p>
-            <a:pPr indent="0" lvl="0" marL="914400" rtl="0" algn="l">
+            <a:endParaRPr/>
+          </a:p>
+          <a:p>
+            <a:pPr marL="914400" lvl="0" indent="0" algn="l" rtl="0">
               <a:spcBef>
                 <a:spcPts val="1200"/>
               </a:spcBef>
@@ -9299,7 +9466,7 @@
             <a:endParaRPr/>
           </a:p>
           <a:p>
-            <a:pPr indent="0" lvl="0" marL="914400" rtl="0" algn="l">
+            <a:pPr marL="914400" lvl="0" indent="0" algn="l" rtl="0">
               <a:spcBef>
                 <a:spcPts val="1200"/>
               </a:spcBef>
@@ -9315,7 +9482,7 @@
             <a:endParaRPr/>
           </a:p>
           <a:p>
-            <a:pPr indent="0" lvl="0" marL="914400" rtl="0" algn="l">
+            <a:pPr marL="914400" lvl="0" indent="0" algn="l" rtl="0">
               <a:spcBef>
                 <a:spcPts val="1200"/>
               </a:spcBef>
@@ -9331,7 +9498,7 @@
             <a:endParaRPr/>
           </a:p>
           <a:p>
-            <a:pPr indent="0" lvl="0" marL="914400" rtl="0" algn="l">
+            <a:pPr marL="914400" lvl="0" indent="0" algn="l" rtl="0">
               <a:spcBef>
                 <a:spcPts val="1200"/>
               </a:spcBef>
@@ -9347,7 +9514,7 @@
             <a:endParaRPr/>
           </a:p>
           <a:p>
-            <a:pPr indent="0" lvl="0" marL="914400" rtl="0" algn="l">
+            <a:pPr marL="914400" lvl="0" indent="0" algn="l" rtl="0">
               <a:spcBef>
                 <a:spcPts val="1200"/>
               </a:spcBef>
@@ -9363,7 +9530,7 @@
             <a:endParaRPr/>
           </a:p>
           <a:p>
-            <a:pPr indent="0" lvl="0" marL="0" rtl="0" algn="l">
+            <a:pPr marL="0" lvl="0" indent="0" algn="l" rtl="0">
               <a:spcBef>
                 <a:spcPts val="1200"/>
               </a:spcBef>
@@ -9379,7 +9546,7 @@
             <a:endParaRPr/>
           </a:p>
           <a:p>
-            <a:pPr indent="457200" lvl="0" marL="457200" rtl="0" algn="l">
+            <a:pPr marL="457200" lvl="0" indent="457200" algn="l" rtl="0">
               <a:spcBef>
                 <a:spcPts val="1200"/>
               </a:spcBef>
@@ -9395,7 +9562,7 @@
             <a:endParaRPr/>
           </a:p>
           <a:p>
-            <a:pPr indent="0" lvl="0" marL="0" rtl="0" algn="l">
+            <a:pPr marL="0" lvl="0" indent="0" algn="l" rtl="0">
               <a:spcBef>
                 <a:spcPts val="1200"/>
               </a:spcBef>
@@ -9421,11 +9588,11 @@
 </file>
 
 <file path=ppt/slides/slide17.xml><?xml version="1.0" encoding="utf-8"?>
-<p:sld xmlns:a="http://schemas.openxmlformats.org/drawingml/2006/main" xmlns:r="http://schemas.openxmlformats.org/officeDocument/2006/relationships" xmlns:mc="http://schemas.openxmlformats.org/markup-compatibility/2006" xmlns:mv="urn:schemas-microsoft-com:mac:vml" xmlns:p="http://schemas.openxmlformats.org/presentationml/2006/main" xmlns:c="http://schemas.openxmlformats.org/drawingml/2006/chart" xmlns:dgm="http://schemas.openxmlformats.org/drawingml/2006/diagram" xmlns:o="urn:schemas-microsoft-com:office:office" xmlns:v="urn:schemas-microsoft-com:vml" xmlns:pvml="urn:schemas-microsoft-com:office:powerpoint" xmlns:com="http://schemas.openxmlformats.org/drawingml/2006/compatibility" xmlns:p14="http://schemas.microsoft.com/office/powerpoint/2010/main" xmlns:p15="http://schemas.microsoft.com/office/powerpoint/2012/main" xmlns:ahyp="http://schemas.microsoft.com/office/drawing/2018/hyperlinkcolor">
+<p:sld xmlns:a="http://schemas.openxmlformats.org/drawingml/2006/main" xmlns:r="http://schemas.openxmlformats.org/officeDocument/2006/relationships" xmlns:p="http://schemas.openxmlformats.org/presentationml/2006/main">
   <p:cSld>
     <p:spTree>
       <p:nvGrpSpPr>
-        <p:cNvPr id="160" name="Shape 160"/>
+        <p:cNvPr id="1" name="Shape 160"/>
         <p:cNvGrpSpPr/>
         <p:nvPr/>
       </p:nvGrpSpPr>
@@ -9440,7 +9607,9 @@
       <p:sp>
         <p:nvSpPr>
           <p:cNvPr id="161" name="Google Shape;161;p29"/>
-          <p:cNvSpPr txBox="1"/>
+          <p:cNvSpPr txBox="1">
+            <a:spLocks noGrp="1"/>
+          </p:cNvSpPr>
           <p:nvPr>
             <p:ph type="title"/>
           </p:nvPr>
@@ -9455,12 +9624,12 @@
           </a:prstGeom>
         </p:spPr>
         <p:txBody>
-          <a:bodyPr anchorCtr="0" anchor="b" bIns="91425" lIns="91425" spcFirstLastPara="1" rIns="91425" wrap="square" tIns="91425">
+          <a:bodyPr spcFirstLastPara="1" wrap="square" lIns="91425" tIns="91425" rIns="91425" bIns="91425" anchor="b" anchorCtr="0">
             <a:normAutofit/>
           </a:bodyPr>
           <a:lstStyle/>
           <a:p>
-            <a:pPr indent="0" lvl="0" marL="0" rtl="0" algn="l">
+            <a:pPr marL="0" lvl="0" indent="0" algn="l" rtl="0">
               <a:spcBef>
                 <a:spcPts val="0"/>
               </a:spcBef>
@@ -9480,9 +9649,11 @@
       <p:sp>
         <p:nvSpPr>
           <p:cNvPr id="162" name="Google Shape;162;p29"/>
-          <p:cNvSpPr txBox="1"/>
+          <p:cNvSpPr txBox="1">
+            <a:spLocks noGrp="1"/>
+          </p:cNvSpPr>
           <p:nvPr>
-            <p:ph idx="1" type="body"/>
+            <p:ph type="body" idx="1"/>
           </p:nvPr>
         </p:nvSpPr>
         <p:spPr>
@@ -9495,12 +9666,12 @@
           </a:prstGeom>
         </p:spPr>
         <p:txBody>
-          <a:bodyPr anchorCtr="0" anchor="t" bIns="91425" lIns="91425" spcFirstLastPara="1" rIns="91425" wrap="square" tIns="91425">
+          <a:bodyPr spcFirstLastPara="1" wrap="square" lIns="91425" tIns="91425" rIns="91425" bIns="91425" anchor="t" anchorCtr="0">
             <a:normAutofit/>
           </a:bodyPr>
           <a:lstStyle/>
           <a:p>
-            <a:pPr indent="0" lvl="0" marL="0" rtl="0" algn="l">
+            <a:pPr marL="0" lvl="0" indent="0" algn="l" rtl="0">
               <a:spcBef>
                 <a:spcPts val="0"/>
               </a:spcBef>
@@ -9511,16 +9682,12 @@
             </a:pPr>
             <a:r>
               <a:rPr lang="en-GB"/>
-              <a:t>&gt;apply(df, 2, sum) ##apply function over </a:t>
+              <a:t>&gt;apply(df, 2, sum) ##apply function over columns</a:t>
             </a:r>
-            <a:r>
-              <a:rPr lang="en-GB"/>
-              <a:t>columns</a:t>
-            </a:r>
-            <a:endParaRPr/>
-          </a:p>
-          <a:p>
-            <a:pPr indent="0" lvl="0" marL="914400" rtl="0" algn="l">
+            <a:endParaRPr/>
+          </a:p>
+          <a:p>
+            <a:pPr marL="914400" lvl="0" indent="0" algn="l" rtl="0">
               <a:spcBef>
                 <a:spcPts val="1200"/>
               </a:spcBef>
@@ -9536,7 +9703,7 @@
             <a:endParaRPr/>
           </a:p>
           <a:p>
-            <a:pPr indent="0" lvl="0" marL="914400" rtl="0" algn="l">
+            <a:pPr marL="914400" lvl="0" indent="0" algn="l" rtl="0">
               <a:spcBef>
                 <a:spcPts val="1200"/>
               </a:spcBef>
@@ -9552,7 +9719,7 @@
             <a:endParaRPr/>
           </a:p>
           <a:p>
-            <a:pPr indent="0" lvl="0" marL="0" rtl="0" algn="l">
+            <a:pPr marL="0" lvl="0" indent="0" algn="l" rtl="0">
               <a:spcBef>
                 <a:spcPts val="1200"/>
               </a:spcBef>
@@ -9568,7 +9735,7 @@
             <a:endParaRPr/>
           </a:p>
           <a:p>
-            <a:pPr indent="0" lvl="0" marL="0" rtl="0" algn="l">
+            <a:pPr marL="0" lvl="0" indent="0" algn="l" rtl="0">
               <a:spcBef>
                 <a:spcPts val="1200"/>
               </a:spcBef>
@@ -9584,7 +9751,7 @@
             <a:endParaRPr/>
           </a:p>
           <a:p>
-            <a:pPr indent="0" lvl="0" marL="914400" rtl="0" algn="l">
+            <a:pPr marL="914400" lvl="0" indent="0" algn="l" rtl="0">
               <a:spcBef>
                 <a:spcPts val="1200"/>
               </a:spcBef>
@@ -9600,7 +9767,7 @@
             <a:endParaRPr/>
           </a:p>
           <a:p>
-            <a:pPr indent="0" lvl="0" marL="914400" rtl="0" algn="l">
+            <a:pPr marL="914400" lvl="0" indent="0" algn="l" rtl="0">
               <a:spcBef>
                 <a:spcPts val="1200"/>
               </a:spcBef>
@@ -9626,11 +9793,11 @@
 </file>
 
 <file path=ppt/slides/slide18.xml><?xml version="1.0" encoding="utf-8"?>
-<p:sld xmlns:a="http://schemas.openxmlformats.org/drawingml/2006/main" xmlns:r="http://schemas.openxmlformats.org/officeDocument/2006/relationships" xmlns:mc="http://schemas.openxmlformats.org/markup-compatibility/2006" xmlns:mv="urn:schemas-microsoft-com:mac:vml" xmlns:p="http://schemas.openxmlformats.org/presentationml/2006/main" xmlns:c="http://schemas.openxmlformats.org/drawingml/2006/chart" xmlns:dgm="http://schemas.openxmlformats.org/drawingml/2006/diagram" xmlns:o="urn:schemas-microsoft-com:office:office" xmlns:v="urn:schemas-microsoft-com:vml" xmlns:pvml="urn:schemas-microsoft-com:office:powerpoint" xmlns:com="http://schemas.openxmlformats.org/drawingml/2006/compatibility" xmlns:p14="http://schemas.microsoft.com/office/powerpoint/2010/main" xmlns:p15="http://schemas.microsoft.com/office/powerpoint/2012/main" xmlns:ahyp="http://schemas.microsoft.com/office/drawing/2018/hyperlinkcolor">
+<p:sld xmlns:a="http://schemas.openxmlformats.org/drawingml/2006/main" xmlns:r="http://schemas.openxmlformats.org/officeDocument/2006/relationships" xmlns:p="http://schemas.openxmlformats.org/presentationml/2006/main">
   <p:cSld>
     <p:spTree>
       <p:nvGrpSpPr>
-        <p:cNvPr id="166" name="Shape 166"/>
+        <p:cNvPr id="1" name="Shape 166"/>
         <p:cNvGrpSpPr/>
         <p:nvPr/>
       </p:nvGrpSpPr>
@@ -9645,7 +9812,9 @@
       <p:sp>
         <p:nvSpPr>
           <p:cNvPr id="167" name="Google Shape;167;p30"/>
-          <p:cNvSpPr txBox="1"/>
+          <p:cNvSpPr txBox="1">
+            <a:spLocks noGrp="1"/>
+          </p:cNvSpPr>
           <p:nvPr>
             <p:ph type="title"/>
           </p:nvPr>
@@ -9660,12 +9829,12 @@
           </a:prstGeom>
         </p:spPr>
         <p:txBody>
-          <a:bodyPr anchorCtr="0" anchor="b" bIns="91425" lIns="91425" spcFirstLastPara="1" rIns="91425" wrap="square" tIns="91425">
+          <a:bodyPr spcFirstLastPara="1" wrap="square" lIns="91425" tIns="91425" rIns="91425" bIns="91425" anchor="b" anchorCtr="0">
             <a:normAutofit/>
           </a:bodyPr>
           <a:lstStyle/>
           <a:p>
-            <a:pPr indent="0" lvl="0" marL="0" rtl="0" algn="l">
+            <a:pPr marL="0" lvl="0" indent="0" algn="l" rtl="0">
               <a:spcBef>
                 <a:spcPts val="0"/>
               </a:spcBef>
@@ -9676,15 +9845,7 @@
             </a:pPr>
             <a:r>
               <a:rPr lang="en-GB"/>
-              <a:t>apply() on </a:t>
-            </a:r>
-            <a:r>
-              <a:rPr lang="en-GB"/>
-              <a:t>custom</a:t>
-            </a:r>
-            <a:r>
-              <a:rPr lang="en-GB"/>
-              <a:t> functions	</a:t>
+              <a:t>apply() on custom functions	</a:t>
             </a:r>
             <a:endParaRPr/>
           </a:p>
@@ -9693,9 +9854,11 @@
       <p:sp>
         <p:nvSpPr>
           <p:cNvPr id="168" name="Google Shape;168;p30"/>
-          <p:cNvSpPr txBox="1"/>
+          <p:cNvSpPr txBox="1">
+            <a:spLocks noGrp="1"/>
+          </p:cNvSpPr>
           <p:nvPr>
-            <p:ph idx="1" type="body"/>
+            <p:ph type="body" idx="1"/>
           </p:nvPr>
         </p:nvSpPr>
         <p:spPr>
@@ -9708,12 +9871,12 @@
           </a:prstGeom>
         </p:spPr>
         <p:txBody>
-          <a:bodyPr anchorCtr="0" anchor="t" bIns="91425" lIns="91425" spcFirstLastPara="1" rIns="91425" wrap="square" tIns="91425">
+          <a:bodyPr spcFirstLastPara="1" wrap="square" lIns="91425" tIns="91425" rIns="91425" bIns="91425" anchor="t" anchorCtr="0">
             <a:normAutofit lnSpcReduction="20000"/>
           </a:bodyPr>
           <a:lstStyle/>
           <a:p>
-            <a:pPr indent="0" lvl="0" marL="0" rtl="0" algn="l">
+            <a:pPr marL="0" lvl="0" indent="0" algn="l" rtl="0">
               <a:spcBef>
                 <a:spcPts val="0"/>
               </a:spcBef>
@@ -9729,7 +9892,7 @@
             <a:endParaRPr/>
           </a:p>
           <a:p>
-            <a:pPr indent="0" lvl="0" marL="0" rtl="0" algn="l">
+            <a:pPr marL="0" lvl="0" indent="0" algn="l" rtl="0">
               <a:spcBef>
                 <a:spcPts val="1200"/>
               </a:spcBef>
@@ -9745,7 +9908,7 @@
             <a:endParaRPr/>
           </a:p>
           <a:p>
-            <a:pPr indent="0" lvl="0" marL="0" rtl="0" algn="l">
+            <a:pPr marL="0" lvl="0" indent="0" algn="l" rtl="0">
               <a:spcBef>
                 <a:spcPts val="1200"/>
               </a:spcBef>
@@ -9761,7 +9924,7 @@
             <a:endParaRPr/>
           </a:p>
           <a:p>
-            <a:pPr indent="0" lvl="0" marL="0" rtl="0" algn="l">
+            <a:pPr marL="0" lvl="0" indent="0" algn="l" rtl="0">
               <a:spcBef>
                 <a:spcPts val="1200"/>
               </a:spcBef>
@@ -9777,7 +9940,7 @@
             <a:endParaRPr/>
           </a:p>
           <a:p>
-            <a:pPr indent="0" lvl="0" marL="0" rtl="0" algn="l">
+            <a:pPr marL="0" lvl="0" indent="0" algn="l" rtl="0">
               <a:spcBef>
                 <a:spcPts val="1200"/>
               </a:spcBef>
@@ -9793,7 +9956,7 @@
             <a:endParaRPr/>
           </a:p>
           <a:p>
-            <a:pPr indent="0" lvl="0" marL="0" rtl="0" algn="l">
+            <a:pPr marL="0" lvl="0" indent="0" algn="l" rtl="0">
               <a:spcBef>
                 <a:spcPts val="1200"/>
               </a:spcBef>
@@ -9809,7 +9972,7 @@
             <a:endParaRPr/>
           </a:p>
           <a:p>
-            <a:pPr indent="0" lvl="0" marL="0" rtl="0" algn="l">
+            <a:pPr marL="0" lvl="0" indent="0" algn="l" rtl="0">
               <a:spcBef>
                 <a:spcPts val="1200"/>
               </a:spcBef>
@@ -9835,11 +9998,11 @@
 </file>
 
 <file path=ppt/slides/slide19.xml><?xml version="1.0" encoding="utf-8"?>
-<p:sld xmlns:a="http://schemas.openxmlformats.org/drawingml/2006/main" xmlns:r="http://schemas.openxmlformats.org/officeDocument/2006/relationships" xmlns:mc="http://schemas.openxmlformats.org/markup-compatibility/2006" xmlns:mv="urn:schemas-microsoft-com:mac:vml" xmlns:p="http://schemas.openxmlformats.org/presentationml/2006/main" xmlns:c="http://schemas.openxmlformats.org/drawingml/2006/chart" xmlns:dgm="http://schemas.openxmlformats.org/drawingml/2006/diagram" xmlns:o="urn:schemas-microsoft-com:office:office" xmlns:v="urn:schemas-microsoft-com:vml" xmlns:pvml="urn:schemas-microsoft-com:office:powerpoint" xmlns:com="http://schemas.openxmlformats.org/drawingml/2006/compatibility" xmlns:p14="http://schemas.microsoft.com/office/powerpoint/2010/main" xmlns:p15="http://schemas.microsoft.com/office/powerpoint/2012/main" xmlns:ahyp="http://schemas.microsoft.com/office/drawing/2018/hyperlinkcolor">
+<p:sld xmlns:a="http://schemas.openxmlformats.org/drawingml/2006/main" xmlns:r="http://schemas.openxmlformats.org/officeDocument/2006/relationships" xmlns:p="http://schemas.openxmlformats.org/presentationml/2006/main">
   <p:cSld>
     <p:spTree>
       <p:nvGrpSpPr>
-        <p:cNvPr id="172" name="Shape 172"/>
+        <p:cNvPr id="1" name="Shape 172"/>
         <p:cNvGrpSpPr/>
         <p:nvPr/>
       </p:nvGrpSpPr>
@@ -9854,7 +10017,9 @@
       <p:sp>
         <p:nvSpPr>
           <p:cNvPr id="173" name="Google Shape;173;p31"/>
-          <p:cNvSpPr txBox="1"/>
+          <p:cNvSpPr txBox="1">
+            <a:spLocks noGrp="1"/>
+          </p:cNvSpPr>
           <p:nvPr>
             <p:ph type="title"/>
           </p:nvPr>
@@ -9869,12 +10034,12 @@
           </a:prstGeom>
         </p:spPr>
         <p:txBody>
-          <a:bodyPr anchorCtr="0" anchor="b" bIns="91425" lIns="91425" spcFirstLastPara="1" rIns="91425" wrap="square" tIns="91425">
+          <a:bodyPr spcFirstLastPara="1" wrap="square" lIns="91425" tIns="91425" rIns="91425" bIns="91425" anchor="b" anchorCtr="0">
             <a:normAutofit/>
           </a:bodyPr>
           <a:lstStyle/>
           <a:p>
-            <a:pPr indent="0" lvl="0" marL="0" rtl="0" algn="l">
+            <a:pPr marL="0" lvl="0" indent="0" algn="l" rtl="0">
               <a:spcBef>
                 <a:spcPts val="0"/>
               </a:spcBef>
@@ -9894,9 +10059,11 @@
       <p:sp>
         <p:nvSpPr>
           <p:cNvPr id="174" name="Google Shape;174;p31"/>
-          <p:cNvSpPr txBox="1"/>
+          <p:cNvSpPr txBox="1">
+            <a:spLocks noGrp="1"/>
+          </p:cNvSpPr>
           <p:nvPr>
-            <p:ph idx="1" type="body"/>
+            <p:ph type="body" idx="1"/>
           </p:nvPr>
         </p:nvSpPr>
         <p:spPr>
@@ -9909,12 +10076,12 @@
           </a:prstGeom>
         </p:spPr>
         <p:txBody>
-          <a:bodyPr anchorCtr="0" anchor="t" bIns="91425" lIns="91425" spcFirstLastPara="1" rIns="91425" wrap="square" tIns="91425">
+          <a:bodyPr spcFirstLastPara="1" wrap="square" lIns="91425" tIns="91425" rIns="91425" bIns="91425" anchor="t" anchorCtr="0">
             <a:normAutofit/>
           </a:bodyPr>
           <a:lstStyle/>
           <a:p>
-            <a:pPr indent="0" lvl="0" marL="0" rtl="0" algn="l">
+            <a:pPr marL="0" lvl="0" indent="0" algn="l" rtl="0">
               <a:spcBef>
                 <a:spcPts val="0"/>
               </a:spcBef>
@@ -9924,13 +10091,21 @@
               <a:buNone/>
             </a:pPr>
             <a:r>
-              <a:rPr lang="en-GB"/>
-              <a:t>Download the Script file for the workshop here</a:t>
+              <a:rPr lang="en-GB" dirty="0"/>
+              <a:t>Download the script file for the workshop </a:t>
             </a:r>
-            <a:endParaRPr/>
-          </a:p>
-          <a:p>
-            <a:pPr indent="0" lvl="0" marL="0" rtl="0" algn="l">
+            <a:r>
+              <a:rPr lang="en-MY" dirty="0"/>
+              <a:t>from </a:t>
+            </a:r>
+            <a:r>
+              <a:rPr lang="en-MY"/>
+              <a:t>github</a:t>
+            </a:r>
+            <a:endParaRPr dirty="0"/>
+          </a:p>
+          <a:p>
+            <a:pPr marL="0" lvl="0" indent="0" algn="l" rtl="0">
               <a:spcBef>
                 <a:spcPts val="1200"/>
               </a:spcBef>
@@ -9939,10 +10114,7 @@
               </a:spcAft>
               <a:buNone/>
             </a:pPr>
-            <a:r>
-              <a:t/>
-            </a:r>
-            <a:endParaRPr/>
+            <a:endParaRPr dirty="0"/>
           </a:p>
         </p:txBody>
       </p:sp>
@@ -9955,18 +10127,19 @@
 </file>
 
 <file path=ppt/slides/slide2.xml><?xml version="1.0" encoding="utf-8"?>
-<p:sld xmlns:a="http://schemas.openxmlformats.org/drawingml/2006/main" xmlns:r="http://schemas.openxmlformats.org/officeDocument/2006/relationships" xmlns:mc="http://schemas.openxmlformats.org/markup-compatibility/2006" xmlns:mv="urn:schemas-microsoft-com:mac:vml" xmlns:p="http://schemas.openxmlformats.org/presentationml/2006/main" xmlns:c="http://schemas.openxmlformats.org/drawingml/2006/chart" xmlns:dgm="http://schemas.openxmlformats.org/drawingml/2006/diagram" xmlns:o="urn:schemas-microsoft-com:office:office" xmlns:v="urn:schemas-microsoft-com:vml" xmlns:pvml="urn:schemas-microsoft-com:office:powerpoint" xmlns:com="http://schemas.openxmlformats.org/drawingml/2006/compatibility" xmlns:p14="http://schemas.microsoft.com/office/powerpoint/2010/main" xmlns:p15="http://schemas.microsoft.com/office/powerpoint/2012/main" xmlns:ahyp="http://schemas.microsoft.com/office/drawing/2018/hyperlinkcolor">
+<p:sld xmlns:a="http://schemas.openxmlformats.org/drawingml/2006/main" xmlns:r="http://schemas.openxmlformats.org/officeDocument/2006/relationships" xmlns:p="http://schemas.openxmlformats.org/presentationml/2006/main">
   <p:cSld>
     <p:bg>
       <p:bgPr>
         <a:solidFill>
           <a:schemeClr val="dk2"/>
         </a:solidFill>
+        <a:effectLst/>
       </p:bgPr>
     </p:bg>
     <p:spTree>
       <p:nvGrpSpPr>
-        <p:cNvPr id="68" name="Shape 68"/>
+        <p:cNvPr id="1" name="Shape 68"/>
         <p:cNvGrpSpPr/>
         <p:nvPr/>
       </p:nvGrpSpPr>
@@ -9981,7 +10154,9 @@
       <p:sp>
         <p:nvSpPr>
           <p:cNvPr id="69" name="Google Shape;69;p14"/>
-          <p:cNvSpPr txBox="1"/>
+          <p:cNvSpPr txBox="1">
+            <a:spLocks noGrp="1"/>
+          </p:cNvSpPr>
           <p:nvPr>
             <p:ph type="title"/>
           </p:nvPr>
@@ -9996,12 +10171,12 @@
           </a:prstGeom>
         </p:spPr>
         <p:txBody>
-          <a:bodyPr anchorCtr="0" anchor="b" bIns="91425" lIns="91425" spcFirstLastPara="1" rIns="91425" wrap="square" tIns="91425">
+          <a:bodyPr spcFirstLastPara="1" wrap="square" lIns="91425" tIns="91425" rIns="91425" bIns="91425" anchor="b" anchorCtr="0">
             <a:normAutofit/>
           </a:bodyPr>
           <a:lstStyle/>
           <a:p>
-            <a:pPr indent="0" lvl="0" marL="0" rtl="0" algn="l">
+            <a:pPr marL="0" lvl="0" indent="0" algn="l" rtl="0">
               <a:spcBef>
                 <a:spcPts val="0"/>
               </a:spcBef>
@@ -10026,9 +10201,11 @@
       <p:sp>
         <p:nvSpPr>
           <p:cNvPr id="70" name="Google Shape;70;p14"/>
-          <p:cNvSpPr txBox="1"/>
+          <p:cNvSpPr txBox="1">
+            <a:spLocks noGrp="1"/>
+          </p:cNvSpPr>
           <p:nvPr>
-            <p:ph idx="1" type="body"/>
+            <p:ph type="body" idx="1"/>
           </p:nvPr>
         </p:nvSpPr>
         <p:spPr>
@@ -10041,24 +10218,85 @@
           </a:prstGeom>
         </p:spPr>
         <p:txBody>
-          <a:bodyPr anchorCtr="0" anchor="t" bIns="91425" lIns="91425" spcFirstLastPara="1" rIns="91425" wrap="square" tIns="91425">
+          <a:bodyPr spcFirstLastPara="1" wrap="square" lIns="91425" tIns="91425" rIns="91425" bIns="91425" anchor="t" anchorCtr="0">
             <a:normAutofit/>
           </a:bodyPr>
           <a:lstStyle/>
           <a:p>
-            <a:pPr indent="0" lvl="0" marL="0" rtl="0" algn="l">
-              <a:spcBef>
-                <a:spcPts val="0"/>
-              </a:spcBef>
+            <a:pPr marL="285750" indent="-285750">
               <a:spcAft>
                 <a:spcPts val="1200"/>
               </a:spcAft>
-              <a:buNone/>
             </a:pPr>
             <a:r>
-              <a:t/>
+              <a:rPr lang="en-MY" dirty="0"/>
+              <a:t>Understand the concepts of pipe operator (%&gt;%): the why and when to use them</a:t>
             </a:r>
-            <a:endParaRPr/>
+          </a:p>
+          <a:p>
+            <a:pPr marL="285750" indent="-285750">
+              <a:spcAft>
+                <a:spcPts val="1200"/>
+              </a:spcAft>
+            </a:pPr>
+            <a:r>
+              <a:rPr lang="en-MY" dirty="0"/>
+              <a:t>The concepts of using for loops: the why and when to use them </a:t>
+            </a:r>
+          </a:p>
+          <a:p>
+            <a:pPr marL="285750" indent="-285750">
+              <a:spcAft>
+                <a:spcPts val="1200"/>
+              </a:spcAft>
+            </a:pPr>
+            <a:r>
+              <a:rPr lang="en-MY" dirty="0"/>
+              <a:t>Basic concepts of Apply</a:t>
+            </a:r>
+          </a:p>
+          <a:p>
+            <a:pPr marL="285750" indent="-285750">
+              <a:spcAft>
+                <a:spcPts val="1200"/>
+              </a:spcAft>
+            </a:pPr>
+            <a:r>
+              <a:rPr lang="en-MY" dirty="0"/>
+              <a:t>Some real world exercise on gene expression and data processing pipeline</a:t>
+            </a:r>
+          </a:p>
+          <a:p>
+            <a:pPr marL="285750" indent="-285750">
+              <a:spcAft>
+                <a:spcPts val="1200"/>
+              </a:spcAft>
+            </a:pPr>
+            <a:endParaRPr lang="en-MY" dirty="0"/>
+          </a:p>
+          <a:p>
+            <a:pPr marL="285750" indent="-285750">
+              <a:spcAft>
+                <a:spcPts val="1200"/>
+              </a:spcAft>
+            </a:pPr>
+            <a:endParaRPr lang="en-MY" dirty="0"/>
+          </a:p>
+          <a:p>
+            <a:pPr marL="285750" indent="-285750">
+              <a:spcAft>
+                <a:spcPts val="1200"/>
+              </a:spcAft>
+            </a:pPr>
+            <a:endParaRPr lang="en-MY" dirty="0"/>
+          </a:p>
+          <a:p>
+            <a:pPr marL="285750" indent="-285750">
+              <a:spcAft>
+                <a:spcPts val="1200"/>
+              </a:spcAft>
+            </a:pPr>
+            <a:endParaRPr dirty="0"/>
           </a:p>
         </p:txBody>
       </p:sp>
@@ -10071,18 +10309,19 @@
 </file>
 
 <file path=ppt/slides/slide3.xml><?xml version="1.0" encoding="utf-8"?>
-<p:sld xmlns:a="http://schemas.openxmlformats.org/drawingml/2006/main" xmlns:r="http://schemas.openxmlformats.org/officeDocument/2006/relationships" xmlns:mc="http://schemas.openxmlformats.org/markup-compatibility/2006" xmlns:mv="urn:schemas-microsoft-com:mac:vml" xmlns:p="http://schemas.openxmlformats.org/presentationml/2006/main" xmlns:c="http://schemas.openxmlformats.org/drawingml/2006/chart" xmlns:dgm="http://schemas.openxmlformats.org/drawingml/2006/diagram" xmlns:o="urn:schemas-microsoft-com:office:office" xmlns:v="urn:schemas-microsoft-com:vml" xmlns:pvml="urn:schemas-microsoft-com:office:powerpoint" xmlns:com="http://schemas.openxmlformats.org/drawingml/2006/compatibility" xmlns:p14="http://schemas.microsoft.com/office/powerpoint/2010/main" xmlns:p15="http://schemas.microsoft.com/office/powerpoint/2012/main" xmlns:ahyp="http://schemas.microsoft.com/office/drawing/2018/hyperlinkcolor">
+<p:sld xmlns:a="http://schemas.openxmlformats.org/drawingml/2006/main" xmlns:r="http://schemas.openxmlformats.org/officeDocument/2006/relationships" xmlns:p="http://schemas.openxmlformats.org/presentationml/2006/main">
   <p:cSld>
     <p:bg>
       <p:bgPr>
         <a:solidFill>
           <a:schemeClr val="dk2"/>
         </a:solidFill>
+        <a:effectLst/>
       </p:bgPr>
     </p:bg>
     <p:spTree>
       <p:nvGrpSpPr>
-        <p:cNvPr id="74" name="Shape 74"/>
+        <p:cNvPr id="1" name="Shape 74"/>
         <p:cNvGrpSpPr/>
         <p:nvPr/>
       </p:nvGrpSpPr>
@@ -10097,7 +10336,9 @@
       <p:sp>
         <p:nvSpPr>
           <p:cNvPr id="75" name="Google Shape;75;p15"/>
-          <p:cNvSpPr txBox="1"/>
+          <p:cNvSpPr txBox="1">
+            <a:spLocks noGrp="1"/>
+          </p:cNvSpPr>
           <p:nvPr>
             <p:ph type="title"/>
           </p:nvPr>
@@ -10112,12 +10353,12 @@
           </a:prstGeom>
         </p:spPr>
         <p:txBody>
-          <a:bodyPr anchorCtr="0" anchor="b" bIns="91425" lIns="91425" spcFirstLastPara="1" rIns="91425" wrap="square" tIns="91425">
+          <a:bodyPr spcFirstLastPara="1" wrap="square" lIns="91425" tIns="91425" rIns="91425" bIns="91425" anchor="b" anchorCtr="0">
             <a:normAutofit/>
           </a:bodyPr>
           <a:lstStyle/>
           <a:p>
-            <a:pPr indent="0" lvl="0" marL="0" rtl="0" algn="l">
+            <a:pPr marL="0" lvl="0" indent="0" algn="l" rtl="0">
               <a:spcBef>
                 <a:spcPts val="0"/>
               </a:spcBef>
@@ -10137,9 +10378,11 @@
       <p:sp>
         <p:nvSpPr>
           <p:cNvPr id="76" name="Google Shape;76;p15"/>
-          <p:cNvSpPr txBox="1"/>
+          <p:cNvSpPr txBox="1">
+            <a:spLocks noGrp="1"/>
+          </p:cNvSpPr>
           <p:nvPr>
-            <p:ph idx="1" type="body"/>
+            <p:ph type="body" idx="1"/>
           </p:nvPr>
         </p:nvSpPr>
         <p:spPr>
@@ -10152,12 +10395,12 @@
           </a:prstGeom>
         </p:spPr>
         <p:txBody>
-          <a:bodyPr anchorCtr="0" anchor="t" bIns="91425" lIns="91425" spcFirstLastPara="1" rIns="91425" wrap="square" tIns="91425">
+          <a:bodyPr spcFirstLastPara="1" wrap="square" lIns="91425" tIns="91425" rIns="91425" bIns="91425" anchor="t" anchorCtr="0">
             <a:normAutofit lnSpcReduction="10000"/>
           </a:bodyPr>
           <a:lstStyle/>
           <a:p>
-            <a:pPr indent="0" lvl="0" marL="0" rtl="0" algn="l">
+            <a:pPr marL="0" lvl="0" indent="0" algn="l" rtl="0">
               <a:spcBef>
                 <a:spcPts val="0"/>
               </a:spcBef>
@@ -10173,7 +10416,7 @@
             <a:endParaRPr/>
           </a:p>
           <a:p>
-            <a:pPr indent="0" lvl="0" marL="0" rtl="0" algn="l">
+            <a:pPr marL="0" lvl="0" indent="0" algn="l" rtl="0">
               <a:spcBef>
                 <a:spcPts val="1200"/>
               </a:spcBef>
@@ -10189,7 +10432,7 @@
             <a:endParaRPr/>
           </a:p>
           <a:p>
-            <a:pPr indent="0" lvl="0" marL="0" rtl="0" algn="l">
+            <a:pPr marL="0" lvl="0" indent="0" algn="l" rtl="0">
               <a:spcBef>
                 <a:spcPts val="1200"/>
               </a:spcBef>
@@ -10198,13 +10441,10 @@
               </a:spcAft>
               <a:buNone/>
             </a:pPr>
-            <a:r>
-              <a:t/>
-            </a:r>
-            <a:endParaRPr/>
-          </a:p>
-          <a:p>
-            <a:pPr indent="0" lvl="0" marL="0" rtl="0" algn="l">
+            <a:endParaRPr/>
+          </a:p>
+          <a:p>
+            <a:pPr marL="0" lvl="0" indent="0" algn="l" rtl="0">
               <a:spcBef>
                 <a:spcPts val="1200"/>
               </a:spcBef>
@@ -10220,7 +10460,7 @@
             <a:endParaRPr/>
           </a:p>
           <a:p>
-            <a:pPr indent="0" lvl="0" marL="0" rtl="0" algn="l">
+            <a:pPr marL="0" lvl="0" indent="0" algn="l" rtl="0">
               <a:spcBef>
                 <a:spcPts val="1200"/>
               </a:spcBef>
@@ -10236,7 +10476,7 @@
             <a:endParaRPr/>
           </a:p>
           <a:p>
-            <a:pPr indent="0" lvl="0" marL="0" rtl="0" algn="l">
+            <a:pPr marL="0" lvl="0" indent="0" algn="l" rtl="0">
               <a:spcBef>
                 <a:spcPts val="1200"/>
               </a:spcBef>
@@ -10290,11 +10530,11 @@
 </file>
 
 <file path=ppt/slides/slide4.xml><?xml version="1.0" encoding="utf-8"?>
-<p:sld xmlns:a="http://schemas.openxmlformats.org/drawingml/2006/main" xmlns:r="http://schemas.openxmlformats.org/officeDocument/2006/relationships" xmlns:mc="http://schemas.openxmlformats.org/markup-compatibility/2006" xmlns:mv="urn:schemas-microsoft-com:mac:vml" xmlns:p="http://schemas.openxmlformats.org/presentationml/2006/main" xmlns:c="http://schemas.openxmlformats.org/drawingml/2006/chart" xmlns:dgm="http://schemas.openxmlformats.org/drawingml/2006/diagram" xmlns:o="urn:schemas-microsoft-com:office:office" xmlns:v="urn:schemas-microsoft-com:vml" xmlns:pvml="urn:schemas-microsoft-com:office:powerpoint" xmlns:com="http://schemas.openxmlformats.org/drawingml/2006/compatibility" xmlns:p14="http://schemas.microsoft.com/office/powerpoint/2010/main" xmlns:p15="http://schemas.microsoft.com/office/powerpoint/2012/main" xmlns:ahyp="http://schemas.microsoft.com/office/drawing/2018/hyperlinkcolor">
+<p:sld xmlns:a="http://schemas.openxmlformats.org/drawingml/2006/main" xmlns:r="http://schemas.openxmlformats.org/officeDocument/2006/relationships" xmlns:p="http://schemas.openxmlformats.org/presentationml/2006/main">
   <p:cSld>
     <p:spTree>
       <p:nvGrpSpPr>
-        <p:cNvPr id="81" name="Shape 81"/>
+        <p:cNvPr id="1" name="Shape 81"/>
         <p:cNvGrpSpPr/>
         <p:nvPr/>
       </p:nvGrpSpPr>
@@ -10309,7 +10549,9 @@
       <p:sp>
         <p:nvSpPr>
           <p:cNvPr id="82" name="Google Shape;82;p16"/>
-          <p:cNvSpPr txBox="1"/>
+          <p:cNvSpPr txBox="1">
+            <a:spLocks noGrp="1"/>
+          </p:cNvSpPr>
           <p:nvPr>
             <p:ph type="title"/>
           </p:nvPr>
@@ -10324,12 +10566,12 @@
           </a:prstGeom>
         </p:spPr>
         <p:txBody>
-          <a:bodyPr anchorCtr="0" anchor="b" bIns="91425" lIns="91425" spcFirstLastPara="1" rIns="91425" wrap="square" tIns="91425">
+          <a:bodyPr spcFirstLastPara="1" wrap="square" lIns="91425" tIns="91425" rIns="91425" bIns="91425" anchor="b" anchorCtr="0">
             <a:normAutofit/>
           </a:bodyPr>
           <a:lstStyle/>
           <a:p>
-            <a:pPr indent="0" lvl="0" marL="0" rtl="0" algn="l">
+            <a:pPr marL="0" lvl="0" indent="0" algn="l" rtl="0">
               <a:spcBef>
                 <a:spcPts val="0"/>
               </a:spcBef>
@@ -10349,9 +10591,11 @@
       <p:sp>
         <p:nvSpPr>
           <p:cNvPr id="83" name="Google Shape;83;p16"/>
-          <p:cNvSpPr txBox="1"/>
+          <p:cNvSpPr txBox="1">
+            <a:spLocks noGrp="1"/>
+          </p:cNvSpPr>
           <p:nvPr>
-            <p:ph idx="1" type="body"/>
+            <p:ph type="body" idx="1"/>
           </p:nvPr>
         </p:nvSpPr>
         <p:spPr>
@@ -10364,12 +10608,12 @@
           </a:prstGeom>
         </p:spPr>
         <p:txBody>
-          <a:bodyPr anchorCtr="0" anchor="t" bIns="91425" lIns="91425" spcFirstLastPara="1" rIns="91425" wrap="square" tIns="91425">
+          <a:bodyPr spcFirstLastPara="1" wrap="square" lIns="91425" tIns="91425" rIns="91425" bIns="91425" anchor="t" anchorCtr="0">
             <a:normAutofit/>
           </a:bodyPr>
           <a:lstStyle/>
           <a:p>
-            <a:pPr indent="-361950" lvl="0" marL="457200" rtl="0" algn="l">
+            <a:pPr marL="457200" lvl="0" indent="-361950" algn="l" rtl="0">
               <a:spcBef>
                 <a:spcPts val="0"/>
               </a:spcBef>
@@ -10386,7 +10630,7 @@
             <a:endParaRPr sz="2100"/>
           </a:p>
           <a:p>
-            <a:pPr indent="-361950" lvl="0" marL="457200" rtl="0" algn="l">
+            <a:pPr marL="457200" lvl="0" indent="-361950" algn="l" rtl="0">
               <a:spcBef>
                 <a:spcPts val="0"/>
               </a:spcBef>
@@ -10398,16 +10642,12 @@
             </a:pPr>
             <a:r>
               <a:rPr lang="en-GB" sz="2100"/>
-              <a:t>This will not be discussed at this time since some </a:t>
-            </a:r>
-            <a:r>
-              <a:rPr lang="en-GB" sz="2100"/>
-              <a:t>packages  that is crucial to your workflow might not longer be supported in newer packages</a:t>
+              <a:t>This will not be discussed at this time since some packages  that is crucial to your workflow might not longer be supported in newer packages</a:t>
             </a:r>
             <a:endParaRPr sz="2100"/>
           </a:p>
           <a:p>
-            <a:pPr indent="-361950" lvl="0" marL="457200" rtl="0" algn="l">
+            <a:pPr marL="457200" lvl="0" indent="-361950" algn="l" rtl="0">
               <a:spcBef>
                 <a:spcPts val="0"/>
               </a:spcBef>
@@ -10424,7 +10664,7 @@
             <a:endParaRPr sz="2100"/>
           </a:p>
           <a:p>
-            <a:pPr indent="-361950" lvl="0" marL="457200" rtl="0" algn="l">
+            <a:pPr marL="457200" lvl="0" indent="-361950" algn="l" rtl="0">
               <a:spcBef>
                 <a:spcPts val="0"/>
               </a:spcBef>
@@ -10451,11 +10691,11 @@
 </file>
 
 <file path=ppt/slides/slide5.xml><?xml version="1.0" encoding="utf-8"?>
-<p:sld xmlns:a="http://schemas.openxmlformats.org/drawingml/2006/main" xmlns:r="http://schemas.openxmlformats.org/officeDocument/2006/relationships" xmlns:mc="http://schemas.openxmlformats.org/markup-compatibility/2006" xmlns:mv="urn:schemas-microsoft-com:mac:vml" xmlns:p="http://schemas.openxmlformats.org/presentationml/2006/main" xmlns:c="http://schemas.openxmlformats.org/drawingml/2006/chart" xmlns:dgm="http://schemas.openxmlformats.org/drawingml/2006/diagram" xmlns:o="urn:schemas-microsoft-com:office:office" xmlns:v="urn:schemas-microsoft-com:vml" xmlns:pvml="urn:schemas-microsoft-com:office:powerpoint" xmlns:com="http://schemas.openxmlformats.org/drawingml/2006/compatibility" xmlns:p14="http://schemas.microsoft.com/office/powerpoint/2010/main" xmlns:p15="http://schemas.microsoft.com/office/powerpoint/2012/main" xmlns:ahyp="http://schemas.microsoft.com/office/drawing/2018/hyperlinkcolor">
+<p:sld xmlns:a="http://schemas.openxmlformats.org/drawingml/2006/main" xmlns:r="http://schemas.openxmlformats.org/officeDocument/2006/relationships" xmlns:p="http://schemas.openxmlformats.org/presentationml/2006/main">
   <p:cSld>
     <p:spTree>
       <p:nvGrpSpPr>
-        <p:cNvPr id="87" name="Shape 87"/>
+        <p:cNvPr id="1" name="Shape 87"/>
         <p:cNvGrpSpPr/>
         <p:nvPr/>
       </p:nvGrpSpPr>
@@ -10470,7 +10710,9 @@
       <p:sp>
         <p:nvSpPr>
           <p:cNvPr id="88" name="Google Shape;88;p17"/>
-          <p:cNvSpPr txBox="1"/>
+          <p:cNvSpPr txBox="1">
+            <a:spLocks noGrp="1"/>
+          </p:cNvSpPr>
           <p:nvPr>
             <p:ph type="title"/>
           </p:nvPr>
@@ -10485,12 +10727,12 @@
           </a:prstGeom>
         </p:spPr>
         <p:txBody>
-          <a:bodyPr anchorCtr="0" anchor="b" bIns="91425" lIns="91425" spcFirstLastPara="1" rIns="91425" wrap="square" tIns="91425">
+          <a:bodyPr spcFirstLastPara="1" wrap="square" lIns="91425" tIns="91425" rIns="91425" bIns="91425" anchor="b" anchorCtr="0">
             <a:normAutofit/>
           </a:bodyPr>
           <a:lstStyle/>
           <a:p>
-            <a:pPr indent="0" lvl="0" marL="0" rtl="0" algn="l">
+            <a:pPr marL="0" lvl="0" indent="0" algn="l" rtl="0">
               <a:spcBef>
                 <a:spcPts val="0"/>
               </a:spcBef>
@@ -10510,9 +10752,11 @@
       <p:sp>
         <p:nvSpPr>
           <p:cNvPr id="89" name="Google Shape;89;p17"/>
-          <p:cNvSpPr txBox="1"/>
+          <p:cNvSpPr txBox="1">
+            <a:spLocks noGrp="1"/>
+          </p:cNvSpPr>
           <p:nvPr>
-            <p:ph idx="1" type="body"/>
+            <p:ph type="body" idx="1"/>
           </p:nvPr>
         </p:nvSpPr>
         <p:spPr>
@@ -10525,12 +10769,12 @@
           </a:prstGeom>
         </p:spPr>
         <p:txBody>
-          <a:bodyPr anchorCtr="0" anchor="t" bIns="91425" lIns="91425" spcFirstLastPara="1" rIns="91425" wrap="square" tIns="91425">
+          <a:bodyPr spcFirstLastPara="1" wrap="square" lIns="91425" tIns="91425" rIns="91425" bIns="91425" anchor="t" anchorCtr="0">
             <a:normAutofit lnSpcReduction="20000"/>
           </a:bodyPr>
           <a:lstStyle/>
           <a:p>
-            <a:pPr indent="0" lvl="0" marL="0" rtl="0" algn="l">
+            <a:pPr marL="0" lvl="0" indent="0" algn="l" rtl="0">
               <a:spcBef>
                 <a:spcPts val="0"/>
               </a:spcBef>
@@ -10540,13 +10784,13 @@
               <a:buNone/>
             </a:pPr>
             <a:r>
-              <a:rPr b="1" lang="en-GB" u="sng"/>
+              <a:rPr lang="en-GB" b="1" u="sng"/>
               <a:t>Basic piping</a:t>
             </a:r>
             <a:endParaRPr b="1" u="sng"/>
           </a:p>
           <a:p>
-            <a:pPr indent="0" lvl="0" marL="0" rtl="0" algn="l">
+            <a:pPr marL="0" lvl="0" indent="0" algn="l" rtl="0">
               <a:spcBef>
                 <a:spcPts val="1200"/>
               </a:spcBef>
@@ -10562,7 +10806,7 @@
             <a:endParaRPr/>
           </a:p>
           <a:p>
-            <a:pPr indent="0" lvl="0" marL="0" rtl="0" algn="l">
+            <a:pPr marL="0" lvl="0" indent="0" algn="l" rtl="0">
               <a:spcBef>
                 <a:spcPts val="1200"/>
               </a:spcBef>
@@ -10571,13 +10815,10 @@
               </a:spcAft>
               <a:buNone/>
             </a:pPr>
-            <a:r>
-              <a:t/>
-            </a:r>
-            <a:endParaRPr/>
-          </a:p>
-          <a:p>
-            <a:pPr indent="0" lvl="0" marL="0" rtl="0" algn="l">
+            <a:endParaRPr/>
+          </a:p>
+          <a:p>
+            <a:pPr marL="0" lvl="0" indent="0" algn="l" rtl="0">
               <a:spcBef>
                 <a:spcPts val="1200"/>
               </a:spcBef>
@@ -10593,7 +10834,7 @@
             <a:endParaRPr u="sng"/>
           </a:p>
           <a:p>
-            <a:pPr indent="0" lvl="0" marL="0" rtl="0" algn="l">
+            <a:pPr marL="0" lvl="0" indent="0" algn="l" rtl="0">
               <a:spcBef>
                 <a:spcPts val="1200"/>
               </a:spcBef>
@@ -10609,7 +10850,7 @@
             <a:endParaRPr/>
           </a:p>
           <a:p>
-            <a:pPr indent="0" lvl="0" marL="0" rtl="0" algn="l">
+            <a:pPr marL="0" lvl="0" indent="0" algn="l" rtl="0">
               <a:spcBef>
                 <a:spcPts val="1200"/>
               </a:spcBef>
@@ -10625,7 +10866,7 @@
             <a:endParaRPr/>
           </a:p>
           <a:p>
-            <a:pPr indent="0" lvl="0" marL="0" rtl="0" algn="l">
+            <a:pPr marL="0" lvl="0" indent="0" algn="l" rtl="0">
               <a:spcBef>
                 <a:spcPts val="1200"/>
               </a:spcBef>
@@ -10634,9 +10875,6 @@
               </a:spcAft>
               <a:buNone/>
             </a:pPr>
-            <a:r>
-              <a:t/>
-            </a:r>
             <a:endParaRPr/>
           </a:p>
         </p:txBody>
@@ -10650,11 +10888,11 @@
 </file>
 
 <file path=ppt/slides/slide6.xml><?xml version="1.0" encoding="utf-8"?>
-<p:sld xmlns:a="http://schemas.openxmlformats.org/drawingml/2006/main" xmlns:r="http://schemas.openxmlformats.org/officeDocument/2006/relationships" xmlns:mc="http://schemas.openxmlformats.org/markup-compatibility/2006" xmlns:mv="urn:schemas-microsoft-com:mac:vml" xmlns:p="http://schemas.openxmlformats.org/presentationml/2006/main" xmlns:c="http://schemas.openxmlformats.org/drawingml/2006/chart" xmlns:dgm="http://schemas.openxmlformats.org/drawingml/2006/diagram" xmlns:o="urn:schemas-microsoft-com:office:office" xmlns:v="urn:schemas-microsoft-com:vml" xmlns:pvml="urn:schemas-microsoft-com:office:powerpoint" xmlns:com="http://schemas.openxmlformats.org/drawingml/2006/compatibility" xmlns:p14="http://schemas.microsoft.com/office/powerpoint/2010/main" xmlns:p15="http://schemas.microsoft.com/office/powerpoint/2012/main" xmlns:ahyp="http://schemas.microsoft.com/office/drawing/2018/hyperlinkcolor">
+<p:sld xmlns:a="http://schemas.openxmlformats.org/drawingml/2006/main" xmlns:r="http://schemas.openxmlformats.org/officeDocument/2006/relationships" xmlns:p="http://schemas.openxmlformats.org/presentationml/2006/main">
   <p:cSld>
     <p:spTree>
       <p:nvGrpSpPr>
-        <p:cNvPr id="93" name="Shape 93"/>
+        <p:cNvPr id="1" name="Shape 93"/>
         <p:cNvGrpSpPr/>
         <p:nvPr/>
       </p:nvGrpSpPr>
@@ -10669,7 +10907,9 @@
       <p:sp>
         <p:nvSpPr>
           <p:cNvPr id="94" name="Google Shape;94;p18"/>
-          <p:cNvSpPr txBox="1"/>
+          <p:cNvSpPr txBox="1">
+            <a:spLocks noGrp="1"/>
+          </p:cNvSpPr>
           <p:nvPr>
             <p:ph type="title"/>
           </p:nvPr>
@@ -10684,12 +10924,12 @@
           </a:prstGeom>
         </p:spPr>
         <p:txBody>
-          <a:bodyPr anchorCtr="0" anchor="b" bIns="91425" lIns="91425" spcFirstLastPara="1" rIns="91425" wrap="square" tIns="91425">
+          <a:bodyPr spcFirstLastPara="1" wrap="square" lIns="91425" tIns="91425" rIns="91425" bIns="91425" anchor="b" anchorCtr="0">
             <a:normAutofit/>
           </a:bodyPr>
           <a:lstStyle/>
           <a:p>
-            <a:pPr indent="0" lvl="0" marL="0" rtl="0" algn="l">
+            <a:pPr marL="0" lvl="0" indent="0" algn="l" rtl="0">
               <a:spcBef>
                 <a:spcPts val="0"/>
               </a:spcBef>
@@ -10709,9 +10949,11 @@
       <p:sp>
         <p:nvSpPr>
           <p:cNvPr id="95" name="Google Shape;95;p18"/>
-          <p:cNvSpPr txBox="1"/>
+          <p:cNvSpPr txBox="1">
+            <a:spLocks noGrp="1"/>
+          </p:cNvSpPr>
           <p:nvPr>
-            <p:ph idx="1" type="body"/>
+            <p:ph type="body" idx="1"/>
           </p:nvPr>
         </p:nvSpPr>
         <p:spPr>
@@ -10724,12 +10966,12 @@
           </a:prstGeom>
         </p:spPr>
         <p:txBody>
-          <a:bodyPr anchorCtr="0" anchor="t" bIns="91425" lIns="91425" spcFirstLastPara="1" rIns="91425" wrap="square" tIns="91425">
+          <a:bodyPr spcFirstLastPara="1" wrap="square" lIns="91425" tIns="91425" rIns="91425" bIns="91425" anchor="t" anchorCtr="0">
             <a:normAutofit lnSpcReduction="10000"/>
           </a:bodyPr>
           <a:lstStyle/>
           <a:p>
-            <a:pPr indent="457200" lvl="0" marL="0" rtl="0" algn="l">
+            <a:pPr marL="0" lvl="0" indent="457200" algn="l" rtl="0">
               <a:spcBef>
                 <a:spcPts val="0"/>
               </a:spcBef>
@@ -10745,7 +10987,7 @@
             <a:endParaRPr sz="2100"/>
           </a:p>
           <a:p>
-            <a:pPr indent="0" lvl="0" marL="0" rtl="0" algn="l">
+            <a:pPr marL="0" lvl="0" indent="0" algn="l" rtl="0">
               <a:spcBef>
                 <a:spcPts val="1200"/>
               </a:spcBef>
@@ -10761,7 +11003,7 @@
             <a:endParaRPr sz="2100"/>
           </a:p>
           <a:p>
-            <a:pPr indent="457200" lvl="0" marL="0" rtl="0" algn="l">
+            <a:pPr marL="0" lvl="0" indent="457200" algn="l" rtl="0">
               <a:spcBef>
                 <a:spcPts val="1200"/>
               </a:spcBef>
@@ -10777,7 +11019,7 @@
             <a:endParaRPr sz="2100"/>
           </a:p>
           <a:p>
-            <a:pPr indent="0" lvl="0" marL="0" rtl="0" algn="l">
+            <a:pPr marL="0" lvl="0" indent="0" algn="l" rtl="0">
               <a:spcBef>
                 <a:spcPts val="1200"/>
               </a:spcBef>
@@ -10793,7 +11035,7 @@
             <a:endParaRPr sz="2100"/>
           </a:p>
           <a:p>
-            <a:pPr indent="0" lvl="0" marL="457200" rtl="0" algn="l">
+            <a:pPr marL="457200" lvl="0" indent="0" algn="l" rtl="0">
               <a:spcBef>
                 <a:spcPts val="1200"/>
               </a:spcBef>
@@ -10809,7 +11051,7 @@
             <a:endParaRPr sz="2100"/>
           </a:p>
           <a:p>
-            <a:pPr indent="0" lvl="0" marL="457200" rtl="0" algn="l">
+            <a:pPr marL="457200" lvl="0" indent="0" algn="l" rtl="0">
               <a:spcBef>
                 <a:spcPts val="1200"/>
               </a:spcBef>
@@ -10835,18 +11077,19 @@
 </file>
 
 <file path=ppt/slides/slide7.xml><?xml version="1.0" encoding="utf-8"?>
-<p:sld xmlns:a="http://schemas.openxmlformats.org/drawingml/2006/main" xmlns:r="http://schemas.openxmlformats.org/officeDocument/2006/relationships" xmlns:mc="http://schemas.openxmlformats.org/markup-compatibility/2006" xmlns:mv="urn:schemas-microsoft-com:mac:vml" xmlns:p="http://schemas.openxmlformats.org/presentationml/2006/main" xmlns:c="http://schemas.openxmlformats.org/drawingml/2006/chart" xmlns:dgm="http://schemas.openxmlformats.org/drawingml/2006/diagram" xmlns:o="urn:schemas-microsoft-com:office:office" xmlns:v="urn:schemas-microsoft-com:vml" xmlns:pvml="urn:schemas-microsoft-com:office:powerpoint" xmlns:com="http://schemas.openxmlformats.org/drawingml/2006/compatibility" xmlns:p14="http://schemas.microsoft.com/office/powerpoint/2010/main" xmlns:p15="http://schemas.microsoft.com/office/powerpoint/2012/main" xmlns:ahyp="http://schemas.microsoft.com/office/drawing/2018/hyperlinkcolor">
+<p:sld xmlns:a="http://schemas.openxmlformats.org/drawingml/2006/main" xmlns:r="http://schemas.openxmlformats.org/officeDocument/2006/relationships" xmlns:p="http://schemas.openxmlformats.org/presentationml/2006/main">
   <p:cSld>
     <p:bg>
       <p:bgPr>
         <a:solidFill>
           <a:schemeClr val="dk2"/>
         </a:solidFill>
+        <a:effectLst/>
       </p:bgPr>
     </p:bg>
     <p:spTree>
       <p:nvGrpSpPr>
-        <p:cNvPr id="99" name="Shape 99"/>
+        <p:cNvPr id="1" name="Shape 99"/>
         <p:cNvGrpSpPr/>
         <p:nvPr/>
       </p:nvGrpSpPr>
@@ -10861,7 +11104,9 @@
       <p:sp>
         <p:nvSpPr>
           <p:cNvPr id="100" name="Google Shape;100;p19"/>
-          <p:cNvSpPr txBox="1"/>
+          <p:cNvSpPr txBox="1">
+            <a:spLocks noGrp="1"/>
+          </p:cNvSpPr>
           <p:nvPr>
             <p:ph type="title"/>
           </p:nvPr>
@@ -10876,12 +11121,12 @@
           </a:prstGeom>
         </p:spPr>
         <p:txBody>
-          <a:bodyPr anchorCtr="0" anchor="b" bIns="91425" lIns="91425" spcFirstLastPara="1" rIns="91425" wrap="square" tIns="91425">
+          <a:bodyPr spcFirstLastPara="1" wrap="square" lIns="91425" tIns="91425" rIns="91425" bIns="91425" anchor="b" anchorCtr="0">
             <a:normAutofit/>
           </a:bodyPr>
           <a:lstStyle/>
           <a:p>
-            <a:pPr indent="0" lvl="0" marL="0" rtl="0" algn="l">
+            <a:pPr marL="0" lvl="0" indent="0" algn="l" rtl="0">
               <a:spcBef>
                 <a:spcPts val="0"/>
               </a:spcBef>
@@ -10901,9 +11146,11 @@
       <p:sp>
         <p:nvSpPr>
           <p:cNvPr id="101" name="Google Shape;101;p19"/>
-          <p:cNvSpPr txBox="1"/>
+          <p:cNvSpPr txBox="1">
+            <a:spLocks noGrp="1"/>
+          </p:cNvSpPr>
           <p:nvPr>
-            <p:ph idx="1" type="body"/>
+            <p:ph type="body" idx="1"/>
           </p:nvPr>
         </p:nvSpPr>
         <p:spPr>
@@ -10916,12 +11163,12 @@
           </a:prstGeom>
         </p:spPr>
         <p:txBody>
-          <a:bodyPr anchorCtr="0" anchor="t" bIns="91425" lIns="91425" spcFirstLastPara="1" rIns="91425" wrap="square" tIns="91425">
+          <a:bodyPr spcFirstLastPara="1" wrap="square" lIns="91425" tIns="91425" rIns="91425" bIns="91425" anchor="t" anchorCtr="0">
             <a:normAutofit lnSpcReduction="10000"/>
           </a:bodyPr>
           <a:lstStyle/>
           <a:p>
-            <a:pPr indent="0" lvl="0" marL="0" rtl="0" algn="l">
+            <a:pPr marL="0" lvl="0" indent="0" algn="l" rtl="0">
               <a:spcBef>
                 <a:spcPts val="0"/>
               </a:spcBef>
@@ -10937,7 +11184,7 @@
             <a:endParaRPr/>
           </a:p>
           <a:p>
-            <a:pPr indent="0" lvl="0" marL="0" rtl="0" algn="l">
+            <a:pPr marL="0" lvl="0" indent="0" algn="l" rtl="0">
               <a:spcBef>
                 <a:spcPts val="1200"/>
               </a:spcBef>
@@ -10946,29 +11193,26 @@
               </a:spcAft>
               <a:buNone/>
             </a:pPr>
+            <a:endParaRPr/>
+          </a:p>
+          <a:p>
+            <a:pPr marL="0" lvl="0" indent="0" algn="l" rtl="0">
+              <a:spcBef>
+                <a:spcPts val="1200"/>
+              </a:spcBef>
+              <a:spcAft>
+                <a:spcPts val="0"/>
+              </a:spcAft>
+              <a:buNone/>
+            </a:pPr>
             <a:r>
-              <a:t/>
-            </a:r>
-            <a:endParaRPr/>
-          </a:p>
-          <a:p>
-            <a:pPr indent="0" lvl="0" marL="0" rtl="0" algn="l">
-              <a:spcBef>
-                <a:spcPts val="1200"/>
-              </a:spcBef>
-              <a:spcAft>
-                <a:spcPts val="0"/>
-              </a:spcAft>
-              <a:buNone/>
-            </a:pPr>
-            <a:r>
-              <a:rPr b="1" lang="en-GB"/>
+              <a:rPr lang="en-GB" b="1"/>
               <a:t>iris %&gt;%</a:t>
             </a:r>
             <a:endParaRPr b="1"/>
           </a:p>
           <a:p>
-            <a:pPr indent="0" lvl="0" marL="0" rtl="0" algn="l">
+            <a:pPr marL="0" lvl="0" indent="0" algn="l" rtl="0">
               <a:spcBef>
                 <a:spcPts val="1200"/>
               </a:spcBef>
@@ -10978,13 +11222,13 @@
               <a:buNone/>
             </a:pPr>
             <a:r>
-              <a:rPr b="1" lang="en-GB"/>
+              <a:rPr lang="en-GB" b="1"/>
               <a:t>  subset(Sepal.Length &gt; 5)</a:t>
             </a:r>
             <a:endParaRPr b="1"/>
           </a:p>
           <a:p>
-            <a:pPr indent="0" lvl="0" marL="0" rtl="0" algn="l">
+            <a:pPr marL="0" lvl="0" indent="0" algn="l" rtl="0">
               <a:spcBef>
                 <a:spcPts val="1200"/>
               </a:spcBef>
@@ -10994,13 +11238,13 @@
               <a:buNone/>
             </a:pPr>
             <a:r>
-              <a:rPr i="1" lang="en-GB"/>
+              <a:rPr lang="en-GB" i="1"/>
               <a:t>--------------Is the same as -----------------------------------</a:t>
             </a:r>
             <a:endParaRPr i="1"/>
           </a:p>
           <a:p>
-            <a:pPr indent="0" lvl="0" marL="0" rtl="0" algn="l">
+            <a:pPr marL="0" lvl="0" indent="0" algn="l" rtl="0">
               <a:spcBef>
                 <a:spcPts val="1200"/>
               </a:spcBef>
@@ -11010,7 +11254,7 @@
               <a:buNone/>
             </a:pPr>
             <a:r>
-              <a:rPr b="1" lang="en-GB"/>
+              <a:rPr lang="en-GB" b="1"/>
               <a:t>subset(iris,Sepal.Length &gt; 5) </a:t>
             </a:r>
             <a:endParaRPr b="1"/>
@@ -11026,18 +11270,19 @@
 </file>
 
 <file path=ppt/slides/slide8.xml><?xml version="1.0" encoding="utf-8"?>
-<p:sld xmlns:a="http://schemas.openxmlformats.org/drawingml/2006/main" xmlns:r="http://schemas.openxmlformats.org/officeDocument/2006/relationships" xmlns:mc="http://schemas.openxmlformats.org/markup-compatibility/2006" xmlns:mv="urn:schemas-microsoft-com:mac:vml" xmlns:p="http://schemas.openxmlformats.org/presentationml/2006/main" xmlns:c="http://schemas.openxmlformats.org/drawingml/2006/chart" xmlns:dgm="http://schemas.openxmlformats.org/drawingml/2006/diagram" xmlns:o="urn:schemas-microsoft-com:office:office" xmlns:v="urn:schemas-microsoft-com:vml" xmlns:pvml="urn:schemas-microsoft-com:office:powerpoint" xmlns:com="http://schemas.openxmlformats.org/drawingml/2006/compatibility" xmlns:p14="http://schemas.microsoft.com/office/powerpoint/2010/main" xmlns:p15="http://schemas.microsoft.com/office/powerpoint/2012/main" xmlns:ahyp="http://schemas.microsoft.com/office/drawing/2018/hyperlinkcolor">
+<p:sld xmlns:a="http://schemas.openxmlformats.org/drawingml/2006/main" xmlns:r="http://schemas.openxmlformats.org/officeDocument/2006/relationships" xmlns:p="http://schemas.openxmlformats.org/presentationml/2006/main">
   <p:cSld>
     <p:bg>
       <p:bgPr>
         <a:solidFill>
           <a:schemeClr val="dk2"/>
         </a:solidFill>
+        <a:effectLst/>
       </p:bgPr>
     </p:bg>
     <p:spTree>
       <p:nvGrpSpPr>
-        <p:cNvPr id="105" name="Shape 105"/>
+        <p:cNvPr id="1" name="Shape 105"/>
         <p:cNvGrpSpPr/>
         <p:nvPr/>
       </p:nvGrpSpPr>
@@ -11052,7 +11297,9 @@
       <p:sp>
         <p:nvSpPr>
           <p:cNvPr id="106" name="Google Shape;106;p20"/>
-          <p:cNvSpPr txBox="1"/>
+          <p:cNvSpPr txBox="1">
+            <a:spLocks noGrp="1"/>
+          </p:cNvSpPr>
           <p:nvPr>
             <p:ph type="title"/>
           </p:nvPr>
@@ -11067,12 +11314,12 @@
           </a:prstGeom>
         </p:spPr>
         <p:txBody>
-          <a:bodyPr anchorCtr="0" anchor="b" bIns="91425" lIns="91425" spcFirstLastPara="1" rIns="91425" wrap="square" tIns="91425">
+          <a:bodyPr spcFirstLastPara="1" wrap="square" lIns="91425" tIns="91425" rIns="91425" bIns="91425" anchor="b" anchorCtr="0">
             <a:normAutofit/>
           </a:bodyPr>
           <a:lstStyle/>
           <a:p>
-            <a:pPr indent="0" lvl="0" marL="0" rtl="0" algn="l">
+            <a:pPr marL="0" lvl="0" indent="0" algn="l" rtl="0">
               <a:spcBef>
                 <a:spcPts val="0"/>
               </a:spcBef>
@@ -11083,11 +11330,7 @@
             </a:pPr>
             <a:r>
               <a:rPr lang="en-GB"/>
-              <a:t>Pipes - </a:t>
-            </a:r>
-            <a:r>
-              <a:rPr lang="en-GB"/>
-              <a:t>Why Use It?</a:t>
+              <a:t>Pipes - Why Use It?</a:t>
             </a:r>
             <a:endParaRPr/>
           </a:p>
@@ -11096,9 +11339,11 @@
       <p:sp>
         <p:nvSpPr>
           <p:cNvPr id="107" name="Google Shape;107;p20"/>
-          <p:cNvSpPr txBox="1"/>
+          <p:cNvSpPr txBox="1">
+            <a:spLocks noGrp="1"/>
+          </p:cNvSpPr>
           <p:nvPr>
-            <p:ph idx="1" type="body"/>
+            <p:ph type="body" idx="1"/>
           </p:nvPr>
         </p:nvSpPr>
         <p:spPr>
@@ -11111,12 +11356,12 @@
           </a:prstGeom>
         </p:spPr>
         <p:txBody>
-          <a:bodyPr anchorCtr="0" anchor="t" bIns="91425" lIns="91425" spcFirstLastPara="1" rIns="91425" wrap="square" tIns="91425">
+          <a:bodyPr spcFirstLastPara="1" wrap="square" lIns="91425" tIns="91425" rIns="91425" bIns="91425" anchor="t" anchorCtr="0">
             <a:normAutofit lnSpcReduction="20000"/>
           </a:bodyPr>
           <a:lstStyle/>
           <a:p>
-            <a:pPr indent="0" lvl="0" marL="0" rtl="0" algn="l">
+            <a:pPr marL="0" lvl="0" indent="0" algn="l" rtl="0">
               <a:spcBef>
                 <a:spcPts val="0"/>
               </a:spcBef>
@@ -11132,7 +11377,7 @@
             <a:endParaRPr/>
           </a:p>
           <a:p>
-            <a:pPr indent="0" lvl="0" marL="0" rtl="0" algn="l">
+            <a:pPr marL="0" lvl="0" indent="0" algn="l" rtl="0">
               <a:spcBef>
                 <a:spcPts val="1200"/>
               </a:spcBef>
@@ -11142,13 +11387,13 @@
               <a:buNone/>
             </a:pPr>
             <a:r>
-              <a:rPr b="1" lang="en-GB" u="sng"/>
+              <a:rPr lang="en-GB" b="1" u="sng"/>
               <a:t>Or </a:t>
             </a:r>
             <a:endParaRPr b="1" u="sng"/>
           </a:p>
           <a:p>
-            <a:pPr indent="0" lvl="0" marL="0" rtl="0" algn="l">
+            <a:pPr marL="0" lvl="0" indent="0" algn="l" rtl="0">
               <a:spcBef>
                 <a:spcPts val="1200"/>
               </a:spcBef>
@@ -11164,7 +11409,7 @@
             <a:endParaRPr/>
           </a:p>
           <a:p>
-            <a:pPr indent="457200" lvl="0" marL="0" rtl="0" algn="l">
+            <a:pPr marL="0" lvl="0" indent="457200" algn="l" rtl="0">
               <a:spcBef>
                 <a:spcPts val="1200"/>
               </a:spcBef>
@@ -11180,7 +11425,7 @@
             <a:endParaRPr/>
           </a:p>
           <a:p>
-            <a:pPr indent="0" lvl="0" marL="0" rtl="0" algn="l">
+            <a:pPr marL="0" lvl="0" indent="0" algn="l" rtl="0">
               <a:spcBef>
                 <a:spcPts val="1200"/>
               </a:spcBef>
@@ -11196,7 +11441,7 @@
             <a:endParaRPr/>
           </a:p>
           <a:p>
-            <a:pPr indent="0" lvl="0" marL="0" rtl="0" algn="l">
+            <a:pPr marL="0" lvl="0" indent="0" algn="l" rtl="0">
               <a:spcBef>
                 <a:spcPts val="1200"/>
               </a:spcBef>
@@ -11212,7 +11457,7 @@
             <a:endParaRPr/>
           </a:p>
           <a:p>
-            <a:pPr indent="0" lvl="0" marL="0" rtl="0" algn="l">
+            <a:pPr marL="0" lvl="0" indent="0" algn="l" rtl="0">
               <a:spcBef>
                 <a:spcPts val="1200"/>
               </a:spcBef>
@@ -11238,18 +11483,19 @@
 </file>
 
 <file path=ppt/slides/slide9.xml><?xml version="1.0" encoding="utf-8"?>
-<p:sld xmlns:a="http://schemas.openxmlformats.org/drawingml/2006/main" xmlns:r="http://schemas.openxmlformats.org/officeDocument/2006/relationships" xmlns:mc="http://schemas.openxmlformats.org/markup-compatibility/2006" xmlns:mv="urn:schemas-microsoft-com:mac:vml" xmlns:p="http://schemas.openxmlformats.org/presentationml/2006/main" xmlns:c="http://schemas.openxmlformats.org/drawingml/2006/chart" xmlns:dgm="http://schemas.openxmlformats.org/drawingml/2006/diagram" xmlns:o="urn:schemas-microsoft-com:office:office" xmlns:v="urn:schemas-microsoft-com:vml" xmlns:pvml="urn:schemas-microsoft-com:office:powerpoint" xmlns:com="http://schemas.openxmlformats.org/drawingml/2006/compatibility" xmlns:p14="http://schemas.microsoft.com/office/powerpoint/2010/main" xmlns:p15="http://schemas.microsoft.com/office/powerpoint/2012/main" xmlns:ahyp="http://schemas.microsoft.com/office/drawing/2018/hyperlinkcolor">
+<p:sld xmlns:a="http://schemas.openxmlformats.org/drawingml/2006/main" xmlns:r="http://schemas.openxmlformats.org/officeDocument/2006/relationships" xmlns:p="http://schemas.openxmlformats.org/presentationml/2006/main">
   <p:cSld>
     <p:bg>
       <p:bgPr>
         <a:solidFill>
           <a:schemeClr val="dk2"/>
         </a:solidFill>
+        <a:effectLst/>
       </p:bgPr>
     </p:bg>
     <p:spTree>
       <p:nvGrpSpPr>
-        <p:cNvPr id="111" name="Shape 111"/>
+        <p:cNvPr id="1" name="Shape 111"/>
         <p:cNvGrpSpPr/>
         <p:nvPr/>
       </p:nvGrpSpPr>
@@ -11264,7 +11510,9 @@
       <p:sp>
         <p:nvSpPr>
           <p:cNvPr id="112" name="Google Shape;112;p21"/>
-          <p:cNvSpPr txBox="1"/>
+          <p:cNvSpPr txBox="1">
+            <a:spLocks noGrp="1"/>
+          </p:cNvSpPr>
           <p:nvPr>
             <p:ph type="title"/>
           </p:nvPr>
@@ -11279,12 +11527,12 @@
           </a:prstGeom>
         </p:spPr>
         <p:txBody>
-          <a:bodyPr anchorCtr="0" anchor="b" bIns="91425" lIns="91425" spcFirstLastPara="1" rIns="91425" wrap="square" tIns="91425">
+          <a:bodyPr spcFirstLastPara="1" wrap="square" lIns="91425" tIns="91425" rIns="91425" bIns="91425" anchor="b" anchorCtr="0">
             <a:normAutofit/>
           </a:bodyPr>
           <a:lstStyle/>
           <a:p>
-            <a:pPr indent="0" lvl="0" marL="0" rtl="0" algn="l">
+            <a:pPr marL="0" lvl="0" indent="0" algn="l" rtl="0">
               <a:spcBef>
                 <a:spcPts val="0"/>
               </a:spcBef>
@@ -11304,9 +11552,11 @@
       <p:sp>
         <p:nvSpPr>
           <p:cNvPr id="113" name="Google Shape;113;p21"/>
-          <p:cNvSpPr txBox="1"/>
+          <p:cNvSpPr txBox="1">
+            <a:spLocks noGrp="1"/>
+          </p:cNvSpPr>
           <p:nvPr>
-            <p:ph idx="1" type="body"/>
+            <p:ph type="body" idx="1"/>
           </p:nvPr>
         </p:nvSpPr>
         <p:spPr>
@@ -11319,12 +11569,12 @@
           </a:prstGeom>
         </p:spPr>
         <p:txBody>
-          <a:bodyPr anchorCtr="0" anchor="t" bIns="91425" lIns="91425" spcFirstLastPara="1" rIns="91425" wrap="square" tIns="91425">
+          <a:bodyPr spcFirstLastPara="1" wrap="square" lIns="91425" tIns="91425" rIns="91425" bIns="91425" anchor="t" anchorCtr="0">
             <a:normAutofit/>
           </a:bodyPr>
           <a:lstStyle/>
           <a:p>
-            <a:pPr indent="0" lvl="0" marL="0" rtl="0" algn="l">
+            <a:pPr marL="0" lvl="0" indent="0" algn="l" rtl="0">
               <a:spcBef>
                 <a:spcPts val="0"/>
               </a:spcBef>
@@ -11340,7 +11590,7 @@
             <a:endParaRPr/>
           </a:p>
           <a:p>
-            <a:pPr indent="0" lvl="0" marL="0" rtl="0" algn="l">
+            <a:pPr marL="0" lvl="0" indent="0" algn="l" rtl="0">
               <a:spcBef>
                 <a:spcPts val="1200"/>
               </a:spcBef>
@@ -11356,7 +11606,7 @@
             <a:endParaRPr/>
           </a:p>
           <a:p>
-            <a:pPr indent="0" lvl="0" marL="0" rtl="0" algn="l">
+            <a:pPr marL="0" lvl="0" indent="0" algn="l" rtl="0">
               <a:spcBef>
                 <a:spcPts val="1200"/>
               </a:spcBef>
@@ -11365,13 +11615,10 @@
               </a:spcAft>
               <a:buNone/>
             </a:pPr>
-            <a:r>
-              <a:t/>
-            </a:r>
-            <a:endParaRPr/>
-          </a:p>
-          <a:p>
-            <a:pPr indent="0" lvl="0" marL="0" rtl="0" algn="l">
+            <a:endParaRPr/>
+          </a:p>
+          <a:p>
+            <a:pPr marL="0" lvl="0" indent="0" algn="l" rtl="0">
               <a:spcBef>
                 <a:spcPts val="1200"/>
               </a:spcBef>
@@ -11387,7 +11634,7 @@
             <a:endParaRPr/>
           </a:p>
           <a:p>
-            <a:pPr indent="0" lvl="0" marL="0" rtl="0" algn="l">
+            <a:pPr marL="0" lvl="0" indent="0" algn="l" rtl="0">
               <a:spcBef>
                 <a:spcPts val="1200"/>
               </a:spcBef>
@@ -11413,7 +11660,288 @@
 </file>
 
 <file path=ppt/theme/theme1.xml><?xml version="1.0" encoding="utf-8"?>
-<a:theme xmlns:a="http://schemas.openxmlformats.org/drawingml/2006/main" xmlns:r="http://schemas.openxmlformats.org/officeDocument/2006/relationships">
+<a:theme xmlns:a="http://schemas.openxmlformats.org/drawingml/2006/main" name="Marina">
+  <a:themeElements>
+    <a:clrScheme name="Marina">
+      <a:dk1>
+        <a:srgbClr val="FFFFFF"/>
+      </a:dk1>
+      <a:lt1>
+        <a:srgbClr val="00517C"/>
+      </a:lt1>
+      <a:dk2>
+        <a:srgbClr val="004065"/>
+      </a:dk2>
+      <a:lt2>
+        <a:srgbClr val="CFD8DC"/>
+      </a:lt2>
+      <a:accent1>
+        <a:srgbClr val="0277BD"/>
+      </a:accent1>
+      <a:accent2>
+        <a:srgbClr val="558B2F"/>
+      </a:accent2>
+      <a:accent3>
+        <a:srgbClr val="009688"/>
+      </a:accent3>
+      <a:accent4>
+        <a:srgbClr val="039BE5"/>
+      </a:accent4>
+      <a:accent5>
+        <a:srgbClr val="8BC34A"/>
+      </a:accent5>
+      <a:accent6>
+        <a:srgbClr val="FFEB38"/>
+      </a:accent6>
+      <a:hlink>
+        <a:srgbClr val="8BC34A"/>
+      </a:hlink>
+      <a:folHlink>
+        <a:srgbClr val="8BC34A"/>
+      </a:folHlink>
+    </a:clrScheme>
+    <a:fontScheme name="Office">
+      <a:majorFont>
+        <a:latin typeface="Arial"/>
+        <a:ea typeface=""/>
+        <a:cs typeface=""/>
+        <a:font script="Jpan" typeface="ＭＳ Ｐゴシック"/>
+        <a:font script="Hang" typeface="맑은 고딕"/>
+        <a:font script="Hans" typeface="宋体"/>
+        <a:font script="Hant" typeface="新細明體"/>
+        <a:font script="Arab" typeface="Times New Roman"/>
+        <a:font script="Hebr" typeface="Times New Roman"/>
+        <a:font script="Thai" typeface="Angsana New"/>
+        <a:font script="Ethi" typeface="Nyala"/>
+        <a:font script="Beng" typeface="Vrinda"/>
+        <a:font script="Gujr" typeface="Shruti"/>
+        <a:font script="Khmr" typeface="MoolBoran"/>
+        <a:font script="Knda" typeface="Tunga"/>
+        <a:font script="Guru" typeface="Raavi"/>
+        <a:font script="Cans" typeface="Euphemia"/>
+        <a:font script="Cher" typeface="Plantagenet Cherokee"/>
+        <a:font script="Yiii" typeface="Microsoft Yi Baiti"/>
+        <a:font script="Tibt" typeface="Microsoft Himalaya"/>
+        <a:font script="Thaa" typeface="MV Boli"/>
+        <a:font script="Deva" typeface="Mangal"/>
+        <a:font script="Telu" typeface="Gautami"/>
+        <a:font script="Taml" typeface="Latha"/>
+        <a:font script="Syrc" typeface="Estrangelo Edessa"/>
+        <a:font script="Orya" typeface="Kalinga"/>
+        <a:font script="Mlym" typeface="Kartika"/>
+        <a:font script="Laoo" typeface="DokChampa"/>
+        <a:font script="Sinh" typeface="Iskoola Pota"/>
+        <a:font script="Mong" typeface="Mongolian Baiti"/>
+        <a:font script="Viet" typeface="Times New Roman"/>
+        <a:font script="Uigh" typeface="Microsoft Uighur"/>
+        <a:font script="Geor" typeface="Sylfaen"/>
+      </a:majorFont>
+      <a:minorFont>
+        <a:latin typeface="Arial"/>
+        <a:ea typeface=""/>
+        <a:cs typeface=""/>
+        <a:font script="Jpan" typeface="ＭＳ Ｐゴシック"/>
+        <a:font script="Hang" typeface="맑은 고딕"/>
+        <a:font script="Hans" typeface="宋体"/>
+        <a:font script="Hant" typeface="新細明體"/>
+        <a:font script="Arab" typeface="Arial"/>
+        <a:font script="Hebr" typeface="Arial"/>
+        <a:font script="Thai" typeface="Cordia New"/>
+        <a:font script="Ethi" typeface="Nyala"/>
+        <a:font script="Beng" typeface="Vrinda"/>
+        <a:font script="Gujr" typeface="Shruti"/>
+        <a:font script="Khmr" typeface="DaunPenh"/>
+        <a:font script="Knda" typeface="Tunga"/>
+        <a:font script="Guru" typeface="Raavi"/>
+        <a:font script="Cans" typeface="Euphemia"/>
+        <a:font script="Cher" typeface="Plantagenet Cherokee"/>
+        <a:font script="Yiii" typeface="Microsoft Yi Baiti"/>
+        <a:font script="Tibt" typeface="Microsoft Himalaya"/>
+        <a:font script="Thaa" typeface="MV Boli"/>
+        <a:font script="Deva" typeface="Mangal"/>
+        <a:font script="Telu" typeface="Gautami"/>
+        <a:font script="Taml" typeface="Latha"/>
+        <a:font script="Syrc" typeface="Estrangelo Edessa"/>
+        <a:font script="Orya" typeface="Kalinga"/>
+        <a:font script="Mlym" typeface="Kartika"/>
+        <a:font script="Laoo" typeface="DokChampa"/>
+        <a:font script="Sinh" typeface="Iskoola Pota"/>
+        <a:font script="Mong" typeface="Mongolian Baiti"/>
+        <a:font script="Viet" typeface="Arial"/>
+        <a:font script="Uigh" typeface="Microsoft Uighur"/>
+        <a:font script="Geor" typeface="Sylfaen"/>
+      </a:minorFont>
+    </a:fontScheme>
+    <a:fmtScheme name="Office">
+      <a:fillStyleLst>
+        <a:solidFill>
+          <a:schemeClr val="phClr"/>
+        </a:solidFill>
+        <a:gradFill rotWithShape="1">
+          <a:gsLst>
+            <a:gs pos="0">
+              <a:schemeClr val="phClr">
+                <a:tint val="50000"/>
+                <a:satMod val="300000"/>
+              </a:schemeClr>
+            </a:gs>
+            <a:gs pos="35000">
+              <a:schemeClr val="phClr">
+                <a:tint val="37000"/>
+                <a:satMod val="300000"/>
+              </a:schemeClr>
+            </a:gs>
+            <a:gs pos="100000">
+              <a:schemeClr val="phClr">
+                <a:tint val="15000"/>
+                <a:satMod val="350000"/>
+              </a:schemeClr>
+            </a:gs>
+          </a:gsLst>
+          <a:lin ang="16200000" scaled="1"/>
+        </a:gradFill>
+        <a:gradFill rotWithShape="1">
+          <a:gsLst>
+            <a:gs pos="0">
+              <a:schemeClr val="phClr">
+                <a:tint val="100000"/>
+                <a:shade val="100000"/>
+                <a:satMod val="130000"/>
+              </a:schemeClr>
+            </a:gs>
+            <a:gs pos="100000">
+              <a:schemeClr val="phClr">
+                <a:tint val="50000"/>
+                <a:shade val="100000"/>
+                <a:satMod val="350000"/>
+              </a:schemeClr>
+            </a:gs>
+          </a:gsLst>
+          <a:lin ang="16200000" scaled="0"/>
+        </a:gradFill>
+      </a:fillStyleLst>
+      <a:lnStyleLst>
+        <a:ln w="9525" cap="flat" cmpd="sng" algn="ctr">
+          <a:solidFill>
+            <a:schemeClr val="phClr">
+              <a:shade val="95000"/>
+              <a:satMod val="105000"/>
+            </a:schemeClr>
+          </a:solidFill>
+          <a:prstDash val="solid"/>
+        </a:ln>
+        <a:ln w="25400" cap="flat" cmpd="sng" algn="ctr">
+          <a:solidFill>
+            <a:schemeClr val="phClr"/>
+          </a:solidFill>
+          <a:prstDash val="solid"/>
+        </a:ln>
+        <a:ln w="38100" cap="flat" cmpd="sng" algn="ctr">
+          <a:solidFill>
+            <a:schemeClr val="phClr"/>
+          </a:solidFill>
+          <a:prstDash val="solid"/>
+        </a:ln>
+      </a:lnStyleLst>
+      <a:effectStyleLst>
+        <a:effectStyle>
+          <a:effectLst>
+            <a:outerShdw blurRad="40000" dist="20000" dir="5400000" rotWithShape="0">
+              <a:srgbClr val="000000">
+                <a:alpha val="38000"/>
+              </a:srgbClr>
+            </a:outerShdw>
+          </a:effectLst>
+        </a:effectStyle>
+        <a:effectStyle>
+          <a:effectLst>
+            <a:outerShdw blurRad="40000" dist="23000" dir="5400000" rotWithShape="0">
+              <a:srgbClr val="000000">
+                <a:alpha val="35000"/>
+              </a:srgbClr>
+            </a:outerShdw>
+          </a:effectLst>
+        </a:effectStyle>
+        <a:effectStyle>
+          <a:effectLst>
+            <a:outerShdw blurRad="40000" dist="23000" dir="5400000" rotWithShape="0">
+              <a:srgbClr val="000000">
+                <a:alpha val="35000"/>
+              </a:srgbClr>
+            </a:outerShdw>
+          </a:effectLst>
+          <a:scene3d>
+            <a:camera prst="orthographicFront">
+              <a:rot lat="0" lon="0" rev="0"/>
+            </a:camera>
+            <a:lightRig rig="threePt" dir="t">
+              <a:rot lat="0" lon="0" rev="1200000"/>
+            </a:lightRig>
+          </a:scene3d>
+          <a:sp3d>
+            <a:bevelT w="63500" h="25400"/>
+          </a:sp3d>
+        </a:effectStyle>
+      </a:effectStyleLst>
+      <a:bgFillStyleLst>
+        <a:solidFill>
+          <a:schemeClr val="phClr"/>
+        </a:solidFill>
+        <a:gradFill rotWithShape="1">
+          <a:gsLst>
+            <a:gs pos="0">
+              <a:schemeClr val="phClr">
+                <a:tint val="40000"/>
+                <a:satMod val="350000"/>
+              </a:schemeClr>
+            </a:gs>
+            <a:gs pos="40000">
+              <a:schemeClr val="phClr">
+                <a:tint val="45000"/>
+                <a:shade val="99000"/>
+                <a:satMod val="350000"/>
+              </a:schemeClr>
+            </a:gs>
+            <a:gs pos="100000">
+              <a:schemeClr val="phClr">
+                <a:shade val="20000"/>
+                <a:satMod val="255000"/>
+              </a:schemeClr>
+            </a:gs>
+          </a:gsLst>
+          <a:path path="circle">
+            <a:fillToRect l="50000" t="-80000" r="50000" b="180000"/>
+          </a:path>
+        </a:gradFill>
+        <a:gradFill rotWithShape="1">
+          <a:gsLst>
+            <a:gs pos="0">
+              <a:schemeClr val="phClr">
+                <a:tint val="80000"/>
+                <a:satMod val="300000"/>
+              </a:schemeClr>
+            </a:gs>
+            <a:gs pos="100000">
+              <a:schemeClr val="phClr">
+                <a:shade val="30000"/>
+                <a:satMod val="200000"/>
+              </a:schemeClr>
+            </a:gs>
+          </a:gsLst>
+          <a:path path="circle">
+            <a:fillToRect l="50000" t="50000" r="50000" b="50000"/>
+          </a:path>
+        </a:gradFill>
+      </a:bgFillStyleLst>
+    </a:fmtScheme>
+  </a:themeElements>
+  <a:objectDefaults/>
+  <a:extraClrSchemeLst/>
+</a:theme>
+</file>
+
+<file path=ppt/theme/theme2.xml><?xml version="1.0" encoding="utf-8"?>
+<a:theme xmlns:a="http://schemas.openxmlformats.org/drawingml/2006/main">
   <a:themeElements>
     <a:clrScheme name="Default">
       <a:dk1>
@@ -11688,284 +12216,7 @@
       </a:bgFillStyleLst>
     </a:fmtScheme>
   </a:themeElements>
-</a:theme>
-</file>
-
-<file path=ppt/theme/theme2.xml><?xml version="1.0" encoding="utf-8"?>
-<a:theme xmlns:a="http://schemas.openxmlformats.org/drawingml/2006/main" xmlns:r="http://schemas.openxmlformats.org/officeDocument/2006/relationships" name="Marina">
-  <a:themeElements>
-    <a:clrScheme name="Marina">
-      <a:dk1>
-        <a:srgbClr val="FFFFFF"/>
-      </a:dk1>
-      <a:lt1>
-        <a:srgbClr val="00517C"/>
-      </a:lt1>
-      <a:dk2>
-        <a:srgbClr val="004065"/>
-      </a:dk2>
-      <a:lt2>
-        <a:srgbClr val="CFD8DC"/>
-      </a:lt2>
-      <a:accent1>
-        <a:srgbClr val="0277BD"/>
-      </a:accent1>
-      <a:accent2>
-        <a:srgbClr val="558B2F"/>
-      </a:accent2>
-      <a:accent3>
-        <a:srgbClr val="009688"/>
-      </a:accent3>
-      <a:accent4>
-        <a:srgbClr val="039BE5"/>
-      </a:accent4>
-      <a:accent5>
-        <a:srgbClr val="8BC34A"/>
-      </a:accent5>
-      <a:accent6>
-        <a:srgbClr val="FFEB38"/>
-      </a:accent6>
-      <a:hlink>
-        <a:srgbClr val="8BC34A"/>
-      </a:hlink>
-      <a:folHlink>
-        <a:srgbClr val="8BC34A"/>
-      </a:folHlink>
-    </a:clrScheme>
-    <a:fontScheme name="Office">
-      <a:majorFont>
-        <a:latin typeface="Arial"/>
-        <a:ea typeface=""/>
-        <a:cs typeface=""/>
-        <a:font script="Jpan" typeface="ＭＳ Ｐゴシック"/>
-        <a:font script="Hang" typeface="맑은 고딕"/>
-        <a:font script="Hans" typeface="宋体"/>
-        <a:font script="Hant" typeface="新細明體"/>
-        <a:font script="Arab" typeface="Times New Roman"/>
-        <a:font script="Hebr" typeface="Times New Roman"/>
-        <a:font script="Thai" typeface="Angsana New"/>
-        <a:font script="Ethi" typeface="Nyala"/>
-        <a:font script="Beng" typeface="Vrinda"/>
-        <a:font script="Gujr" typeface="Shruti"/>
-        <a:font script="Khmr" typeface="MoolBoran"/>
-        <a:font script="Knda" typeface="Tunga"/>
-        <a:font script="Guru" typeface="Raavi"/>
-        <a:font script="Cans" typeface="Euphemia"/>
-        <a:font script="Cher" typeface="Plantagenet Cherokee"/>
-        <a:font script="Yiii" typeface="Microsoft Yi Baiti"/>
-        <a:font script="Tibt" typeface="Microsoft Himalaya"/>
-        <a:font script="Thaa" typeface="MV Boli"/>
-        <a:font script="Deva" typeface="Mangal"/>
-        <a:font script="Telu" typeface="Gautami"/>
-        <a:font script="Taml" typeface="Latha"/>
-        <a:font script="Syrc" typeface="Estrangelo Edessa"/>
-        <a:font script="Orya" typeface="Kalinga"/>
-        <a:font script="Mlym" typeface="Kartika"/>
-        <a:font script="Laoo" typeface="DokChampa"/>
-        <a:font script="Sinh" typeface="Iskoola Pota"/>
-        <a:font script="Mong" typeface="Mongolian Baiti"/>
-        <a:font script="Viet" typeface="Times New Roman"/>
-        <a:font script="Uigh" typeface="Microsoft Uighur"/>
-        <a:font script="Geor" typeface="Sylfaen"/>
-      </a:majorFont>
-      <a:minorFont>
-        <a:latin typeface="Arial"/>
-        <a:ea typeface=""/>
-        <a:cs typeface=""/>
-        <a:font script="Jpan" typeface="ＭＳ Ｐゴシック"/>
-        <a:font script="Hang" typeface="맑은 고딕"/>
-        <a:font script="Hans" typeface="宋体"/>
-        <a:font script="Hant" typeface="新細明體"/>
-        <a:font script="Arab" typeface="Arial"/>
-        <a:font script="Hebr" typeface="Arial"/>
-        <a:font script="Thai" typeface="Cordia New"/>
-        <a:font script="Ethi" typeface="Nyala"/>
-        <a:font script="Beng" typeface="Vrinda"/>
-        <a:font script="Gujr" typeface="Shruti"/>
-        <a:font script="Khmr" typeface="DaunPenh"/>
-        <a:font script="Knda" typeface="Tunga"/>
-        <a:font script="Guru" typeface="Raavi"/>
-        <a:font script="Cans" typeface="Euphemia"/>
-        <a:font script="Cher" typeface="Plantagenet Cherokee"/>
-        <a:font script="Yiii" typeface="Microsoft Yi Baiti"/>
-        <a:font script="Tibt" typeface="Microsoft Himalaya"/>
-        <a:font script="Thaa" typeface="MV Boli"/>
-        <a:font script="Deva" typeface="Mangal"/>
-        <a:font script="Telu" typeface="Gautami"/>
-        <a:font script="Taml" typeface="Latha"/>
-        <a:font script="Syrc" typeface="Estrangelo Edessa"/>
-        <a:font script="Orya" typeface="Kalinga"/>
-        <a:font script="Mlym" typeface="Kartika"/>
-        <a:font script="Laoo" typeface="DokChampa"/>
-        <a:font script="Sinh" typeface="Iskoola Pota"/>
-        <a:font script="Mong" typeface="Mongolian Baiti"/>
-        <a:font script="Viet" typeface="Arial"/>
-        <a:font script="Uigh" typeface="Microsoft Uighur"/>
-        <a:font script="Geor" typeface="Sylfaen"/>
-      </a:minorFont>
-    </a:fontScheme>
-    <a:fmtScheme name="Office">
-      <a:fillStyleLst>
-        <a:solidFill>
-          <a:schemeClr val="phClr"/>
-        </a:solidFill>
-        <a:gradFill rotWithShape="1">
-          <a:gsLst>
-            <a:gs pos="0">
-              <a:schemeClr val="phClr">
-                <a:tint val="50000"/>
-                <a:satMod val="300000"/>
-              </a:schemeClr>
-            </a:gs>
-            <a:gs pos="35000">
-              <a:schemeClr val="phClr">
-                <a:tint val="37000"/>
-                <a:satMod val="300000"/>
-              </a:schemeClr>
-            </a:gs>
-            <a:gs pos="100000">
-              <a:schemeClr val="phClr">
-                <a:tint val="15000"/>
-                <a:satMod val="350000"/>
-              </a:schemeClr>
-            </a:gs>
-          </a:gsLst>
-          <a:lin ang="16200000" scaled="1"/>
-        </a:gradFill>
-        <a:gradFill rotWithShape="1">
-          <a:gsLst>
-            <a:gs pos="0">
-              <a:schemeClr val="phClr">
-                <a:tint val="100000"/>
-                <a:shade val="100000"/>
-                <a:satMod val="130000"/>
-              </a:schemeClr>
-            </a:gs>
-            <a:gs pos="100000">
-              <a:schemeClr val="phClr">
-                <a:tint val="50000"/>
-                <a:shade val="100000"/>
-                <a:satMod val="350000"/>
-              </a:schemeClr>
-            </a:gs>
-          </a:gsLst>
-          <a:lin ang="16200000" scaled="0"/>
-        </a:gradFill>
-      </a:fillStyleLst>
-      <a:lnStyleLst>
-        <a:ln w="9525" cap="flat" cmpd="sng" algn="ctr">
-          <a:solidFill>
-            <a:schemeClr val="phClr">
-              <a:shade val="95000"/>
-              <a:satMod val="105000"/>
-            </a:schemeClr>
-          </a:solidFill>
-          <a:prstDash val="solid"/>
-        </a:ln>
-        <a:ln w="25400" cap="flat" cmpd="sng" algn="ctr">
-          <a:solidFill>
-            <a:schemeClr val="phClr"/>
-          </a:solidFill>
-          <a:prstDash val="solid"/>
-        </a:ln>
-        <a:ln w="38100" cap="flat" cmpd="sng" algn="ctr">
-          <a:solidFill>
-            <a:schemeClr val="phClr"/>
-          </a:solidFill>
-          <a:prstDash val="solid"/>
-        </a:ln>
-      </a:lnStyleLst>
-      <a:effectStyleLst>
-        <a:effectStyle>
-          <a:effectLst>
-            <a:outerShdw blurRad="40000" dist="20000" dir="5400000" rotWithShape="0">
-              <a:srgbClr val="000000">
-                <a:alpha val="38000"/>
-              </a:srgbClr>
-            </a:outerShdw>
-          </a:effectLst>
-        </a:effectStyle>
-        <a:effectStyle>
-          <a:effectLst>
-            <a:outerShdw blurRad="40000" dist="23000" dir="5400000" rotWithShape="0">
-              <a:srgbClr val="000000">
-                <a:alpha val="35000"/>
-              </a:srgbClr>
-            </a:outerShdw>
-          </a:effectLst>
-        </a:effectStyle>
-        <a:effectStyle>
-          <a:effectLst>
-            <a:outerShdw blurRad="40000" dist="23000" dir="5400000" rotWithShape="0">
-              <a:srgbClr val="000000">
-                <a:alpha val="35000"/>
-              </a:srgbClr>
-            </a:outerShdw>
-          </a:effectLst>
-          <a:scene3d>
-            <a:camera prst="orthographicFront">
-              <a:rot lat="0" lon="0" rev="0"/>
-            </a:camera>
-            <a:lightRig rig="threePt" dir="t">
-              <a:rot lat="0" lon="0" rev="1200000"/>
-            </a:lightRig>
-          </a:scene3d>
-          <a:sp3d>
-            <a:bevelT w="63500" h="25400"/>
-          </a:sp3d>
-        </a:effectStyle>
-      </a:effectStyleLst>
-      <a:bgFillStyleLst>
-        <a:solidFill>
-          <a:schemeClr val="phClr"/>
-        </a:solidFill>
-        <a:gradFill rotWithShape="1">
-          <a:gsLst>
-            <a:gs pos="0">
-              <a:schemeClr val="phClr">
-                <a:tint val="40000"/>
-                <a:satMod val="350000"/>
-              </a:schemeClr>
-            </a:gs>
-            <a:gs pos="40000">
-              <a:schemeClr val="phClr">
-                <a:tint val="45000"/>
-                <a:shade val="99000"/>
-                <a:satMod val="350000"/>
-              </a:schemeClr>
-            </a:gs>
-            <a:gs pos="100000">
-              <a:schemeClr val="phClr">
-                <a:shade val="20000"/>
-                <a:satMod val="255000"/>
-              </a:schemeClr>
-            </a:gs>
-          </a:gsLst>
-          <a:path path="circle">
-            <a:fillToRect l="50000" t="-80000" r="50000" b="180000"/>
-          </a:path>
-        </a:gradFill>
-        <a:gradFill rotWithShape="1">
-          <a:gsLst>
-            <a:gs pos="0">
-              <a:schemeClr val="phClr">
-                <a:tint val="80000"/>
-                <a:satMod val="300000"/>
-              </a:schemeClr>
-            </a:gs>
-            <a:gs pos="100000">
-              <a:schemeClr val="phClr">
-                <a:shade val="30000"/>
-                <a:satMod val="200000"/>
-              </a:schemeClr>
-            </a:gs>
-          </a:gsLst>
-          <a:path path="circle">
-            <a:fillToRect l="50000" t="50000" r="50000" b="50000"/>
-          </a:path>
-        </a:gradFill>
-      </a:bgFillStyleLst>
-    </a:fmtScheme>
-  </a:themeElements>
+  <a:objectDefaults/>
+  <a:extraClrSchemeLst/>
 </a:theme>
 </file>
--- a/Week3-Pipes-and-Iteration/Week 3-Pipes and Iteration.pptx
+++ b/Week3-Pipes-and-Iteration/Week 3-Pipes and Iteration.pptx
@@ -5,7 +5,7 @@
     <p:sldMasterId id="2147483659" r:id="rId1"/>
   </p:sldMasterIdLst>
   <p:notesMasterIdLst>
-    <p:notesMasterId r:id="rId21"/>
+    <p:notesMasterId r:id="rId22"/>
   </p:notesMasterIdLst>
   <p:sldIdLst>
     <p:sldId id="256" r:id="rId2"/>
@@ -26,22 +26,23 @@
     <p:sldId id="271" r:id="rId17"/>
     <p:sldId id="272" r:id="rId18"/>
     <p:sldId id="273" r:id="rId19"/>
-    <p:sldId id="274" r:id="rId20"/>
+    <p:sldId id="275" r:id="rId20"/>
+    <p:sldId id="274" r:id="rId21"/>
   </p:sldIdLst>
   <p:sldSz cx="9144000" cy="5143500" type="screen16x9"/>
   <p:notesSz cx="6858000" cy="9144000"/>
   <p:embeddedFontLst>
     <p:embeddedFont>
       <p:font typeface="Roboto" panose="02000000000000000000" pitchFamily="2" charset="0"/>
-      <p:regular r:id="rId22"/>
-      <p:bold r:id="rId23"/>
-      <p:italic r:id="rId24"/>
-      <p:boldItalic r:id="rId25"/>
+      <p:regular r:id="rId23"/>
+      <p:bold r:id="rId24"/>
+      <p:italic r:id="rId25"/>
+      <p:boldItalic r:id="rId26"/>
     </p:embeddedFont>
     <p:embeddedFont>
       <p:font typeface="Roboto Slab" panose="020B0604020202020204" charset="0"/>
-      <p:regular r:id="rId26"/>
-      <p:bold r:id="rId27"/>
+      <p:regular r:id="rId27"/>
+      <p:bold r:id="rId28"/>
     </p:embeddedFont>
   </p:embeddedFontLst>
   <p:defaultTextStyle>
@@ -762,8 +763,8 @@
         </p:nvSpPr>
         <p:spPr>
           <a:xfrm>
-            <a:off x="381300" y="685800"/>
-            <a:ext cx="6096075" cy="3429000"/>
+            <a:off x="381000" y="685800"/>
+            <a:ext cx="6096000" cy="3429000"/>
           </a:xfrm>
           <a:custGeom>
             <a:avLst/>
@@ -1003,7 +1004,7 @@
         </p:nvSpPr>
         <p:spPr>
           <a:xfrm>
-            <a:off x="381300" y="685800"/>
+            <a:off x="381000" y="685800"/>
             <a:ext cx="6096000" cy="3429000"/>
           </a:xfrm>
           <a:custGeom>
@@ -1483,10 +1484,10 @@
               <a:buNone/>
             </a:pPr>
             <a:r>
-              <a:rPr lang="en-GB"/>
+              <a:rPr lang="en-GB" dirty="0"/>
               <a:t>https://r-lang.com/for-loop-in-r/</a:t>
             </a:r>
-            <a:endParaRPr/>
+            <a:endParaRPr dirty="0"/>
           </a:p>
         </p:txBody>
       </p:sp>
@@ -1735,7 +1736,7 @@
         </p:nvSpPr>
         <p:spPr>
           <a:xfrm>
-            <a:off x="381300" y="685800"/>
+            <a:off x="381000" y="685800"/>
             <a:ext cx="6096000" cy="3429000"/>
           </a:xfrm>
           <a:custGeom>
@@ -2275,7 +2276,7 @@
         </p:nvSpPr>
         <p:spPr>
           <a:xfrm>
-            <a:off x="381300" y="685800"/>
+            <a:off x="381000" y="685800"/>
             <a:ext cx="6096000" cy="3429000"/>
           </a:xfrm>
           <a:custGeom>
@@ -2540,7 +2541,7 @@
         </p:nvSpPr>
         <p:spPr>
           <a:xfrm>
-            <a:off x="381300" y="685800"/>
+            <a:off x="381000" y="685800"/>
             <a:ext cx="6096000" cy="3429000"/>
           </a:xfrm>
           <a:custGeom>
@@ -2648,7 +2649,7 @@
         </p:nvSpPr>
         <p:spPr>
           <a:xfrm>
-            <a:off x="381300" y="685800"/>
+            <a:off x="381000" y="685800"/>
             <a:ext cx="6096000" cy="3429000"/>
           </a:xfrm>
           <a:custGeom>
@@ -8291,44 +8292,6 @@
           </a:p>
         </p:txBody>
       </p:sp>
-      <p:sp>
-        <p:nvSpPr>
-          <p:cNvPr id="64" name="Google Shape;64;p13"/>
-          <p:cNvSpPr txBox="1">
-            <a:spLocks noGrp="1"/>
-          </p:cNvSpPr>
-          <p:nvPr>
-            <p:ph type="subTitle" idx="1"/>
-          </p:nvPr>
-        </p:nvSpPr>
-        <p:spPr>
-          <a:xfrm>
-            <a:off x="1680302" y="3049450"/>
-            <a:ext cx="5783400" cy="909000"/>
-          </a:xfrm>
-          <a:prstGeom prst="rect">
-            <a:avLst/>
-          </a:prstGeom>
-        </p:spPr>
-        <p:txBody>
-          <a:bodyPr spcFirstLastPara="1" wrap="square" lIns="91425" tIns="91425" rIns="91425" bIns="91425" anchor="t" anchorCtr="0">
-            <a:normAutofit/>
-          </a:bodyPr>
-          <a:lstStyle/>
-          <a:p>
-            <a:pPr marL="0" lvl="0" indent="0" algn="ctr" rtl="0">
-              <a:spcBef>
-                <a:spcPts val="0"/>
-              </a:spcBef>
-              <a:spcAft>
-                <a:spcPts val="0"/>
-              </a:spcAft>
-              <a:buNone/>
-            </a:pPr>
-            <a:endParaRPr/>
-          </a:p>
-        </p:txBody>
-      </p:sp>
     </p:spTree>
   </p:cSld>
   <p:clrMapOvr>
@@ -8439,10 +8402,10 @@
               <a:buNone/>
             </a:pPr>
             <a:r>
-              <a:rPr lang="en-GB"/>
+              <a:rPr lang="en-GB" dirty="0"/>
               <a:t># Count how many young boys with the name "Taylor" are born</a:t>
             </a:r>
-            <a:endParaRPr/>
+            <a:endParaRPr dirty="0"/>
           </a:p>
           <a:p>
             <a:pPr marL="0" lvl="0" indent="0" algn="l" rtl="0">
@@ -8455,10 +8418,26 @@
               <a:buNone/>
             </a:pPr>
             <a:r>
-              <a:rPr lang="en-GB"/>
-              <a:t>sum(select(filter(babynames,sex=="M",name=="Taylor"),n))</a:t>
-            </a:r>
-            <a:endParaRPr/>
+              <a:rPr lang="en-GB" dirty="0"/>
+              <a:t>sum(select(filter(</a:t>
+            </a:r>
+            <a:r>
+              <a:rPr lang="en-GB" dirty="0" err="1"/>
+              <a:t>babynames,sex</a:t>
+            </a:r>
+            <a:r>
+              <a:rPr lang="en-GB" dirty="0"/>
+              <a:t>=="</a:t>
+            </a:r>
+            <a:r>
+              <a:rPr lang="en-GB" dirty="0" err="1"/>
+              <a:t>M",name</a:t>
+            </a:r>
+            <a:r>
+              <a:rPr lang="en-GB" dirty="0"/>
+              <a:t>=="Taylor"),n))</a:t>
+            </a:r>
+            <a:endParaRPr dirty="0"/>
           </a:p>
           <a:p>
             <a:pPr marL="0" lvl="0" indent="0" algn="l" rtl="0">
@@ -8470,7 +8449,7 @@
               </a:spcAft>
               <a:buNone/>
             </a:pPr>
-            <a:endParaRPr/>
+            <a:endParaRPr dirty="0"/>
           </a:p>
           <a:p>
             <a:pPr marL="0" lvl="0" indent="0" algn="l" rtl="0">
@@ -8483,10 +8462,10 @@
               <a:buNone/>
             </a:pPr>
             <a:r>
-              <a:rPr lang="en-GB"/>
+              <a:rPr lang="en-GB" dirty="0"/>
               <a:t># Do the same but now with `%&gt;%`</a:t>
             </a:r>
-            <a:endParaRPr/>
+            <a:endParaRPr dirty="0"/>
           </a:p>
           <a:p>
             <a:pPr marL="0" lvl="0" indent="0" algn="l" rtl="0">
@@ -8499,10 +8478,14 @@
               <a:buNone/>
             </a:pPr>
             <a:r>
-              <a:rPr lang="en-GB"/>
-              <a:t>Babynames %&gt;% </a:t>
-            </a:r>
-            <a:endParaRPr/>
+              <a:rPr lang="en-GB" dirty="0" err="1"/>
+              <a:t>Babynames</a:t>
+            </a:r>
+            <a:r>
+              <a:rPr lang="en-GB" dirty="0"/>
+              <a:t> %&gt;% </a:t>
+            </a:r>
+            <a:endParaRPr dirty="0"/>
           </a:p>
           <a:p>
             <a:pPr marL="457200" lvl="0" indent="457200" algn="l" rtl="0">
@@ -8515,10 +8498,18 @@
               <a:buNone/>
             </a:pPr>
             <a:r>
-              <a:rPr lang="en-GB"/>
-              <a:t>filter(sex=="M",name=="Taylor") %&gt;%</a:t>
-            </a:r>
-            <a:endParaRPr/>
+              <a:rPr lang="en-GB" dirty="0"/>
+              <a:t>filter(sex=="</a:t>
+            </a:r>
+            <a:r>
+              <a:rPr lang="en-GB" dirty="0" err="1"/>
+              <a:t>M",name</a:t>
+            </a:r>
+            <a:r>
+              <a:rPr lang="en-GB" dirty="0"/>
+              <a:t>=="Taylor") %&gt;%</a:t>
+            </a:r>
+            <a:endParaRPr dirty="0"/>
           </a:p>
           <a:p>
             <a:pPr marL="0" lvl="0" indent="0" algn="l" rtl="0">
@@ -8531,10 +8522,10 @@
               <a:buNone/>
             </a:pPr>
             <a:r>
-              <a:rPr lang="en-GB"/>
+              <a:rPr lang="en-GB" dirty="0"/>
               <a:t>            	select(n) %&gt;%</a:t>
             </a:r>
-            <a:endParaRPr/>
+            <a:endParaRPr dirty="0"/>
           </a:p>
           <a:p>
             <a:pPr marL="0" lvl="0" indent="0" algn="l" rtl="0">
@@ -8547,10 +8538,10 @@
               <a:buNone/>
             </a:pPr>
             <a:r>
-              <a:rPr lang="en-GB"/>
+              <a:rPr lang="en-GB" dirty="0"/>
               <a:t>            	sum()</a:t>
             </a:r>
-            <a:endParaRPr/>
+            <a:endParaRPr dirty="0"/>
           </a:p>
         </p:txBody>
       </p:sp>
@@ -8642,7 +8633,7 @@
         </p:spPr>
         <p:txBody>
           <a:bodyPr spcFirstLastPara="1" wrap="square" lIns="91425" tIns="91425" rIns="91425" bIns="91425" anchor="t" anchorCtr="0">
-            <a:normAutofit fontScale="85000" lnSpcReduction="20000"/>
+            <a:normAutofit fontScale="77500" lnSpcReduction="20000"/>
           </a:bodyPr>
           <a:lstStyle/>
           <a:p>
@@ -8656,10 +8647,10 @@
               <a:buNone/>
             </a:pPr>
             <a:r>
-              <a:rPr lang="en-GB"/>
+              <a:rPr lang="en-GB" dirty="0"/>
               <a:t># Initialize a matrix `ma` </a:t>
             </a:r>
-            <a:endParaRPr/>
+            <a:endParaRPr dirty="0"/>
           </a:p>
           <a:p>
             <a:pPr marL="0" lvl="0" indent="0" algn="l" rtl="0">
@@ -8672,10 +8663,10 @@
               <a:buNone/>
             </a:pPr>
             <a:r>
-              <a:rPr lang="en-GB"/>
+              <a:rPr lang="en-GB" dirty="0"/>
               <a:t>ma &lt;- matrix(1:12, 3, 4)</a:t>
             </a:r>
-            <a:endParaRPr/>
+            <a:endParaRPr dirty="0"/>
           </a:p>
           <a:p>
             <a:pPr marL="0" lvl="0" indent="0" algn="l" rtl="0">
@@ -8687,7 +8678,7 @@
               </a:spcAft>
               <a:buNone/>
             </a:pPr>
-            <a:endParaRPr/>
+            <a:endParaRPr dirty="0"/>
           </a:p>
           <a:p>
             <a:pPr marL="0" lvl="0" indent="0" algn="l" rtl="0">
@@ -8700,10 +8691,10 @@
               <a:buNone/>
             </a:pPr>
             <a:r>
-              <a:rPr lang="en-GB"/>
+              <a:rPr lang="en-GB" dirty="0"/>
               <a:t># Return the maximum of the values inputted</a:t>
             </a:r>
-            <a:endParaRPr/>
+            <a:endParaRPr dirty="0"/>
           </a:p>
           <a:p>
             <a:pPr marL="0" lvl="0" indent="0" algn="l" rtl="0">
@@ -8716,10 +8707,26 @@
               <a:buNone/>
             </a:pPr>
             <a:r>
-              <a:rPr lang="en-GB"/>
-              <a:t>max(ma, nrow(ma), ncol(ma))</a:t>
-            </a:r>
-            <a:endParaRPr/>
+              <a:rPr lang="en-GB" dirty="0"/>
+              <a:t>max(ma, </a:t>
+            </a:r>
+            <a:r>
+              <a:rPr lang="en-GB" dirty="0" err="1"/>
+              <a:t>nrow</a:t>
+            </a:r>
+            <a:r>
+              <a:rPr lang="en-GB" dirty="0"/>
+              <a:t>(ma), </a:t>
+            </a:r>
+            <a:r>
+              <a:rPr lang="en-GB" dirty="0" err="1"/>
+              <a:t>ncol</a:t>
+            </a:r>
+            <a:r>
+              <a:rPr lang="en-GB" dirty="0"/>
+              <a:t>(ma))</a:t>
+            </a:r>
+            <a:endParaRPr dirty="0"/>
           </a:p>
           <a:p>
             <a:pPr marL="0" lvl="0" indent="0" algn="l" rtl="0">
@@ -8731,7 +8738,7 @@
               </a:spcAft>
               <a:buNone/>
             </a:pPr>
-            <a:endParaRPr/>
+            <a:endParaRPr dirty="0"/>
           </a:p>
           <a:p>
             <a:pPr marL="0" lvl="0" indent="0" algn="l" rtl="0">
@@ -8744,10 +8751,10 @@
               <a:buNone/>
             </a:pPr>
             <a:r>
-              <a:rPr lang="en-GB"/>
+              <a:rPr lang="en-GB" dirty="0"/>
               <a:t># Return the maximum of the values inputted</a:t>
             </a:r>
-            <a:endParaRPr/>
+            <a:endParaRPr dirty="0"/>
           </a:p>
           <a:p>
             <a:pPr marL="0" lvl="0" indent="0" algn="l" rtl="0">
@@ -8760,10 +8767,26 @@
               <a:buNone/>
             </a:pPr>
             <a:r>
-              <a:rPr lang="en-GB"/>
-              <a:t>ma %&gt;% max(nrow(ma), ncol(ma))</a:t>
-            </a:r>
-            <a:endParaRPr/>
+              <a:rPr lang="en-GB" dirty="0"/>
+              <a:t>ma %&gt;% max(</a:t>
+            </a:r>
+            <a:r>
+              <a:rPr lang="en-GB" dirty="0" err="1"/>
+              <a:t>nrow</a:t>
+            </a:r>
+            <a:r>
+              <a:rPr lang="en-GB" dirty="0"/>
+              <a:t>(.), </a:t>
+            </a:r>
+            <a:r>
+              <a:rPr lang="en-GB" dirty="0" err="1"/>
+              <a:t>ncol</a:t>
+            </a:r>
+            <a:r>
+              <a:rPr lang="en-GB" dirty="0"/>
+              <a:t>(.)</a:t>
+            </a:r>
+            <a:endParaRPr dirty="0"/>
           </a:p>
         </p:txBody>
       </p:sp>
@@ -8995,18 +9018,18 @@
               <a:buChar char="●"/>
             </a:pPr>
             <a:r>
-              <a:rPr lang="en-GB" sz="2000"/>
+              <a:rPr lang="en-GB" sz="2000" dirty="0"/>
               <a:t>It’s easier to </a:t>
             </a:r>
             <a:r>
-              <a:rPr lang="en-GB" sz="2000" b="1" u="sng"/>
+              <a:rPr lang="en-GB" sz="2000" b="1" u="sng" dirty="0"/>
               <a:t>see the intent</a:t>
             </a:r>
             <a:r>
-              <a:rPr lang="en-GB" sz="2000"/>
+              <a:rPr lang="en-GB" sz="2000" dirty="0"/>
               <a:t> of your code, because your eyes are drawn to what’s different, not what stays the same.</a:t>
             </a:r>
-            <a:endParaRPr sz="2000"/>
+            <a:endParaRPr sz="2000" dirty="0"/>
           </a:p>
           <a:p>
             <a:pPr marL="457200" lvl="0" indent="-355600" algn="l" rtl="0">
@@ -9020,18 +9043,18 @@
               <a:buChar char="●"/>
             </a:pPr>
             <a:r>
-              <a:rPr lang="en-GB" sz="2000"/>
+              <a:rPr lang="en-GB" sz="2000" dirty="0"/>
               <a:t>It’s easier to </a:t>
             </a:r>
             <a:r>
-              <a:rPr lang="en-GB" sz="2000" u="sng"/>
+              <a:rPr lang="en-GB" sz="2000" u="sng" dirty="0"/>
               <a:t>respond to changes</a:t>
             </a:r>
             <a:r>
-              <a:rPr lang="en-GB" sz="2000"/>
+              <a:rPr lang="en-GB" sz="2000" dirty="0"/>
               <a:t> in requirements. As your needs change, you only need to make changes in one place, rather than remembering to change every place that you copied-and-pasted the code.</a:t>
             </a:r>
-            <a:endParaRPr sz="2000"/>
+            <a:endParaRPr sz="2000" dirty="0"/>
           </a:p>
           <a:p>
             <a:pPr marL="457200" lvl="0" indent="-355600" algn="l" rtl="0">
@@ -9045,18 +9068,18 @@
               <a:buChar char="●"/>
             </a:pPr>
             <a:r>
-              <a:rPr lang="en-GB" sz="2000"/>
+              <a:rPr lang="en-GB" sz="2000" dirty="0"/>
               <a:t>You’re likely to have</a:t>
             </a:r>
             <a:r>
-              <a:rPr lang="en-GB" sz="2000" b="1" u="sng"/>
+              <a:rPr lang="en-GB" sz="2000" b="1" u="sng" dirty="0"/>
               <a:t> fewer bugs </a:t>
             </a:r>
             <a:r>
-              <a:rPr lang="en-GB" sz="2000"/>
+              <a:rPr lang="en-GB" sz="2000" dirty="0"/>
               <a:t>because each line of code is used in more places</a:t>
             </a:r>
-            <a:endParaRPr sz="2000"/>
+            <a:endParaRPr sz="2000" dirty="0"/>
           </a:p>
         </p:txBody>
       </p:sp>
@@ -9162,10 +9185,18 @@
               <a:buNone/>
             </a:pPr>
             <a:r>
-              <a:rPr lang="en-GB" sz="2600"/>
-              <a:t>for(i in 1:100){</a:t>
-            </a:r>
-            <a:endParaRPr sz="2600"/>
+              <a:rPr lang="en-GB" sz="2600" dirty="0"/>
+              <a:t>for(</a:t>
+            </a:r>
+            <a:r>
+              <a:rPr lang="en-GB" sz="2600" dirty="0" err="1"/>
+              <a:t>i</a:t>
+            </a:r>
+            <a:r>
+              <a:rPr lang="en-GB" sz="2600" dirty="0"/>
+              <a:t> in 1:100){</a:t>
+            </a:r>
+            <a:endParaRPr sz="2600" dirty="0"/>
           </a:p>
           <a:p>
             <a:pPr marL="1828800" lvl="0" indent="457200" algn="l" rtl="0">
@@ -9178,10 +9209,18 @@
               <a:buNone/>
             </a:pPr>
             <a:r>
-              <a:rPr lang="en-GB" sz="2600"/>
-              <a:t>print(i)</a:t>
-            </a:r>
-            <a:endParaRPr sz="2600"/>
+              <a:rPr lang="en-GB" sz="2600" dirty="0"/>
+              <a:t>print(</a:t>
+            </a:r>
+            <a:r>
+              <a:rPr lang="en-GB" sz="2600" dirty="0" err="1"/>
+              <a:t>i</a:t>
+            </a:r>
+            <a:r>
+              <a:rPr lang="en-GB" sz="2600" dirty="0"/>
+              <a:t>)</a:t>
+            </a:r>
+            <a:endParaRPr sz="2600" dirty="0"/>
           </a:p>
           <a:p>
             <a:pPr marL="1828800" lvl="0" indent="0" algn="l" rtl="0">
@@ -9194,10 +9233,10 @@
               <a:buNone/>
             </a:pPr>
             <a:r>
-              <a:rPr lang="en-GB" sz="2600"/>
+              <a:rPr lang="en-GB" sz="2600" dirty="0"/>
               <a:t>}</a:t>
             </a:r>
-            <a:endParaRPr sz="2600"/>
+            <a:endParaRPr sz="2600" dirty="0"/>
           </a:p>
           <a:p>
             <a:pPr marL="457200" lvl="0" indent="457200" algn="l" rtl="0">
@@ -9209,7 +9248,7 @@
               </a:spcAft>
               <a:buNone/>
             </a:pPr>
-            <a:endParaRPr sz="2600"/>
+            <a:endParaRPr sz="2600" dirty="0"/>
           </a:p>
         </p:txBody>
       </p:sp>
@@ -9872,7 +9911,7 @@
         </p:spPr>
         <p:txBody>
           <a:bodyPr spcFirstLastPara="1" wrap="square" lIns="91425" tIns="91425" rIns="91425" bIns="91425" anchor="t" anchorCtr="0">
-            <a:normAutofit lnSpcReduction="20000"/>
+            <a:normAutofit lnSpcReduction="10000"/>
           </a:bodyPr>
           <a:lstStyle/>
           <a:p>
@@ -9886,10 +9925,70 @@
               <a:buNone/>
             </a:pPr>
             <a:r>
-              <a:rPr lang="en-GB"/>
+              <a:rPr lang="en-GB" dirty="0"/>
               <a:t>fun &lt;- function(x, character = FALSE) {</a:t>
             </a:r>
-            <a:endParaRPr/>
+            <a:endParaRPr dirty="0"/>
+          </a:p>
+          <a:p>
+            <a:pPr marL="457200" lvl="1" indent="0">
+              <a:spcBef>
+                <a:spcPts val="1200"/>
+              </a:spcBef>
+              <a:buNone/>
+            </a:pPr>
+            <a:r>
+              <a:rPr lang="en-GB" dirty="0"/>
+              <a:t>  if (character == FALSE) {</a:t>
+            </a:r>
+            <a:endParaRPr dirty="0"/>
+          </a:p>
+          <a:p>
+            <a:pPr marL="457200" lvl="1" indent="0">
+              <a:spcBef>
+                <a:spcPts val="1200"/>
+              </a:spcBef>
+              <a:buNone/>
+            </a:pPr>
+            <a:r>
+              <a:rPr lang="en-GB" dirty="0"/>
+              <a:t>    x ^ 2 } else {</a:t>
+            </a:r>
+            <a:endParaRPr dirty="0"/>
+          </a:p>
+          <a:p>
+            <a:pPr marL="457200" lvl="1" indent="0">
+              <a:spcBef>
+                <a:spcPts val="1200"/>
+              </a:spcBef>
+              <a:buNone/>
+            </a:pPr>
+            <a:r>
+              <a:rPr lang="en-GB" dirty="0"/>
+              <a:t>    </a:t>
+            </a:r>
+            <a:r>
+              <a:rPr lang="en-GB" dirty="0" err="1"/>
+              <a:t>as.character</a:t>
+            </a:r>
+            <a:r>
+              <a:rPr lang="en-GB" dirty="0"/>
+              <a:t>(x ^2) }</a:t>
+            </a:r>
+            <a:endParaRPr dirty="0"/>
+          </a:p>
+          <a:p>
+            <a:pPr marL="457200" lvl="1" indent="0">
+              <a:spcBef>
+                <a:spcPts val="1200"/>
+              </a:spcBef>
+              <a:buNone/>
+            </a:pPr>
+            <a:r>
+              <a:rPr lang="en-GB" dirty="0"/>
+              <a:t>}</a:t>
+            </a:r>
+            <a:endParaRPr dirty="0"/>
           </a:p>
           <a:p>
             <a:pPr marL="0" lvl="0" indent="0" algn="l" rtl="0">
@@ -9902,10 +10001,10 @@
               <a:buNone/>
             </a:pPr>
             <a:r>
-              <a:rPr lang="en-GB"/>
-              <a:t>  if (character == FALSE) {</a:t>
-            </a:r>
-            <a:endParaRPr/>
+              <a:rPr lang="en-GB" dirty="0"/>
+              <a:t>##################</a:t>
+            </a:r>
+            <a:endParaRPr dirty="0"/>
           </a:p>
           <a:p>
             <a:pPr marL="0" lvl="0" indent="0" algn="l" rtl="0">
@@ -9913,79 +10012,15 @@
                 <a:spcPts val="1200"/>
               </a:spcBef>
               <a:spcAft>
-                <a:spcPts val="0"/>
-              </a:spcAft>
-              <a:buNone/>
-            </a:pPr>
-            <a:r>
-              <a:rPr lang="en-GB"/>
-              <a:t>    x ^ 2 } else {</a:t>
-            </a:r>
-            <a:endParaRPr/>
-          </a:p>
-          <a:p>
-            <a:pPr marL="0" lvl="0" indent="0" algn="l" rtl="0">
-              <a:spcBef>
                 <a:spcPts val="1200"/>
-              </a:spcBef>
-              <a:spcAft>
-                <a:spcPts val="0"/>
-              </a:spcAft>
-              <a:buNone/>
-            </a:pPr>
-            <a:r>
-              <a:rPr lang="en-GB"/>
-              <a:t>    as.character(x ^2) }</a:t>
-            </a:r>
-            <a:endParaRPr/>
-          </a:p>
-          <a:p>
-            <a:pPr marL="0" lvl="0" indent="0" algn="l" rtl="0">
-              <a:spcBef>
-                <a:spcPts val="1200"/>
-              </a:spcBef>
-              <a:spcAft>
-                <a:spcPts val="0"/>
-              </a:spcAft>
-              <a:buNone/>
-            </a:pPr>
-            <a:r>
-              <a:rPr lang="en-GB"/>
-              <a:t>}</a:t>
-            </a:r>
-            <a:endParaRPr/>
-          </a:p>
-          <a:p>
-            <a:pPr marL="0" lvl="0" indent="0" algn="l" rtl="0">
-              <a:spcBef>
-                <a:spcPts val="1200"/>
-              </a:spcBef>
-              <a:spcAft>
-                <a:spcPts val="0"/>
-              </a:spcAft>
-              <a:buNone/>
-            </a:pPr>
-            <a:r>
-              <a:rPr lang="en-GB"/>
-              <a:t>##################</a:t>
-            </a:r>
-            <a:endParaRPr/>
-          </a:p>
-          <a:p>
-            <a:pPr marL="0" lvl="0" indent="0" algn="l" rtl="0">
-              <a:spcBef>
-                <a:spcPts val="1200"/>
-              </a:spcBef>
-              <a:spcAft>
-                <a:spcPts val="1200"/>
-              </a:spcAft>
-              <a:buNone/>
-            </a:pPr>
-            <a:r>
-              <a:rPr lang="en-GB"/>
+              </a:spcAft>
+              <a:buNone/>
+            </a:pPr>
+            <a:r>
+              <a:rPr lang="en-GB" dirty="0"/>
               <a:t>apply(df, 2, fun)</a:t>
             </a:r>
-            <a:endParaRPr/>
+            <a:endParaRPr dirty="0"/>
           </a:p>
         </p:txBody>
       </p:sp>
@@ -10002,7 +10037,7 @@
   <p:cSld>
     <p:spTree>
       <p:nvGrpSpPr>
-        <p:cNvPr id="1" name="Shape 172"/>
+        <p:cNvPr id="1" name=""/>
         <p:cNvGrpSpPr/>
         <p:nvPr/>
       </p:nvGrpSpPr>
@@ -10016,109 +10051,101 @@
       </p:grpSpPr>
       <p:sp>
         <p:nvSpPr>
-          <p:cNvPr id="173" name="Google Shape;173;p31"/>
-          <p:cNvSpPr txBox="1">
+          <p:cNvPr id="2" name="Title 1">
+            <a:extLst>
+              <a:ext uri="{FF2B5EF4-FFF2-40B4-BE49-F238E27FC236}">
+                <a16:creationId xmlns:a16="http://schemas.microsoft.com/office/drawing/2014/main" id="{8F398EE8-2A07-4060-8517-17323B05ABCF}"/>
+              </a:ext>
+            </a:extLst>
+          </p:cNvPr>
+          <p:cNvSpPr>
             <a:spLocks noGrp="1"/>
           </p:cNvSpPr>
           <p:nvPr>
             <p:ph type="title"/>
           </p:nvPr>
         </p:nvSpPr>
-        <p:spPr>
-          <a:xfrm>
-            <a:off x="387900" y="458025"/>
-            <a:ext cx="8368200" cy="686100"/>
-          </a:xfrm>
-          <a:prstGeom prst="rect">
-            <a:avLst/>
-          </a:prstGeom>
-        </p:spPr>
+        <p:spPr/>
         <p:txBody>
-          <a:bodyPr spcFirstLastPara="1" wrap="square" lIns="91425" tIns="91425" rIns="91425" bIns="91425" anchor="b" anchorCtr="0">
-            <a:normAutofit/>
-          </a:bodyPr>
+          <a:bodyPr/>
           <a:lstStyle/>
           <a:p>
-            <a:pPr marL="0" lvl="0" indent="0" algn="l" rtl="0">
-              <a:spcBef>
-                <a:spcPts val="0"/>
-              </a:spcBef>
-              <a:spcAft>
-                <a:spcPts val="0"/>
-              </a:spcAft>
-              <a:buNone/>
-            </a:pPr>
-            <a:r>
-              <a:rPr lang="en-GB"/>
-              <a:t>Let’s head to R</a:t>
-            </a:r>
-            <a:endParaRPr/>
+            <a:r>
+              <a:rPr lang="en-MY" dirty="0"/>
+              <a:t>Round and curve bracket</a:t>
+            </a:r>
           </a:p>
         </p:txBody>
       </p:sp>
       <p:sp>
         <p:nvSpPr>
-          <p:cNvPr id="174" name="Google Shape;174;p31"/>
-          <p:cNvSpPr txBox="1">
+          <p:cNvPr id="3" name="Text Placeholder 2">
+            <a:extLst>
+              <a:ext uri="{FF2B5EF4-FFF2-40B4-BE49-F238E27FC236}">
+                <a16:creationId xmlns:a16="http://schemas.microsoft.com/office/drawing/2014/main" id="{7B1668BC-AB03-435A-850A-CA68EE5859D9}"/>
+              </a:ext>
+            </a:extLst>
+          </p:cNvPr>
+          <p:cNvSpPr>
             <a:spLocks noGrp="1"/>
           </p:cNvSpPr>
           <p:nvPr>
             <p:ph type="body" idx="1"/>
           </p:nvPr>
         </p:nvSpPr>
-        <p:spPr>
-          <a:xfrm>
-            <a:off x="387900" y="1489824"/>
-            <a:ext cx="8368200" cy="3078900"/>
-          </a:xfrm>
-          <a:prstGeom prst="rect">
-            <a:avLst/>
-          </a:prstGeom>
-        </p:spPr>
+        <p:spPr/>
         <p:txBody>
-          <a:bodyPr spcFirstLastPara="1" wrap="square" lIns="91425" tIns="91425" rIns="91425" bIns="91425" anchor="t" anchorCtr="0">
-            <a:normAutofit/>
-          </a:bodyPr>
+          <a:bodyPr/>
           <a:lstStyle/>
           <a:p>
-            <a:pPr marL="0" lvl="0" indent="0" algn="l" rtl="0">
-              <a:spcBef>
-                <a:spcPts val="0"/>
-              </a:spcBef>
-              <a:spcAft>
-                <a:spcPts val="0"/>
-              </a:spcAft>
-              <a:buNone/>
-            </a:pPr>
-            <a:r>
-              <a:rPr lang="en-GB" dirty="0"/>
-              <a:t>Download the script file for the workshop </a:t>
-            </a:r>
             <a:r>
               <a:rPr lang="en-MY" dirty="0"/>
-              <a:t>from </a:t>
-            </a:r>
-            <a:r>
-              <a:rPr lang="en-MY"/>
-              <a:t>github</a:t>
-            </a:r>
-            <a:endParaRPr dirty="0"/>
-          </a:p>
-          <a:p>
-            <a:pPr marL="0" lvl="0" indent="0" algn="l" rtl="0">
-              <a:spcBef>
-                <a:spcPts val="1200"/>
-              </a:spcBef>
-              <a:spcAft>
-                <a:spcPts val="1200"/>
-              </a:spcAft>
-              <a:buNone/>
-            </a:pPr>
-            <a:endParaRPr dirty="0"/>
+              <a:t>If(x==2){run this}</a:t>
+            </a:r>
+          </a:p>
+          <a:p>
+            <a:r>
+              <a:rPr lang="en-MY" dirty="0"/>
+              <a:t>function(input arguments){do this in a functions}</a:t>
+            </a:r>
+          </a:p>
+          <a:p>
+            <a:r>
+              <a:rPr lang="en-MY" dirty="0"/>
+              <a:t>For(</a:t>
+            </a:r>
+            <a:r>
+              <a:rPr lang="en-MY" dirty="0" err="1"/>
+              <a:t>i</a:t>
+            </a:r>
+            <a:r>
+              <a:rPr lang="en-MY" dirty="0"/>
+              <a:t> in 1:10){do this for 10 times}</a:t>
+            </a:r>
+          </a:p>
+          <a:p>
+            <a:endParaRPr lang="en-MY" dirty="0"/>
+          </a:p>
+          <a:p>
+            <a:r>
+              <a:rPr lang="en-MY" dirty="0"/>
+              <a:t>X &lt;- {data of an array}</a:t>
+            </a:r>
+          </a:p>
+          <a:p>
+            <a:r>
+              <a:rPr lang="en-MY" dirty="0"/>
+              <a:t>X &lt;- c(1,2,3,4,5)</a:t>
+            </a:r>
           </a:p>
         </p:txBody>
       </p:sp>
     </p:spTree>
+    <p:extLst>
+      <p:ext uri="{BB962C8B-B14F-4D97-AF65-F5344CB8AC3E}">
+        <p14:creationId xmlns:p14="http://schemas.microsoft.com/office/powerpoint/2010/main" val="3370442602"/>
+      </p:ext>
+    </p:extLst>
   </p:cSld>
   <p:clrMapOvr>
     <a:masterClrMapping/>
@@ -10252,7 +10279,7 @@
             </a:pPr>
             <a:r>
               <a:rPr lang="en-MY" dirty="0"/>
-              <a:t>Basic concepts of Apply</a:t>
+              <a:t>Basic concepts of apply</a:t>
             </a:r>
           </a:p>
           <a:p>
@@ -10295,6 +10322,135 @@
               <a:spcAft>
                 <a:spcPts val="1200"/>
               </a:spcAft>
+            </a:pPr>
+            <a:endParaRPr dirty="0"/>
+          </a:p>
+        </p:txBody>
+      </p:sp>
+    </p:spTree>
+  </p:cSld>
+  <p:clrMapOvr>
+    <a:masterClrMapping/>
+  </p:clrMapOvr>
+</p:sld>
+</file>
+
+<file path=ppt/slides/slide20.xml><?xml version="1.0" encoding="utf-8"?>
+<p:sld xmlns:a="http://schemas.openxmlformats.org/drawingml/2006/main" xmlns:r="http://schemas.openxmlformats.org/officeDocument/2006/relationships" xmlns:p="http://schemas.openxmlformats.org/presentationml/2006/main">
+  <p:cSld>
+    <p:spTree>
+      <p:nvGrpSpPr>
+        <p:cNvPr id="1" name="Shape 172"/>
+        <p:cNvGrpSpPr/>
+        <p:nvPr/>
+      </p:nvGrpSpPr>
+      <p:grpSpPr>
+        <a:xfrm>
+          <a:off x="0" y="0"/>
+          <a:ext cx="0" cy="0"/>
+          <a:chOff x="0" y="0"/>
+          <a:chExt cx="0" cy="0"/>
+        </a:xfrm>
+      </p:grpSpPr>
+      <p:sp>
+        <p:nvSpPr>
+          <p:cNvPr id="173" name="Google Shape;173;p31"/>
+          <p:cNvSpPr txBox="1">
+            <a:spLocks noGrp="1"/>
+          </p:cNvSpPr>
+          <p:nvPr>
+            <p:ph type="title"/>
+          </p:nvPr>
+        </p:nvSpPr>
+        <p:spPr>
+          <a:xfrm>
+            <a:off x="387900" y="458025"/>
+            <a:ext cx="8368200" cy="686100"/>
+          </a:xfrm>
+          <a:prstGeom prst="rect">
+            <a:avLst/>
+          </a:prstGeom>
+        </p:spPr>
+        <p:txBody>
+          <a:bodyPr spcFirstLastPara="1" wrap="square" lIns="91425" tIns="91425" rIns="91425" bIns="91425" anchor="b" anchorCtr="0">
+            <a:normAutofit/>
+          </a:bodyPr>
+          <a:lstStyle/>
+          <a:p>
+            <a:pPr marL="0" lvl="0" indent="0" algn="l" rtl="0">
+              <a:spcBef>
+                <a:spcPts val="0"/>
+              </a:spcBef>
+              <a:spcAft>
+                <a:spcPts val="0"/>
+              </a:spcAft>
+              <a:buNone/>
+            </a:pPr>
+            <a:r>
+              <a:rPr lang="en-GB"/>
+              <a:t>Let’s head to R</a:t>
+            </a:r>
+            <a:endParaRPr/>
+          </a:p>
+        </p:txBody>
+      </p:sp>
+      <p:sp>
+        <p:nvSpPr>
+          <p:cNvPr id="174" name="Google Shape;174;p31"/>
+          <p:cNvSpPr txBox="1">
+            <a:spLocks noGrp="1"/>
+          </p:cNvSpPr>
+          <p:nvPr>
+            <p:ph type="body" idx="1"/>
+          </p:nvPr>
+        </p:nvSpPr>
+        <p:spPr>
+          <a:xfrm>
+            <a:off x="387900" y="1489824"/>
+            <a:ext cx="8368200" cy="3078900"/>
+          </a:xfrm>
+          <a:prstGeom prst="rect">
+            <a:avLst/>
+          </a:prstGeom>
+        </p:spPr>
+        <p:txBody>
+          <a:bodyPr spcFirstLastPara="1" wrap="square" lIns="91425" tIns="91425" rIns="91425" bIns="91425" anchor="t" anchorCtr="0">
+            <a:normAutofit/>
+          </a:bodyPr>
+          <a:lstStyle/>
+          <a:p>
+            <a:pPr marL="0" lvl="0" indent="0" algn="l" rtl="0">
+              <a:spcBef>
+                <a:spcPts val="0"/>
+              </a:spcBef>
+              <a:spcAft>
+                <a:spcPts val="0"/>
+              </a:spcAft>
+              <a:buNone/>
+            </a:pPr>
+            <a:r>
+              <a:rPr lang="en-GB" dirty="0"/>
+              <a:t>Download the script file for the workshop </a:t>
+            </a:r>
+            <a:r>
+              <a:rPr lang="en-MY" dirty="0"/>
+              <a:t>from </a:t>
+            </a:r>
+            <a:r>
+              <a:rPr lang="en-MY"/>
+              <a:t>github</a:t>
+            </a:r>
+            <a:endParaRPr dirty="0"/>
+          </a:p>
+          <a:p>
+            <a:pPr marL="0" lvl="0" indent="0" algn="l" rtl="0">
+              <a:spcBef>
+                <a:spcPts val="1200"/>
+              </a:spcBef>
+              <a:spcAft>
+                <a:spcPts val="1200"/>
+              </a:spcAft>
+              <a:buNone/>
             </a:pPr>
             <a:endParaRPr dirty="0"/>
           </a:p>
@@ -10410,10 +10566,10 @@
               <a:buNone/>
             </a:pPr>
             <a:r>
-              <a:rPr lang="en-GB"/>
+              <a:rPr lang="en-GB" dirty="0"/>
               <a:t>If you have two functions, let's say f:B→C and g:A→B, you can chain these functions together by taking the output of one function and inserting it into the next. </a:t>
             </a:r>
-            <a:endParaRPr/>
+            <a:endParaRPr dirty="0"/>
           </a:p>
           <a:p>
             <a:pPr marL="0" lvl="0" indent="0" algn="l" rtl="0">
@@ -10426,10 +10582,10 @@
               <a:buNone/>
             </a:pPr>
             <a:r>
-              <a:rPr lang="en-GB"/>
+              <a:rPr lang="en-GB" dirty="0"/>
               <a:t>In short, "chaining" means that you pass an intermediate result onto the next function, but you'll see more about that later.</a:t>
             </a:r>
-            <a:endParaRPr/>
+            <a:endParaRPr dirty="0"/>
           </a:p>
           <a:p>
             <a:pPr marL="0" lvl="0" indent="0" algn="l" rtl="0">
@@ -10441,7 +10597,7 @@
               </a:spcAft>
               <a:buNone/>
             </a:pPr>
-            <a:endParaRPr/>
+            <a:endParaRPr dirty="0"/>
           </a:p>
           <a:p>
             <a:pPr marL="0" lvl="0" indent="0" algn="l" rtl="0">
@@ -10454,10 +10610,18 @@
               <a:buNone/>
             </a:pPr>
             <a:r>
-              <a:rPr lang="en-GB"/>
-              <a:t>Data %&gt;% do_this()</a:t>
-            </a:r>
-            <a:endParaRPr/>
+              <a:rPr lang="en-GB" dirty="0"/>
+              <a:t>Data %&gt;% </a:t>
+            </a:r>
+            <a:r>
+              <a:rPr lang="en-GB" dirty="0" err="1"/>
+              <a:t>do_this</a:t>
+            </a:r>
+            <a:r>
+              <a:rPr lang="en-GB" dirty="0"/>
+              <a:t>()</a:t>
+            </a:r>
+            <a:endParaRPr dirty="0"/>
           </a:p>
           <a:p>
             <a:pPr marL="0" lvl="0" indent="0" algn="l" rtl="0">
@@ -10470,10 +10634,18 @@
               <a:buNone/>
             </a:pPr>
             <a:r>
-              <a:rPr lang="en-GB"/>
-              <a:t>	%&gt;% then_do_this()</a:t>
-            </a:r>
-            <a:endParaRPr/>
+              <a:rPr lang="en-GB" dirty="0"/>
+              <a:t>	%&gt;% </a:t>
+            </a:r>
+            <a:r>
+              <a:rPr lang="en-GB" dirty="0" err="1"/>
+              <a:t>then_do_this</a:t>
+            </a:r>
+            <a:r>
+              <a:rPr lang="en-GB" dirty="0"/>
+              <a:t>()</a:t>
+            </a:r>
+            <a:endParaRPr dirty="0"/>
           </a:p>
           <a:p>
             <a:pPr marL="0" lvl="0" indent="0" algn="l" rtl="0">
@@ -10486,10 +10658,18 @@
               <a:buNone/>
             </a:pPr>
             <a:r>
-              <a:rPr lang="en-GB"/>
-              <a:t>	%&gt;% then_again_do_this()</a:t>
-            </a:r>
-            <a:endParaRPr/>
+              <a:rPr lang="en-GB" dirty="0"/>
+              <a:t>	%&gt;% </a:t>
+            </a:r>
+            <a:r>
+              <a:rPr lang="en-GB" dirty="0" err="1"/>
+              <a:t>then_again_do_this</a:t>
+            </a:r>
+            <a:r>
+              <a:rPr lang="en-GB" dirty="0"/>
+              <a:t>()</a:t>
+            </a:r>
+            <a:endParaRPr dirty="0"/>
           </a:p>
         </p:txBody>
       </p:sp>
@@ -10624,10 +10804,10 @@
               <a:buChar char="●"/>
             </a:pPr>
             <a:r>
-              <a:rPr lang="en-GB" sz="2100"/>
+              <a:rPr lang="en-GB" sz="2100" dirty="0"/>
               <a:t>The newly updated R 4.1 includes a native pipe operation (|&gt;)</a:t>
             </a:r>
-            <a:endParaRPr sz="2100"/>
+            <a:endParaRPr sz="2100" dirty="0"/>
           </a:p>
           <a:p>
             <a:pPr marL="457200" lvl="0" indent="-361950" algn="l" rtl="0">
@@ -10641,10 +10821,10 @@
               <a:buChar char="●"/>
             </a:pPr>
             <a:r>
-              <a:rPr lang="en-GB" sz="2100"/>
+              <a:rPr lang="en-GB" sz="2100" dirty="0"/>
               <a:t>This will not be discussed at this time since some packages  that is crucial to your workflow might not longer be supported in newer packages</a:t>
             </a:r>
-            <a:endParaRPr sz="2100"/>
+            <a:endParaRPr sz="2100" dirty="0"/>
           </a:p>
           <a:p>
             <a:pPr marL="457200" lvl="0" indent="-361950" algn="l" rtl="0">
@@ -10658,10 +10838,10 @@
               <a:buChar char="●"/>
             </a:pPr>
             <a:r>
-              <a:rPr lang="en-GB" sz="2100"/>
+              <a:rPr lang="en-GB" sz="2100" dirty="0"/>
               <a:t>Some participants might not have updated to R 4.1</a:t>
             </a:r>
-            <a:endParaRPr sz="2100"/>
+            <a:endParaRPr sz="2100" dirty="0"/>
           </a:p>
           <a:p>
             <a:pPr marL="457200" lvl="0" indent="-361950" algn="l" rtl="0">
@@ -10675,10 +10855,18 @@
               <a:buChar char="●"/>
             </a:pPr>
             <a:r>
-              <a:rPr lang="en-GB" sz="2100"/>
-              <a:t>Essentially, the pipe operation from Magrittr (%&gt;%) behaves similar to the new pipe operation ( |&gt; ) </a:t>
-            </a:r>
-            <a:endParaRPr sz="2100"/>
+              <a:rPr lang="en-GB" sz="2100" dirty="0"/>
+              <a:t>Essentially, the pipe operation from </a:t>
+            </a:r>
+            <a:r>
+              <a:rPr lang="en-GB" sz="2100" dirty="0" err="1"/>
+              <a:t>Magrittr</a:t>
+            </a:r>
+            <a:r>
+              <a:rPr lang="en-GB" sz="2100" dirty="0"/>
+              <a:t> (%&gt;%) behaves similar to the new pipe operation ( |&gt; ) </a:t>
+            </a:r>
+            <a:endParaRPr sz="2100" dirty="0"/>
           </a:p>
         </p:txBody>
       </p:sp>
@@ -10770,7 +10958,7 @@
         </p:spPr>
         <p:txBody>
           <a:bodyPr spcFirstLastPara="1" wrap="square" lIns="91425" tIns="91425" rIns="91425" bIns="91425" anchor="t" anchorCtr="0">
-            <a:normAutofit lnSpcReduction="20000"/>
+            <a:normAutofit/>
           </a:bodyPr>
           <a:lstStyle/>
           <a:p>
@@ -10784,10 +10972,10 @@
               <a:buNone/>
             </a:pPr>
             <a:r>
-              <a:rPr lang="en-GB" b="1" u="sng"/>
+              <a:rPr lang="en-GB" b="1" u="sng" dirty="0"/>
               <a:t>Basic piping</a:t>
             </a:r>
-            <a:endParaRPr b="1" u="sng"/>
+            <a:endParaRPr b="1" u="sng" dirty="0"/>
           </a:p>
           <a:p>
             <a:pPr marL="0" lvl="0" indent="0" algn="l" rtl="0">
@@ -10800,10 +10988,10 @@
               <a:buNone/>
             </a:pPr>
             <a:r>
-              <a:rPr lang="en-GB"/>
-              <a:t>x %&gt;% f is equivalent to f(x)</a:t>
-            </a:r>
-            <a:endParaRPr/>
+              <a:rPr lang="en-GB" dirty="0"/>
+              <a:t>x %&gt;% f() is equivalent to f(x)</a:t>
+            </a:r>
+            <a:endParaRPr dirty="0"/>
           </a:p>
           <a:p>
             <a:pPr marL="0" lvl="0" indent="0" algn="l" rtl="0">
@@ -10815,7 +11003,7 @@
               </a:spcAft>
               <a:buNone/>
             </a:pPr>
-            <a:endParaRPr/>
+            <a:endParaRPr dirty="0"/>
           </a:p>
           <a:p>
             <a:pPr marL="0" lvl="0" indent="0" algn="l" rtl="0">
@@ -10828,10 +11016,10 @@
               <a:buNone/>
             </a:pPr>
             <a:r>
-              <a:rPr lang="en-GB" u="sng"/>
+              <a:rPr lang="en-GB" u="sng" dirty="0"/>
               <a:t>Using an Argument holder ( . )</a:t>
             </a:r>
-            <a:endParaRPr u="sng"/>
+            <a:endParaRPr u="sng" dirty="0"/>
           </a:p>
           <a:p>
             <a:pPr marL="0" lvl="0" indent="0" algn="l" rtl="0">
@@ -10844,10 +11032,10 @@
               <a:buNone/>
             </a:pPr>
             <a:r>
-              <a:rPr lang="en-GB"/>
+              <a:rPr lang="en-GB" dirty="0"/>
               <a:t>x %&gt;% f(y, .) is equivalent to f(y, x)</a:t>
             </a:r>
-            <a:endParaRPr/>
+            <a:endParaRPr dirty="0"/>
           </a:p>
           <a:p>
             <a:pPr marL="0" lvl="0" indent="0" algn="l" rtl="0">
@@ -10860,10 +11048,10 @@
               <a:buNone/>
             </a:pPr>
             <a:r>
-              <a:rPr lang="en-GB"/>
+              <a:rPr lang="en-GB" dirty="0"/>
               <a:t>x %&gt;% f(y, z = .) is equivalent to f(y, z = x)</a:t>
             </a:r>
-            <a:endParaRPr/>
+            <a:endParaRPr dirty="0"/>
           </a:p>
           <a:p>
             <a:pPr marL="0" lvl="0" indent="0" algn="l" rtl="0">
@@ -10875,7 +11063,7 @@
               </a:spcAft>
               <a:buNone/>
             </a:pPr>
-            <a:endParaRPr/>
+            <a:endParaRPr dirty="0"/>
           </a:p>
         </p:txBody>
       </p:sp>
@@ -10981,10 +11169,10 @@
               <a:buNone/>
             </a:pPr>
             <a:r>
-              <a:rPr lang="en-GB" sz="2100"/>
+              <a:rPr lang="en-GB" sz="2100" dirty="0"/>
               <a:t>f &lt;- function(x){  sin(cos(x))  }</a:t>
             </a:r>
-            <a:endParaRPr sz="2100"/>
+            <a:endParaRPr sz="2100" dirty="0"/>
           </a:p>
           <a:p>
             <a:pPr marL="0" lvl="0" indent="0" algn="l" rtl="0">
@@ -10997,10 +11185,10 @@
               <a:buNone/>
             </a:pPr>
             <a:r>
-              <a:rPr lang="en-GB" sz="2100"/>
+              <a:rPr lang="en-GB" sz="2100" dirty="0"/>
               <a:t>------------# is equivalent to ---------------------</a:t>
             </a:r>
-            <a:endParaRPr sz="2100"/>
+            <a:endParaRPr sz="2100" dirty="0"/>
           </a:p>
           <a:p>
             <a:pPr marL="0" lvl="0" indent="457200" algn="l" rtl="0">
@@ -11013,10 +11201,10 @@
               <a:buNone/>
             </a:pPr>
             <a:r>
-              <a:rPr lang="en-GB" sz="2100"/>
+              <a:rPr lang="en-GB" sz="2100" dirty="0"/>
               <a:t>f &lt;- . %&gt;% cos %&gt;% sin </a:t>
             </a:r>
-            <a:endParaRPr sz="2100"/>
+            <a:endParaRPr sz="2100" dirty="0"/>
           </a:p>
           <a:p>
             <a:pPr marL="0" lvl="0" indent="0" algn="l" rtl="0">
@@ -11029,10 +11217,10 @@
               <a:buNone/>
             </a:pPr>
             <a:r>
-              <a:rPr lang="en-GB" sz="2100"/>
+              <a:rPr lang="en-GB" sz="2100" dirty="0"/>
               <a:t>-----------------i.e.---------------------------------------</a:t>
             </a:r>
-            <a:endParaRPr sz="2100"/>
+            <a:endParaRPr sz="2100" dirty="0"/>
           </a:p>
           <a:p>
             <a:pPr marL="457200" lvl="0" indent="0" algn="l" rtl="0">
@@ -11045,10 +11233,10 @@
               <a:buNone/>
             </a:pPr>
             <a:r>
-              <a:rPr lang="en-GB" sz="2100"/>
+              <a:rPr lang="en-GB" sz="2100" dirty="0"/>
               <a:t>&gt;f(x) </a:t>
             </a:r>
-            <a:endParaRPr sz="2100"/>
+            <a:endParaRPr sz="2100" dirty="0"/>
           </a:p>
           <a:p>
             <a:pPr marL="457200" lvl="0" indent="0" algn="l" rtl="0">
@@ -11061,10 +11249,10 @@
               <a:buNone/>
             </a:pPr>
             <a:r>
-              <a:rPr lang="en-GB" sz="2100"/>
+              <a:rPr lang="en-GB" sz="2100" dirty="0"/>
               <a:t>will execute sin(cos(x))</a:t>
             </a:r>
-            <a:endParaRPr sz="2100"/>
+            <a:endParaRPr sz="2100" dirty="0"/>
           </a:p>
         </p:txBody>
       </p:sp>
@@ -11164,7 +11352,7 @@
         </p:spPr>
         <p:txBody>
           <a:bodyPr spcFirstLastPara="1" wrap="square" lIns="91425" tIns="91425" rIns="91425" bIns="91425" anchor="t" anchorCtr="0">
-            <a:normAutofit lnSpcReduction="10000"/>
+            <a:normAutofit fontScale="92500" lnSpcReduction="10000"/>
           </a:bodyPr>
           <a:lstStyle/>
           <a:p>
@@ -11178,10 +11366,18 @@
               <a:buNone/>
             </a:pPr>
             <a:r>
-              <a:rPr lang="en-GB"/>
-              <a:t>Hadley Wickham continued to work on dplyr and in April 2014, the %.% operator got replaced with the one that you now know, %&gt;%.</a:t>
-            </a:r>
-            <a:endParaRPr/>
+              <a:rPr lang="en-GB" dirty="0"/>
+              <a:t>Hadley Wickham continued to work on </a:t>
+            </a:r>
+            <a:r>
+              <a:rPr lang="en-GB" dirty="0" err="1"/>
+              <a:t>dplyr</a:t>
+            </a:r>
+            <a:r>
+              <a:rPr lang="en-GB" dirty="0"/>
+              <a:t> and in April 2014, the %.% operator got replaced with the one that you now know, %&gt;%.</a:t>
+            </a:r>
+            <a:endParaRPr dirty="0"/>
           </a:p>
           <a:p>
             <a:pPr marL="0" lvl="0" indent="0" algn="l" rtl="0">
@@ -11193,7 +11389,11 @@
               </a:spcAft>
               <a:buNone/>
             </a:pPr>
-            <a:endParaRPr/>
+            <a:r>
+              <a:rPr lang="en-MY" dirty="0"/>
+              <a:t>Subset (data, condition)</a:t>
+            </a:r>
+            <a:endParaRPr dirty="0"/>
           </a:p>
           <a:p>
             <a:pPr marL="0" lvl="0" indent="0" algn="l" rtl="0">
@@ -11206,10 +11406,10 @@
               <a:buNone/>
             </a:pPr>
             <a:r>
-              <a:rPr lang="en-GB" b="1"/>
+              <a:rPr lang="en-GB" b="1" dirty="0"/>
               <a:t>iris %&gt;%</a:t>
             </a:r>
-            <a:endParaRPr b="1"/>
+            <a:endParaRPr b="1" dirty="0"/>
           </a:p>
           <a:p>
             <a:pPr marL="0" lvl="0" indent="0" algn="l" rtl="0">
@@ -11222,10 +11422,18 @@
               <a:buNone/>
             </a:pPr>
             <a:r>
-              <a:rPr lang="en-GB" b="1"/>
-              <a:t>  subset(Sepal.Length &gt; 5)</a:t>
-            </a:r>
-            <a:endParaRPr b="1"/>
+              <a:rPr lang="en-GB" b="1" dirty="0"/>
+              <a:t>  subset(</a:t>
+            </a:r>
+            <a:r>
+              <a:rPr lang="en-GB" b="1" dirty="0" err="1"/>
+              <a:t>Sepal.Length</a:t>
+            </a:r>
+            <a:r>
+              <a:rPr lang="en-GB" b="1" dirty="0"/>
+              <a:t> &gt; 5)</a:t>
+            </a:r>
+            <a:endParaRPr b="1" dirty="0"/>
           </a:p>
           <a:p>
             <a:pPr marL="0" lvl="0" indent="0" algn="l" rtl="0">
@@ -11238,10 +11446,10 @@
               <a:buNone/>
             </a:pPr>
             <a:r>
-              <a:rPr lang="en-GB" i="1"/>
+              <a:rPr lang="en-GB" i="1" dirty="0"/>
               <a:t>--------------Is the same as -----------------------------------</a:t>
             </a:r>
-            <a:endParaRPr i="1"/>
+            <a:endParaRPr i="1" dirty="0"/>
           </a:p>
           <a:p>
             <a:pPr marL="0" lvl="0" indent="0" algn="l" rtl="0">
@@ -11254,10 +11462,18 @@
               <a:buNone/>
             </a:pPr>
             <a:r>
-              <a:rPr lang="en-GB" b="1"/>
-              <a:t>subset(iris,Sepal.Length &gt; 5) </a:t>
-            </a:r>
-            <a:endParaRPr b="1"/>
+              <a:rPr lang="en-GB" b="1" dirty="0"/>
+              <a:t>subset(</a:t>
+            </a:r>
+            <a:r>
+              <a:rPr lang="en-GB" b="1" dirty="0" err="1"/>
+              <a:t>iris,Sepal.Length</a:t>
+            </a:r>
+            <a:r>
+              <a:rPr lang="en-GB" b="1" dirty="0"/>
+              <a:t> &gt; 5) </a:t>
+            </a:r>
+            <a:endParaRPr b="1" dirty="0"/>
           </a:p>
         </p:txBody>
       </p:sp>
@@ -11357,7 +11573,7 @@
         </p:spPr>
         <p:txBody>
           <a:bodyPr spcFirstLastPara="1" wrap="square" lIns="91425" tIns="91425" rIns="91425" bIns="91425" anchor="t" anchorCtr="0">
-            <a:normAutofit lnSpcReduction="20000"/>
+            <a:normAutofit fontScale="92500" lnSpcReduction="20000"/>
           </a:bodyPr>
           <a:lstStyle/>
           <a:p>
@@ -11371,10 +11587,10 @@
               <a:buNone/>
             </a:pPr>
             <a:r>
-              <a:rPr lang="en-GB"/>
+              <a:rPr lang="en-GB" dirty="0"/>
               <a:t>round(exp(diff(log(x))), 1)</a:t>
             </a:r>
-            <a:endParaRPr/>
+            <a:endParaRPr dirty="0"/>
           </a:p>
           <a:p>
             <a:pPr marL="0" lvl="0" indent="0" algn="l" rtl="0">
@@ -11387,10 +11603,10 @@
               <a:buNone/>
             </a:pPr>
             <a:r>
-              <a:rPr lang="en-GB" b="1" u="sng"/>
+              <a:rPr lang="en-GB" b="1" u="sng" dirty="0"/>
               <a:t>Or </a:t>
             </a:r>
-            <a:endParaRPr b="1" u="sng"/>
+            <a:endParaRPr b="1" u="sng" dirty="0"/>
           </a:p>
           <a:p>
             <a:pPr marL="0" lvl="0" indent="0" algn="l" rtl="0">
@@ -11403,13 +11619,12 @@
               <a:buNone/>
             </a:pPr>
             <a:r>
-              <a:rPr lang="en-GB"/>
+              <a:rPr lang="en-GB" dirty="0"/>
               <a:t>x %&gt;% </a:t>
             </a:r>
-            <a:endParaRPr/>
-          </a:p>
-          <a:p>
-            <a:pPr marL="0" lvl="0" indent="457200" algn="l" rtl="0">
+          </a:p>
+          <a:p>
+            <a:pPr marL="0" lvl="0" indent="0" algn="l" rtl="0">
               <a:spcBef>
                 <a:spcPts val="1200"/>
               </a:spcBef>
@@ -11419,10 +11634,10 @@
               <a:buNone/>
             </a:pPr>
             <a:r>
-              <a:rPr lang="en-GB"/>
-              <a:t>log() %&gt;%</a:t>
-            </a:r>
-            <a:endParaRPr/>
+              <a:rPr lang="en-GB" dirty="0"/>
+              <a:t>	log() %&gt;%</a:t>
+            </a:r>
+            <a:endParaRPr dirty="0"/>
           </a:p>
           <a:p>
             <a:pPr marL="0" lvl="0" indent="0" algn="l" rtl="0">
@@ -11435,10 +11650,10 @@
               <a:buNone/>
             </a:pPr>
             <a:r>
-              <a:rPr lang="en-GB"/>
-              <a:t>    	diff() %&gt;%</a:t>
-            </a:r>
-            <a:endParaRPr/>
+              <a:rPr lang="en-GB" dirty="0"/>
+              <a:t>   	diff() %&gt;%</a:t>
+            </a:r>
+            <a:endParaRPr dirty="0"/>
           </a:p>
           <a:p>
             <a:pPr marL="0" lvl="0" indent="0" algn="l" rtl="0">
@@ -11451,10 +11666,10 @@
               <a:buNone/>
             </a:pPr>
             <a:r>
-              <a:rPr lang="en-GB"/>
+              <a:rPr lang="en-GB" dirty="0"/>
               <a:t>    	exp() %&gt;%</a:t>
             </a:r>
-            <a:endParaRPr/>
+            <a:endParaRPr dirty="0"/>
           </a:p>
           <a:p>
             <a:pPr marL="0" lvl="0" indent="0" algn="l" rtl="0">
@@ -11467,10 +11682,10 @@
               <a:buNone/>
             </a:pPr>
             <a:r>
-              <a:rPr lang="en-GB"/>
+              <a:rPr lang="en-GB" dirty="0"/>
               <a:t>    	round(1)</a:t>
             </a:r>
-            <a:endParaRPr/>
+            <a:endParaRPr dirty="0"/>
           </a:p>
         </p:txBody>
       </p:sp>
